--- a/State-Of-The-Art Music Recommendation.pptx
+++ b/State-Of-The-Art Music Recommendation.pptx
@@ -7,9 +7,10 @@
   <p:sldIdLst>
     <p:sldId id="256" r:id="rId2"/>
     <p:sldId id="257" r:id="rId3"/>
-    <p:sldId id="259" r:id="rId4"/>
-    <p:sldId id="258" r:id="rId5"/>
-    <p:sldId id="260" r:id="rId6"/>
+    <p:sldId id="261" r:id="rId4"/>
+    <p:sldId id="259" r:id="rId5"/>
+    <p:sldId id="258" r:id="rId6"/>
+    <p:sldId id="260" r:id="rId7"/>
   </p:sldIdLst>
   <p:sldSz cx="12192000" cy="6858000"/>
   <p:notesSz cx="6858000" cy="9144000"/>
@@ -108,6 +109,11 @@
       </a:defRPr>
     </a:lvl9pPr>
   </p:defaultTextStyle>
+  <p:extLst>
+    <p:ext uri="{EFAFB233-063F-42B5-8137-9DF3F51BA10A}">
+      <p15:sldGuideLst xmlns:p15="http://schemas.microsoft.com/office/powerpoint/2012/main"/>
+    </p:ext>
+  </p:extLst>
 </p:presentation>
 </file>
 
@@ -260,7 +266,7 @@
           <a:p>
             <a:fld id="{199604B4-0E87-47C9-87F9-9EAF64B51BB5}" type="datetimeFigureOut">
               <a:rPr lang="de-AT" smtClean="0"/>
-              <a:t>03.06.2024</a:t>
+              <a:t>04.06.24</a:t>
             </a:fld>
             <a:endParaRPr lang="de-AT"/>
           </a:p>
@@ -460,7 +466,7 @@
           <a:p>
             <a:fld id="{199604B4-0E87-47C9-87F9-9EAF64B51BB5}" type="datetimeFigureOut">
               <a:rPr lang="de-AT" smtClean="0"/>
-              <a:t>03.06.2024</a:t>
+              <a:t>04.06.24</a:t>
             </a:fld>
             <a:endParaRPr lang="de-AT"/>
           </a:p>
@@ -670,7 +676,7 @@
           <a:p>
             <a:fld id="{199604B4-0E87-47C9-87F9-9EAF64B51BB5}" type="datetimeFigureOut">
               <a:rPr lang="de-AT" smtClean="0"/>
-              <a:t>03.06.2024</a:t>
+              <a:t>04.06.24</a:t>
             </a:fld>
             <a:endParaRPr lang="de-AT"/>
           </a:p>
@@ -870,7 +876,7 @@
           <a:p>
             <a:fld id="{199604B4-0E87-47C9-87F9-9EAF64B51BB5}" type="datetimeFigureOut">
               <a:rPr lang="de-AT" smtClean="0"/>
-              <a:t>03.06.2024</a:t>
+              <a:t>04.06.24</a:t>
             </a:fld>
             <a:endParaRPr lang="de-AT"/>
           </a:p>
@@ -1146,7 +1152,7 @@
           <a:p>
             <a:fld id="{199604B4-0E87-47C9-87F9-9EAF64B51BB5}" type="datetimeFigureOut">
               <a:rPr lang="de-AT" smtClean="0"/>
-              <a:t>03.06.2024</a:t>
+              <a:t>04.06.24</a:t>
             </a:fld>
             <a:endParaRPr lang="de-AT"/>
           </a:p>
@@ -1414,7 +1420,7 @@
           <a:p>
             <a:fld id="{199604B4-0E87-47C9-87F9-9EAF64B51BB5}" type="datetimeFigureOut">
               <a:rPr lang="de-AT" smtClean="0"/>
-              <a:t>03.06.2024</a:t>
+              <a:t>04.06.24</a:t>
             </a:fld>
             <a:endParaRPr lang="de-AT"/>
           </a:p>
@@ -1829,7 +1835,7 @@
           <a:p>
             <a:fld id="{199604B4-0E87-47C9-87F9-9EAF64B51BB5}" type="datetimeFigureOut">
               <a:rPr lang="de-AT" smtClean="0"/>
-              <a:t>03.06.2024</a:t>
+              <a:t>04.06.24</a:t>
             </a:fld>
             <a:endParaRPr lang="de-AT"/>
           </a:p>
@@ -1971,7 +1977,7 @@
           <a:p>
             <a:fld id="{199604B4-0E87-47C9-87F9-9EAF64B51BB5}" type="datetimeFigureOut">
               <a:rPr lang="de-AT" smtClean="0"/>
-              <a:t>03.06.2024</a:t>
+              <a:t>04.06.24</a:t>
             </a:fld>
             <a:endParaRPr lang="de-AT"/>
           </a:p>
@@ -2084,7 +2090,7 @@
           <a:p>
             <a:fld id="{199604B4-0E87-47C9-87F9-9EAF64B51BB5}" type="datetimeFigureOut">
               <a:rPr lang="de-AT" smtClean="0"/>
-              <a:t>03.06.2024</a:t>
+              <a:t>04.06.24</a:t>
             </a:fld>
             <a:endParaRPr lang="de-AT"/>
           </a:p>
@@ -2397,7 +2403,7 @@
           <a:p>
             <a:fld id="{199604B4-0E87-47C9-87F9-9EAF64B51BB5}" type="datetimeFigureOut">
               <a:rPr lang="de-AT" smtClean="0"/>
-              <a:t>03.06.2024</a:t>
+              <a:t>04.06.24</a:t>
             </a:fld>
             <a:endParaRPr lang="de-AT"/>
           </a:p>
@@ -2686,7 +2692,7 @@
           <a:p>
             <a:fld id="{199604B4-0E87-47C9-87F9-9EAF64B51BB5}" type="datetimeFigureOut">
               <a:rPr lang="de-AT" smtClean="0"/>
-              <a:t>03.06.2024</a:t>
+              <a:t>04.06.24</a:t>
             </a:fld>
             <a:endParaRPr lang="de-AT"/>
           </a:p>
@@ -2929,7 +2935,7 @@
           <a:p>
             <a:fld id="{199604B4-0E87-47C9-87F9-9EAF64B51BB5}" type="datetimeFigureOut">
               <a:rPr lang="de-AT" smtClean="0"/>
-              <a:t>03.06.2024</a:t>
+              <a:t>04.06.24</a:t>
             </a:fld>
             <a:endParaRPr lang="de-AT"/>
           </a:p>
@@ -3332,6 +3338,14 @@
 <file path=ppt/slides/slide1.xml><?xml version="1.0" encoding="utf-8"?>
 <p:sld xmlns:a="http://schemas.openxmlformats.org/drawingml/2006/main" xmlns:r="http://schemas.openxmlformats.org/officeDocument/2006/relationships" xmlns:p="http://schemas.openxmlformats.org/presentationml/2006/main">
   <p:cSld>
+    <p:bg>
+      <p:bgPr>
+        <a:solidFill>
+          <a:schemeClr val="bg1"/>
+        </a:solidFill>
+        <a:effectLst/>
+      </p:bgPr>
+    </p:bg>
     <p:spTree>
       <p:nvGrpSpPr>
         <p:cNvPr id="1" name=""/>
@@ -3346,6 +3360,195 @@
           <a:chExt cx="0" cy="0"/>
         </a:xfrm>
       </p:grpSpPr>
+      <p:sp useBgFill="1">
+        <p:nvSpPr>
+          <p:cNvPr id="8" name="Rectangle 7">
+            <a:extLst>
+              <a:ext uri="{FF2B5EF4-FFF2-40B4-BE49-F238E27FC236}">
+                <a16:creationId xmlns:a16="http://schemas.microsoft.com/office/drawing/2014/main" id="{934F1179-B481-4F9E-BCA3-AFB972070F83}"/>
+              </a:ext>
+              <a:ext uri="{C183D7F6-B498-43B3-948B-1728B52AA6E4}">
+                <adec:decorative xmlns:adec="http://schemas.microsoft.com/office/drawing/2017/decorative" val="1"/>
+              </a:ext>
+            </a:extLst>
+          </p:cNvPr>
+          <p:cNvSpPr>
+            <a:spLocks noGrp="1" noRot="1" noChangeAspect="1" noMove="1" noResize="1" noEditPoints="1" noAdjustHandles="1" noChangeArrowheads="1" noChangeShapeType="1" noTextEdit="1"/>
+          </p:cNvSpPr>
+          <p:nvPr>
+            <p:extLst>
+              <p:ext uri="{386F3935-93C4-4BCD-93E2-E3B085C9AB24}">
+                <p16:designElem xmlns:p16="http://schemas.microsoft.com/office/powerpoint/2015/main" val="1"/>
+              </p:ext>
+            </p:extLst>
+          </p:nvPr>
+        </p:nvSpPr>
+        <p:spPr>
+          <a:xfrm>
+            <a:off x="0" y="0"/>
+            <a:ext cx="12192000" cy="6858000"/>
+          </a:xfrm>
+          <a:prstGeom prst="rect">
+            <a:avLst/>
+          </a:prstGeom>
+          <a:ln>
+            <a:noFill/>
+          </a:ln>
+        </p:spPr>
+        <p:style>
+          <a:lnRef idx="2">
+            <a:schemeClr val="accent1">
+              <a:shade val="50000"/>
+            </a:schemeClr>
+          </a:lnRef>
+          <a:fillRef idx="1">
+            <a:schemeClr val="accent1"/>
+          </a:fillRef>
+          <a:effectRef idx="0">
+            <a:schemeClr val="accent1"/>
+          </a:effectRef>
+          <a:fontRef idx="minor">
+            <a:schemeClr val="lt1"/>
+          </a:fontRef>
+        </p:style>
+        <p:txBody>
+          <a:bodyPr rtlCol="0" anchor="ctr"/>
+          <a:lstStyle/>
+          <a:p>
+            <a:pPr algn="ctr"/>
+            <a:endParaRPr lang="en-US"/>
+          </a:p>
+        </p:txBody>
+      </p:sp>
+      <p:sp>
+        <p:nvSpPr>
+          <p:cNvPr id="10" name="Right Triangle 9">
+            <a:extLst>
+              <a:ext uri="{FF2B5EF4-FFF2-40B4-BE49-F238E27FC236}">
+                <a16:creationId xmlns:a16="http://schemas.microsoft.com/office/drawing/2014/main" id="{827DC2C4-B485-428A-BF4A-472D2967F47F}"/>
+              </a:ext>
+              <a:ext uri="{C183D7F6-B498-43B3-948B-1728B52AA6E4}">
+                <adec:decorative xmlns:adec="http://schemas.microsoft.com/office/drawing/2017/decorative" val="1"/>
+              </a:ext>
+            </a:extLst>
+          </p:cNvPr>
+          <p:cNvSpPr>
+            <a:spLocks noGrp="1" noRot="1" noChangeAspect="1" noMove="1" noResize="1" noEditPoints="1" noAdjustHandles="1" noChangeArrowheads="1" noChangeShapeType="1" noTextEdit="1"/>
+          </p:cNvSpPr>
+          <p:nvPr>
+            <p:extLst>
+              <p:ext uri="{386F3935-93C4-4BCD-93E2-E3B085C9AB24}">
+                <p16:designElem xmlns:p16="http://schemas.microsoft.com/office/powerpoint/2015/main" val="1"/>
+              </p:ext>
+            </p:extLst>
+          </p:nvPr>
+        </p:nvSpPr>
+        <p:spPr>
+          <a:xfrm flipH="1">
+            <a:off x="8576720" y="3335867"/>
+            <a:ext cx="3291840" cy="3200400"/>
+          </a:xfrm>
+          <a:prstGeom prst="rtTriangle">
+            <a:avLst/>
+          </a:prstGeom>
+          <a:solidFill>
+            <a:schemeClr val="accent4"/>
+          </a:solidFill>
+          <a:ln>
+            <a:noFill/>
+          </a:ln>
+        </p:spPr>
+        <p:style>
+          <a:lnRef idx="2">
+            <a:schemeClr val="accent1">
+              <a:shade val="50000"/>
+            </a:schemeClr>
+          </a:lnRef>
+          <a:fillRef idx="1">
+            <a:schemeClr val="accent1"/>
+          </a:fillRef>
+          <a:effectRef idx="0">
+            <a:schemeClr val="accent1"/>
+          </a:effectRef>
+          <a:fontRef idx="minor">
+            <a:schemeClr val="lt1"/>
+          </a:fontRef>
+        </p:style>
+        <p:txBody>
+          <a:bodyPr rtlCol="0" anchor="ctr"/>
+          <a:lstStyle/>
+          <a:p>
+            <a:pPr algn="ctr"/>
+            <a:endParaRPr lang="en-US" dirty="0"/>
+          </a:p>
+        </p:txBody>
+      </p:sp>
+      <p:sp>
+        <p:nvSpPr>
+          <p:cNvPr id="12" name="Rectangle 11">
+            <a:extLst>
+              <a:ext uri="{FF2B5EF4-FFF2-40B4-BE49-F238E27FC236}">
+                <a16:creationId xmlns:a16="http://schemas.microsoft.com/office/drawing/2014/main" id="{EE04B5EB-F158-4507-90DD-BD23620C7CC9}"/>
+              </a:ext>
+              <a:ext uri="{C183D7F6-B498-43B3-948B-1728B52AA6E4}">
+                <adec:decorative xmlns:adec="http://schemas.microsoft.com/office/drawing/2017/decorative" val="1"/>
+              </a:ext>
+            </a:extLst>
+          </p:cNvPr>
+          <p:cNvSpPr>
+            <a:spLocks noGrp="1" noRot="1" noChangeAspect="1" noMove="1" noResize="1" noEditPoints="1" noAdjustHandles="1" noChangeArrowheads="1" noChangeShapeType="1" noTextEdit="1"/>
+          </p:cNvSpPr>
+          <p:nvPr>
+            <p:extLst>
+              <p:ext uri="{386F3935-93C4-4BCD-93E2-E3B085C9AB24}">
+                <p16:designElem xmlns:p16="http://schemas.microsoft.com/office/powerpoint/2015/main" val="1"/>
+              </p:ext>
+            </p:extLst>
+          </p:nvPr>
+        </p:nvSpPr>
+        <p:spPr>
+          <a:xfrm>
+            <a:off x="641774" y="623275"/>
+            <a:ext cx="10905053" cy="5607882"/>
+          </a:xfrm>
+          <a:prstGeom prst="rect">
+            <a:avLst/>
+          </a:prstGeom>
+          <a:noFill/>
+          <a:ln w="19050">
+            <a:solidFill>
+              <a:schemeClr val="tx1">
+                <a:lumMod val="75000"/>
+                <a:lumOff val="25000"/>
+              </a:schemeClr>
+            </a:solidFill>
+          </a:ln>
+        </p:spPr>
+        <p:style>
+          <a:lnRef idx="2">
+            <a:schemeClr val="accent1">
+              <a:shade val="50000"/>
+            </a:schemeClr>
+          </a:lnRef>
+          <a:fillRef idx="1">
+            <a:schemeClr val="accent1"/>
+          </a:fillRef>
+          <a:effectRef idx="0">
+            <a:schemeClr val="accent1"/>
+          </a:effectRef>
+          <a:fontRef idx="minor">
+            <a:schemeClr val="lt1"/>
+          </a:fontRef>
+        </p:style>
+        <p:txBody>
+          <a:bodyPr rtlCol="0" anchor="ctr"/>
+          <a:lstStyle/>
+          <a:p>
+            <a:pPr algn="ctr"/>
+            <a:endParaRPr lang="en-US"/>
+          </a:p>
+        </p:txBody>
+      </p:sp>
       <p:sp>
         <p:nvSpPr>
           <p:cNvPr id="2" name="Titel 1">
@@ -3362,28 +3565,36 @@
             <p:ph type="ctrTitle"/>
           </p:nvPr>
         </p:nvSpPr>
-        <p:spPr/>
-        <p:txBody>
-          <a:bodyPr/>
-          <a:lstStyle/>
-          <a:p>
-            <a:r>
-              <a:rPr lang="de-AT" dirty="0"/>
+        <p:spPr>
+          <a:xfrm>
+            <a:off x="1285241" y="1008993"/>
+            <a:ext cx="9231410" cy="3542045"/>
+          </a:xfrm>
+        </p:spPr>
+        <p:txBody>
+          <a:bodyPr anchor="b">
+            <a:normAutofit/>
+          </a:bodyPr>
+          <a:lstStyle/>
+          <a:p>
+            <a:pPr algn="l"/>
+            <a:r>
+              <a:rPr lang="de-AT" sz="8100" dirty="0"/>
               <a:t>State-</a:t>
             </a:r>
             <a:r>
-              <a:rPr lang="de-AT" dirty="0" err="1"/>
+              <a:rPr lang="de-AT" sz="8100" dirty="0" err="1"/>
               <a:t>Of</a:t>
             </a:r>
             <a:r>
-              <a:rPr lang="de-AT" dirty="0"/>
+              <a:rPr lang="de-AT" sz="8100" dirty="0"/>
               <a:t>-The-Art Music </a:t>
             </a:r>
             <a:r>
-              <a:rPr lang="de-AT" dirty="0" err="1"/>
+              <a:rPr lang="de-AT" sz="8100" dirty="0" err="1"/>
               <a:t>Recommendation</a:t>
             </a:r>
-            <a:endParaRPr lang="de-AT" dirty="0"/>
+            <a:endParaRPr lang="de-AT" sz="8100" dirty="0"/>
           </a:p>
         </p:txBody>
       </p:sp>
@@ -3403,17 +3614,27 @@
             <p:ph type="subTitle" idx="1"/>
           </p:nvPr>
         </p:nvSpPr>
-        <p:spPr/>
-        <p:txBody>
-          <a:bodyPr/>
-          <a:lstStyle/>
-          <a:p>
+        <p:spPr>
+          <a:xfrm>
+            <a:off x="1285241" y="4582814"/>
+            <a:ext cx="7132335" cy="1312657"/>
+          </a:xfrm>
+        </p:spPr>
+        <p:txBody>
+          <a:bodyPr anchor="t">
+            <a:normAutofit/>
+          </a:bodyPr>
+          <a:lstStyle/>
+          <a:p>
+            <a:pPr algn="l"/>
             <a:r>
               <a:rPr lang="de-AT" dirty="0"/>
               <a:t>Seminar Paper</a:t>
             </a:r>
-          </a:p>
-          <a:p>
+            <a:endParaRPr lang="de-AT"/>
+          </a:p>
+          <a:p>
+            <a:pPr algn="l"/>
             <a:r>
               <a:rPr lang="de-AT" dirty="0"/>
               <a:t>Katharina </a:t>
@@ -3422,7 +3643,7 @@
               <a:rPr lang="de-AT" dirty="0" err="1"/>
               <a:t>Stengg</a:t>
             </a:r>
-            <a:endParaRPr lang="de-AT" dirty="0"/>
+            <a:endParaRPr lang="de-AT"/>
           </a:p>
         </p:txBody>
       </p:sp>
@@ -3442,6 +3663,14 @@
 <file path=ppt/slides/slide2.xml><?xml version="1.0" encoding="utf-8"?>
 <p:sld xmlns:a="http://schemas.openxmlformats.org/drawingml/2006/main" xmlns:r="http://schemas.openxmlformats.org/officeDocument/2006/relationships" xmlns:p="http://schemas.openxmlformats.org/presentationml/2006/main">
   <p:cSld>
+    <p:bg>
+      <p:bgPr>
+        <a:solidFill>
+          <a:schemeClr val="bg1"/>
+        </a:solidFill>
+        <a:effectLst/>
+      </p:bgPr>
+    </p:bg>
     <p:spTree>
       <p:nvGrpSpPr>
         <p:cNvPr id="1" name=""/>
@@ -3456,6 +3685,382 @@
           <a:chExt cx="0" cy="0"/>
         </a:xfrm>
       </p:grpSpPr>
+      <p:sp useBgFill="1">
+        <p:nvSpPr>
+          <p:cNvPr id="8" name="Rectangle 7">
+            <a:extLst>
+              <a:ext uri="{FF2B5EF4-FFF2-40B4-BE49-F238E27FC236}">
+                <a16:creationId xmlns:a16="http://schemas.microsoft.com/office/drawing/2014/main" id="{081EA652-8C6A-4E69-BEB9-170809474553}"/>
+              </a:ext>
+              <a:ext uri="{C183D7F6-B498-43B3-948B-1728B52AA6E4}">
+                <adec:decorative xmlns:adec="http://schemas.microsoft.com/office/drawing/2017/decorative" val="1"/>
+              </a:ext>
+            </a:extLst>
+          </p:cNvPr>
+          <p:cNvSpPr>
+            <a:spLocks noGrp="1" noRot="1" noChangeAspect="1" noMove="1" noResize="1" noEditPoints="1" noAdjustHandles="1" noChangeArrowheads="1" noChangeShapeType="1" noTextEdit="1"/>
+          </p:cNvSpPr>
+          <p:nvPr>
+            <p:extLst>
+              <p:ext uri="{386F3935-93C4-4BCD-93E2-E3B085C9AB24}">
+                <p16:designElem xmlns:p16="http://schemas.microsoft.com/office/powerpoint/2015/main" val="1"/>
+              </p:ext>
+            </p:extLst>
+          </p:nvPr>
+        </p:nvSpPr>
+        <p:spPr>
+          <a:xfrm>
+            <a:off x="0" y="0"/>
+            <a:ext cx="12192000" cy="6858000"/>
+          </a:xfrm>
+          <a:prstGeom prst="rect">
+            <a:avLst/>
+          </a:prstGeom>
+          <a:ln>
+            <a:noFill/>
+          </a:ln>
+        </p:spPr>
+        <p:style>
+          <a:lnRef idx="2">
+            <a:schemeClr val="accent1">
+              <a:shade val="50000"/>
+            </a:schemeClr>
+          </a:lnRef>
+          <a:fillRef idx="1">
+            <a:schemeClr val="accent1"/>
+          </a:fillRef>
+          <a:effectRef idx="0">
+            <a:schemeClr val="accent1"/>
+          </a:effectRef>
+          <a:fontRef idx="minor">
+            <a:schemeClr val="lt1"/>
+          </a:fontRef>
+        </p:style>
+        <p:txBody>
+          <a:bodyPr rtlCol="0" anchor="ctr"/>
+          <a:lstStyle/>
+          <a:p>
+            <a:pPr algn="ctr"/>
+            <a:endParaRPr lang="en-US"/>
+          </a:p>
+        </p:txBody>
+      </p:sp>
+      <p:sp>
+        <p:nvSpPr>
+          <p:cNvPr id="10" name="Freeform: Shape 9">
+            <a:extLst>
+              <a:ext uri="{FF2B5EF4-FFF2-40B4-BE49-F238E27FC236}">
+                <a16:creationId xmlns:a16="http://schemas.microsoft.com/office/drawing/2014/main" id="{A4026A73-1F7F-49F2-B319-8CA3B3D53269}"/>
+              </a:ext>
+              <a:ext uri="{C183D7F6-B498-43B3-948B-1728B52AA6E4}">
+                <adec:decorative xmlns:adec="http://schemas.microsoft.com/office/drawing/2017/decorative" val="1"/>
+              </a:ext>
+            </a:extLst>
+          </p:cNvPr>
+          <p:cNvSpPr>
+            <a:spLocks noGrp="1" noRot="1" noChangeAspect="1" noMove="1" noResize="1" noEditPoints="1" noAdjustHandles="1" noChangeArrowheads="1" noChangeShapeType="1" noTextEdit="1"/>
+          </p:cNvSpPr>
+          <p:nvPr>
+            <p:extLst>
+              <p:ext uri="{386F3935-93C4-4BCD-93E2-E3B085C9AB24}">
+                <p16:designElem xmlns:p16="http://schemas.microsoft.com/office/powerpoint/2015/main" val="1"/>
+              </p:ext>
+            </p:extLst>
+          </p:nvPr>
+        </p:nvSpPr>
+        <p:spPr>
+          <a:xfrm>
+            <a:off x="321732" y="321733"/>
+            <a:ext cx="11546828" cy="6214534"/>
+          </a:xfrm>
+          <a:custGeom>
+            <a:avLst/>
+            <a:gdLst>
+              <a:gd name="connsiteX0" fmla="*/ 0 w 11546828"/>
+              <a:gd name="connsiteY0" fmla="*/ 0 h 6214534"/>
+              <a:gd name="connsiteX1" fmla="*/ 7965430 w 11546828"/>
+              <a:gd name="connsiteY1" fmla="*/ 0 h 6214534"/>
+              <a:gd name="connsiteX2" fmla="*/ 7965430 w 11546828"/>
+              <a:gd name="connsiteY2" fmla="*/ 1786 h 6214534"/>
+              <a:gd name="connsiteX3" fmla="*/ 11546828 w 11546828"/>
+              <a:gd name="connsiteY3" fmla="*/ 1786 h 6214534"/>
+              <a:gd name="connsiteX4" fmla="*/ 11546828 w 11546828"/>
+              <a:gd name="connsiteY4" fmla="*/ 2866740 h 6214534"/>
+              <a:gd name="connsiteX5" fmla="*/ 11225095 w 11546828"/>
+              <a:gd name="connsiteY5" fmla="*/ 3179536 h 6214534"/>
+              <a:gd name="connsiteX6" fmla="*/ 11225095 w 11546828"/>
+              <a:gd name="connsiteY6" fmla="*/ 301542 h 6214534"/>
+              <a:gd name="connsiteX7" fmla="*/ 320042 w 11546828"/>
+              <a:gd name="connsiteY7" fmla="*/ 301542 h 6214534"/>
+              <a:gd name="connsiteX8" fmla="*/ 320042 w 11546828"/>
+              <a:gd name="connsiteY8" fmla="*/ 5909424 h 6214534"/>
+              <a:gd name="connsiteX9" fmla="*/ 8417210 w 11546828"/>
+              <a:gd name="connsiteY9" fmla="*/ 5909424 h 6214534"/>
+              <a:gd name="connsiteX10" fmla="*/ 8103383 w 11546828"/>
+              <a:gd name="connsiteY10" fmla="*/ 6214534 h 6214534"/>
+              <a:gd name="connsiteX11" fmla="*/ 7222929 w 11546828"/>
+              <a:gd name="connsiteY11" fmla="*/ 6214534 h 6214534"/>
+              <a:gd name="connsiteX12" fmla="*/ 7222929 w 11546828"/>
+              <a:gd name="connsiteY12" fmla="*/ 6212748 h 6214534"/>
+              <a:gd name="connsiteX13" fmla="*/ 0 w 11546828"/>
+              <a:gd name="connsiteY13" fmla="*/ 6212748 h 6214534"/>
+            </a:gdLst>
+            <a:ahLst/>
+            <a:cxnLst>
+              <a:cxn ang="0">
+                <a:pos x="connsiteX0" y="connsiteY0"/>
+              </a:cxn>
+              <a:cxn ang="0">
+                <a:pos x="connsiteX1" y="connsiteY1"/>
+              </a:cxn>
+              <a:cxn ang="0">
+                <a:pos x="connsiteX2" y="connsiteY2"/>
+              </a:cxn>
+              <a:cxn ang="0">
+                <a:pos x="connsiteX3" y="connsiteY3"/>
+              </a:cxn>
+              <a:cxn ang="0">
+                <a:pos x="connsiteX4" y="connsiteY4"/>
+              </a:cxn>
+              <a:cxn ang="0">
+                <a:pos x="connsiteX5" y="connsiteY5"/>
+              </a:cxn>
+              <a:cxn ang="0">
+                <a:pos x="connsiteX6" y="connsiteY6"/>
+              </a:cxn>
+              <a:cxn ang="0">
+                <a:pos x="connsiteX7" y="connsiteY7"/>
+              </a:cxn>
+              <a:cxn ang="0">
+                <a:pos x="connsiteX8" y="connsiteY8"/>
+              </a:cxn>
+              <a:cxn ang="0">
+                <a:pos x="connsiteX9" y="connsiteY9"/>
+              </a:cxn>
+              <a:cxn ang="0">
+                <a:pos x="connsiteX10" y="connsiteY10"/>
+              </a:cxn>
+              <a:cxn ang="0">
+                <a:pos x="connsiteX11" y="connsiteY11"/>
+              </a:cxn>
+              <a:cxn ang="0">
+                <a:pos x="connsiteX12" y="connsiteY12"/>
+              </a:cxn>
+              <a:cxn ang="0">
+                <a:pos x="connsiteX13" y="connsiteY13"/>
+              </a:cxn>
+            </a:cxnLst>
+            <a:rect l="l" t="t" r="r" b="b"/>
+            <a:pathLst>
+              <a:path w="11546828" h="6214534">
+                <a:moveTo>
+                  <a:pt x="0" y="0"/>
+                </a:moveTo>
+                <a:lnTo>
+                  <a:pt x="7965430" y="0"/>
+                </a:lnTo>
+                <a:lnTo>
+                  <a:pt x="7965430" y="1786"/>
+                </a:lnTo>
+                <a:lnTo>
+                  <a:pt x="11546828" y="1786"/>
+                </a:lnTo>
+                <a:lnTo>
+                  <a:pt x="11546828" y="2866740"/>
+                </a:lnTo>
+                <a:lnTo>
+                  <a:pt x="11225095" y="3179536"/>
+                </a:lnTo>
+                <a:lnTo>
+                  <a:pt x="11225095" y="301542"/>
+                </a:lnTo>
+                <a:lnTo>
+                  <a:pt x="320042" y="301542"/>
+                </a:lnTo>
+                <a:lnTo>
+                  <a:pt x="320042" y="5909424"/>
+                </a:lnTo>
+                <a:lnTo>
+                  <a:pt x="8417210" y="5909424"/>
+                </a:lnTo>
+                <a:lnTo>
+                  <a:pt x="8103383" y="6214534"/>
+                </a:lnTo>
+                <a:lnTo>
+                  <a:pt x="7222929" y="6214534"/>
+                </a:lnTo>
+                <a:lnTo>
+                  <a:pt x="7222929" y="6212748"/>
+                </a:lnTo>
+                <a:lnTo>
+                  <a:pt x="0" y="6212748"/>
+                </a:lnTo>
+                <a:close/>
+              </a:path>
+            </a:pathLst>
+          </a:custGeom>
+          <a:solidFill>
+            <a:schemeClr val="tx1">
+              <a:lumMod val="50000"/>
+              <a:lumOff val="50000"/>
+              <a:alpha val="25000"/>
+            </a:schemeClr>
+          </a:solidFill>
+          <a:ln>
+            <a:noFill/>
+          </a:ln>
+        </p:spPr>
+        <p:style>
+          <a:lnRef idx="2">
+            <a:schemeClr val="accent1">
+              <a:shade val="50000"/>
+            </a:schemeClr>
+          </a:lnRef>
+          <a:fillRef idx="1">
+            <a:schemeClr val="accent1"/>
+          </a:fillRef>
+          <a:effectRef idx="0">
+            <a:schemeClr val="accent1"/>
+          </a:effectRef>
+          <a:fontRef idx="minor">
+            <a:schemeClr val="lt1"/>
+          </a:fontRef>
+        </p:style>
+        <p:txBody>
+          <a:bodyPr wrap="square" rtlCol="0" anchor="ctr">
+            <a:noAutofit/>
+          </a:bodyPr>
+          <a:lstStyle/>
+          <a:p>
+            <a:pPr algn="ctr"/>
+            <a:endParaRPr lang="en-US"/>
+          </a:p>
+        </p:txBody>
+      </p:sp>
+      <p:sp>
+        <p:nvSpPr>
+          <p:cNvPr id="12" name="Right Triangle 11">
+            <a:extLst>
+              <a:ext uri="{FF2B5EF4-FFF2-40B4-BE49-F238E27FC236}">
+                <a16:creationId xmlns:a16="http://schemas.microsoft.com/office/drawing/2014/main" id="{5298780A-33B9-4EA2-8F67-DE68AD62841B}"/>
+              </a:ext>
+              <a:ext uri="{C183D7F6-B498-43B3-948B-1728B52AA6E4}">
+                <adec:decorative xmlns:adec="http://schemas.microsoft.com/office/drawing/2017/decorative" val="1"/>
+              </a:ext>
+            </a:extLst>
+          </p:cNvPr>
+          <p:cNvSpPr>
+            <a:spLocks noGrp="1" noRot="1" noChangeAspect="1" noMove="1" noResize="1" noEditPoints="1" noAdjustHandles="1" noChangeArrowheads="1" noChangeShapeType="1" noTextEdit="1"/>
+          </p:cNvSpPr>
+          <p:nvPr>
+            <p:extLst>
+              <p:ext uri="{386F3935-93C4-4BCD-93E2-E3B085C9AB24}">
+                <p16:designElem xmlns:p16="http://schemas.microsoft.com/office/powerpoint/2015/main" val="1"/>
+              </p:ext>
+            </p:extLst>
+          </p:nvPr>
+        </p:nvSpPr>
+        <p:spPr>
+          <a:xfrm flipH="1">
+            <a:off x="8576720" y="3335867"/>
+            <a:ext cx="3291840" cy="3200400"/>
+          </a:xfrm>
+          <a:prstGeom prst="rtTriangle">
+            <a:avLst/>
+          </a:prstGeom>
+          <a:solidFill>
+            <a:schemeClr val="accent4"/>
+          </a:solidFill>
+          <a:ln>
+            <a:noFill/>
+          </a:ln>
+        </p:spPr>
+        <p:style>
+          <a:lnRef idx="2">
+            <a:schemeClr val="accent1">
+              <a:shade val="50000"/>
+            </a:schemeClr>
+          </a:lnRef>
+          <a:fillRef idx="1">
+            <a:schemeClr val="accent1"/>
+          </a:fillRef>
+          <a:effectRef idx="0">
+            <a:schemeClr val="accent1"/>
+          </a:effectRef>
+          <a:fontRef idx="minor">
+            <a:schemeClr val="lt1"/>
+          </a:fontRef>
+        </p:style>
+        <p:txBody>
+          <a:bodyPr rtlCol="0" anchor="ctr"/>
+          <a:lstStyle/>
+          <a:p>
+            <a:pPr algn="ctr"/>
+            <a:endParaRPr lang="en-US" dirty="0"/>
+          </a:p>
+        </p:txBody>
+      </p:sp>
+      <p:sp>
+        <p:nvSpPr>
+          <p:cNvPr id="14" name="Rectangle 13">
+            <a:extLst>
+              <a:ext uri="{FF2B5EF4-FFF2-40B4-BE49-F238E27FC236}">
+                <a16:creationId xmlns:a16="http://schemas.microsoft.com/office/drawing/2014/main" id="{7F488E8B-4E1E-4402-8935-D4E6C02615C7}"/>
+              </a:ext>
+              <a:ext uri="{C183D7F6-B498-43B3-948B-1728B52AA6E4}">
+                <adec:decorative xmlns:adec="http://schemas.microsoft.com/office/drawing/2017/decorative" val="1"/>
+              </a:ext>
+            </a:extLst>
+          </p:cNvPr>
+          <p:cNvSpPr>
+            <a:spLocks noGrp="1" noRot="1" noChangeAspect="1" noMove="1" noResize="1" noEditPoints="1" noAdjustHandles="1" noChangeArrowheads="1" noChangeShapeType="1" noTextEdit="1"/>
+          </p:cNvSpPr>
+          <p:nvPr>
+            <p:extLst>
+              <p:ext uri="{386F3935-93C4-4BCD-93E2-E3B085C9AB24}">
+                <p16:designElem xmlns:p16="http://schemas.microsoft.com/office/powerpoint/2015/main" val="1"/>
+              </p:ext>
+            </p:extLst>
+          </p:nvPr>
+        </p:nvSpPr>
+        <p:spPr>
+          <a:xfrm>
+            <a:off x="641774" y="623275"/>
+            <a:ext cx="10905053" cy="5607882"/>
+          </a:xfrm>
+          <a:prstGeom prst="rect">
+            <a:avLst/>
+          </a:prstGeom>
+          <a:noFill/>
+          <a:ln w="19050">
+            <a:noFill/>
+          </a:ln>
+        </p:spPr>
+        <p:style>
+          <a:lnRef idx="2">
+            <a:schemeClr val="accent1">
+              <a:shade val="50000"/>
+            </a:schemeClr>
+          </a:lnRef>
+          <a:fillRef idx="1">
+            <a:schemeClr val="accent1"/>
+          </a:fillRef>
+          <a:effectRef idx="0">
+            <a:schemeClr val="accent1"/>
+          </a:effectRef>
+          <a:fontRef idx="minor">
+            <a:schemeClr val="lt1"/>
+          </a:fontRef>
+        </p:style>
+        <p:txBody>
+          <a:bodyPr rtlCol="0" anchor="ctr"/>
+          <a:lstStyle/>
+          <a:p>
+            <a:pPr algn="ctr"/>
+            <a:endParaRPr lang="en-US"/>
+          </a:p>
+        </p:txBody>
+      </p:sp>
       <p:sp>
         <p:nvSpPr>
           <p:cNvPr id="2" name="Titel 1">
@@ -3472,22 +4077,81 @@
             <p:ph type="title"/>
           </p:nvPr>
         </p:nvSpPr>
-        <p:spPr/>
-        <p:txBody>
-          <a:bodyPr/>
-          <a:lstStyle/>
-          <a:p>
-            <a:r>
-              <a:rPr lang="de-AT" dirty="0" err="1"/>
-              <a:t>Why</a:t>
-            </a:r>
-            <a:r>
-              <a:rPr lang="de-AT" dirty="0"/>
-              <a:t>?	</a:t>
-            </a:r>
-          </a:p>
-        </p:txBody>
-      </p:sp>
+        <p:spPr>
+          <a:xfrm>
+            <a:off x="1006900" y="1188637"/>
+            <a:ext cx="3141430" cy="4480726"/>
+          </a:xfrm>
+        </p:spPr>
+        <p:txBody>
+          <a:bodyPr>
+            <a:normAutofit/>
+          </a:bodyPr>
+          <a:lstStyle/>
+          <a:p>
+            <a:pPr algn="r"/>
+            <a:r>
+              <a:rPr lang="de-AT" sz="6600"/>
+              <a:t>Why?	</a:t>
+            </a:r>
+          </a:p>
+        </p:txBody>
+      </p:sp>
+      <p:cxnSp>
+        <p:nvCxnSpPr>
+          <p:cNvPr id="16" name="Straight Connector 15">
+            <a:extLst>
+              <a:ext uri="{FF2B5EF4-FFF2-40B4-BE49-F238E27FC236}">
+                <a16:creationId xmlns:a16="http://schemas.microsoft.com/office/drawing/2014/main" id="{23AAC9B5-8015-485C-ACF9-A750390E9A56}"/>
+              </a:ext>
+              <a:ext uri="{C183D7F6-B498-43B3-948B-1728B52AA6E4}">
+                <adec:decorative xmlns:adec="http://schemas.microsoft.com/office/drawing/2017/decorative" val="1"/>
+              </a:ext>
+            </a:extLst>
+          </p:cNvPr>
+          <p:cNvCxnSpPr>
+            <a:cxnSpLocks noGrp="1" noRot="1" noChangeAspect="1" noMove="1" noResize="1" noEditPoints="1" noAdjustHandles="1" noChangeArrowheads="1" noChangeShapeType="1"/>
+          </p:cNvCxnSpPr>
+          <p:nvPr>
+            <p:extLst>
+              <p:ext uri="{386F3935-93C4-4BCD-93E2-E3B085C9AB24}">
+                <p16:designElem xmlns:p16="http://schemas.microsoft.com/office/powerpoint/2015/main" val="1"/>
+              </p:ext>
+            </p:extLst>
+          </p:nvPr>
+        </p:nvCxnSpPr>
+        <p:spPr>
+          <a:xfrm>
+            <a:off x="4654296" y="1852863"/>
+            <a:ext cx="0" cy="3236495"/>
+          </a:xfrm>
+          <a:prstGeom prst="line">
+            <a:avLst/>
+          </a:prstGeom>
+          <a:ln w="19050" cap="sq">
+            <a:solidFill>
+              <a:schemeClr val="tx1">
+                <a:lumMod val="75000"/>
+                <a:lumOff val="25000"/>
+              </a:schemeClr>
+            </a:solidFill>
+          </a:ln>
+        </p:spPr>
+        <p:style>
+          <a:lnRef idx="1">
+            <a:schemeClr val="accent1"/>
+          </a:lnRef>
+          <a:fillRef idx="0">
+            <a:schemeClr val="accent1"/>
+          </a:fillRef>
+          <a:effectRef idx="0">
+            <a:schemeClr val="accent1"/>
+          </a:effectRef>
+          <a:fontRef idx="minor">
+            <a:schemeClr val="tx1"/>
+          </a:fontRef>
+        </p:style>
+      </p:cxnSp>
       <p:sp>
         <p:nvSpPr>
           <p:cNvPr id="3" name="Inhaltsplatzhalter 2">
@@ -3504,124 +4168,45 @@
             <p:ph idx="1"/>
           </p:nvPr>
         </p:nvSpPr>
-        <p:spPr/>
-        <p:txBody>
-          <a:bodyPr/>
-          <a:lstStyle/>
-          <a:p>
-            <a:r>
-              <a:rPr lang="de-AT" dirty="0" err="1"/>
-              <a:t>Recommendations</a:t>
-            </a:r>
-            <a:r>
-              <a:rPr lang="de-AT" dirty="0"/>
-              <a:t> </a:t>
-            </a:r>
-            <a:r>
-              <a:rPr lang="de-AT" dirty="0" err="1"/>
-              <a:t>are</a:t>
-            </a:r>
-            <a:r>
-              <a:rPr lang="de-AT" dirty="0"/>
-              <a:t> </a:t>
-            </a:r>
-            <a:r>
-              <a:rPr lang="de-AT" dirty="0" err="1"/>
-              <a:t>everywhere</a:t>
-            </a:r>
-            <a:endParaRPr lang="de-AT" dirty="0"/>
-          </a:p>
-          <a:p>
-            <a:r>
-              <a:rPr lang="de-AT" dirty="0"/>
-              <a:t>Music </a:t>
-            </a:r>
-            <a:r>
-              <a:rPr lang="de-AT" dirty="0" err="1"/>
-              <a:t>industry</a:t>
-            </a:r>
-            <a:r>
-              <a:rPr lang="de-AT" dirty="0"/>
-              <a:t> </a:t>
-            </a:r>
-            <a:r>
-              <a:rPr lang="de-AT" dirty="0" err="1"/>
-              <a:t>is</a:t>
-            </a:r>
-            <a:r>
-              <a:rPr lang="de-AT" dirty="0"/>
-              <a:t> </a:t>
-            </a:r>
-            <a:r>
-              <a:rPr lang="de-AT" dirty="0" err="1"/>
-              <a:t>very</a:t>
-            </a:r>
-            <a:r>
-              <a:rPr lang="de-AT" dirty="0"/>
-              <a:t> </a:t>
-            </a:r>
-            <a:r>
-              <a:rPr lang="de-AT" dirty="0" err="1"/>
-              <a:t>popular</a:t>
-            </a:r>
-            <a:r>
-              <a:rPr lang="de-AT" dirty="0"/>
-              <a:t> </a:t>
-            </a:r>
-          </a:p>
-          <a:p>
-            <a:r>
-              <a:rPr lang="de-AT" dirty="0"/>
-              <a:t>Fast </a:t>
-            </a:r>
-            <a:r>
-              <a:rPr lang="de-AT" dirty="0" err="1"/>
-              <a:t>paced</a:t>
-            </a:r>
-            <a:r>
-              <a:rPr lang="de-AT" dirty="0"/>
-              <a:t> </a:t>
-            </a:r>
-            <a:r>
-              <a:rPr lang="de-AT" dirty="0" err="1"/>
-              <a:t>industry</a:t>
-            </a:r>
-            <a:endParaRPr lang="de-AT" dirty="0"/>
-          </a:p>
-          <a:p>
-            <a:r>
-              <a:rPr lang="de-AT" dirty="0"/>
+        <p:spPr>
+          <a:xfrm>
+            <a:off x="5138928" y="1338729"/>
+            <a:ext cx="4795584" cy="4180542"/>
+          </a:xfrm>
+        </p:spPr>
+        <p:txBody>
+          <a:bodyPr anchor="ctr">
+            <a:normAutofit/>
+          </a:bodyPr>
+          <a:lstStyle/>
+          <a:p>
+            <a:r>
+              <a:rPr lang="de-AT" sz="2400"/>
+              <a:t>Recommendations are everywhere</a:t>
+            </a:r>
+          </a:p>
+          <a:p>
+            <a:r>
+              <a:rPr lang="de-AT" sz="2400"/>
+              <a:t>Music industry is very popular </a:t>
+            </a:r>
+          </a:p>
+          <a:p>
+            <a:r>
+              <a:rPr lang="de-AT" sz="2400"/>
+              <a:t>Fast paced industry</a:t>
+            </a:r>
+          </a:p>
+          <a:p>
+            <a:r>
+              <a:rPr lang="de-AT" sz="2400"/>
               <a:t>Breakthroughs in AI</a:t>
             </a:r>
           </a:p>
           <a:p>
             <a:r>
-              <a:rPr lang="de-AT" dirty="0"/>
-              <a:t>Are </a:t>
-            </a:r>
-            <a:r>
-              <a:rPr lang="de-AT" dirty="0" err="1"/>
-              <a:t>we</a:t>
-            </a:r>
-            <a:r>
-              <a:rPr lang="de-AT" dirty="0"/>
-              <a:t> </a:t>
-            </a:r>
-            <a:r>
-              <a:rPr lang="de-AT" dirty="0" err="1"/>
-              <a:t>there</a:t>
-            </a:r>
-            <a:r>
-              <a:rPr lang="de-AT" dirty="0"/>
-              <a:t> </a:t>
-            </a:r>
-            <a:r>
-              <a:rPr lang="de-AT" dirty="0" err="1"/>
-              <a:t>yet</a:t>
-            </a:r>
-            <a:r>
-              <a:rPr lang="de-AT" dirty="0"/>
-              <a:t>?</a:t>
+              <a:rPr lang="de-AT" sz="2400"/>
+              <a:t>Are we there yet?</a:t>
             </a:r>
           </a:p>
         </p:txBody>
@@ -3661,7 +4246,7 @@
           <p:cNvPr id="2" name="Titel 1">
             <a:extLst>
               <a:ext uri="{FF2B5EF4-FFF2-40B4-BE49-F238E27FC236}">
-                <a16:creationId xmlns:a16="http://schemas.microsoft.com/office/drawing/2014/main" id="{989EF6F6-AA6A-4DD8-9025-659CFC0C0AE4}"/>
+                <a16:creationId xmlns:a16="http://schemas.microsoft.com/office/drawing/2014/main" id="{3E398CFA-6A8C-24AE-89F8-1CE1DDEC4D01}"/>
               </a:ext>
             </a:extLst>
           </p:cNvPr>
@@ -3678,13 +4263,10 @@
           <a:lstStyle/>
           <a:p>
             <a:r>
-              <a:rPr lang="de-AT" dirty="0" err="1"/>
-              <a:t>Current</a:t>
-            </a:r>
-            <a:r>
-              <a:rPr lang="de-AT" dirty="0"/>
-              <a:t> Methods</a:t>
-            </a:r>
+              <a:rPr lang="de-DE" dirty="0" err="1"/>
+              <a:t>Categories</a:t>
+            </a:r>
+            <a:endParaRPr lang="de-DE" dirty="0"/>
           </a:p>
         </p:txBody>
       </p:sp>
@@ -3693,7 +4275,7 @@
           <p:cNvPr id="3" name="Inhaltsplatzhalter 2">
             <a:extLst>
               <a:ext uri="{FF2B5EF4-FFF2-40B4-BE49-F238E27FC236}">
-                <a16:creationId xmlns:a16="http://schemas.microsoft.com/office/drawing/2014/main" id="{E31A742B-BEFF-49E8-AE4A-ECEA9011C68E}"/>
+                <a16:creationId xmlns:a16="http://schemas.microsoft.com/office/drawing/2014/main" id="{55CFE2A8-23CB-6540-B9A3-8F7A55C52C1F}"/>
               </a:ext>
             </a:extLst>
           </p:cNvPr>
@@ -3709,14 +4291,71 @@
           <a:bodyPr/>
           <a:lstStyle/>
           <a:p>
-            <a:endParaRPr lang="de-AT"/>
+            <a:r>
+              <a:rPr lang="de-DE" dirty="0"/>
+              <a:t>Collaborative </a:t>
+            </a:r>
+            <a:r>
+              <a:rPr lang="de-DE" dirty="0" err="1"/>
+              <a:t>filtering</a:t>
+            </a:r>
+            <a:endParaRPr lang="de-DE" dirty="0"/>
+          </a:p>
+          <a:p>
+            <a:r>
+              <a:rPr lang="de-DE" dirty="0"/>
+              <a:t>Content-</a:t>
+            </a:r>
+            <a:r>
+              <a:rPr lang="de-DE" dirty="0" err="1"/>
+              <a:t>based</a:t>
+            </a:r>
+            <a:r>
+              <a:rPr lang="de-DE" dirty="0"/>
+              <a:t> </a:t>
+            </a:r>
+            <a:r>
+              <a:rPr lang="de-DE" dirty="0" err="1"/>
+              <a:t>filtering</a:t>
+            </a:r>
+            <a:endParaRPr lang="de-DE" dirty="0"/>
+          </a:p>
+          <a:p>
+            <a:r>
+              <a:rPr lang="de-DE" dirty="0"/>
+              <a:t>Knowledge-</a:t>
+            </a:r>
+            <a:r>
+              <a:rPr lang="de-DE" dirty="0" err="1"/>
+              <a:t>based</a:t>
+            </a:r>
+            <a:r>
+              <a:rPr lang="de-DE" dirty="0"/>
+              <a:t> </a:t>
+            </a:r>
+            <a:r>
+              <a:rPr lang="de-DE" dirty="0" err="1"/>
+              <a:t>recommendations</a:t>
+            </a:r>
+            <a:endParaRPr lang="de-DE" dirty="0"/>
+          </a:p>
+          <a:p>
+            <a:r>
+              <a:rPr lang="de-DE" dirty="0"/>
+              <a:t>Hybrid </a:t>
+            </a:r>
+            <a:r>
+              <a:rPr lang="de-DE" dirty="0" err="1"/>
+              <a:t>recommendations</a:t>
+            </a:r>
+            <a:endParaRPr lang="de-DE" dirty="0"/>
           </a:p>
         </p:txBody>
       </p:sp>
     </p:spTree>
     <p:extLst>
       <p:ext uri="{BB962C8B-B14F-4D97-AF65-F5344CB8AC3E}">
-        <p14:creationId xmlns:p14="http://schemas.microsoft.com/office/powerpoint/2010/main" val="3775381770"/>
+        <p14:creationId xmlns:p14="http://schemas.microsoft.com/office/powerpoint/2010/main" val="948448861"/>
       </p:ext>
     </p:extLst>
   </p:cSld>
@@ -3748,7 +4387,7 @@
           <p:cNvPr id="2" name="Titel 1">
             <a:extLst>
               <a:ext uri="{FF2B5EF4-FFF2-40B4-BE49-F238E27FC236}">
-                <a16:creationId xmlns:a16="http://schemas.microsoft.com/office/drawing/2014/main" id="{3FA8690F-3219-4D30-9A7E-15B7F83FFB6A}"/>
+                <a16:creationId xmlns:a16="http://schemas.microsoft.com/office/drawing/2014/main" id="{989EF6F6-AA6A-4DD8-9025-659CFC0C0AE4}"/>
               </a:ext>
             </a:extLst>
           </p:cNvPr>
@@ -3766,11 +4405,64 @@
           <a:p>
             <a:r>
               <a:rPr lang="de-AT" dirty="0"/>
-              <a:t>Grob </a:t>
+              <a:t>State-</a:t>
             </a:r>
             <a:r>
               <a:rPr lang="de-AT" dirty="0" err="1"/>
-              <a:t>paper</a:t>
+              <a:t>of</a:t>
+            </a:r>
+            <a:r>
+              <a:rPr lang="de-AT" dirty="0"/>
+              <a:t>-</a:t>
+            </a:r>
+            <a:r>
+              <a:rPr lang="de-AT" dirty="0" err="1"/>
+              <a:t>the</a:t>
+            </a:r>
+            <a:r>
+              <a:rPr lang="de-AT" dirty="0"/>
+              <a:t>-art </a:t>
+            </a:r>
+          </a:p>
+        </p:txBody>
+      </p:sp>
+      <p:sp>
+        <p:nvSpPr>
+          <p:cNvPr id="3" name="Inhaltsplatzhalter 2">
+            <a:extLst>
+              <a:ext uri="{FF2B5EF4-FFF2-40B4-BE49-F238E27FC236}">
+                <a16:creationId xmlns:a16="http://schemas.microsoft.com/office/drawing/2014/main" id="{E31A742B-BEFF-49E8-AE4A-ECEA9011C68E}"/>
+              </a:ext>
+            </a:extLst>
+          </p:cNvPr>
+          <p:cNvSpPr>
+            <a:spLocks noGrp="1"/>
+          </p:cNvSpPr>
+          <p:nvPr>
+            <p:ph idx="1"/>
+          </p:nvPr>
+        </p:nvSpPr>
+        <p:spPr/>
+        <p:txBody>
+          <a:bodyPr>
+            <a:normAutofit lnSpcReduction="10000"/>
+          </a:bodyPr>
+          <a:lstStyle/>
+          <a:p>
+            <a:r>
+              <a:rPr lang="de-AT" dirty="0"/>
+              <a:t>Personality, </a:t>
+            </a:r>
+            <a:r>
+              <a:rPr lang="de-AT" dirty="0" err="1"/>
+              <a:t>mood</a:t>
+            </a:r>
+            <a:endParaRPr lang="de-AT" dirty="0"/>
+          </a:p>
+          <a:p>
+            <a:r>
+              <a:rPr lang="de-AT" dirty="0" err="1"/>
+              <a:t>Facial</a:t>
             </a:r>
             <a:r>
               <a:rPr lang="de-AT" dirty="0"/>
@@ -3778,44 +4470,78 @@
             </a:r>
             <a:r>
               <a:rPr lang="de-AT" dirty="0" err="1"/>
-              <a:t>approaches</a:t>
-            </a:r>
+              <a:t>expressions</a:t>
+            </a:r>
+            <a:endParaRPr lang="de-AT" dirty="0"/>
+          </a:p>
+          <a:p>
+            <a:endParaRPr lang="de-AT" dirty="0"/>
+          </a:p>
+          <a:p>
+            <a:endParaRPr lang="de-AT" dirty="0"/>
+          </a:p>
+          <a:p>
             <a:r>
               <a:rPr lang="de-AT" dirty="0"/>
-              <a:t> herzeigen</a:t>
-            </a:r>
-          </a:p>
-        </p:txBody>
-      </p:sp>
-      <p:sp>
-        <p:nvSpPr>
-          <p:cNvPr id="3" name="Inhaltsplatzhalter 2">
-            <a:extLst>
-              <a:ext uri="{FF2B5EF4-FFF2-40B4-BE49-F238E27FC236}">
-                <a16:creationId xmlns:a16="http://schemas.microsoft.com/office/drawing/2014/main" id="{AFD20D00-204E-448E-9E55-7FBA5A50FEB8}"/>
-              </a:ext>
-            </a:extLst>
-          </p:cNvPr>
-          <p:cNvSpPr>
-            <a:spLocks noGrp="1"/>
-          </p:cNvSpPr>
-          <p:nvPr>
-            <p:ph idx="1"/>
-          </p:nvPr>
-        </p:nvSpPr>
-        <p:spPr/>
-        <p:txBody>
-          <a:bodyPr/>
-          <a:lstStyle/>
-          <a:p>
-            <a:endParaRPr lang="de-AT"/>
+              <a:t>Tackle </a:t>
+            </a:r>
+            <a:r>
+              <a:rPr lang="de-AT" dirty="0" err="1"/>
+              <a:t>current</a:t>
+            </a:r>
+            <a:r>
+              <a:rPr lang="de-AT" dirty="0"/>
+              <a:t> </a:t>
+            </a:r>
+            <a:r>
+              <a:rPr lang="de-AT" dirty="0" err="1"/>
+              <a:t>limitations</a:t>
+            </a:r>
+            <a:r>
+              <a:rPr lang="de-AT" dirty="0"/>
+              <a:t> </a:t>
+            </a:r>
+          </a:p>
+          <a:p>
+            <a:pPr marL="0" indent="0">
+              <a:buNone/>
+            </a:pPr>
+            <a:endParaRPr lang="de-AT" dirty="0"/>
+          </a:p>
+          <a:p>
+            <a:endParaRPr lang="de-AT" dirty="0"/>
+          </a:p>
+          <a:p>
+            <a:r>
+              <a:rPr lang="de-AT" dirty="0"/>
+              <a:t>Personality </a:t>
+            </a:r>
+            <a:r>
+              <a:rPr lang="de-AT" dirty="0" err="1"/>
+              <a:t>bias</a:t>
+            </a:r>
+            <a:endParaRPr lang="de-AT" dirty="0"/>
+          </a:p>
+          <a:p>
+            <a:r>
+              <a:rPr lang="de-AT" dirty="0"/>
+              <a:t>Gender </a:t>
+            </a:r>
+            <a:r>
+              <a:rPr lang="de-AT" dirty="0" err="1"/>
+              <a:t>bias</a:t>
+            </a:r>
+            <a:r>
+              <a:rPr lang="de-AT" dirty="0"/>
+              <a:t> </a:t>
+            </a:r>
           </a:p>
         </p:txBody>
       </p:sp>
     </p:spTree>
     <p:extLst>
       <p:ext uri="{BB962C8B-B14F-4D97-AF65-F5344CB8AC3E}">
-        <p14:creationId xmlns:p14="http://schemas.microsoft.com/office/powerpoint/2010/main" val="1214727529"/>
+        <p14:creationId xmlns:p14="http://schemas.microsoft.com/office/powerpoint/2010/main" val="3775381770"/>
       </p:ext>
     </p:extLst>
   </p:cSld>
@@ -3847,7 +4573,7 @@
           <p:cNvPr id="2" name="Titel 1">
             <a:extLst>
               <a:ext uri="{FF2B5EF4-FFF2-40B4-BE49-F238E27FC236}">
-                <a16:creationId xmlns:a16="http://schemas.microsoft.com/office/drawing/2014/main" id="{C01F638B-5FA5-401B-B579-514657733BC0}"/>
+                <a16:creationId xmlns:a16="http://schemas.microsoft.com/office/drawing/2014/main" id="{3FA8690F-3219-4D30-9A7E-15B7F83FFB6A}"/>
               </a:ext>
             </a:extLst>
           </p:cNvPr>
@@ -3865,68 +4591,11 @@
           <a:p>
             <a:r>
               <a:rPr lang="de-AT" dirty="0"/>
-              <a:t>Open </a:t>
+              <a:t>Grob </a:t>
             </a:r>
             <a:r>
               <a:rPr lang="de-AT" dirty="0" err="1"/>
-              <a:t>problems</a:t>
-            </a:r>
-            <a:r>
-              <a:rPr lang="de-AT" dirty="0"/>
-              <a:t> and </a:t>
-            </a:r>
-            <a:r>
-              <a:rPr lang="de-AT" dirty="0" err="1"/>
-              <a:t>challenges</a:t>
-            </a:r>
-            <a:endParaRPr lang="de-AT" dirty="0"/>
-          </a:p>
-        </p:txBody>
-      </p:sp>
-      <p:sp>
-        <p:nvSpPr>
-          <p:cNvPr id="3" name="Inhaltsplatzhalter 2">
-            <a:extLst>
-              <a:ext uri="{FF2B5EF4-FFF2-40B4-BE49-F238E27FC236}">
-                <a16:creationId xmlns:a16="http://schemas.microsoft.com/office/drawing/2014/main" id="{8FF0E0A1-E8BF-46CD-BD68-63DB967E5D5D}"/>
-              </a:ext>
-            </a:extLst>
-          </p:cNvPr>
-          <p:cNvSpPr>
-            <a:spLocks noGrp="1"/>
-          </p:cNvSpPr>
-          <p:nvPr>
-            <p:ph idx="1"/>
-          </p:nvPr>
-        </p:nvSpPr>
-        <p:spPr/>
-        <p:txBody>
-          <a:bodyPr/>
-          <a:lstStyle/>
-          <a:p>
-            <a:r>
-              <a:rPr lang="de-AT" dirty="0"/>
-              <a:t>Model </a:t>
-            </a:r>
-            <a:r>
-              <a:rPr lang="de-AT" dirty="0" err="1"/>
-              <a:t>relationships</a:t>
-            </a:r>
-            <a:r>
-              <a:rPr lang="de-AT" dirty="0"/>
-              <a:t> and all relevant </a:t>
-            </a:r>
-            <a:r>
-              <a:rPr lang="de-AT" dirty="0" err="1"/>
-              <a:t>aspects</a:t>
-            </a:r>
-            <a:endParaRPr lang="de-AT" dirty="0"/>
-          </a:p>
-          <a:p>
-            <a:pPr lvl="1"/>
-            <a:r>
-              <a:rPr lang="de-AT" dirty="0" err="1"/>
-              <a:t>What</a:t>
+              <a:t>paper</a:t>
             </a:r>
             <a:r>
               <a:rPr lang="de-AT" dirty="0"/>
@@ -3934,152 +4603,639 @@
             </a:r>
             <a:r>
               <a:rPr lang="de-AT" dirty="0" err="1"/>
-              <a:t>is</a:t>
+              <a:t>approaches</a:t>
             </a:r>
             <a:r>
               <a:rPr lang="de-AT" dirty="0"/>
-              <a:t> relevant? </a:t>
-            </a:r>
-            <a:r>
-              <a:rPr lang="de-AT" dirty="0" err="1"/>
-              <a:t>What</a:t>
-            </a:r>
-            <a:r>
-              <a:rPr lang="de-AT" dirty="0"/>
-              <a:t> </a:t>
-            </a:r>
-            <a:r>
-              <a:rPr lang="de-AT" dirty="0" err="1"/>
-              <a:t>is</a:t>
-            </a:r>
-            <a:r>
-              <a:rPr lang="de-AT" dirty="0"/>
-              <a:t> redundant </a:t>
-            </a:r>
-            <a:r>
-              <a:rPr lang="de-AT" dirty="0" err="1"/>
-              <a:t>information</a:t>
-            </a:r>
-            <a:r>
-              <a:rPr lang="de-AT" dirty="0"/>
-              <a:t>?</a:t>
-            </a:r>
-          </a:p>
-          <a:p>
-            <a:r>
-              <a:rPr lang="de-AT" dirty="0" err="1"/>
-              <a:t>User‘s</a:t>
-            </a:r>
-            <a:r>
-              <a:rPr lang="de-AT" dirty="0"/>
-              <a:t> </a:t>
-            </a:r>
-            <a:r>
-              <a:rPr lang="de-AT" dirty="0" err="1"/>
-              <a:t>satisfaction</a:t>
-            </a:r>
-            <a:endParaRPr lang="de-AT" dirty="0"/>
+              <a:t> herzeigen</a:t>
+            </a:r>
+          </a:p>
+        </p:txBody>
+      </p:sp>
+      <p:sp>
+        <p:nvSpPr>
+          <p:cNvPr id="3" name="Inhaltsplatzhalter 2">
+            <a:extLst>
+              <a:ext uri="{FF2B5EF4-FFF2-40B4-BE49-F238E27FC236}">
+                <a16:creationId xmlns:a16="http://schemas.microsoft.com/office/drawing/2014/main" id="{AFD20D00-204E-448E-9E55-7FBA5A50FEB8}"/>
+              </a:ext>
+            </a:extLst>
+          </p:cNvPr>
+          <p:cNvSpPr>
+            <a:spLocks noGrp="1"/>
+          </p:cNvSpPr>
+          <p:nvPr>
+            <p:ph idx="1"/>
+          </p:nvPr>
+        </p:nvSpPr>
+        <p:spPr/>
+        <p:txBody>
+          <a:bodyPr/>
+          <a:lstStyle/>
+          <a:p>
+            <a:endParaRPr lang="de-AT"/>
+          </a:p>
+        </p:txBody>
+      </p:sp>
+    </p:spTree>
+    <p:extLst>
+      <p:ext uri="{BB962C8B-B14F-4D97-AF65-F5344CB8AC3E}">
+        <p14:creationId xmlns:p14="http://schemas.microsoft.com/office/powerpoint/2010/main" val="1214727529"/>
+      </p:ext>
+    </p:extLst>
+  </p:cSld>
+  <p:clrMapOvr>
+    <a:masterClrMapping/>
+  </p:clrMapOvr>
+</p:sld>
+</file>
+
+<file path=ppt/slides/slide6.xml><?xml version="1.0" encoding="utf-8"?>
+<p:sld xmlns:a="http://schemas.openxmlformats.org/drawingml/2006/main" xmlns:r="http://schemas.openxmlformats.org/officeDocument/2006/relationships" xmlns:p="http://schemas.openxmlformats.org/presentationml/2006/main">
+  <p:cSld>
+    <p:bg>
+      <p:bgPr>
+        <a:solidFill>
+          <a:schemeClr val="bg1"/>
+        </a:solidFill>
+        <a:effectLst/>
+      </p:bgPr>
+    </p:bg>
+    <p:spTree>
+      <p:nvGrpSpPr>
+        <p:cNvPr id="1" name=""/>
+        <p:cNvGrpSpPr/>
+        <p:nvPr/>
+      </p:nvGrpSpPr>
+      <p:grpSpPr>
+        <a:xfrm>
+          <a:off x="0" y="0"/>
+          <a:ext cx="0" cy="0"/>
+          <a:chOff x="0" y="0"/>
+          <a:chExt cx="0" cy="0"/>
+        </a:xfrm>
+      </p:grpSpPr>
+      <p:sp useBgFill="1">
+        <p:nvSpPr>
+          <p:cNvPr id="28" name="Rectangle 20">
+            <a:extLst>
+              <a:ext uri="{FF2B5EF4-FFF2-40B4-BE49-F238E27FC236}">
+                <a16:creationId xmlns:a16="http://schemas.microsoft.com/office/drawing/2014/main" id="{081EA652-8C6A-4E69-BEB9-170809474553}"/>
+              </a:ext>
+              <a:ext uri="{C183D7F6-B498-43B3-948B-1728B52AA6E4}">
+                <adec:decorative xmlns:adec="http://schemas.microsoft.com/office/drawing/2017/decorative" val="1"/>
+              </a:ext>
+            </a:extLst>
+          </p:cNvPr>
+          <p:cNvSpPr>
+            <a:spLocks noGrp="1" noRot="1" noChangeAspect="1" noMove="1" noResize="1" noEditPoints="1" noAdjustHandles="1" noChangeArrowheads="1" noChangeShapeType="1" noTextEdit="1"/>
+          </p:cNvSpPr>
+          <p:nvPr>
+            <p:extLst>
+              <p:ext uri="{386F3935-93C4-4BCD-93E2-E3B085C9AB24}">
+                <p16:designElem xmlns:p16="http://schemas.microsoft.com/office/powerpoint/2015/main" val="1"/>
+              </p:ext>
+            </p:extLst>
+          </p:nvPr>
+        </p:nvSpPr>
+        <p:spPr>
+          <a:xfrm>
+            <a:off x="0" y="0"/>
+            <a:ext cx="12192000" cy="6858000"/>
+          </a:xfrm>
+          <a:prstGeom prst="rect">
+            <a:avLst/>
+          </a:prstGeom>
+          <a:ln>
+            <a:noFill/>
+          </a:ln>
+        </p:spPr>
+        <p:style>
+          <a:lnRef idx="2">
+            <a:schemeClr val="accent1">
+              <a:shade val="50000"/>
+            </a:schemeClr>
+          </a:lnRef>
+          <a:fillRef idx="1">
+            <a:schemeClr val="accent1"/>
+          </a:fillRef>
+          <a:effectRef idx="0">
+            <a:schemeClr val="accent1"/>
+          </a:effectRef>
+          <a:fontRef idx="minor">
+            <a:schemeClr val="lt1"/>
+          </a:fontRef>
+        </p:style>
+        <p:txBody>
+          <a:bodyPr rtlCol="0" anchor="ctr"/>
+          <a:lstStyle/>
+          <a:p>
+            <a:pPr algn="ctr"/>
+            <a:endParaRPr lang="en-US"/>
+          </a:p>
+        </p:txBody>
+      </p:sp>
+      <p:sp>
+        <p:nvSpPr>
+          <p:cNvPr id="30" name="Freeform: Shape 22">
+            <a:extLst>
+              <a:ext uri="{FF2B5EF4-FFF2-40B4-BE49-F238E27FC236}">
+                <a16:creationId xmlns:a16="http://schemas.microsoft.com/office/drawing/2014/main" id="{A4026A73-1F7F-49F2-B319-8CA3B3D53269}"/>
+              </a:ext>
+              <a:ext uri="{C183D7F6-B498-43B3-948B-1728B52AA6E4}">
+                <adec:decorative xmlns:adec="http://schemas.microsoft.com/office/drawing/2017/decorative" val="1"/>
+              </a:ext>
+            </a:extLst>
+          </p:cNvPr>
+          <p:cNvSpPr>
+            <a:spLocks noGrp="1" noRot="1" noChangeAspect="1" noMove="1" noResize="1" noEditPoints="1" noAdjustHandles="1" noChangeArrowheads="1" noChangeShapeType="1" noTextEdit="1"/>
+          </p:cNvSpPr>
+          <p:nvPr>
+            <p:extLst>
+              <p:ext uri="{386F3935-93C4-4BCD-93E2-E3B085C9AB24}">
+                <p16:designElem xmlns:p16="http://schemas.microsoft.com/office/powerpoint/2015/main" val="1"/>
+              </p:ext>
+            </p:extLst>
+          </p:nvPr>
+        </p:nvSpPr>
+        <p:spPr>
+          <a:xfrm>
+            <a:off x="321732" y="321733"/>
+            <a:ext cx="11546828" cy="6214534"/>
+          </a:xfrm>
+          <a:custGeom>
+            <a:avLst/>
+            <a:gdLst>
+              <a:gd name="connsiteX0" fmla="*/ 0 w 11546828"/>
+              <a:gd name="connsiteY0" fmla="*/ 0 h 6214534"/>
+              <a:gd name="connsiteX1" fmla="*/ 7965430 w 11546828"/>
+              <a:gd name="connsiteY1" fmla="*/ 0 h 6214534"/>
+              <a:gd name="connsiteX2" fmla="*/ 7965430 w 11546828"/>
+              <a:gd name="connsiteY2" fmla="*/ 1786 h 6214534"/>
+              <a:gd name="connsiteX3" fmla="*/ 11546828 w 11546828"/>
+              <a:gd name="connsiteY3" fmla="*/ 1786 h 6214534"/>
+              <a:gd name="connsiteX4" fmla="*/ 11546828 w 11546828"/>
+              <a:gd name="connsiteY4" fmla="*/ 2866740 h 6214534"/>
+              <a:gd name="connsiteX5" fmla="*/ 11225095 w 11546828"/>
+              <a:gd name="connsiteY5" fmla="*/ 3179536 h 6214534"/>
+              <a:gd name="connsiteX6" fmla="*/ 11225095 w 11546828"/>
+              <a:gd name="connsiteY6" fmla="*/ 301542 h 6214534"/>
+              <a:gd name="connsiteX7" fmla="*/ 320042 w 11546828"/>
+              <a:gd name="connsiteY7" fmla="*/ 301542 h 6214534"/>
+              <a:gd name="connsiteX8" fmla="*/ 320042 w 11546828"/>
+              <a:gd name="connsiteY8" fmla="*/ 5909424 h 6214534"/>
+              <a:gd name="connsiteX9" fmla="*/ 8417210 w 11546828"/>
+              <a:gd name="connsiteY9" fmla="*/ 5909424 h 6214534"/>
+              <a:gd name="connsiteX10" fmla="*/ 8103383 w 11546828"/>
+              <a:gd name="connsiteY10" fmla="*/ 6214534 h 6214534"/>
+              <a:gd name="connsiteX11" fmla="*/ 7222929 w 11546828"/>
+              <a:gd name="connsiteY11" fmla="*/ 6214534 h 6214534"/>
+              <a:gd name="connsiteX12" fmla="*/ 7222929 w 11546828"/>
+              <a:gd name="connsiteY12" fmla="*/ 6212748 h 6214534"/>
+              <a:gd name="connsiteX13" fmla="*/ 0 w 11546828"/>
+              <a:gd name="connsiteY13" fmla="*/ 6212748 h 6214534"/>
+            </a:gdLst>
+            <a:ahLst/>
+            <a:cxnLst>
+              <a:cxn ang="0">
+                <a:pos x="connsiteX0" y="connsiteY0"/>
+              </a:cxn>
+              <a:cxn ang="0">
+                <a:pos x="connsiteX1" y="connsiteY1"/>
+              </a:cxn>
+              <a:cxn ang="0">
+                <a:pos x="connsiteX2" y="connsiteY2"/>
+              </a:cxn>
+              <a:cxn ang="0">
+                <a:pos x="connsiteX3" y="connsiteY3"/>
+              </a:cxn>
+              <a:cxn ang="0">
+                <a:pos x="connsiteX4" y="connsiteY4"/>
+              </a:cxn>
+              <a:cxn ang="0">
+                <a:pos x="connsiteX5" y="connsiteY5"/>
+              </a:cxn>
+              <a:cxn ang="0">
+                <a:pos x="connsiteX6" y="connsiteY6"/>
+              </a:cxn>
+              <a:cxn ang="0">
+                <a:pos x="connsiteX7" y="connsiteY7"/>
+              </a:cxn>
+              <a:cxn ang="0">
+                <a:pos x="connsiteX8" y="connsiteY8"/>
+              </a:cxn>
+              <a:cxn ang="0">
+                <a:pos x="connsiteX9" y="connsiteY9"/>
+              </a:cxn>
+              <a:cxn ang="0">
+                <a:pos x="connsiteX10" y="connsiteY10"/>
+              </a:cxn>
+              <a:cxn ang="0">
+                <a:pos x="connsiteX11" y="connsiteY11"/>
+              </a:cxn>
+              <a:cxn ang="0">
+                <a:pos x="connsiteX12" y="connsiteY12"/>
+              </a:cxn>
+              <a:cxn ang="0">
+                <a:pos x="connsiteX13" y="connsiteY13"/>
+              </a:cxn>
+            </a:cxnLst>
+            <a:rect l="l" t="t" r="r" b="b"/>
+            <a:pathLst>
+              <a:path w="11546828" h="6214534">
+                <a:moveTo>
+                  <a:pt x="0" y="0"/>
+                </a:moveTo>
+                <a:lnTo>
+                  <a:pt x="7965430" y="0"/>
+                </a:lnTo>
+                <a:lnTo>
+                  <a:pt x="7965430" y="1786"/>
+                </a:lnTo>
+                <a:lnTo>
+                  <a:pt x="11546828" y="1786"/>
+                </a:lnTo>
+                <a:lnTo>
+                  <a:pt x="11546828" y="2866740"/>
+                </a:lnTo>
+                <a:lnTo>
+                  <a:pt x="11225095" y="3179536"/>
+                </a:lnTo>
+                <a:lnTo>
+                  <a:pt x="11225095" y="301542"/>
+                </a:lnTo>
+                <a:lnTo>
+                  <a:pt x="320042" y="301542"/>
+                </a:lnTo>
+                <a:lnTo>
+                  <a:pt x="320042" y="5909424"/>
+                </a:lnTo>
+                <a:lnTo>
+                  <a:pt x="8417210" y="5909424"/>
+                </a:lnTo>
+                <a:lnTo>
+                  <a:pt x="8103383" y="6214534"/>
+                </a:lnTo>
+                <a:lnTo>
+                  <a:pt x="7222929" y="6214534"/>
+                </a:lnTo>
+                <a:lnTo>
+                  <a:pt x="7222929" y="6212748"/>
+                </a:lnTo>
+                <a:lnTo>
+                  <a:pt x="0" y="6212748"/>
+                </a:lnTo>
+                <a:close/>
+              </a:path>
+            </a:pathLst>
+          </a:custGeom>
+          <a:solidFill>
+            <a:schemeClr val="tx1">
+              <a:lumMod val="50000"/>
+              <a:lumOff val="50000"/>
+              <a:alpha val="25000"/>
+            </a:schemeClr>
+          </a:solidFill>
+          <a:ln>
+            <a:noFill/>
+          </a:ln>
+        </p:spPr>
+        <p:style>
+          <a:lnRef idx="2">
+            <a:schemeClr val="accent1">
+              <a:shade val="50000"/>
+            </a:schemeClr>
+          </a:lnRef>
+          <a:fillRef idx="1">
+            <a:schemeClr val="accent1"/>
+          </a:fillRef>
+          <a:effectRef idx="0">
+            <a:schemeClr val="accent1"/>
+          </a:effectRef>
+          <a:fontRef idx="minor">
+            <a:schemeClr val="lt1"/>
+          </a:fontRef>
+        </p:style>
+        <p:txBody>
+          <a:bodyPr wrap="square" rtlCol="0" anchor="ctr">
+            <a:noAutofit/>
+          </a:bodyPr>
+          <a:lstStyle/>
+          <a:p>
+            <a:pPr algn="ctr"/>
+            <a:endParaRPr lang="en-US"/>
+          </a:p>
+        </p:txBody>
+      </p:sp>
+      <p:sp>
+        <p:nvSpPr>
+          <p:cNvPr id="31" name="Right Triangle 24">
+            <a:extLst>
+              <a:ext uri="{FF2B5EF4-FFF2-40B4-BE49-F238E27FC236}">
+                <a16:creationId xmlns:a16="http://schemas.microsoft.com/office/drawing/2014/main" id="{5298780A-33B9-4EA2-8F67-DE68AD62841B}"/>
+              </a:ext>
+              <a:ext uri="{C183D7F6-B498-43B3-948B-1728B52AA6E4}">
+                <adec:decorative xmlns:adec="http://schemas.microsoft.com/office/drawing/2017/decorative" val="1"/>
+              </a:ext>
+            </a:extLst>
+          </p:cNvPr>
+          <p:cNvSpPr>
+            <a:spLocks noGrp="1" noRot="1" noChangeAspect="1" noMove="1" noResize="1" noEditPoints="1" noAdjustHandles="1" noChangeArrowheads="1" noChangeShapeType="1" noTextEdit="1"/>
+          </p:cNvSpPr>
+          <p:nvPr>
+            <p:extLst>
+              <p:ext uri="{386F3935-93C4-4BCD-93E2-E3B085C9AB24}">
+                <p16:designElem xmlns:p16="http://schemas.microsoft.com/office/powerpoint/2015/main" val="1"/>
+              </p:ext>
+            </p:extLst>
+          </p:nvPr>
+        </p:nvSpPr>
+        <p:spPr>
+          <a:xfrm flipH="1">
+            <a:off x="8576720" y="3335867"/>
+            <a:ext cx="3291840" cy="3200400"/>
+          </a:xfrm>
+          <a:prstGeom prst="rtTriangle">
+            <a:avLst/>
+          </a:prstGeom>
+          <a:solidFill>
+            <a:schemeClr val="accent4"/>
+          </a:solidFill>
+          <a:ln>
+            <a:noFill/>
+          </a:ln>
+        </p:spPr>
+        <p:style>
+          <a:lnRef idx="2">
+            <a:schemeClr val="accent1">
+              <a:shade val="50000"/>
+            </a:schemeClr>
+          </a:lnRef>
+          <a:fillRef idx="1">
+            <a:schemeClr val="accent1"/>
+          </a:fillRef>
+          <a:effectRef idx="0">
+            <a:schemeClr val="accent1"/>
+          </a:effectRef>
+          <a:fontRef idx="minor">
+            <a:schemeClr val="lt1"/>
+          </a:fontRef>
+        </p:style>
+        <p:txBody>
+          <a:bodyPr rtlCol="0" anchor="ctr"/>
+          <a:lstStyle/>
+          <a:p>
+            <a:pPr algn="ctr"/>
+            <a:endParaRPr lang="en-US" dirty="0"/>
+          </a:p>
+        </p:txBody>
+      </p:sp>
+      <p:sp>
+        <p:nvSpPr>
+          <p:cNvPr id="27" name="Rectangle 26">
+            <a:extLst>
+              <a:ext uri="{FF2B5EF4-FFF2-40B4-BE49-F238E27FC236}">
+                <a16:creationId xmlns:a16="http://schemas.microsoft.com/office/drawing/2014/main" id="{7F488E8B-4E1E-4402-8935-D4E6C02615C7}"/>
+              </a:ext>
+              <a:ext uri="{C183D7F6-B498-43B3-948B-1728B52AA6E4}">
+                <adec:decorative xmlns:adec="http://schemas.microsoft.com/office/drawing/2017/decorative" val="1"/>
+              </a:ext>
+            </a:extLst>
+          </p:cNvPr>
+          <p:cNvSpPr>
+            <a:spLocks noGrp="1" noRot="1" noChangeAspect="1" noMove="1" noResize="1" noEditPoints="1" noAdjustHandles="1" noChangeArrowheads="1" noChangeShapeType="1" noTextEdit="1"/>
+          </p:cNvSpPr>
+          <p:nvPr>
+            <p:extLst>
+              <p:ext uri="{386F3935-93C4-4BCD-93E2-E3B085C9AB24}">
+                <p16:designElem xmlns:p16="http://schemas.microsoft.com/office/powerpoint/2015/main" val="1"/>
+              </p:ext>
+            </p:extLst>
+          </p:nvPr>
+        </p:nvSpPr>
+        <p:spPr>
+          <a:xfrm>
+            <a:off x="641774" y="623275"/>
+            <a:ext cx="10905053" cy="5607882"/>
+          </a:xfrm>
+          <a:prstGeom prst="rect">
+            <a:avLst/>
+          </a:prstGeom>
+          <a:noFill/>
+          <a:ln w="19050">
+            <a:noFill/>
+          </a:ln>
+        </p:spPr>
+        <p:style>
+          <a:lnRef idx="2">
+            <a:schemeClr val="accent1">
+              <a:shade val="50000"/>
+            </a:schemeClr>
+          </a:lnRef>
+          <a:fillRef idx="1">
+            <a:schemeClr val="accent1"/>
+          </a:fillRef>
+          <a:effectRef idx="0">
+            <a:schemeClr val="accent1"/>
+          </a:effectRef>
+          <a:fontRef idx="minor">
+            <a:schemeClr val="lt1"/>
+          </a:fontRef>
+        </p:style>
+        <p:txBody>
+          <a:bodyPr rtlCol="0" anchor="ctr"/>
+          <a:lstStyle/>
+          <a:p>
+            <a:pPr algn="ctr"/>
+            <a:endParaRPr lang="en-US"/>
+          </a:p>
+        </p:txBody>
+      </p:sp>
+      <p:sp>
+        <p:nvSpPr>
+          <p:cNvPr id="2" name="Titel 1">
+            <a:extLst>
+              <a:ext uri="{FF2B5EF4-FFF2-40B4-BE49-F238E27FC236}">
+                <a16:creationId xmlns:a16="http://schemas.microsoft.com/office/drawing/2014/main" id="{C01F638B-5FA5-401B-B579-514657733BC0}"/>
+              </a:ext>
+            </a:extLst>
+          </p:cNvPr>
+          <p:cNvSpPr>
+            <a:spLocks noGrp="1"/>
+          </p:cNvSpPr>
+          <p:nvPr>
+            <p:ph type="title"/>
+          </p:nvPr>
+        </p:nvSpPr>
+        <p:spPr>
+          <a:xfrm>
+            <a:off x="1006900" y="1188637"/>
+            <a:ext cx="3141430" cy="4480726"/>
+          </a:xfrm>
+        </p:spPr>
+        <p:txBody>
+          <a:bodyPr>
+            <a:normAutofit/>
+          </a:bodyPr>
+          <a:lstStyle/>
+          <a:p>
+            <a:pPr algn="r"/>
+            <a:r>
+              <a:rPr lang="de-AT" sz="5100" dirty="0"/>
+              <a:t>Open Problems</a:t>
+            </a:r>
+            <a:br>
+              <a:rPr lang="de-AT" sz="5100" dirty="0"/>
+            </a:br>
+            <a:r>
+              <a:rPr lang="de-AT" sz="5100" dirty="0"/>
+              <a:t>And</a:t>
+            </a:r>
+            <a:br>
+              <a:rPr lang="de-AT" sz="5100" dirty="0"/>
+            </a:br>
+            <a:r>
+              <a:rPr lang="de-AT" sz="5100" dirty="0"/>
+              <a:t>Challenges</a:t>
+            </a:r>
+          </a:p>
+        </p:txBody>
+      </p:sp>
+      <p:cxnSp>
+        <p:nvCxnSpPr>
+          <p:cNvPr id="29" name="Straight Connector 28">
+            <a:extLst>
+              <a:ext uri="{FF2B5EF4-FFF2-40B4-BE49-F238E27FC236}">
+                <a16:creationId xmlns:a16="http://schemas.microsoft.com/office/drawing/2014/main" id="{23AAC9B5-8015-485C-ACF9-A750390E9A56}"/>
+              </a:ext>
+              <a:ext uri="{C183D7F6-B498-43B3-948B-1728B52AA6E4}">
+                <adec:decorative xmlns:adec="http://schemas.microsoft.com/office/drawing/2017/decorative" val="1"/>
+              </a:ext>
+            </a:extLst>
+          </p:cNvPr>
+          <p:cNvCxnSpPr>
+            <a:cxnSpLocks noGrp="1" noRot="1" noChangeAspect="1" noMove="1" noResize="1" noEditPoints="1" noAdjustHandles="1" noChangeArrowheads="1" noChangeShapeType="1"/>
+          </p:cNvCxnSpPr>
+          <p:nvPr>
+            <p:extLst>
+              <p:ext uri="{386F3935-93C4-4BCD-93E2-E3B085C9AB24}">
+                <p16:designElem xmlns:p16="http://schemas.microsoft.com/office/powerpoint/2015/main" val="1"/>
+              </p:ext>
+            </p:extLst>
+          </p:nvPr>
+        </p:nvCxnSpPr>
+        <p:spPr>
+          <a:xfrm>
+            <a:off x="4654296" y="1852863"/>
+            <a:ext cx="0" cy="3236495"/>
+          </a:xfrm>
+          <a:prstGeom prst="line">
+            <a:avLst/>
+          </a:prstGeom>
+          <a:ln w="19050" cap="sq">
+            <a:solidFill>
+              <a:schemeClr val="tx1">
+                <a:lumMod val="75000"/>
+                <a:lumOff val="25000"/>
+              </a:schemeClr>
+            </a:solidFill>
+          </a:ln>
+        </p:spPr>
+        <p:style>
+          <a:lnRef idx="1">
+            <a:schemeClr val="accent1"/>
+          </a:lnRef>
+          <a:fillRef idx="0">
+            <a:schemeClr val="accent1"/>
+          </a:fillRef>
+          <a:effectRef idx="0">
+            <a:schemeClr val="accent1"/>
+          </a:effectRef>
+          <a:fontRef idx="minor">
+            <a:schemeClr val="tx1"/>
+          </a:fontRef>
+        </p:style>
+      </p:cxnSp>
+      <p:sp>
+        <p:nvSpPr>
+          <p:cNvPr id="3" name="Inhaltsplatzhalter 2">
+            <a:extLst>
+              <a:ext uri="{FF2B5EF4-FFF2-40B4-BE49-F238E27FC236}">
+                <a16:creationId xmlns:a16="http://schemas.microsoft.com/office/drawing/2014/main" id="{8FF0E0A1-E8BF-46CD-BD68-63DB967E5D5D}"/>
+              </a:ext>
+            </a:extLst>
+          </p:cNvPr>
+          <p:cNvSpPr>
+            <a:spLocks noGrp="1"/>
+          </p:cNvSpPr>
+          <p:nvPr>
+            <p:ph idx="1"/>
+          </p:nvPr>
+        </p:nvSpPr>
+        <p:spPr>
+          <a:xfrm>
+            <a:off x="5138928" y="1338729"/>
+            <a:ext cx="4795584" cy="4180542"/>
+          </a:xfrm>
+        </p:spPr>
+        <p:txBody>
+          <a:bodyPr anchor="ctr">
+            <a:normAutofit/>
+          </a:bodyPr>
+          <a:lstStyle/>
+          <a:p>
+            <a:r>
+              <a:rPr lang="de-AT" sz="2200"/>
+              <a:t>Model relationships and all relevant aspects</a:t>
+            </a:r>
           </a:p>
           <a:p>
             <a:pPr lvl="1"/>
             <a:r>
-              <a:rPr lang="de-AT" dirty="0"/>
-              <a:t>Much </a:t>
-            </a:r>
-            <a:r>
-              <a:rPr lang="de-AT" dirty="0" err="1"/>
-              <a:t>research</a:t>
-            </a:r>
-            <a:r>
-              <a:rPr lang="de-AT" dirty="0"/>
-              <a:t> just </a:t>
-            </a:r>
-            <a:r>
-              <a:rPr lang="de-AT" dirty="0" err="1"/>
-              <a:t>does</a:t>
-            </a:r>
-            <a:r>
-              <a:rPr lang="de-AT" dirty="0"/>
-              <a:t> quantitative </a:t>
-            </a:r>
-            <a:r>
-              <a:rPr lang="de-AT" dirty="0" err="1"/>
-              <a:t>analysis</a:t>
-            </a:r>
-            <a:r>
-              <a:rPr lang="de-AT" dirty="0"/>
-              <a:t> </a:t>
-            </a:r>
-          </a:p>
-          <a:p>
-            <a:r>
-              <a:rPr lang="de-AT" dirty="0"/>
-              <a:t>Handle </a:t>
-            </a:r>
-            <a:r>
-              <a:rPr lang="de-AT" dirty="0" err="1"/>
-              <a:t>big</a:t>
-            </a:r>
-            <a:r>
-              <a:rPr lang="de-AT" dirty="0"/>
-              <a:t> </a:t>
-            </a:r>
-            <a:r>
-              <a:rPr lang="de-AT" dirty="0" err="1"/>
-              <a:t>data</a:t>
-            </a:r>
-            <a:r>
-              <a:rPr lang="de-AT" dirty="0"/>
-              <a:t> </a:t>
-            </a:r>
-          </a:p>
-          <a:p>
-            <a:r>
-              <a:rPr lang="de-AT" dirty="0" err="1"/>
-              <a:t>Inference</a:t>
-            </a:r>
-            <a:r>
-              <a:rPr lang="de-AT" dirty="0"/>
-              <a:t> </a:t>
-            </a:r>
-            <a:r>
-              <a:rPr lang="de-AT" dirty="0" err="1"/>
-              <a:t>times</a:t>
-            </a:r>
-            <a:endParaRPr lang="de-AT" dirty="0"/>
-          </a:p>
-          <a:p>
-            <a:r>
-              <a:rPr lang="de-AT" dirty="0"/>
-              <a:t>Fast </a:t>
-            </a:r>
-            <a:r>
-              <a:rPr lang="de-AT" dirty="0" err="1"/>
-              <a:t>paced</a:t>
-            </a:r>
-            <a:r>
-              <a:rPr lang="de-AT" dirty="0"/>
-              <a:t> </a:t>
-            </a:r>
-            <a:r>
-              <a:rPr lang="de-AT" dirty="0" err="1"/>
-              <a:t>field</a:t>
-            </a:r>
-            <a:r>
-              <a:rPr lang="de-AT" dirty="0"/>
-              <a:t> </a:t>
-            </a:r>
-          </a:p>
-          <a:p>
-            <a:r>
-              <a:rPr lang="de-AT"/>
-              <a:t>Spotify NGA</a:t>
-            </a:r>
-            <a:endParaRPr lang="de-AT" dirty="0"/>
+              <a:rPr lang="de-AT" sz="2200"/>
+              <a:t>What is relevant? What is redundant information?</a:t>
+            </a:r>
+          </a:p>
+          <a:p>
+            <a:r>
+              <a:rPr lang="de-AT" sz="2200"/>
+              <a:t>User‘s satisfaction</a:t>
+            </a:r>
           </a:p>
           <a:p>
             <a:pPr lvl="1"/>
-            <a:endParaRPr lang="de-AT" dirty="0"/>
+            <a:r>
+              <a:rPr lang="de-AT" sz="2200"/>
+              <a:t>Much research just does quantitative analysis </a:t>
+            </a:r>
+          </a:p>
+          <a:p>
+            <a:r>
+              <a:rPr lang="de-AT" sz="2200"/>
+              <a:t>Handle big data </a:t>
+            </a:r>
+          </a:p>
+          <a:p>
+            <a:r>
+              <a:rPr lang="de-AT" sz="2200"/>
+              <a:t>Inference times</a:t>
+            </a:r>
+          </a:p>
+          <a:p>
+            <a:r>
+              <a:rPr lang="de-AT" sz="2200"/>
+              <a:t>Fast paced field </a:t>
+            </a:r>
+          </a:p>
+          <a:p>
+            <a:r>
+              <a:rPr lang="de-AT" sz="2200"/>
+              <a:t>NGA</a:t>
+            </a:r>
+          </a:p>
+          <a:p>
+            <a:pPr lvl="1"/>
+            <a:endParaRPr lang="de-AT" sz="2200" dirty="0"/>
           </a:p>
         </p:txBody>
       </p:sp>

--- a/State-Of-The-Art Music Recommendation.pptx
+++ b/State-Of-The-Art Music Recommendation.pptx
@@ -7,10 +7,12 @@
   <p:sldIdLst>
     <p:sldId id="256" r:id="rId2"/>
     <p:sldId id="257" r:id="rId3"/>
-    <p:sldId id="261" r:id="rId4"/>
-    <p:sldId id="259" r:id="rId5"/>
-    <p:sldId id="258" r:id="rId6"/>
-    <p:sldId id="260" r:id="rId7"/>
+    <p:sldId id="264" r:id="rId4"/>
+    <p:sldId id="261" r:id="rId5"/>
+    <p:sldId id="262" r:id="rId6"/>
+    <p:sldId id="259" r:id="rId7"/>
+    <p:sldId id="263" r:id="rId8"/>
+    <p:sldId id="260" r:id="rId9"/>
   </p:sldIdLst>
   <p:sldSz cx="12192000" cy="6858000"/>
   <p:notesSz cx="6858000" cy="9144000"/>
@@ -115,6 +117,5474 @@
     </p:ext>
   </p:extLst>
 </p:presentation>
+</file>
+
+<file path=ppt/diagrams/colors1.xml><?xml version="1.0" encoding="utf-8"?>
+<dgm:colorsDef xmlns:dgm="http://schemas.openxmlformats.org/drawingml/2006/diagram" xmlns:a="http://schemas.openxmlformats.org/drawingml/2006/main" uniqueId="urn:microsoft.com/office/officeart/2005/8/colors/accent2_2">
+  <dgm:title val=""/>
+  <dgm:desc val=""/>
+  <dgm:catLst>
+    <dgm:cat type="accent2" pri="11200"/>
+  </dgm:catLst>
+  <dgm:styleLbl name="node0">
+    <dgm:fillClrLst meth="repeat">
+      <a:schemeClr val="accent2"/>
+    </dgm:fillClrLst>
+    <dgm:linClrLst meth="repeat">
+      <a:schemeClr val="lt1"/>
+    </dgm:linClrLst>
+    <dgm:effectClrLst/>
+    <dgm:txLinClrLst/>
+    <dgm:txFillClrLst/>
+    <dgm:txEffectClrLst/>
+  </dgm:styleLbl>
+  <dgm:styleLbl name="node1">
+    <dgm:fillClrLst meth="repeat">
+      <a:schemeClr val="accent2"/>
+    </dgm:fillClrLst>
+    <dgm:linClrLst meth="repeat">
+      <a:schemeClr val="lt1"/>
+    </dgm:linClrLst>
+    <dgm:effectClrLst/>
+    <dgm:txLinClrLst/>
+    <dgm:txFillClrLst/>
+    <dgm:txEffectClrLst/>
+  </dgm:styleLbl>
+  <dgm:styleLbl name="alignNode1">
+    <dgm:fillClrLst meth="repeat">
+      <a:schemeClr val="accent2"/>
+    </dgm:fillClrLst>
+    <dgm:linClrLst meth="repeat">
+      <a:schemeClr val="accent2"/>
+    </dgm:linClrLst>
+    <dgm:effectClrLst/>
+    <dgm:txLinClrLst/>
+    <dgm:txFillClrLst/>
+    <dgm:txEffectClrLst/>
+  </dgm:styleLbl>
+  <dgm:styleLbl name="lnNode1">
+    <dgm:fillClrLst meth="repeat">
+      <a:schemeClr val="accent2"/>
+    </dgm:fillClrLst>
+    <dgm:linClrLst meth="repeat">
+      <a:schemeClr val="lt1"/>
+    </dgm:linClrLst>
+    <dgm:effectClrLst/>
+    <dgm:txLinClrLst/>
+    <dgm:txFillClrLst/>
+    <dgm:txEffectClrLst/>
+  </dgm:styleLbl>
+  <dgm:styleLbl name="vennNode1">
+    <dgm:fillClrLst meth="repeat">
+      <a:schemeClr val="accent2">
+        <a:alpha val="50000"/>
+      </a:schemeClr>
+    </dgm:fillClrLst>
+    <dgm:linClrLst meth="repeat">
+      <a:schemeClr val="lt1"/>
+    </dgm:linClrLst>
+    <dgm:effectClrLst/>
+    <dgm:txLinClrLst/>
+    <dgm:txFillClrLst/>
+    <dgm:txEffectClrLst/>
+  </dgm:styleLbl>
+  <dgm:styleLbl name="node2">
+    <dgm:fillClrLst meth="repeat">
+      <a:schemeClr val="accent2"/>
+    </dgm:fillClrLst>
+    <dgm:linClrLst meth="repeat">
+      <a:schemeClr val="lt1"/>
+    </dgm:linClrLst>
+    <dgm:effectClrLst/>
+    <dgm:txLinClrLst/>
+    <dgm:txFillClrLst/>
+    <dgm:txEffectClrLst/>
+  </dgm:styleLbl>
+  <dgm:styleLbl name="node3">
+    <dgm:fillClrLst meth="repeat">
+      <a:schemeClr val="accent2"/>
+    </dgm:fillClrLst>
+    <dgm:linClrLst meth="repeat">
+      <a:schemeClr val="lt1"/>
+    </dgm:linClrLst>
+    <dgm:effectClrLst/>
+    <dgm:txLinClrLst/>
+    <dgm:txFillClrLst/>
+    <dgm:txEffectClrLst/>
+  </dgm:styleLbl>
+  <dgm:styleLbl name="node4">
+    <dgm:fillClrLst meth="repeat">
+      <a:schemeClr val="accent2"/>
+    </dgm:fillClrLst>
+    <dgm:linClrLst meth="repeat">
+      <a:schemeClr val="lt1"/>
+    </dgm:linClrLst>
+    <dgm:effectClrLst/>
+    <dgm:txLinClrLst/>
+    <dgm:txFillClrLst/>
+    <dgm:txEffectClrLst/>
+  </dgm:styleLbl>
+  <dgm:styleLbl name="fgImgPlace1">
+    <dgm:fillClrLst meth="repeat">
+      <a:schemeClr val="accent2">
+        <a:tint val="50000"/>
+      </a:schemeClr>
+    </dgm:fillClrLst>
+    <dgm:linClrLst meth="repeat">
+      <a:schemeClr val="lt1"/>
+    </dgm:linClrLst>
+    <dgm:effectClrLst/>
+    <dgm:txLinClrLst/>
+    <dgm:txFillClrLst meth="repeat">
+      <a:schemeClr val="lt1"/>
+    </dgm:txFillClrLst>
+    <dgm:txEffectClrLst/>
+  </dgm:styleLbl>
+  <dgm:styleLbl name="alignImgPlace1">
+    <dgm:fillClrLst meth="repeat">
+      <a:schemeClr val="accent2">
+        <a:tint val="50000"/>
+      </a:schemeClr>
+    </dgm:fillClrLst>
+    <dgm:linClrLst meth="repeat">
+      <a:schemeClr val="lt1"/>
+    </dgm:linClrLst>
+    <dgm:effectClrLst/>
+    <dgm:txLinClrLst/>
+    <dgm:txFillClrLst meth="repeat">
+      <a:schemeClr val="lt1"/>
+    </dgm:txFillClrLst>
+    <dgm:txEffectClrLst/>
+  </dgm:styleLbl>
+  <dgm:styleLbl name="bgImgPlace1">
+    <dgm:fillClrLst meth="repeat">
+      <a:schemeClr val="accent2">
+        <a:tint val="50000"/>
+      </a:schemeClr>
+    </dgm:fillClrLst>
+    <dgm:linClrLst meth="repeat">
+      <a:schemeClr val="lt1"/>
+    </dgm:linClrLst>
+    <dgm:effectClrLst/>
+    <dgm:txLinClrLst/>
+    <dgm:txFillClrLst meth="repeat">
+      <a:schemeClr val="lt1"/>
+    </dgm:txFillClrLst>
+    <dgm:txEffectClrLst/>
+  </dgm:styleLbl>
+  <dgm:styleLbl name="sibTrans2D1">
+    <dgm:fillClrLst meth="repeat">
+      <a:schemeClr val="accent2">
+        <a:tint val="60000"/>
+      </a:schemeClr>
+    </dgm:fillClrLst>
+    <dgm:linClrLst meth="repeat">
+      <a:schemeClr val="accent2">
+        <a:tint val="60000"/>
+      </a:schemeClr>
+    </dgm:linClrLst>
+    <dgm:effectClrLst/>
+    <dgm:txLinClrLst/>
+    <dgm:txFillClrLst/>
+    <dgm:txEffectClrLst/>
+  </dgm:styleLbl>
+  <dgm:styleLbl name="fgSibTrans2D1">
+    <dgm:fillClrLst meth="repeat">
+      <a:schemeClr val="accent2">
+        <a:tint val="60000"/>
+      </a:schemeClr>
+    </dgm:fillClrLst>
+    <dgm:linClrLst meth="repeat">
+      <a:schemeClr val="accent2">
+        <a:tint val="60000"/>
+      </a:schemeClr>
+    </dgm:linClrLst>
+    <dgm:effectClrLst/>
+    <dgm:txLinClrLst/>
+    <dgm:txFillClrLst/>
+    <dgm:txEffectClrLst/>
+  </dgm:styleLbl>
+  <dgm:styleLbl name="bgSibTrans2D1">
+    <dgm:fillClrLst meth="repeat">
+      <a:schemeClr val="accent2">
+        <a:tint val="60000"/>
+      </a:schemeClr>
+    </dgm:fillClrLst>
+    <dgm:linClrLst meth="repeat">
+      <a:schemeClr val="accent2">
+        <a:tint val="60000"/>
+      </a:schemeClr>
+    </dgm:linClrLst>
+    <dgm:effectClrLst/>
+    <dgm:txLinClrLst/>
+    <dgm:txFillClrLst/>
+    <dgm:txEffectClrLst/>
+  </dgm:styleLbl>
+  <dgm:styleLbl name="sibTrans1D1">
+    <dgm:fillClrLst meth="repeat">
+      <a:schemeClr val="accent2"/>
+    </dgm:fillClrLst>
+    <dgm:linClrLst meth="repeat">
+      <a:schemeClr val="accent2"/>
+    </dgm:linClrLst>
+    <dgm:effectClrLst/>
+    <dgm:txLinClrLst/>
+    <dgm:txFillClrLst meth="repeat">
+      <a:schemeClr val="tx1"/>
+    </dgm:txFillClrLst>
+    <dgm:txEffectClrLst/>
+  </dgm:styleLbl>
+  <dgm:styleLbl name="callout">
+    <dgm:fillClrLst meth="repeat">
+      <a:schemeClr val="accent2"/>
+    </dgm:fillClrLst>
+    <dgm:linClrLst meth="repeat">
+      <a:schemeClr val="accent2">
+        <a:tint val="50000"/>
+      </a:schemeClr>
+    </dgm:linClrLst>
+    <dgm:effectClrLst/>
+    <dgm:txLinClrLst/>
+    <dgm:txFillClrLst meth="repeat">
+      <a:schemeClr val="tx1"/>
+    </dgm:txFillClrLst>
+    <dgm:txEffectClrLst/>
+  </dgm:styleLbl>
+  <dgm:styleLbl name="asst0">
+    <dgm:fillClrLst meth="repeat">
+      <a:schemeClr val="accent2"/>
+    </dgm:fillClrLst>
+    <dgm:linClrLst meth="repeat">
+      <a:schemeClr val="lt1"/>
+    </dgm:linClrLst>
+    <dgm:effectClrLst/>
+    <dgm:txLinClrLst/>
+    <dgm:txFillClrLst/>
+    <dgm:txEffectClrLst/>
+  </dgm:styleLbl>
+  <dgm:styleLbl name="asst1">
+    <dgm:fillClrLst meth="repeat">
+      <a:schemeClr val="accent2"/>
+    </dgm:fillClrLst>
+    <dgm:linClrLst meth="repeat">
+      <a:schemeClr val="lt1"/>
+    </dgm:linClrLst>
+    <dgm:effectClrLst/>
+    <dgm:txLinClrLst/>
+    <dgm:txFillClrLst/>
+    <dgm:txEffectClrLst/>
+  </dgm:styleLbl>
+  <dgm:styleLbl name="asst2">
+    <dgm:fillClrLst meth="repeat">
+      <a:schemeClr val="accent2"/>
+    </dgm:fillClrLst>
+    <dgm:linClrLst meth="repeat">
+      <a:schemeClr val="lt1"/>
+    </dgm:linClrLst>
+    <dgm:effectClrLst/>
+    <dgm:txLinClrLst/>
+    <dgm:txFillClrLst/>
+    <dgm:txEffectClrLst/>
+  </dgm:styleLbl>
+  <dgm:styleLbl name="asst3">
+    <dgm:fillClrLst meth="repeat">
+      <a:schemeClr val="accent2"/>
+    </dgm:fillClrLst>
+    <dgm:linClrLst meth="repeat">
+      <a:schemeClr val="lt1"/>
+    </dgm:linClrLst>
+    <dgm:effectClrLst/>
+    <dgm:txLinClrLst/>
+    <dgm:txFillClrLst/>
+    <dgm:txEffectClrLst/>
+  </dgm:styleLbl>
+  <dgm:styleLbl name="asst4">
+    <dgm:fillClrLst meth="repeat">
+      <a:schemeClr val="accent2"/>
+    </dgm:fillClrLst>
+    <dgm:linClrLst meth="repeat">
+      <a:schemeClr val="lt1"/>
+    </dgm:linClrLst>
+    <dgm:effectClrLst/>
+    <dgm:txLinClrLst/>
+    <dgm:txFillClrLst/>
+    <dgm:txEffectClrLst/>
+  </dgm:styleLbl>
+  <dgm:styleLbl name="parChTrans2D1">
+    <dgm:fillClrLst meth="repeat">
+      <a:schemeClr val="accent2">
+        <a:tint val="60000"/>
+      </a:schemeClr>
+    </dgm:fillClrLst>
+    <dgm:linClrLst meth="repeat">
+      <a:schemeClr val="accent2">
+        <a:tint val="60000"/>
+      </a:schemeClr>
+    </dgm:linClrLst>
+    <dgm:effectClrLst/>
+    <dgm:txLinClrLst/>
+    <dgm:txFillClrLst meth="repeat">
+      <a:schemeClr val="lt1"/>
+    </dgm:txFillClrLst>
+    <dgm:txEffectClrLst/>
+  </dgm:styleLbl>
+  <dgm:styleLbl name="parChTrans2D2">
+    <dgm:fillClrLst meth="repeat">
+      <a:schemeClr val="accent2"/>
+    </dgm:fillClrLst>
+    <dgm:linClrLst meth="repeat">
+      <a:schemeClr val="accent2"/>
+    </dgm:linClrLst>
+    <dgm:effectClrLst/>
+    <dgm:txLinClrLst/>
+    <dgm:txFillClrLst meth="repeat">
+      <a:schemeClr val="lt1"/>
+    </dgm:txFillClrLst>
+    <dgm:txEffectClrLst/>
+  </dgm:styleLbl>
+  <dgm:styleLbl name="parChTrans2D3">
+    <dgm:fillClrLst meth="repeat">
+      <a:schemeClr val="accent2"/>
+    </dgm:fillClrLst>
+    <dgm:linClrLst meth="repeat">
+      <a:schemeClr val="accent2"/>
+    </dgm:linClrLst>
+    <dgm:effectClrLst/>
+    <dgm:txLinClrLst/>
+    <dgm:txFillClrLst meth="repeat">
+      <a:schemeClr val="lt1"/>
+    </dgm:txFillClrLst>
+    <dgm:txEffectClrLst/>
+  </dgm:styleLbl>
+  <dgm:styleLbl name="parChTrans2D4">
+    <dgm:fillClrLst meth="repeat">
+      <a:schemeClr val="accent2"/>
+    </dgm:fillClrLst>
+    <dgm:linClrLst meth="repeat">
+      <a:schemeClr val="accent2"/>
+    </dgm:linClrLst>
+    <dgm:effectClrLst/>
+    <dgm:txLinClrLst/>
+    <dgm:txFillClrLst meth="repeat">
+      <a:schemeClr val="lt1"/>
+    </dgm:txFillClrLst>
+    <dgm:txEffectClrLst/>
+  </dgm:styleLbl>
+  <dgm:styleLbl name="parChTrans1D1">
+    <dgm:fillClrLst meth="repeat">
+      <a:schemeClr val="accent2"/>
+    </dgm:fillClrLst>
+    <dgm:linClrLst meth="repeat">
+      <a:schemeClr val="accent2">
+        <a:shade val="60000"/>
+      </a:schemeClr>
+    </dgm:linClrLst>
+    <dgm:effectClrLst/>
+    <dgm:txLinClrLst/>
+    <dgm:txFillClrLst meth="repeat">
+      <a:schemeClr val="tx1"/>
+    </dgm:txFillClrLst>
+    <dgm:txEffectClrLst/>
+  </dgm:styleLbl>
+  <dgm:styleLbl name="parChTrans1D2">
+    <dgm:fillClrLst meth="repeat">
+      <a:schemeClr val="accent2"/>
+    </dgm:fillClrLst>
+    <dgm:linClrLst meth="repeat">
+      <a:schemeClr val="accent2">
+        <a:shade val="60000"/>
+      </a:schemeClr>
+    </dgm:linClrLst>
+    <dgm:effectClrLst/>
+    <dgm:txLinClrLst/>
+    <dgm:txFillClrLst meth="repeat">
+      <a:schemeClr val="tx1"/>
+    </dgm:txFillClrLst>
+    <dgm:txEffectClrLst/>
+  </dgm:styleLbl>
+  <dgm:styleLbl name="parChTrans1D3">
+    <dgm:fillClrLst meth="repeat">
+      <a:schemeClr val="accent2"/>
+    </dgm:fillClrLst>
+    <dgm:linClrLst meth="repeat">
+      <a:schemeClr val="accent2">
+        <a:shade val="80000"/>
+      </a:schemeClr>
+    </dgm:linClrLst>
+    <dgm:effectClrLst/>
+    <dgm:txLinClrLst/>
+    <dgm:txFillClrLst meth="repeat">
+      <a:schemeClr val="tx1"/>
+    </dgm:txFillClrLst>
+    <dgm:txEffectClrLst/>
+  </dgm:styleLbl>
+  <dgm:styleLbl name="parChTrans1D4">
+    <dgm:fillClrLst meth="repeat">
+      <a:schemeClr val="accent2"/>
+    </dgm:fillClrLst>
+    <dgm:linClrLst meth="repeat">
+      <a:schemeClr val="accent2">
+        <a:shade val="80000"/>
+      </a:schemeClr>
+    </dgm:linClrLst>
+    <dgm:effectClrLst/>
+    <dgm:txLinClrLst/>
+    <dgm:txFillClrLst meth="repeat">
+      <a:schemeClr val="tx1"/>
+    </dgm:txFillClrLst>
+    <dgm:txEffectClrLst/>
+  </dgm:styleLbl>
+  <dgm:styleLbl name="fgAcc1">
+    <dgm:fillClrLst meth="repeat">
+      <a:schemeClr val="lt1">
+        <a:alpha val="90000"/>
+      </a:schemeClr>
+    </dgm:fillClrLst>
+    <dgm:linClrLst meth="repeat">
+      <a:schemeClr val="accent2"/>
+    </dgm:linClrLst>
+    <dgm:effectClrLst/>
+    <dgm:txLinClrLst/>
+    <dgm:txFillClrLst meth="repeat">
+      <a:schemeClr val="dk1"/>
+    </dgm:txFillClrLst>
+    <dgm:txEffectClrLst/>
+  </dgm:styleLbl>
+  <dgm:styleLbl name="conFgAcc1">
+    <dgm:fillClrLst meth="repeat">
+      <a:schemeClr val="lt1">
+        <a:alpha val="90000"/>
+      </a:schemeClr>
+    </dgm:fillClrLst>
+    <dgm:linClrLst meth="repeat">
+      <a:schemeClr val="accent2"/>
+    </dgm:linClrLst>
+    <dgm:effectClrLst/>
+    <dgm:txLinClrLst/>
+    <dgm:txFillClrLst meth="repeat">
+      <a:schemeClr val="dk1"/>
+    </dgm:txFillClrLst>
+    <dgm:txEffectClrLst/>
+  </dgm:styleLbl>
+  <dgm:styleLbl name="alignAcc1">
+    <dgm:fillClrLst meth="repeat">
+      <a:schemeClr val="lt1">
+        <a:alpha val="90000"/>
+      </a:schemeClr>
+    </dgm:fillClrLst>
+    <dgm:linClrLst meth="repeat">
+      <a:schemeClr val="accent2"/>
+    </dgm:linClrLst>
+    <dgm:effectClrLst/>
+    <dgm:txLinClrLst/>
+    <dgm:txFillClrLst meth="repeat">
+      <a:schemeClr val="dk1"/>
+    </dgm:txFillClrLst>
+    <dgm:txEffectClrLst/>
+  </dgm:styleLbl>
+  <dgm:styleLbl name="trAlignAcc1">
+    <dgm:fillClrLst meth="repeat">
+      <a:schemeClr val="lt1">
+        <a:alpha val="40000"/>
+      </a:schemeClr>
+    </dgm:fillClrLst>
+    <dgm:linClrLst meth="repeat">
+      <a:schemeClr val="accent2"/>
+    </dgm:linClrLst>
+    <dgm:effectClrLst/>
+    <dgm:txLinClrLst/>
+    <dgm:txFillClrLst meth="repeat">
+      <a:schemeClr val="dk1"/>
+    </dgm:txFillClrLst>
+    <dgm:txEffectClrLst/>
+  </dgm:styleLbl>
+  <dgm:styleLbl name="bgAcc1">
+    <dgm:fillClrLst meth="repeat">
+      <a:schemeClr val="lt1">
+        <a:alpha val="90000"/>
+      </a:schemeClr>
+    </dgm:fillClrLst>
+    <dgm:linClrLst meth="repeat">
+      <a:schemeClr val="accent2"/>
+    </dgm:linClrLst>
+    <dgm:effectClrLst/>
+    <dgm:txLinClrLst/>
+    <dgm:txFillClrLst meth="repeat">
+      <a:schemeClr val="dk1"/>
+    </dgm:txFillClrLst>
+    <dgm:txEffectClrLst/>
+  </dgm:styleLbl>
+  <dgm:styleLbl name="solidFgAcc1">
+    <dgm:fillClrLst meth="repeat">
+      <a:schemeClr val="lt1"/>
+    </dgm:fillClrLst>
+    <dgm:linClrLst meth="repeat">
+      <a:schemeClr val="accent2"/>
+    </dgm:linClrLst>
+    <dgm:effectClrLst/>
+    <dgm:txLinClrLst/>
+    <dgm:txFillClrLst meth="repeat">
+      <a:schemeClr val="dk1"/>
+    </dgm:txFillClrLst>
+    <dgm:txEffectClrLst/>
+  </dgm:styleLbl>
+  <dgm:styleLbl name="solidAlignAcc1">
+    <dgm:fillClrLst meth="repeat">
+      <a:schemeClr val="lt1"/>
+    </dgm:fillClrLst>
+    <dgm:linClrLst meth="repeat">
+      <a:schemeClr val="accent2"/>
+    </dgm:linClrLst>
+    <dgm:effectClrLst/>
+    <dgm:txLinClrLst/>
+    <dgm:txFillClrLst meth="repeat">
+      <a:schemeClr val="dk1"/>
+    </dgm:txFillClrLst>
+    <dgm:txEffectClrLst/>
+  </dgm:styleLbl>
+  <dgm:styleLbl name="solidBgAcc1">
+    <dgm:fillClrLst meth="repeat">
+      <a:schemeClr val="lt1"/>
+    </dgm:fillClrLst>
+    <dgm:linClrLst meth="repeat">
+      <a:schemeClr val="accent2"/>
+    </dgm:linClrLst>
+    <dgm:effectClrLst/>
+    <dgm:txLinClrLst/>
+    <dgm:txFillClrLst meth="repeat">
+      <a:schemeClr val="dk1"/>
+    </dgm:txFillClrLst>
+    <dgm:txEffectClrLst/>
+  </dgm:styleLbl>
+  <dgm:styleLbl name="fgAccFollowNode1">
+    <dgm:fillClrLst meth="repeat">
+      <a:schemeClr val="accent2">
+        <a:alpha val="90000"/>
+        <a:tint val="40000"/>
+      </a:schemeClr>
+    </dgm:fillClrLst>
+    <dgm:linClrLst meth="repeat">
+      <a:schemeClr val="accent2">
+        <a:alpha val="90000"/>
+        <a:tint val="40000"/>
+      </a:schemeClr>
+    </dgm:linClrLst>
+    <dgm:effectClrLst/>
+    <dgm:txLinClrLst/>
+    <dgm:txFillClrLst meth="repeat">
+      <a:schemeClr val="dk1"/>
+    </dgm:txFillClrLst>
+    <dgm:txEffectClrLst/>
+  </dgm:styleLbl>
+  <dgm:styleLbl name="alignAccFollowNode1">
+    <dgm:fillClrLst meth="repeat">
+      <a:schemeClr val="accent2">
+        <a:alpha val="90000"/>
+        <a:tint val="40000"/>
+      </a:schemeClr>
+    </dgm:fillClrLst>
+    <dgm:linClrLst meth="repeat">
+      <a:schemeClr val="accent2">
+        <a:alpha val="90000"/>
+        <a:tint val="40000"/>
+      </a:schemeClr>
+    </dgm:linClrLst>
+    <dgm:effectClrLst/>
+    <dgm:txLinClrLst/>
+    <dgm:txFillClrLst meth="repeat">
+      <a:schemeClr val="dk1"/>
+    </dgm:txFillClrLst>
+    <dgm:txEffectClrLst/>
+  </dgm:styleLbl>
+  <dgm:styleLbl name="bgAccFollowNode1">
+    <dgm:fillClrLst meth="repeat">
+      <a:schemeClr val="accent2">
+        <a:alpha val="90000"/>
+        <a:tint val="40000"/>
+      </a:schemeClr>
+    </dgm:fillClrLst>
+    <dgm:linClrLst meth="repeat">
+      <a:schemeClr val="accent2">
+        <a:alpha val="90000"/>
+        <a:tint val="40000"/>
+      </a:schemeClr>
+    </dgm:linClrLst>
+    <dgm:effectClrLst/>
+    <dgm:txLinClrLst/>
+    <dgm:txFillClrLst meth="repeat">
+      <a:schemeClr val="dk1"/>
+    </dgm:txFillClrLst>
+    <dgm:txEffectClrLst/>
+  </dgm:styleLbl>
+  <dgm:styleLbl name="fgAcc0">
+    <dgm:fillClrLst meth="repeat">
+      <a:schemeClr val="lt1">
+        <a:alpha val="90000"/>
+      </a:schemeClr>
+    </dgm:fillClrLst>
+    <dgm:linClrLst meth="repeat">
+      <a:schemeClr val="accent2"/>
+    </dgm:linClrLst>
+    <dgm:effectClrLst/>
+    <dgm:txLinClrLst/>
+    <dgm:txFillClrLst meth="repeat">
+      <a:schemeClr val="dk1"/>
+    </dgm:txFillClrLst>
+    <dgm:txEffectClrLst/>
+  </dgm:styleLbl>
+  <dgm:styleLbl name="fgAcc2">
+    <dgm:fillClrLst meth="repeat">
+      <a:schemeClr val="lt1">
+        <a:alpha val="90000"/>
+      </a:schemeClr>
+    </dgm:fillClrLst>
+    <dgm:linClrLst meth="repeat">
+      <a:schemeClr val="accent2"/>
+    </dgm:linClrLst>
+    <dgm:effectClrLst/>
+    <dgm:txLinClrLst/>
+    <dgm:txFillClrLst meth="repeat">
+      <a:schemeClr val="dk1"/>
+    </dgm:txFillClrLst>
+    <dgm:txEffectClrLst/>
+  </dgm:styleLbl>
+  <dgm:styleLbl name="fgAcc3">
+    <dgm:fillClrLst meth="repeat">
+      <a:schemeClr val="lt1">
+        <a:alpha val="90000"/>
+      </a:schemeClr>
+    </dgm:fillClrLst>
+    <dgm:linClrLst meth="repeat">
+      <a:schemeClr val="accent2"/>
+    </dgm:linClrLst>
+    <dgm:effectClrLst/>
+    <dgm:txLinClrLst/>
+    <dgm:txFillClrLst meth="repeat">
+      <a:schemeClr val="dk1"/>
+    </dgm:txFillClrLst>
+    <dgm:txEffectClrLst/>
+  </dgm:styleLbl>
+  <dgm:styleLbl name="fgAcc4">
+    <dgm:fillClrLst meth="repeat">
+      <a:schemeClr val="lt1">
+        <a:alpha val="90000"/>
+      </a:schemeClr>
+    </dgm:fillClrLst>
+    <dgm:linClrLst meth="repeat">
+      <a:schemeClr val="accent2"/>
+    </dgm:linClrLst>
+    <dgm:effectClrLst/>
+    <dgm:txLinClrLst/>
+    <dgm:txFillClrLst meth="repeat">
+      <a:schemeClr val="dk1"/>
+    </dgm:txFillClrLst>
+    <dgm:txEffectClrLst/>
+  </dgm:styleLbl>
+  <dgm:styleLbl name="bgShp">
+    <dgm:fillClrLst meth="repeat">
+      <a:schemeClr val="accent2">
+        <a:tint val="40000"/>
+      </a:schemeClr>
+    </dgm:fillClrLst>
+    <dgm:linClrLst meth="repeat">
+      <a:schemeClr val="accent2"/>
+    </dgm:linClrLst>
+    <dgm:effectClrLst/>
+    <dgm:txLinClrLst/>
+    <dgm:txFillClrLst meth="repeat">
+      <a:schemeClr val="dk1"/>
+    </dgm:txFillClrLst>
+    <dgm:txEffectClrLst/>
+  </dgm:styleLbl>
+  <dgm:styleLbl name="dkBgShp">
+    <dgm:fillClrLst meth="repeat">
+      <a:schemeClr val="accent2">
+        <a:shade val="80000"/>
+      </a:schemeClr>
+    </dgm:fillClrLst>
+    <dgm:linClrLst meth="repeat">
+      <a:schemeClr val="accent2"/>
+    </dgm:linClrLst>
+    <dgm:effectClrLst/>
+    <dgm:txLinClrLst/>
+    <dgm:txFillClrLst meth="repeat">
+      <a:schemeClr val="lt1"/>
+    </dgm:txFillClrLst>
+    <dgm:txEffectClrLst/>
+  </dgm:styleLbl>
+  <dgm:styleLbl name="trBgShp">
+    <dgm:fillClrLst meth="repeat">
+      <a:schemeClr val="accent2">
+        <a:tint val="50000"/>
+        <a:alpha val="40000"/>
+      </a:schemeClr>
+    </dgm:fillClrLst>
+    <dgm:linClrLst meth="repeat">
+      <a:schemeClr val="accent2"/>
+    </dgm:linClrLst>
+    <dgm:effectClrLst/>
+    <dgm:txLinClrLst/>
+    <dgm:txFillClrLst meth="repeat">
+      <a:schemeClr val="lt1"/>
+    </dgm:txFillClrLst>
+    <dgm:txEffectClrLst/>
+  </dgm:styleLbl>
+  <dgm:styleLbl name="fgShp">
+    <dgm:fillClrLst meth="repeat">
+      <a:schemeClr val="accent2">
+        <a:tint val="60000"/>
+      </a:schemeClr>
+    </dgm:fillClrLst>
+    <dgm:linClrLst meth="repeat">
+      <a:schemeClr val="lt1"/>
+    </dgm:linClrLst>
+    <dgm:effectClrLst/>
+    <dgm:txLinClrLst/>
+    <dgm:txFillClrLst meth="repeat">
+      <a:schemeClr val="dk1"/>
+    </dgm:txFillClrLst>
+    <dgm:txEffectClrLst/>
+  </dgm:styleLbl>
+  <dgm:styleLbl name="revTx">
+    <dgm:fillClrLst meth="repeat">
+      <a:schemeClr val="lt1">
+        <a:alpha val="0"/>
+      </a:schemeClr>
+    </dgm:fillClrLst>
+    <dgm:linClrLst meth="repeat">
+      <a:schemeClr val="dk1">
+        <a:alpha val="0"/>
+      </a:schemeClr>
+    </dgm:linClrLst>
+    <dgm:effectClrLst/>
+    <dgm:txLinClrLst/>
+    <dgm:txFillClrLst meth="repeat">
+      <a:schemeClr val="tx1"/>
+    </dgm:txFillClrLst>
+    <dgm:txEffectClrLst/>
+  </dgm:styleLbl>
+</dgm:colorsDef>
+</file>
+
+<file path=ppt/diagrams/colors2.xml><?xml version="1.0" encoding="utf-8"?>
+<dgm:colorsDef xmlns:dgm="http://schemas.openxmlformats.org/drawingml/2006/diagram" xmlns:a="http://schemas.openxmlformats.org/drawingml/2006/main" uniqueId="urn:microsoft.com/office/officeart/2005/8/colors/accent2_2">
+  <dgm:title val=""/>
+  <dgm:desc val=""/>
+  <dgm:catLst>
+    <dgm:cat type="accent2" pri="11200"/>
+  </dgm:catLst>
+  <dgm:styleLbl name="node0">
+    <dgm:fillClrLst meth="repeat">
+      <a:schemeClr val="accent2"/>
+    </dgm:fillClrLst>
+    <dgm:linClrLst meth="repeat">
+      <a:schemeClr val="lt1"/>
+    </dgm:linClrLst>
+    <dgm:effectClrLst/>
+    <dgm:txLinClrLst/>
+    <dgm:txFillClrLst/>
+    <dgm:txEffectClrLst/>
+  </dgm:styleLbl>
+  <dgm:styleLbl name="node1">
+    <dgm:fillClrLst meth="repeat">
+      <a:schemeClr val="accent2"/>
+    </dgm:fillClrLst>
+    <dgm:linClrLst meth="repeat">
+      <a:schemeClr val="lt1"/>
+    </dgm:linClrLst>
+    <dgm:effectClrLst/>
+    <dgm:txLinClrLst/>
+    <dgm:txFillClrLst/>
+    <dgm:txEffectClrLst/>
+  </dgm:styleLbl>
+  <dgm:styleLbl name="alignNode1">
+    <dgm:fillClrLst meth="repeat">
+      <a:schemeClr val="accent2"/>
+    </dgm:fillClrLst>
+    <dgm:linClrLst meth="repeat">
+      <a:schemeClr val="accent2"/>
+    </dgm:linClrLst>
+    <dgm:effectClrLst/>
+    <dgm:txLinClrLst/>
+    <dgm:txFillClrLst/>
+    <dgm:txEffectClrLst/>
+  </dgm:styleLbl>
+  <dgm:styleLbl name="lnNode1">
+    <dgm:fillClrLst meth="repeat">
+      <a:schemeClr val="accent2"/>
+    </dgm:fillClrLst>
+    <dgm:linClrLst meth="repeat">
+      <a:schemeClr val="lt1"/>
+    </dgm:linClrLst>
+    <dgm:effectClrLst/>
+    <dgm:txLinClrLst/>
+    <dgm:txFillClrLst/>
+    <dgm:txEffectClrLst/>
+  </dgm:styleLbl>
+  <dgm:styleLbl name="vennNode1">
+    <dgm:fillClrLst meth="repeat">
+      <a:schemeClr val="accent2">
+        <a:alpha val="50000"/>
+      </a:schemeClr>
+    </dgm:fillClrLst>
+    <dgm:linClrLst meth="repeat">
+      <a:schemeClr val="lt1"/>
+    </dgm:linClrLst>
+    <dgm:effectClrLst/>
+    <dgm:txLinClrLst/>
+    <dgm:txFillClrLst/>
+    <dgm:txEffectClrLst/>
+  </dgm:styleLbl>
+  <dgm:styleLbl name="node2">
+    <dgm:fillClrLst meth="repeat">
+      <a:schemeClr val="accent2"/>
+    </dgm:fillClrLst>
+    <dgm:linClrLst meth="repeat">
+      <a:schemeClr val="lt1"/>
+    </dgm:linClrLst>
+    <dgm:effectClrLst/>
+    <dgm:txLinClrLst/>
+    <dgm:txFillClrLst/>
+    <dgm:txEffectClrLst/>
+  </dgm:styleLbl>
+  <dgm:styleLbl name="node3">
+    <dgm:fillClrLst meth="repeat">
+      <a:schemeClr val="accent2"/>
+    </dgm:fillClrLst>
+    <dgm:linClrLst meth="repeat">
+      <a:schemeClr val="lt1"/>
+    </dgm:linClrLst>
+    <dgm:effectClrLst/>
+    <dgm:txLinClrLst/>
+    <dgm:txFillClrLst/>
+    <dgm:txEffectClrLst/>
+  </dgm:styleLbl>
+  <dgm:styleLbl name="node4">
+    <dgm:fillClrLst meth="repeat">
+      <a:schemeClr val="accent2"/>
+    </dgm:fillClrLst>
+    <dgm:linClrLst meth="repeat">
+      <a:schemeClr val="lt1"/>
+    </dgm:linClrLst>
+    <dgm:effectClrLst/>
+    <dgm:txLinClrLst/>
+    <dgm:txFillClrLst/>
+    <dgm:txEffectClrLst/>
+  </dgm:styleLbl>
+  <dgm:styleLbl name="fgImgPlace1">
+    <dgm:fillClrLst meth="repeat">
+      <a:schemeClr val="accent2">
+        <a:tint val="50000"/>
+      </a:schemeClr>
+    </dgm:fillClrLst>
+    <dgm:linClrLst meth="repeat">
+      <a:schemeClr val="lt1"/>
+    </dgm:linClrLst>
+    <dgm:effectClrLst/>
+    <dgm:txLinClrLst/>
+    <dgm:txFillClrLst meth="repeat">
+      <a:schemeClr val="lt1"/>
+    </dgm:txFillClrLst>
+    <dgm:txEffectClrLst/>
+  </dgm:styleLbl>
+  <dgm:styleLbl name="alignImgPlace1">
+    <dgm:fillClrLst meth="repeat">
+      <a:schemeClr val="accent2">
+        <a:tint val="50000"/>
+      </a:schemeClr>
+    </dgm:fillClrLst>
+    <dgm:linClrLst meth="repeat">
+      <a:schemeClr val="lt1"/>
+    </dgm:linClrLst>
+    <dgm:effectClrLst/>
+    <dgm:txLinClrLst/>
+    <dgm:txFillClrLst meth="repeat">
+      <a:schemeClr val="lt1"/>
+    </dgm:txFillClrLst>
+    <dgm:txEffectClrLst/>
+  </dgm:styleLbl>
+  <dgm:styleLbl name="bgImgPlace1">
+    <dgm:fillClrLst meth="repeat">
+      <a:schemeClr val="accent2">
+        <a:tint val="50000"/>
+      </a:schemeClr>
+    </dgm:fillClrLst>
+    <dgm:linClrLst meth="repeat">
+      <a:schemeClr val="lt1"/>
+    </dgm:linClrLst>
+    <dgm:effectClrLst/>
+    <dgm:txLinClrLst/>
+    <dgm:txFillClrLst meth="repeat">
+      <a:schemeClr val="lt1"/>
+    </dgm:txFillClrLst>
+    <dgm:txEffectClrLst/>
+  </dgm:styleLbl>
+  <dgm:styleLbl name="sibTrans2D1">
+    <dgm:fillClrLst meth="repeat">
+      <a:schemeClr val="accent2">
+        <a:tint val="60000"/>
+      </a:schemeClr>
+    </dgm:fillClrLst>
+    <dgm:linClrLst meth="repeat">
+      <a:schemeClr val="accent2">
+        <a:tint val="60000"/>
+      </a:schemeClr>
+    </dgm:linClrLst>
+    <dgm:effectClrLst/>
+    <dgm:txLinClrLst/>
+    <dgm:txFillClrLst/>
+    <dgm:txEffectClrLst/>
+  </dgm:styleLbl>
+  <dgm:styleLbl name="fgSibTrans2D1">
+    <dgm:fillClrLst meth="repeat">
+      <a:schemeClr val="accent2">
+        <a:tint val="60000"/>
+      </a:schemeClr>
+    </dgm:fillClrLst>
+    <dgm:linClrLst meth="repeat">
+      <a:schemeClr val="accent2">
+        <a:tint val="60000"/>
+      </a:schemeClr>
+    </dgm:linClrLst>
+    <dgm:effectClrLst/>
+    <dgm:txLinClrLst/>
+    <dgm:txFillClrLst/>
+    <dgm:txEffectClrLst/>
+  </dgm:styleLbl>
+  <dgm:styleLbl name="bgSibTrans2D1">
+    <dgm:fillClrLst meth="repeat">
+      <a:schemeClr val="accent2">
+        <a:tint val="60000"/>
+      </a:schemeClr>
+    </dgm:fillClrLst>
+    <dgm:linClrLst meth="repeat">
+      <a:schemeClr val="accent2">
+        <a:tint val="60000"/>
+      </a:schemeClr>
+    </dgm:linClrLst>
+    <dgm:effectClrLst/>
+    <dgm:txLinClrLst/>
+    <dgm:txFillClrLst/>
+    <dgm:txEffectClrLst/>
+  </dgm:styleLbl>
+  <dgm:styleLbl name="sibTrans1D1">
+    <dgm:fillClrLst meth="repeat">
+      <a:schemeClr val="accent2"/>
+    </dgm:fillClrLst>
+    <dgm:linClrLst meth="repeat">
+      <a:schemeClr val="accent2"/>
+    </dgm:linClrLst>
+    <dgm:effectClrLst/>
+    <dgm:txLinClrLst/>
+    <dgm:txFillClrLst meth="repeat">
+      <a:schemeClr val="tx1"/>
+    </dgm:txFillClrLst>
+    <dgm:txEffectClrLst/>
+  </dgm:styleLbl>
+  <dgm:styleLbl name="callout">
+    <dgm:fillClrLst meth="repeat">
+      <a:schemeClr val="accent2"/>
+    </dgm:fillClrLst>
+    <dgm:linClrLst meth="repeat">
+      <a:schemeClr val="accent2">
+        <a:tint val="50000"/>
+      </a:schemeClr>
+    </dgm:linClrLst>
+    <dgm:effectClrLst/>
+    <dgm:txLinClrLst/>
+    <dgm:txFillClrLst meth="repeat">
+      <a:schemeClr val="tx1"/>
+    </dgm:txFillClrLst>
+    <dgm:txEffectClrLst/>
+  </dgm:styleLbl>
+  <dgm:styleLbl name="asst0">
+    <dgm:fillClrLst meth="repeat">
+      <a:schemeClr val="accent2"/>
+    </dgm:fillClrLst>
+    <dgm:linClrLst meth="repeat">
+      <a:schemeClr val="lt1"/>
+    </dgm:linClrLst>
+    <dgm:effectClrLst/>
+    <dgm:txLinClrLst/>
+    <dgm:txFillClrLst/>
+    <dgm:txEffectClrLst/>
+  </dgm:styleLbl>
+  <dgm:styleLbl name="asst1">
+    <dgm:fillClrLst meth="repeat">
+      <a:schemeClr val="accent2"/>
+    </dgm:fillClrLst>
+    <dgm:linClrLst meth="repeat">
+      <a:schemeClr val="lt1"/>
+    </dgm:linClrLst>
+    <dgm:effectClrLst/>
+    <dgm:txLinClrLst/>
+    <dgm:txFillClrLst/>
+    <dgm:txEffectClrLst/>
+  </dgm:styleLbl>
+  <dgm:styleLbl name="asst2">
+    <dgm:fillClrLst meth="repeat">
+      <a:schemeClr val="accent2"/>
+    </dgm:fillClrLst>
+    <dgm:linClrLst meth="repeat">
+      <a:schemeClr val="lt1"/>
+    </dgm:linClrLst>
+    <dgm:effectClrLst/>
+    <dgm:txLinClrLst/>
+    <dgm:txFillClrLst/>
+    <dgm:txEffectClrLst/>
+  </dgm:styleLbl>
+  <dgm:styleLbl name="asst3">
+    <dgm:fillClrLst meth="repeat">
+      <a:schemeClr val="accent2"/>
+    </dgm:fillClrLst>
+    <dgm:linClrLst meth="repeat">
+      <a:schemeClr val="lt1"/>
+    </dgm:linClrLst>
+    <dgm:effectClrLst/>
+    <dgm:txLinClrLst/>
+    <dgm:txFillClrLst/>
+    <dgm:txEffectClrLst/>
+  </dgm:styleLbl>
+  <dgm:styleLbl name="asst4">
+    <dgm:fillClrLst meth="repeat">
+      <a:schemeClr val="accent2"/>
+    </dgm:fillClrLst>
+    <dgm:linClrLst meth="repeat">
+      <a:schemeClr val="lt1"/>
+    </dgm:linClrLst>
+    <dgm:effectClrLst/>
+    <dgm:txLinClrLst/>
+    <dgm:txFillClrLst/>
+    <dgm:txEffectClrLst/>
+  </dgm:styleLbl>
+  <dgm:styleLbl name="parChTrans2D1">
+    <dgm:fillClrLst meth="repeat">
+      <a:schemeClr val="accent2">
+        <a:tint val="60000"/>
+      </a:schemeClr>
+    </dgm:fillClrLst>
+    <dgm:linClrLst meth="repeat">
+      <a:schemeClr val="accent2">
+        <a:tint val="60000"/>
+      </a:schemeClr>
+    </dgm:linClrLst>
+    <dgm:effectClrLst/>
+    <dgm:txLinClrLst/>
+    <dgm:txFillClrLst meth="repeat">
+      <a:schemeClr val="lt1"/>
+    </dgm:txFillClrLst>
+    <dgm:txEffectClrLst/>
+  </dgm:styleLbl>
+  <dgm:styleLbl name="parChTrans2D2">
+    <dgm:fillClrLst meth="repeat">
+      <a:schemeClr val="accent2"/>
+    </dgm:fillClrLst>
+    <dgm:linClrLst meth="repeat">
+      <a:schemeClr val="accent2"/>
+    </dgm:linClrLst>
+    <dgm:effectClrLst/>
+    <dgm:txLinClrLst/>
+    <dgm:txFillClrLst meth="repeat">
+      <a:schemeClr val="lt1"/>
+    </dgm:txFillClrLst>
+    <dgm:txEffectClrLst/>
+  </dgm:styleLbl>
+  <dgm:styleLbl name="parChTrans2D3">
+    <dgm:fillClrLst meth="repeat">
+      <a:schemeClr val="accent2"/>
+    </dgm:fillClrLst>
+    <dgm:linClrLst meth="repeat">
+      <a:schemeClr val="accent2"/>
+    </dgm:linClrLst>
+    <dgm:effectClrLst/>
+    <dgm:txLinClrLst/>
+    <dgm:txFillClrLst meth="repeat">
+      <a:schemeClr val="lt1"/>
+    </dgm:txFillClrLst>
+    <dgm:txEffectClrLst/>
+  </dgm:styleLbl>
+  <dgm:styleLbl name="parChTrans2D4">
+    <dgm:fillClrLst meth="repeat">
+      <a:schemeClr val="accent2"/>
+    </dgm:fillClrLst>
+    <dgm:linClrLst meth="repeat">
+      <a:schemeClr val="accent2"/>
+    </dgm:linClrLst>
+    <dgm:effectClrLst/>
+    <dgm:txLinClrLst/>
+    <dgm:txFillClrLst meth="repeat">
+      <a:schemeClr val="lt1"/>
+    </dgm:txFillClrLst>
+    <dgm:txEffectClrLst/>
+  </dgm:styleLbl>
+  <dgm:styleLbl name="parChTrans1D1">
+    <dgm:fillClrLst meth="repeat">
+      <a:schemeClr val="accent2"/>
+    </dgm:fillClrLst>
+    <dgm:linClrLst meth="repeat">
+      <a:schemeClr val="accent2">
+        <a:shade val="60000"/>
+      </a:schemeClr>
+    </dgm:linClrLst>
+    <dgm:effectClrLst/>
+    <dgm:txLinClrLst/>
+    <dgm:txFillClrLst meth="repeat">
+      <a:schemeClr val="tx1"/>
+    </dgm:txFillClrLst>
+    <dgm:txEffectClrLst/>
+  </dgm:styleLbl>
+  <dgm:styleLbl name="parChTrans1D2">
+    <dgm:fillClrLst meth="repeat">
+      <a:schemeClr val="accent2"/>
+    </dgm:fillClrLst>
+    <dgm:linClrLst meth="repeat">
+      <a:schemeClr val="accent2">
+        <a:shade val="60000"/>
+      </a:schemeClr>
+    </dgm:linClrLst>
+    <dgm:effectClrLst/>
+    <dgm:txLinClrLst/>
+    <dgm:txFillClrLst meth="repeat">
+      <a:schemeClr val="tx1"/>
+    </dgm:txFillClrLst>
+    <dgm:txEffectClrLst/>
+  </dgm:styleLbl>
+  <dgm:styleLbl name="parChTrans1D3">
+    <dgm:fillClrLst meth="repeat">
+      <a:schemeClr val="accent2"/>
+    </dgm:fillClrLst>
+    <dgm:linClrLst meth="repeat">
+      <a:schemeClr val="accent2">
+        <a:shade val="80000"/>
+      </a:schemeClr>
+    </dgm:linClrLst>
+    <dgm:effectClrLst/>
+    <dgm:txLinClrLst/>
+    <dgm:txFillClrLst meth="repeat">
+      <a:schemeClr val="tx1"/>
+    </dgm:txFillClrLst>
+    <dgm:txEffectClrLst/>
+  </dgm:styleLbl>
+  <dgm:styleLbl name="parChTrans1D4">
+    <dgm:fillClrLst meth="repeat">
+      <a:schemeClr val="accent2"/>
+    </dgm:fillClrLst>
+    <dgm:linClrLst meth="repeat">
+      <a:schemeClr val="accent2">
+        <a:shade val="80000"/>
+      </a:schemeClr>
+    </dgm:linClrLst>
+    <dgm:effectClrLst/>
+    <dgm:txLinClrLst/>
+    <dgm:txFillClrLst meth="repeat">
+      <a:schemeClr val="tx1"/>
+    </dgm:txFillClrLst>
+    <dgm:txEffectClrLst/>
+  </dgm:styleLbl>
+  <dgm:styleLbl name="fgAcc1">
+    <dgm:fillClrLst meth="repeat">
+      <a:schemeClr val="lt1">
+        <a:alpha val="90000"/>
+      </a:schemeClr>
+    </dgm:fillClrLst>
+    <dgm:linClrLst meth="repeat">
+      <a:schemeClr val="accent2"/>
+    </dgm:linClrLst>
+    <dgm:effectClrLst/>
+    <dgm:txLinClrLst/>
+    <dgm:txFillClrLst meth="repeat">
+      <a:schemeClr val="dk1"/>
+    </dgm:txFillClrLst>
+    <dgm:txEffectClrLst/>
+  </dgm:styleLbl>
+  <dgm:styleLbl name="conFgAcc1">
+    <dgm:fillClrLst meth="repeat">
+      <a:schemeClr val="lt1">
+        <a:alpha val="90000"/>
+      </a:schemeClr>
+    </dgm:fillClrLst>
+    <dgm:linClrLst meth="repeat">
+      <a:schemeClr val="accent2"/>
+    </dgm:linClrLst>
+    <dgm:effectClrLst/>
+    <dgm:txLinClrLst/>
+    <dgm:txFillClrLst meth="repeat">
+      <a:schemeClr val="dk1"/>
+    </dgm:txFillClrLst>
+    <dgm:txEffectClrLst/>
+  </dgm:styleLbl>
+  <dgm:styleLbl name="alignAcc1">
+    <dgm:fillClrLst meth="repeat">
+      <a:schemeClr val="lt1">
+        <a:alpha val="90000"/>
+      </a:schemeClr>
+    </dgm:fillClrLst>
+    <dgm:linClrLst meth="repeat">
+      <a:schemeClr val="accent2"/>
+    </dgm:linClrLst>
+    <dgm:effectClrLst/>
+    <dgm:txLinClrLst/>
+    <dgm:txFillClrLst meth="repeat">
+      <a:schemeClr val="dk1"/>
+    </dgm:txFillClrLst>
+    <dgm:txEffectClrLst/>
+  </dgm:styleLbl>
+  <dgm:styleLbl name="trAlignAcc1">
+    <dgm:fillClrLst meth="repeat">
+      <a:schemeClr val="lt1">
+        <a:alpha val="40000"/>
+      </a:schemeClr>
+    </dgm:fillClrLst>
+    <dgm:linClrLst meth="repeat">
+      <a:schemeClr val="accent2"/>
+    </dgm:linClrLst>
+    <dgm:effectClrLst/>
+    <dgm:txLinClrLst/>
+    <dgm:txFillClrLst meth="repeat">
+      <a:schemeClr val="dk1"/>
+    </dgm:txFillClrLst>
+    <dgm:txEffectClrLst/>
+  </dgm:styleLbl>
+  <dgm:styleLbl name="bgAcc1">
+    <dgm:fillClrLst meth="repeat">
+      <a:schemeClr val="lt1">
+        <a:alpha val="90000"/>
+      </a:schemeClr>
+    </dgm:fillClrLst>
+    <dgm:linClrLst meth="repeat">
+      <a:schemeClr val="accent2"/>
+    </dgm:linClrLst>
+    <dgm:effectClrLst/>
+    <dgm:txLinClrLst/>
+    <dgm:txFillClrLst meth="repeat">
+      <a:schemeClr val="dk1"/>
+    </dgm:txFillClrLst>
+    <dgm:txEffectClrLst/>
+  </dgm:styleLbl>
+  <dgm:styleLbl name="solidFgAcc1">
+    <dgm:fillClrLst meth="repeat">
+      <a:schemeClr val="lt1"/>
+    </dgm:fillClrLst>
+    <dgm:linClrLst meth="repeat">
+      <a:schemeClr val="accent2"/>
+    </dgm:linClrLst>
+    <dgm:effectClrLst/>
+    <dgm:txLinClrLst/>
+    <dgm:txFillClrLst meth="repeat">
+      <a:schemeClr val="dk1"/>
+    </dgm:txFillClrLst>
+    <dgm:txEffectClrLst/>
+  </dgm:styleLbl>
+  <dgm:styleLbl name="solidAlignAcc1">
+    <dgm:fillClrLst meth="repeat">
+      <a:schemeClr val="lt1"/>
+    </dgm:fillClrLst>
+    <dgm:linClrLst meth="repeat">
+      <a:schemeClr val="accent2"/>
+    </dgm:linClrLst>
+    <dgm:effectClrLst/>
+    <dgm:txLinClrLst/>
+    <dgm:txFillClrLst meth="repeat">
+      <a:schemeClr val="dk1"/>
+    </dgm:txFillClrLst>
+    <dgm:txEffectClrLst/>
+  </dgm:styleLbl>
+  <dgm:styleLbl name="solidBgAcc1">
+    <dgm:fillClrLst meth="repeat">
+      <a:schemeClr val="lt1"/>
+    </dgm:fillClrLst>
+    <dgm:linClrLst meth="repeat">
+      <a:schemeClr val="accent2"/>
+    </dgm:linClrLst>
+    <dgm:effectClrLst/>
+    <dgm:txLinClrLst/>
+    <dgm:txFillClrLst meth="repeat">
+      <a:schemeClr val="dk1"/>
+    </dgm:txFillClrLst>
+    <dgm:txEffectClrLst/>
+  </dgm:styleLbl>
+  <dgm:styleLbl name="fgAccFollowNode1">
+    <dgm:fillClrLst meth="repeat">
+      <a:schemeClr val="accent2">
+        <a:alpha val="90000"/>
+        <a:tint val="40000"/>
+      </a:schemeClr>
+    </dgm:fillClrLst>
+    <dgm:linClrLst meth="repeat">
+      <a:schemeClr val="accent2">
+        <a:alpha val="90000"/>
+        <a:tint val="40000"/>
+      </a:schemeClr>
+    </dgm:linClrLst>
+    <dgm:effectClrLst/>
+    <dgm:txLinClrLst/>
+    <dgm:txFillClrLst meth="repeat">
+      <a:schemeClr val="dk1"/>
+    </dgm:txFillClrLst>
+    <dgm:txEffectClrLst/>
+  </dgm:styleLbl>
+  <dgm:styleLbl name="alignAccFollowNode1">
+    <dgm:fillClrLst meth="repeat">
+      <a:schemeClr val="accent2">
+        <a:alpha val="90000"/>
+        <a:tint val="40000"/>
+      </a:schemeClr>
+    </dgm:fillClrLst>
+    <dgm:linClrLst meth="repeat">
+      <a:schemeClr val="accent2">
+        <a:alpha val="90000"/>
+        <a:tint val="40000"/>
+      </a:schemeClr>
+    </dgm:linClrLst>
+    <dgm:effectClrLst/>
+    <dgm:txLinClrLst/>
+    <dgm:txFillClrLst meth="repeat">
+      <a:schemeClr val="dk1"/>
+    </dgm:txFillClrLst>
+    <dgm:txEffectClrLst/>
+  </dgm:styleLbl>
+  <dgm:styleLbl name="bgAccFollowNode1">
+    <dgm:fillClrLst meth="repeat">
+      <a:schemeClr val="accent2">
+        <a:alpha val="90000"/>
+        <a:tint val="40000"/>
+      </a:schemeClr>
+    </dgm:fillClrLst>
+    <dgm:linClrLst meth="repeat">
+      <a:schemeClr val="accent2">
+        <a:alpha val="90000"/>
+        <a:tint val="40000"/>
+      </a:schemeClr>
+    </dgm:linClrLst>
+    <dgm:effectClrLst/>
+    <dgm:txLinClrLst/>
+    <dgm:txFillClrLst meth="repeat">
+      <a:schemeClr val="dk1"/>
+    </dgm:txFillClrLst>
+    <dgm:txEffectClrLst/>
+  </dgm:styleLbl>
+  <dgm:styleLbl name="fgAcc0">
+    <dgm:fillClrLst meth="repeat">
+      <a:schemeClr val="lt1">
+        <a:alpha val="90000"/>
+      </a:schemeClr>
+    </dgm:fillClrLst>
+    <dgm:linClrLst meth="repeat">
+      <a:schemeClr val="accent2"/>
+    </dgm:linClrLst>
+    <dgm:effectClrLst/>
+    <dgm:txLinClrLst/>
+    <dgm:txFillClrLst meth="repeat">
+      <a:schemeClr val="dk1"/>
+    </dgm:txFillClrLst>
+    <dgm:txEffectClrLst/>
+  </dgm:styleLbl>
+  <dgm:styleLbl name="fgAcc2">
+    <dgm:fillClrLst meth="repeat">
+      <a:schemeClr val="lt1">
+        <a:alpha val="90000"/>
+      </a:schemeClr>
+    </dgm:fillClrLst>
+    <dgm:linClrLst meth="repeat">
+      <a:schemeClr val="accent2"/>
+    </dgm:linClrLst>
+    <dgm:effectClrLst/>
+    <dgm:txLinClrLst/>
+    <dgm:txFillClrLst meth="repeat">
+      <a:schemeClr val="dk1"/>
+    </dgm:txFillClrLst>
+    <dgm:txEffectClrLst/>
+  </dgm:styleLbl>
+  <dgm:styleLbl name="fgAcc3">
+    <dgm:fillClrLst meth="repeat">
+      <a:schemeClr val="lt1">
+        <a:alpha val="90000"/>
+      </a:schemeClr>
+    </dgm:fillClrLst>
+    <dgm:linClrLst meth="repeat">
+      <a:schemeClr val="accent2"/>
+    </dgm:linClrLst>
+    <dgm:effectClrLst/>
+    <dgm:txLinClrLst/>
+    <dgm:txFillClrLst meth="repeat">
+      <a:schemeClr val="dk1"/>
+    </dgm:txFillClrLst>
+    <dgm:txEffectClrLst/>
+  </dgm:styleLbl>
+  <dgm:styleLbl name="fgAcc4">
+    <dgm:fillClrLst meth="repeat">
+      <a:schemeClr val="lt1">
+        <a:alpha val="90000"/>
+      </a:schemeClr>
+    </dgm:fillClrLst>
+    <dgm:linClrLst meth="repeat">
+      <a:schemeClr val="accent2"/>
+    </dgm:linClrLst>
+    <dgm:effectClrLst/>
+    <dgm:txLinClrLst/>
+    <dgm:txFillClrLst meth="repeat">
+      <a:schemeClr val="dk1"/>
+    </dgm:txFillClrLst>
+    <dgm:txEffectClrLst/>
+  </dgm:styleLbl>
+  <dgm:styleLbl name="bgShp">
+    <dgm:fillClrLst meth="repeat">
+      <a:schemeClr val="accent2">
+        <a:tint val="40000"/>
+      </a:schemeClr>
+    </dgm:fillClrLst>
+    <dgm:linClrLst meth="repeat">
+      <a:schemeClr val="accent2"/>
+    </dgm:linClrLst>
+    <dgm:effectClrLst/>
+    <dgm:txLinClrLst/>
+    <dgm:txFillClrLst meth="repeat">
+      <a:schemeClr val="dk1"/>
+    </dgm:txFillClrLst>
+    <dgm:txEffectClrLst/>
+  </dgm:styleLbl>
+  <dgm:styleLbl name="dkBgShp">
+    <dgm:fillClrLst meth="repeat">
+      <a:schemeClr val="accent2">
+        <a:shade val="80000"/>
+      </a:schemeClr>
+    </dgm:fillClrLst>
+    <dgm:linClrLst meth="repeat">
+      <a:schemeClr val="accent2"/>
+    </dgm:linClrLst>
+    <dgm:effectClrLst/>
+    <dgm:txLinClrLst/>
+    <dgm:txFillClrLst meth="repeat">
+      <a:schemeClr val="lt1"/>
+    </dgm:txFillClrLst>
+    <dgm:txEffectClrLst/>
+  </dgm:styleLbl>
+  <dgm:styleLbl name="trBgShp">
+    <dgm:fillClrLst meth="repeat">
+      <a:schemeClr val="accent2">
+        <a:tint val="50000"/>
+        <a:alpha val="40000"/>
+      </a:schemeClr>
+    </dgm:fillClrLst>
+    <dgm:linClrLst meth="repeat">
+      <a:schemeClr val="accent2"/>
+    </dgm:linClrLst>
+    <dgm:effectClrLst/>
+    <dgm:txLinClrLst/>
+    <dgm:txFillClrLst meth="repeat">
+      <a:schemeClr val="lt1"/>
+    </dgm:txFillClrLst>
+    <dgm:txEffectClrLst/>
+  </dgm:styleLbl>
+  <dgm:styleLbl name="fgShp">
+    <dgm:fillClrLst meth="repeat">
+      <a:schemeClr val="accent2">
+        <a:tint val="60000"/>
+      </a:schemeClr>
+    </dgm:fillClrLst>
+    <dgm:linClrLst meth="repeat">
+      <a:schemeClr val="lt1"/>
+    </dgm:linClrLst>
+    <dgm:effectClrLst/>
+    <dgm:txLinClrLst/>
+    <dgm:txFillClrLst meth="repeat">
+      <a:schemeClr val="dk1"/>
+    </dgm:txFillClrLst>
+    <dgm:txEffectClrLst/>
+  </dgm:styleLbl>
+  <dgm:styleLbl name="revTx">
+    <dgm:fillClrLst meth="repeat">
+      <a:schemeClr val="lt1">
+        <a:alpha val="0"/>
+      </a:schemeClr>
+    </dgm:fillClrLst>
+    <dgm:linClrLst meth="repeat">
+      <a:schemeClr val="dk1">
+        <a:alpha val="0"/>
+      </a:schemeClr>
+    </dgm:linClrLst>
+    <dgm:effectClrLst/>
+    <dgm:txLinClrLst/>
+    <dgm:txFillClrLst meth="repeat">
+      <a:schemeClr val="tx1"/>
+    </dgm:txFillClrLst>
+    <dgm:txEffectClrLst/>
+  </dgm:styleLbl>
+</dgm:colorsDef>
+</file>
+
+<file path=ppt/diagrams/data1.xml><?xml version="1.0" encoding="utf-8"?>
+<dgm:dataModel xmlns:dgm="http://schemas.openxmlformats.org/drawingml/2006/diagram" xmlns:a="http://schemas.openxmlformats.org/drawingml/2006/main">
+  <dgm:ptLst>
+    <dgm:pt modelId="{6F165BB0-4814-4B62-BACD-5F83FEACE9A0}" type="doc">
+      <dgm:prSet loTypeId="urn:microsoft.com/office/officeart/2005/8/layout/list1" loCatId="list" qsTypeId="urn:microsoft.com/office/officeart/2005/8/quickstyle/simple1" qsCatId="simple" csTypeId="urn:microsoft.com/office/officeart/2005/8/colors/accent2_2" csCatId="accent2"/>
+      <dgm:spPr/>
+      <dgm:t>
+        <a:bodyPr/>
+        <a:lstStyle/>
+        <a:p>
+          <a:endParaRPr lang="en-US"/>
+        </a:p>
+      </dgm:t>
+    </dgm:pt>
+    <dgm:pt modelId="{1EFDF919-D8A9-44E2-BD7E-8A29184F4B7D}">
+      <dgm:prSet/>
+      <dgm:spPr/>
+      <dgm:t>
+        <a:bodyPr/>
+        <a:lstStyle/>
+        <a:p>
+          <a:r>
+            <a:rPr lang="de-DE"/>
+            <a:t>Music4All-Onion</a:t>
+          </a:r>
+          <a:endParaRPr lang="en-US"/>
+        </a:p>
+      </dgm:t>
+    </dgm:pt>
+    <dgm:pt modelId="{81110139-7A43-489E-A88D-65C660D34119}" type="parTrans" cxnId="{EF83C222-9EAA-4B4D-BC04-E4F468C4FE19}">
+      <dgm:prSet/>
+      <dgm:spPr/>
+      <dgm:t>
+        <a:bodyPr/>
+        <a:lstStyle/>
+        <a:p>
+          <a:endParaRPr lang="en-US"/>
+        </a:p>
+      </dgm:t>
+    </dgm:pt>
+    <dgm:pt modelId="{D1E6C244-25FF-49CC-B307-8EAA593A9B8E}" type="sibTrans" cxnId="{EF83C222-9EAA-4B4D-BC04-E4F468C4FE19}">
+      <dgm:prSet/>
+      <dgm:spPr/>
+      <dgm:t>
+        <a:bodyPr/>
+        <a:lstStyle/>
+        <a:p>
+          <a:endParaRPr lang="en-US"/>
+        </a:p>
+      </dgm:t>
+    </dgm:pt>
+    <dgm:pt modelId="{FEA0C371-7E82-4C08-AA35-3A82A097A9E5}">
+      <dgm:prSet/>
+      <dgm:spPr/>
+      <dgm:t>
+        <a:bodyPr/>
+        <a:lstStyle/>
+        <a:p>
+          <a:r>
+            <a:rPr lang="de-DE"/>
+            <a:t>SiTunes</a:t>
+          </a:r>
+          <a:endParaRPr lang="en-US"/>
+        </a:p>
+      </dgm:t>
+    </dgm:pt>
+    <dgm:pt modelId="{B8FDCC4A-91B5-4AE2-A455-AA91C59C023C}" type="parTrans" cxnId="{151362EC-8ED9-4F44-A473-82F322D8447E}">
+      <dgm:prSet/>
+      <dgm:spPr/>
+      <dgm:t>
+        <a:bodyPr/>
+        <a:lstStyle/>
+        <a:p>
+          <a:endParaRPr lang="en-US"/>
+        </a:p>
+      </dgm:t>
+    </dgm:pt>
+    <dgm:pt modelId="{FE8F614B-5924-40EE-90CE-0EFED2FF45CC}" type="sibTrans" cxnId="{151362EC-8ED9-4F44-A473-82F322D8447E}">
+      <dgm:prSet/>
+      <dgm:spPr/>
+      <dgm:t>
+        <a:bodyPr/>
+        <a:lstStyle/>
+        <a:p>
+          <a:endParaRPr lang="en-US"/>
+        </a:p>
+      </dgm:t>
+    </dgm:pt>
+    <dgm:pt modelId="{966DC76F-BCFE-4EE2-B23F-6314F1B5D96C}">
+      <dgm:prSet/>
+      <dgm:spPr/>
+      <dgm:t>
+        <a:bodyPr/>
+        <a:lstStyle/>
+        <a:p>
+          <a:r>
+            <a:rPr lang="de-DE"/>
+            <a:t>LFM-2b</a:t>
+          </a:r>
+          <a:endParaRPr lang="en-US"/>
+        </a:p>
+      </dgm:t>
+    </dgm:pt>
+    <dgm:pt modelId="{AB5C6441-ECA4-4400-A216-4E61C9AE787E}" type="parTrans" cxnId="{02F212E6-E451-4193-B2C1-864F9ECF012A}">
+      <dgm:prSet/>
+      <dgm:spPr/>
+      <dgm:t>
+        <a:bodyPr/>
+        <a:lstStyle/>
+        <a:p>
+          <a:endParaRPr lang="en-US"/>
+        </a:p>
+      </dgm:t>
+    </dgm:pt>
+    <dgm:pt modelId="{D1E41274-3D5D-4C66-A66E-7F1A16AE0BF3}" type="sibTrans" cxnId="{02F212E6-E451-4193-B2C1-864F9ECF012A}">
+      <dgm:prSet/>
+      <dgm:spPr/>
+      <dgm:t>
+        <a:bodyPr/>
+        <a:lstStyle/>
+        <a:p>
+          <a:endParaRPr lang="en-US"/>
+        </a:p>
+      </dgm:t>
+    </dgm:pt>
+    <dgm:pt modelId="{3AC0496D-2A34-3C45-AF9C-390455B5D746}" type="pres">
+      <dgm:prSet presAssocID="{6F165BB0-4814-4B62-BACD-5F83FEACE9A0}" presName="linear" presStyleCnt="0">
+        <dgm:presLayoutVars>
+          <dgm:dir/>
+          <dgm:animLvl val="lvl"/>
+          <dgm:resizeHandles val="exact"/>
+        </dgm:presLayoutVars>
+      </dgm:prSet>
+      <dgm:spPr/>
+    </dgm:pt>
+    <dgm:pt modelId="{DBB88FF9-2002-7043-A342-601F29AD1E0C}" type="pres">
+      <dgm:prSet presAssocID="{1EFDF919-D8A9-44E2-BD7E-8A29184F4B7D}" presName="parentLin" presStyleCnt="0"/>
+      <dgm:spPr/>
+    </dgm:pt>
+    <dgm:pt modelId="{A2B2F431-C83B-CE43-B1F5-32F2A84D1EBC}" type="pres">
+      <dgm:prSet presAssocID="{1EFDF919-D8A9-44E2-BD7E-8A29184F4B7D}" presName="parentLeftMargin" presStyleLbl="node1" presStyleIdx="0" presStyleCnt="3"/>
+      <dgm:spPr/>
+    </dgm:pt>
+    <dgm:pt modelId="{C0B738A1-E129-D94E-9E54-36D077F05D4F}" type="pres">
+      <dgm:prSet presAssocID="{1EFDF919-D8A9-44E2-BD7E-8A29184F4B7D}" presName="parentText" presStyleLbl="node1" presStyleIdx="0" presStyleCnt="3">
+        <dgm:presLayoutVars>
+          <dgm:chMax val="0"/>
+          <dgm:bulletEnabled val="1"/>
+        </dgm:presLayoutVars>
+      </dgm:prSet>
+      <dgm:spPr/>
+    </dgm:pt>
+    <dgm:pt modelId="{B1F504F7-D8BB-824F-850F-0FA24A9E6954}" type="pres">
+      <dgm:prSet presAssocID="{1EFDF919-D8A9-44E2-BD7E-8A29184F4B7D}" presName="negativeSpace" presStyleCnt="0"/>
+      <dgm:spPr/>
+    </dgm:pt>
+    <dgm:pt modelId="{4112B48D-30C4-BC41-9A24-4FBD1B202362}" type="pres">
+      <dgm:prSet presAssocID="{1EFDF919-D8A9-44E2-BD7E-8A29184F4B7D}" presName="childText" presStyleLbl="conFgAcc1" presStyleIdx="0" presStyleCnt="3">
+        <dgm:presLayoutVars>
+          <dgm:bulletEnabled val="1"/>
+        </dgm:presLayoutVars>
+      </dgm:prSet>
+      <dgm:spPr/>
+    </dgm:pt>
+    <dgm:pt modelId="{BF3821B5-1D70-324A-9DFC-B630BFAD2A80}" type="pres">
+      <dgm:prSet presAssocID="{D1E6C244-25FF-49CC-B307-8EAA593A9B8E}" presName="spaceBetweenRectangles" presStyleCnt="0"/>
+      <dgm:spPr/>
+    </dgm:pt>
+    <dgm:pt modelId="{F6DADA1C-BF6F-A048-914D-67901E5B73A2}" type="pres">
+      <dgm:prSet presAssocID="{FEA0C371-7E82-4C08-AA35-3A82A097A9E5}" presName="parentLin" presStyleCnt="0"/>
+      <dgm:spPr/>
+    </dgm:pt>
+    <dgm:pt modelId="{59B821D8-16F7-E746-AFAC-1035DF7EDC93}" type="pres">
+      <dgm:prSet presAssocID="{FEA0C371-7E82-4C08-AA35-3A82A097A9E5}" presName="parentLeftMargin" presStyleLbl="node1" presStyleIdx="0" presStyleCnt="3"/>
+      <dgm:spPr/>
+    </dgm:pt>
+    <dgm:pt modelId="{A6F81414-05B2-4B45-B795-590672C535C8}" type="pres">
+      <dgm:prSet presAssocID="{FEA0C371-7E82-4C08-AA35-3A82A097A9E5}" presName="parentText" presStyleLbl="node1" presStyleIdx="1" presStyleCnt="3">
+        <dgm:presLayoutVars>
+          <dgm:chMax val="0"/>
+          <dgm:bulletEnabled val="1"/>
+        </dgm:presLayoutVars>
+      </dgm:prSet>
+      <dgm:spPr/>
+    </dgm:pt>
+    <dgm:pt modelId="{44181505-6E53-714F-A41E-31E6A18C790A}" type="pres">
+      <dgm:prSet presAssocID="{FEA0C371-7E82-4C08-AA35-3A82A097A9E5}" presName="negativeSpace" presStyleCnt="0"/>
+      <dgm:spPr/>
+    </dgm:pt>
+    <dgm:pt modelId="{D36D34A5-EA5D-E44C-B950-31D3E0287629}" type="pres">
+      <dgm:prSet presAssocID="{FEA0C371-7E82-4C08-AA35-3A82A097A9E5}" presName="childText" presStyleLbl="conFgAcc1" presStyleIdx="1" presStyleCnt="3">
+        <dgm:presLayoutVars>
+          <dgm:bulletEnabled val="1"/>
+        </dgm:presLayoutVars>
+      </dgm:prSet>
+      <dgm:spPr/>
+    </dgm:pt>
+    <dgm:pt modelId="{E4CCB474-5C17-AC4E-8266-AB0C7146E32E}" type="pres">
+      <dgm:prSet presAssocID="{FE8F614B-5924-40EE-90CE-0EFED2FF45CC}" presName="spaceBetweenRectangles" presStyleCnt="0"/>
+      <dgm:spPr/>
+    </dgm:pt>
+    <dgm:pt modelId="{3CD12805-C005-3F43-9AE0-3CB73BDF47C1}" type="pres">
+      <dgm:prSet presAssocID="{966DC76F-BCFE-4EE2-B23F-6314F1B5D96C}" presName="parentLin" presStyleCnt="0"/>
+      <dgm:spPr/>
+    </dgm:pt>
+    <dgm:pt modelId="{2B8F571F-B78D-8342-BB17-34D7F628917C}" type="pres">
+      <dgm:prSet presAssocID="{966DC76F-BCFE-4EE2-B23F-6314F1B5D96C}" presName="parentLeftMargin" presStyleLbl="node1" presStyleIdx="1" presStyleCnt="3"/>
+      <dgm:spPr/>
+    </dgm:pt>
+    <dgm:pt modelId="{BA14A148-126C-8C44-A540-E60779E53526}" type="pres">
+      <dgm:prSet presAssocID="{966DC76F-BCFE-4EE2-B23F-6314F1B5D96C}" presName="parentText" presStyleLbl="node1" presStyleIdx="2" presStyleCnt="3">
+        <dgm:presLayoutVars>
+          <dgm:chMax val="0"/>
+          <dgm:bulletEnabled val="1"/>
+        </dgm:presLayoutVars>
+      </dgm:prSet>
+      <dgm:spPr/>
+    </dgm:pt>
+    <dgm:pt modelId="{769D79AD-99C2-BF42-98D6-729CADE7C9A9}" type="pres">
+      <dgm:prSet presAssocID="{966DC76F-BCFE-4EE2-B23F-6314F1B5D96C}" presName="negativeSpace" presStyleCnt="0"/>
+      <dgm:spPr/>
+    </dgm:pt>
+    <dgm:pt modelId="{8F301E0C-F4AA-5746-A703-8818C23D3E96}" type="pres">
+      <dgm:prSet presAssocID="{966DC76F-BCFE-4EE2-B23F-6314F1B5D96C}" presName="childText" presStyleLbl="conFgAcc1" presStyleIdx="2" presStyleCnt="3">
+        <dgm:presLayoutVars>
+          <dgm:bulletEnabled val="1"/>
+        </dgm:presLayoutVars>
+      </dgm:prSet>
+      <dgm:spPr/>
+    </dgm:pt>
+  </dgm:ptLst>
+  <dgm:cxnLst>
+    <dgm:cxn modelId="{EF83C222-9EAA-4B4D-BC04-E4F468C4FE19}" srcId="{6F165BB0-4814-4B62-BACD-5F83FEACE9A0}" destId="{1EFDF919-D8A9-44E2-BD7E-8A29184F4B7D}" srcOrd="0" destOrd="0" parTransId="{81110139-7A43-489E-A88D-65C660D34119}" sibTransId="{D1E6C244-25FF-49CC-B307-8EAA593A9B8E}"/>
+    <dgm:cxn modelId="{863CDB4B-5E17-7840-AA1A-111499B84CA7}" type="presOf" srcId="{1EFDF919-D8A9-44E2-BD7E-8A29184F4B7D}" destId="{A2B2F431-C83B-CE43-B1F5-32F2A84D1EBC}" srcOrd="0" destOrd="0" presId="urn:microsoft.com/office/officeart/2005/8/layout/list1"/>
+    <dgm:cxn modelId="{98FBE74E-3CE8-6048-AB08-0423920E35F4}" type="presOf" srcId="{1EFDF919-D8A9-44E2-BD7E-8A29184F4B7D}" destId="{C0B738A1-E129-D94E-9E54-36D077F05D4F}" srcOrd="1" destOrd="0" presId="urn:microsoft.com/office/officeart/2005/8/layout/list1"/>
+    <dgm:cxn modelId="{F800846B-149F-4241-AC9D-1D4C1DF41A8A}" type="presOf" srcId="{FEA0C371-7E82-4C08-AA35-3A82A097A9E5}" destId="{59B821D8-16F7-E746-AFAC-1035DF7EDC93}" srcOrd="0" destOrd="0" presId="urn:microsoft.com/office/officeart/2005/8/layout/list1"/>
+    <dgm:cxn modelId="{9CB4FA6B-3E50-0F46-ACDE-65B8F7C6A389}" type="presOf" srcId="{6F165BB0-4814-4B62-BACD-5F83FEACE9A0}" destId="{3AC0496D-2A34-3C45-AF9C-390455B5D746}" srcOrd="0" destOrd="0" presId="urn:microsoft.com/office/officeart/2005/8/layout/list1"/>
+    <dgm:cxn modelId="{D3C93082-586F-554E-A04B-7341C60002EC}" type="presOf" srcId="{966DC76F-BCFE-4EE2-B23F-6314F1B5D96C}" destId="{2B8F571F-B78D-8342-BB17-34D7F628917C}" srcOrd="0" destOrd="0" presId="urn:microsoft.com/office/officeart/2005/8/layout/list1"/>
+    <dgm:cxn modelId="{1DA272A8-993C-A246-9892-50BD28BCDA80}" type="presOf" srcId="{FEA0C371-7E82-4C08-AA35-3A82A097A9E5}" destId="{A6F81414-05B2-4B45-B795-590672C535C8}" srcOrd="1" destOrd="0" presId="urn:microsoft.com/office/officeart/2005/8/layout/list1"/>
+    <dgm:cxn modelId="{96A77FB1-4848-FF43-9BD2-FF0716E14385}" type="presOf" srcId="{966DC76F-BCFE-4EE2-B23F-6314F1B5D96C}" destId="{BA14A148-126C-8C44-A540-E60779E53526}" srcOrd="1" destOrd="0" presId="urn:microsoft.com/office/officeart/2005/8/layout/list1"/>
+    <dgm:cxn modelId="{02F212E6-E451-4193-B2C1-864F9ECF012A}" srcId="{6F165BB0-4814-4B62-BACD-5F83FEACE9A0}" destId="{966DC76F-BCFE-4EE2-B23F-6314F1B5D96C}" srcOrd="2" destOrd="0" parTransId="{AB5C6441-ECA4-4400-A216-4E61C9AE787E}" sibTransId="{D1E41274-3D5D-4C66-A66E-7F1A16AE0BF3}"/>
+    <dgm:cxn modelId="{151362EC-8ED9-4F44-A473-82F322D8447E}" srcId="{6F165BB0-4814-4B62-BACD-5F83FEACE9A0}" destId="{FEA0C371-7E82-4C08-AA35-3A82A097A9E5}" srcOrd="1" destOrd="0" parTransId="{B8FDCC4A-91B5-4AE2-A455-AA91C59C023C}" sibTransId="{FE8F614B-5924-40EE-90CE-0EFED2FF45CC}"/>
+    <dgm:cxn modelId="{1BE0E75F-87C6-C743-851E-554E7F9C83DA}" type="presParOf" srcId="{3AC0496D-2A34-3C45-AF9C-390455B5D746}" destId="{DBB88FF9-2002-7043-A342-601F29AD1E0C}" srcOrd="0" destOrd="0" presId="urn:microsoft.com/office/officeart/2005/8/layout/list1"/>
+    <dgm:cxn modelId="{3CF930B5-3A1A-8F46-97E7-7DE4D86D9114}" type="presParOf" srcId="{DBB88FF9-2002-7043-A342-601F29AD1E0C}" destId="{A2B2F431-C83B-CE43-B1F5-32F2A84D1EBC}" srcOrd="0" destOrd="0" presId="urn:microsoft.com/office/officeart/2005/8/layout/list1"/>
+    <dgm:cxn modelId="{92A64E82-5CEB-1E43-A4C9-83E62C32730E}" type="presParOf" srcId="{DBB88FF9-2002-7043-A342-601F29AD1E0C}" destId="{C0B738A1-E129-D94E-9E54-36D077F05D4F}" srcOrd="1" destOrd="0" presId="urn:microsoft.com/office/officeart/2005/8/layout/list1"/>
+    <dgm:cxn modelId="{45C69D5A-29B2-5A40-B15B-34992C7C6EBA}" type="presParOf" srcId="{3AC0496D-2A34-3C45-AF9C-390455B5D746}" destId="{B1F504F7-D8BB-824F-850F-0FA24A9E6954}" srcOrd="1" destOrd="0" presId="urn:microsoft.com/office/officeart/2005/8/layout/list1"/>
+    <dgm:cxn modelId="{18A9DEC4-6631-3D4E-B1D4-F22076C30F54}" type="presParOf" srcId="{3AC0496D-2A34-3C45-AF9C-390455B5D746}" destId="{4112B48D-30C4-BC41-9A24-4FBD1B202362}" srcOrd="2" destOrd="0" presId="urn:microsoft.com/office/officeart/2005/8/layout/list1"/>
+    <dgm:cxn modelId="{2DFAC62C-8796-304A-A20F-FE4726372045}" type="presParOf" srcId="{3AC0496D-2A34-3C45-AF9C-390455B5D746}" destId="{BF3821B5-1D70-324A-9DFC-B630BFAD2A80}" srcOrd="3" destOrd="0" presId="urn:microsoft.com/office/officeart/2005/8/layout/list1"/>
+    <dgm:cxn modelId="{E783215B-FEE2-F148-A868-E30E25908E1D}" type="presParOf" srcId="{3AC0496D-2A34-3C45-AF9C-390455B5D746}" destId="{F6DADA1C-BF6F-A048-914D-67901E5B73A2}" srcOrd="4" destOrd="0" presId="urn:microsoft.com/office/officeart/2005/8/layout/list1"/>
+    <dgm:cxn modelId="{66376848-342F-0C4D-B108-B47B4FF26C9C}" type="presParOf" srcId="{F6DADA1C-BF6F-A048-914D-67901E5B73A2}" destId="{59B821D8-16F7-E746-AFAC-1035DF7EDC93}" srcOrd="0" destOrd="0" presId="urn:microsoft.com/office/officeart/2005/8/layout/list1"/>
+    <dgm:cxn modelId="{A9F7EA7F-DC72-6F49-B346-BF9188C65C88}" type="presParOf" srcId="{F6DADA1C-BF6F-A048-914D-67901E5B73A2}" destId="{A6F81414-05B2-4B45-B795-590672C535C8}" srcOrd="1" destOrd="0" presId="urn:microsoft.com/office/officeart/2005/8/layout/list1"/>
+    <dgm:cxn modelId="{6BB899E8-987B-0C42-91D1-24E140C64BF1}" type="presParOf" srcId="{3AC0496D-2A34-3C45-AF9C-390455B5D746}" destId="{44181505-6E53-714F-A41E-31E6A18C790A}" srcOrd="5" destOrd="0" presId="urn:microsoft.com/office/officeart/2005/8/layout/list1"/>
+    <dgm:cxn modelId="{4590704C-6E9D-AF4A-9427-EDA0DB9A523F}" type="presParOf" srcId="{3AC0496D-2A34-3C45-AF9C-390455B5D746}" destId="{D36D34A5-EA5D-E44C-B950-31D3E0287629}" srcOrd="6" destOrd="0" presId="urn:microsoft.com/office/officeart/2005/8/layout/list1"/>
+    <dgm:cxn modelId="{0A5E157C-F3A2-F74C-8CD6-B424FCEDCBA3}" type="presParOf" srcId="{3AC0496D-2A34-3C45-AF9C-390455B5D746}" destId="{E4CCB474-5C17-AC4E-8266-AB0C7146E32E}" srcOrd="7" destOrd="0" presId="urn:microsoft.com/office/officeart/2005/8/layout/list1"/>
+    <dgm:cxn modelId="{DB0D758F-A91C-AD43-9EA4-345377F09904}" type="presParOf" srcId="{3AC0496D-2A34-3C45-AF9C-390455B5D746}" destId="{3CD12805-C005-3F43-9AE0-3CB73BDF47C1}" srcOrd="8" destOrd="0" presId="urn:microsoft.com/office/officeart/2005/8/layout/list1"/>
+    <dgm:cxn modelId="{EAD6DB15-F454-BB4E-A789-983355310A3B}" type="presParOf" srcId="{3CD12805-C005-3F43-9AE0-3CB73BDF47C1}" destId="{2B8F571F-B78D-8342-BB17-34D7F628917C}" srcOrd="0" destOrd="0" presId="urn:microsoft.com/office/officeart/2005/8/layout/list1"/>
+    <dgm:cxn modelId="{48FC6823-7E09-FC49-837D-C62981886CAB}" type="presParOf" srcId="{3CD12805-C005-3F43-9AE0-3CB73BDF47C1}" destId="{BA14A148-126C-8C44-A540-E60779E53526}" srcOrd="1" destOrd="0" presId="urn:microsoft.com/office/officeart/2005/8/layout/list1"/>
+    <dgm:cxn modelId="{93500462-5E53-A146-815B-D359EF90058A}" type="presParOf" srcId="{3AC0496D-2A34-3C45-AF9C-390455B5D746}" destId="{769D79AD-99C2-BF42-98D6-729CADE7C9A9}" srcOrd="9" destOrd="0" presId="urn:microsoft.com/office/officeart/2005/8/layout/list1"/>
+    <dgm:cxn modelId="{DFCA3CB3-BE13-2744-B4C9-E6A1706C4596}" type="presParOf" srcId="{3AC0496D-2A34-3C45-AF9C-390455B5D746}" destId="{8F301E0C-F4AA-5746-A703-8818C23D3E96}" srcOrd="10" destOrd="0" presId="urn:microsoft.com/office/officeart/2005/8/layout/list1"/>
+  </dgm:cxnLst>
+  <dgm:bg/>
+  <dgm:whole/>
+  <dgm:extLst>
+    <a:ext uri="http://schemas.microsoft.com/office/drawing/2008/diagram">
+      <dsp:dataModelExt xmlns:dsp="http://schemas.microsoft.com/office/drawing/2008/diagram" relId="rId8" minVer="http://schemas.openxmlformats.org/drawingml/2006/diagram"/>
+    </a:ext>
+  </dgm:extLst>
+</dgm:dataModel>
+</file>
+
+<file path=ppt/diagrams/data2.xml><?xml version="1.0" encoding="utf-8"?>
+<dgm:dataModel xmlns:dgm="http://schemas.openxmlformats.org/drawingml/2006/diagram" xmlns:a="http://schemas.openxmlformats.org/drawingml/2006/main">
+  <dgm:ptLst>
+    <dgm:pt modelId="{5C69CE1C-D036-46E4-8B62-1071C9FDDE5C}" type="doc">
+      <dgm:prSet loTypeId="urn:microsoft.com/office/officeart/2005/8/layout/hierarchy1" loCatId="hierarchy" qsTypeId="urn:microsoft.com/office/officeart/2005/8/quickstyle/simple1" qsCatId="simple" csTypeId="urn:microsoft.com/office/officeart/2005/8/colors/accent2_2" csCatId="accent2" phldr="1"/>
+      <dgm:spPr/>
+      <dgm:t>
+        <a:bodyPr/>
+        <a:lstStyle/>
+        <a:p>
+          <a:endParaRPr lang="en-US"/>
+        </a:p>
+      </dgm:t>
+    </dgm:pt>
+    <dgm:pt modelId="{75B16264-04FF-45C8-9B7A-9E29F651E0C5}">
+      <dgm:prSet/>
+      <dgm:spPr/>
+      <dgm:t>
+        <a:bodyPr/>
+        <a:lstStyle/>
+        <a:p>
+          <a:r>
+            <a:rPr lang="de-AT" dirty="0"/>
+            <a:t>Personality Bias</a:t>
+          </a:r>
+          <a:endParaRPr lang="en-US" dirty="0"/>
+        </a:p>
+      </dgm:t>
+    </dgm:pt>
+    <dgm:pt modelId="{E3C832DC-6D61-4C6D-BF56-B854D814738C}" type="parTrans" cxnId="{99194522-0C9F-4486-BFD6-867A14269013}">
+      <dgm:prSet/>
+      <dgm:spPr/>
+      <dgm:t>
+        <a:bodyPr/>
+        <a:lstStyle/>
+        <a:p>
+          <a:endParaRPr lang="en-US"/>
+        </a:p>
+      </dgm:t>
+    </dgm:pt>
+    <dgm:pt modelId="{CDF8E815-B91B-461F-A384-F79E80BAFEDC}" type="sibTrans" cxnId="{99194522-0C9F-4486-BFD6-867A14269013}">
+      <dgm:prSet/>
+      <dgm:spPr/>
+      <dgm:t>
+        <a:bodyPr/>
+        <a:lstStyle/>
+        <a:p>
+          <a:endParaRPr lang="en-US"/>
+        </a:p>
+      </dgm:t>
+    </dgm:pt>
+    <dgm:pt modelId="{A8077996-82B4-40B8-A163-1181BD943A98}">
+      <dgm:prSet/>
+      <dgm:spPr/>
+      <dgm:t>
+        <a:bodyPr/>
+        <a:lstStyle/>
+        <a:p>
+          <a:r>
+            <a:rPr lang="de-AT" dirty="0"/>
+            <a:t>Gender Bias </a:t>
+          </a:r>
+          <a:endParaRPr lang="en-US" dirty="0"/>
+        </a:p>
+      </dgm:t>
+    </dgm:pt>
+    <dgm:pt modelId="{2D51CA6A-88BB-4C5A-90DB-2B0C7959E321}" type="parTrans" cxnId="{185FFA54-799D-4C6D-AA46-E8E7E8763372}">
+      <dgm:prSet/>
+      <dgm:spPr/>
+      <dgm:t>
+        <a:bodyPr/>
+        <a:lstStyle/>
+        <a:p>
+          <a:endParaRPr lang="en-US"/>
+        </a:p>
+      </dgm:t>
+    </dgm:pt>
+    <dgm:pt modelId="{14ED9B57-5AC0-454C-8C06-D636E39B3284}" type="sibTrans" cxnId="{185FFA54-799D-4C6D-AA46-E8E7E8763372}">
+      <dgm:prSet/>
+      <dgm:spPr/>
+      <dgm:t>
+        <a:bodyPr/>
+        <a:lstStyle/>
+        <a:p>
+          <a:endParaRPr lang="en-US"/>
+        </a:p>
+      </dgm:t>
+    </dgm:pt>
+    <dgm:pt modelId="{E57A14BA-AF0A-D644-B6F9-DAB60C0F7CAD}" type="pres">
+      <dgm:prSet presAssocID="{5C69CE1C-D036-46E4-8B62-1071C9FDDE5C}" presName="hierChild1" presStyleCnt="0">
+        <dgm:presLayoutVars>
+          <dgm:chPref val="1"/>
+          <dgm:dir/>
+          <dgm:animOne val="branch"/>
+          <dgm:animLvl val="lvl"/>
+          <dgm:resizeHandles/>
+        </dgm:presLayoutVars>
+      </dgm:prSet>
+      <dgm:spPr/>
+    </dgm:pt>
+    <dgm:pt modelId="{7E4BCB9C-B2D1-BD45-9189-65FA4F139C98}" type="pres">
+      <dgm:prSet presAssocID="{75B16264-04FF-45C8-9B7A-9E29F651E0C5}" presName="hierRoot1" presStyleCnt="0"/>
+      <dgm:spPr/>
+    </dgm:pt>
+    <dgm:pt modelId="{E071BBAF-C1CF-CA44-B706-BE6568AB709E}" type="pres">
+      <dgm:prSet presAssocID="{75B16264-04FF-45C8-9B7A-9E29F651E0C5}" presName="composite" presStyleCnt="0"/>
+      <dgm:spPr/>
+    </dgm:pt>
+    <dgm:pt modelId="{D1CE86BF-2675-FC4C-A58E-C7E257B4C140}" type="pres">
+      <dgm:prSet presAssocID="{75B16264-04FF-45C8-9B7A-9E29F651E0C5}" presName="background" presStyleLbl="node0" presStyleIdx="0" presStyleCnt="2"/>
+      <dgm:spPr/>
+    </dgm:pt>
+    <dgm:pt modelId="{70782274-20ED-D647-A3E4-B4FDF725E374}" type="pres">
+      <dgm:prSet presAssocID="{75B16264-04FF-45C8-9B7A-9E29F651E0C5}" presName="text" presStyleLbl="fgAcc0" presStyleIdx="0" presStyleCnt="2">
+        <dgm:presLayoutVars>
+          <dgm:chPref val="3"/>
+        </dgm:presLayoutVars>
+      </dgm:prSet>
+      <dgm:spPr/>
+    </dgm:pt>
+    <dgm:pt modelId="{EB092E2E-CC90-1A47-9597-F454DFC27A69}" type="pres">
+      <dgm:prSet presAssocID="{75B16264-04FF-45C8-9B7A-9E29F651E0C5}" presName="hierChild2" presStyleCnt="0"/>
+      <dgm:spPr/>
+    </dgm:pt>
+    <dgm:pt modelId="{14450591-5A20-0644-AA39-0DF605A3C235}" type="pres">
+      <dgm:prSet presAssocID="{A8077996-82B4-40B8-A163-1181BD943A98}" presName="hierRoot1" presStyleCnt="0"/>
+      <dgm:spPr/>
+    </dgm:pt>
+    <dgm:pt modelId="{F68B3B4A-8D7B-2E44-8BD4-8FC3DDF1EE12}" type="pres">
+      <dgm:prSet presAssocID="{A8077996-82B4-40B8-A163-1181BD943A98}" presName="composite" presStyleCnt="0"/>
+      <dgm:spPr/>
+    </dgm:pt>
+    <dgm:pt modelId="{D09F667C-7C84-B44E-BD8F-0D9175EA62B4}" type="pres">
+      <dgm:prSet presAssocID="{A8077996-82B4-40B8-A163-1181BD943A98}" presName="background" presStyleLbl="node0" presStyleIdx="1" presStyleCnt="2"/>
+      <dgm:spPr/>
+    </dgm:pt>
+    <dgm:pt modelId="{F17127F8-7066-784A-8790-453BB02E5C83}" type="pres">
+      <dgm:prSet presAssocID="{A8077996-82B4-40B8-A163-1181BD943A98}" presName="text" presStyleLbl="fgAcc0" presStyleIdx="1" presStyleCnt="2">
+        <dgm:presLayoutVars>
+          <dgm:chPref val="3"/>
+        </dgm:presLayoutVars>
+      </dgm:prSet>
+      <dgm:spPr/>
+    </dgm:pt>
+    <dgm:pt modelId="{86C199A7-25AE-A44A-9A6F-8FE073C60AE1}" type="pres">
+      <dgm:prSet presAssocID="{A8077996-82B4-40B8-A163-1181BD943A98}" presName="hierChild2" presStyleCnt="0"/>
+      <dgm:spPr/>
+    </dgm:pt>
+  </dgm:ptLst>
+  <dgm:cxnLst>
+    <dgm:cxn modelId="{99194522-0C9F-4486-BFD6-867A14269013}" srcId="{5C69CE1C-D036-46E4-8B62-1071C9FDDE5C}" destId="{75B16264-04FF-45C8-9B7A-9E29F651E0C5}" srcOrd="0" destOrd="0" parTransId="{E3C832DC-6D61-4C6D-BF56-B854D814738C}" sibTransId="{CDF8E815-B91B-461F-A384-F79E80BAFEDC}"/>
+    <dgm:cxn modelId="{185FFA54-799D-4C6D-AA46-E8E7E8763372}" srcId="{5C69CE1C-D036-46E4-8B62-1071C9FDDE5C}" destId="{A8077996-82B4-40B8-A163-1181BD943A98}" srcOrd="1" destOrd="0" parTransId="{2D51CA6A-88BB-4C5A-90DB-2B0C7959E321}" sibTransId="{14ED9B57-5AC0-454C-8C06-D636E39B3284}"/>
+    <dgm:cxn modelId="{9A772F5E-EC60-7849-BF6D-D2C7527554F7}" type="presOf" srcId="{75B16264-04FF-45C8-9B7A-9E29F651E0C5}" destId="{70782274-20ED-D647-A3E4-B4FDF725E374}" srcOrd="0" destOrd="0" presId="urn:microsoft.com/office/officeart/2005/8/layout/hierarchy1"/>
+    <dgm:cxn modelId="{427E53B8-FAAB-DF43-BD9D-946C2F8373D4}" type="presOf" srcId="{5C69CE1C-D036-46E4-8B62-1071C9FDDE5C}" destId="{E57A14BA-AF0A-D644-B6F9-DAB60C0F7CAD}" srcOrd="0" destOrd="0" presId="urn:microsoft.com/office/officeart/2005/8/layout/hierarchy1"/>
+    <dgm:cxn modelId="{F711DABD-67CA-CF43-AA51-21E6224DB97C}" type="presOf" srcId="{A8077996-82B4-40B8-A163-1181BD943A98}" destId="{F17127F8-7066-784A-8790-453BB02E5C83}" srcOrd="0" destOrd="0" presId="urn:microsoft.com/office/officeart/2005/8/layout/hierarchy1"/>
+    <dgm:cxn modelId="{C31976DD-9321-CE43-A076-AFB4781DC984}" type="presParOf" srcId="{E57A14BA-AF0A-D644-B6F9-DAB60C0F7CAD}" destId="{7E4BCB9C-B2D1-BD45-9189-65FA4F139C98}" srcOrd="0" destOrd="0" presId="urn:microsoft.com/office/officeart/2005/8/layout/hierarchy1"/>
+    <dgm:cxn modelId="{BD7C1B59-7099-D944-BE1C-986D6A29FBDB}" type="presParOf" srcId="{7E4BCB9C-B2D1-BD45-9189-65FA4F139C98}" destId="{E071BBAF-C1CF-CA44-B706-BE6568AB709E}" srcOrd="0" destOrd="0" presId="urn:microsoft.com/office/officeart/2005/8/layout/hierarchy1"/>
+    <dgm:cxn modelId="{48A4BE3C-D832-AA43-BD48-362251B6A205}" type="presParOf" srcId="{E071BBAF-C1CF-CA44-B706-BE6568AB709E}" destId="{D1CE86BF-2675-FC4C-A58E-C7E257B4C140}" srcOrd="0" destOrd="0" presId="urn:microsoft.com/office/officeart/2005/8/layout/hierarchy1"/>
+    <dgm:cxn modelId="{CEBD0C7C-9CB8-324A-A276-FF98F0AE5911}" type="presParOf" srcId="{E071BBAF-C1CF-CA44-B706-BE6568AB709E}" destId="{70782274-20ED-D647-A3E4-B4FDF725E374}" srcOrd="1" destOrd="0" presId="urn:microsoft.com/office/officeart/2005/8/layout/hierarchy1"/>
+    <dgm:cxn modelId="{673B7756-A38F-324D-A3EB-0D9E4F759DD1}" type="presParOf" srcId="{7E4BCB9C-B2D1-BD45-9189-65FA4F139C98}" destId="{EB092E2E-CC90-1A47-9597-F454DFC27A69}" srcOrd="1" destOrd="0" presId="urn:microsoft.com/office/officeart/2005/8/layout/hierarchy1"/>
+    <dgm:cxn modelId="{9C67FBB9-7F84-7844-AD8C-AE3E30BB3F71}" type="presParOf" srcId="{E57A14BA-AF0A-D644-B6F9-DAB60C0F7CAD}" destId="{14450591-5A20-0644-AA39-0DF605A3C235}" srcOrd="1" destOrd="0" presId="urn:microsoft.com/office/officeart/2005/8/layout/hierarchy1"/>
+    <dgm:cxn modelId="{687B728B-C338-DB41-979F-D0F620F034E9}" type="presParOf" srcId="{14450591-5A20-0644-AA39-0DF605A3C235}" destId="{F68B3B4A-8D7B-2E44-8BD4-8FC3DDF1EE12}" srcOrd="0" destOrd="0" presId="urn:microsoft.com/office/officeart/2005/8/layout/hierarchy1"/>
+    <dgm:cxn modelId="{0F8E7466-C261-6A4A-A35B-860969A32E42}" type="presParOf" srcId="{F68B3B4A-8D7B-2E44-8BD4-8FC3DDF1EE12}" destId="{D09F667C-7C84-B44E-BD8F-0D9175EA62B4}" srcOrd="0" destOrd="0" presId="urn:microsoft.com/office/officeart/2005/8/layout/hierarchy1"/>
+    <dgm:cxn modelId="{0ADAA1D9-E948-DB46-B212-59478CEDAEC0}" type="presParOf" srcId="{F68B3B4A-8D7B-2E44-8BD4-8FC3DDF1EE12}" destId="{F17127F8-7066-784A-8790-453BB02E5C83}" srcOrd="1" destOrd="0" presId="urn:microsoft.com/office/officeart/2005/8/layout/hierarchy1"/>
+    <dgm:cxn modelId="{60F43727-73F5-1D4B-B57F-CFA56CBF3D83}" type="presParOf" srcId="{14450591-5A20-0644-AA39-0DF605A3C235}" destId="{86C199A7-25AE-A44A-9A6F-8FE073C60AE1}" srcOrd="1" destOrd="0" presId="urn:microsoft.com/office/officeart/2005/8/layout/hierarchy1"/>
+  </dgm:cxnLst>
+  <dgm:bg/>
+  <dgm:whole/>
+  <dgm:extLst>
+    <a:ext uri="http://schemas.microsoft.com/office/drawing/2008/diagram">
+      <dsp:dataModelExt xmlns:dsp="http://schemas.microsoft.com/office/drawing/2008/diagram" relId="rId6" minVer="http://schemas.openxmlformats.org/drawingml/2006/diagram"/>
+    </a:ext>
+  </dgm:extLst>
+</dgm:dataModel>
+</file>
+
+<file path=ppt/diagrams/drawing1.xml><?xml version="1.0" encoding="utf-8"?>
+<dsp:drawing xmlns:dgm="http://schemas.openxmlformats.org/drawingml/2006/diagram" xmlns:dsp="http://schemas.microsoft.com/office/drawing/2008/diagram" xmlns:a="http://schemas.openxmlformats.org/drawingml/2006/main">
+  <dsp:spTree>
+    <dsp:nvGrpSpPr>
+      <dsp:cNvPr id="0" name=""/>
+      <dsp:cNvGrpSpPr/>
+    </dsp:nvGrpSpPr>
+    <dsp:grpSpPr/>
+    <dsp:sp modelId="{4112B48D-30C4-BC41-9A24-4FBD1B202362}">
+      <dsp:nvSpPr>
+        <dsp:cNvPr id="0" name=""/>
+        <dsp:cNvSpPr/>
+      </dsp:nvSpPr>
+      <dsp:spPr>
+        <a:xfrm>
+          <a:off x="0" y="350568"/>
+          <a:ext cx="6268770" cy="529200"/>
+        </a:xfrm>
+        <a:prstGeom prst="rect">
+          <a:avLst/>
+        </a:prstGeom>
+        <a:solidFill>
+          <a:schemeClr val="lt1">
+            <a:alpha val="90000"/>
+            <a:hueOff val="0"/>
+            <a:satOff val="0"/>
+            <a:lumOff val="0"/>
+            <a:alphaOff val="0"/>
+          </a:schemeClr>
+        </a:solidFill>
+        <a:ln w="12700" cap="flat" cmpd="sng" algn="ctr">
+          <a:solidFill>
+            <a:schemeClr val="accent2">
+              <a:hueOff val="0"/>
+              <a:satOff val="0"/>
+              <a:lumOff val="0"/>
+              <a:alphaOff val="0"/>
+            </a:schemeClr>
+          </a:solidFill>
+          <a:prstDash val="solid"/>
+          <a:miter lim="800000"/>
+        </a:ln>
+        <a:effectLst/>
+      </dsp:spPr>
+      <dsp:style>
+        <a:lnRef idx="2">
+          <a:scrgbClr r="0" g="0" b="0"/>
+        </a:lnRef>
+        <a:fillRef idx="1">
+          <a:scrgbClr r="0" g="0" b="0"/>
+        </a:fillRef>
+        <a:effectRef idx="0">
+          <a:scrgbClr r="0" g="0" b="0"/>
+        </a:effectRef>
+        <a:fontRef idx="minor"/>
+      </dsp:style>
+    </dsp:sp>
+    <dsp:sp modelId="{C0B738A1-E129-D94E-9E54-36D077F05D4F}">
+      <dsp:nvSpPr>
+        <dsp:cNvPr id="0" name=""/>
+        <dsp:cNvSpPr/>
+      </dsp:nvSpPr>
+      <dsp:spPr>
+        <a:xfrm>
+          <a:off x="313438" y="40608"/>
+          <a:ext cx="4388139" cy="619920"/>
+        </a:xfrm>
+        <a:prstGeom prst="roundRect">
+          <a:avLst/>
+        </a:prstGeom>
+        <a:solidFill>
+          <a:schemeClr val="accent2">
+            <a:hueOff val="0"/>
+            <a:satOff val="0"/>
+            <a:lumOff val="0"/>
+            <a:alphaOff val="0"/>
+          </a:schemeClr>
+        </a:solidFill>
+        <a:ln w="12700" cap="flat" cmpd="sng" algn="ctr">
+          <a:solidFill>
+            <a:schemeClr val="lt1">
+              <a:hueOff val="0"/>
+              <a:satOff val="0"/>
+              <a:lumOff val="0"/>
+              <a:alphaOff val="0"/>
+            </a:schemeClr>
+          </a:solidFill>
+          <a:prstDash val="solid"/>
+          <a:miter lim="800000"/>
+        </a:ln>
+        <a:effectLst/>
+      </dsp:spPr>
+      <dsp:style>
+        <a:lnRef idx="2">
+          <a:scrgbClr r="0" g="0" b="0"/>
+        </a:lnRef>
+        <a:fillRef idx="1">
+          <a:scrgbClr r="0" g="0" b="0"/>
+        </a:fillRef>
+        <a:effectRef idx="0">
+          <a:scrgbClr r="0" g="0" b="0"/>
+        </a:effectRef>
+        <a:fontRef idx="minor">
+          <a:schemeClr val="lt1"/>
+        </a:fontRef>
+      </dsp:style>
+      <dsp:txBody>
+        <a:bodyPr spcFirstLastPara="0" vert="horz" wrap="square" lIns="165861" tIns="0" rIns="165861" bIns="0" numCol="1" spcCol="1270" anchor="ctr" anchorCtr="0">
+          <a:noAutofit/>
+        </a:bodyPr>
+        <a:lstStyle/>
+        <a:p>
+          <a:pPr marL="0" lvl="0" indent="0" algn="l" defTabSz="933450">
+            <a:lnSpc>
+              <a:spcPct val="90000"/>
+            </a:lnSpc>
+            <a:spcBef>
+              <a:spcPct val="0"/>
+            </a:spcBef>
+            <a:spcAft>
+              <a:spcPct val="35000"/>
+            </a:spcAft>
+            <a:buNone/>
+          </a:pPr>
+          <a:r>
+            <a:rPr lang="de-DE" sz="2100" kern="1200"/>
+            <a:t>Music4All-Onion</a:t>
+          </a:r>
+          <a:endParaRPr lang="en-US" sz="2100" kern="1200"/>
+        </a:p>
+      </dsp:txBody>
+      <dsp:txXfrm>
+        <a:off x="343700" y="70870"/>
+        <a:ext cx="4327615" cy="559396"/>
+      </dsp:txXfrm>
+    </dsp:sp>
+    <dsp:sp modelId="{D36D34A5-EA5D-E44C-B950-31D3E0287629}">
+      <dsp:nvSpPr>
+        <dsp:cNvPr id="0" name=""/>
+        <dsp:cNvSpPr/>
+      </dsp:nvSpPr>
+      <dsp:spPr>
+        <a:xfrm>
+          <a:off x="0" y="1303128"/>
+          <a:ext cx="6268770" cy="529200"/>
+        </a:xfrm>
+        <a:prstGeom prst="rect">
+          <a:avLst/>
+        </a:prstGeom>
+        <a:solidFill>
+          <a:schemeClr val="lt1">
+            <a:alpha val="90000"/>
+            <a:hueOff val="0"/>
+            <a:satOff val="0"/>
+            <a:lumOff val="0"/>
+            <a:alphaOff val="0"/>
+          </a:schemeClr>
+        </a:solidFill>
+        <a:ln w="12700" cap="flat" cmpd="sng" algn="ctr">
+          <a:solidFill>
+            <a:schemeClr val="accent2">
+              <a:hueOff val="0"/>
+              <a:satOff val="0"/>
+              <a:lumOff val="0"/>
+              <a:alphaOff val="0"/>
+            </a:schemeClr>
+          </a:solidFill>
+          <a:prstDash val="solid"/>
+          <a:miter lim="800000"/>
+        </a:ln>
+        <a:effectLst/>
+      </dsp:spPr>
+      <dsp:style>
+        <a:lnRef idx="2">
+          <a:scrgbClr r="0" g="0" b="0"/>
+        </a:lnRef>
+        <a:fillRef idx="1">
+          <a:scrgbClr r="0" g="0" b="0"/>
+        </a:fillRef>
+        <a:effectRef idx="0">
+          <a:scrgbClr r="0" g="0" b="0"/>
+        </a:effectRef>
+        <a:fontRef idx="minor"/>
+      </dsp:style>
+    </dsp:sp>
+    <dsp:sp modelId="{A6F81414-05B2-4B45-B795-590672C535C8}">
+      <dsp:nvSpPr>
+        <dsp:cNvPr id="0" name=""/>
+        <dsp:cNvSpPr/>
+      </dsp:nvSpPr>
+      <dsp:spPr>
+        <a:xfrm>
+          <a:off x="313438" y="993168"/>
+          <a:ext cx="4388139" cy="619920"/>
+        </a:xfrm>
+        <a:prstGeom prst="roundRect">
+          <a:avLst/>
+        </a:prstGeom>
+        <a:solidFill>
+          <a:schemeClr val="accent2">
+            <a:hueOff val="0"/>
+            <a:satOff val="0"/>
+            <a:lumOff val="0"/>
+            <a:alphaOff val="0"/>
+          </a:schemeClr>
+        </a:solidFill>
+        <a:ln w="12700" cap="flat" cmpd="sng" algn="ctr">
+          <a:solidFill>
+            <a:schemeClr val="lt1">
+              <a:hueOff val="0"/>
+              <a:satOff val="0"/>
+              <a:lumOff val="0"/>
+              <a:alphaOff val="0"/>
+            </a:schemeClr>
+          </a:solidFill>
+          <a:prstDash val="solid"/>
+          <a:miter lim="800000"/>
+        </a:ln>
+        <a:effectLst/>
+      </dsp:spPr>
+      <dsp:style>
+        <a:lnRef idx="2">
+          <a:scrgbClr r="0" g="0" b="0"/>
+        </a:lnRef>
+        <a:fillRef idx="1">
+          <a:scrgbClr r="0" g="0" b="0"/>
+        </a:fillRef>
+        <a:effectRef idx="0">
+          <a:scrgbClr r="0" g="0" b="0"/>
+        </a:effectRef>
+        <a:fontRef idx="minor">
+          <a:schemeClr val="lt1"/>
+        </a:fontRef>
+      </dsp:style>
+      <dsp:txBody>
+        <a:bodyPr spcFirstLastPara="0" vert="horz" wrap="square" lIns="165861" tIns="0" rIns="165861" bIns="0" numCol="1" spcCol="1270" anchor="ctr" anchorCtr="0">
+          <a:noAutofit/>
+        </a:bodyPr>
+        <a:lstStyle/>
+        <a:p>
+          <a:pPr marL="0" lvl="0" indent="0" algn="l" defTabSz="933450">
+            <a:lnSpc>
+              <a:spcPct val="90000"/>
+            </a:lnSpc>
+            <a:spcBef>
+              <a:spcPct val="0"/>
+            </a:spcBef>
+            <a:spcAft>
+              <a:spcPct val="35000"/>
+            </a:spcAft>
+            <a:buNone/>
+          </a:pPr>
+          <a:r>
+            <a:rPr lang="de-DE" sz="2100" kern="1200"/>
+            <a:t>SiTunes</a:t>
+          </a:r>
+          <a:endParaRPr lang="en-US" sz="2100" kern="1200"/>
+        </a:p>
+      </dsp:txBody>
+      <dsp:txXfrm>
+        <a:off x="343700" y="1023430"/>
+        <a:ext cx="4327615" cy="559396"/>
+      </dsp:txXfrm>
+    </dsp:sp>
+    <dsp:sp modelId="{8F301E0C-F4AA-5746-A703-8818C23D3E96}">
+      <dsp:nvSpPr>
+        <dsp:cNvPr id="0" name=""/>
+        <dsp:cNvSpPr/>
+      </dsp:nvSpPr>
+      <dsp:spPr>
+        <a:xfrm>
+          <a:off x="0" y="2255687"/>
+          <a:ext cx="6268770" cy="529200"/>
+        </a:xfrm>
+        <a:prstGeom prst="rect">
+          <a:avLst/>
+        </a:prstGeom>
+        <a:solidFill>
+          <a:schemeClr val="lt1">
+            <a:alpha val="90000"/>
+            <a:hueOff val="0"/>
+            <a:satOff val="0"/>
+            <a:lumOff val="0"/>
+            <a:alphaOff val="0"/>
+          </a:schemeClr>
+        </a:solidFill>
+        <a:ln w="12700" cap="flat" cmpd="sng" algn="ctr">
+          <a:solidFill>
+            <a:schemeClr val="accent2">
+              <a:hueOff val="0"/>
+              <a:satOff val="0"/>
+              <a:lumOff val="0"/>
+              <a:alphaOff val="0"/>
+            </a:schemeClr>
+          </a:solidFill>
+          <a:prstDash val="solid"/>
+          <a:miter lim="800000"/>
+        </a:ln>
+        <a:effectLst/>
+      </dsp:spPr>
+      <dsp:style>
+        <a:lnRef idx="2">
+          <a:scrgbClr r="0" g="0" b="0"/>
+        </a:lnRef>
+        <a:fillRef idx="1">
+          <a:scrgbClr r="0" g="0" b="0"/>
+        </a:fillRef>
+        <a:effectRef idx="0">
+          <a:scrgbClr r="0" g="0" b="0"/>
+        </a:effectRef>
+        <a:fontRef idx="minor"/>
+      </dsp:style>
+    </dsp:sp>
+    <dsp:sp modelId="{BA14A148-126C-8C44-A540-E60779E53526}">
+      <dsp:nvSpPr>
+        <dsp:cNvPr id="0" name=""/>
+        <dsp:cNvSpPr/>
+      </dsp:nvSpPr>
+      <dsp:spPr>
+        <a:xfrm>
+          <a:off x="313438" y="1945728"/>
+          <a:ext cx="4388139" cy="619920"/>
+        </a:xfrm>
+        <a:prstGeom prst="roundRect">
+          <a:avLst/>
+        </a:prstGeom>
+        <a:solidFill>
+          <a:schemeClr val="accent2">
+            <a:hueOff val="0"/>
+            <a:satOff val="0"/>
+            <a:lumOff val="0"/>
+            <a:alphaOff val="0"/>
+          </a:schemeClr>
+        </a:solidFill>
+        <a:ln w="12700" cap="flat" cmpd="sng" algn="ctr">
+          <a:solidFill>
+            <a:schemeClr val="lt1">
+              <a:hueOff val="0"/>
+              <a:satOff val="0"/>
+              <a:lumOff val="0"/>
+              <a:alphaOff val="0"/>
+            </a:schemeClr>
+          </a:solidFill>
+          <a:prstDash val="solid"/>
+          <a:miter lim="800000"/>
+        </a:ln>
+        <a:effectLst/>
+      </dsp:spPr>
+      <dsp:style>
+        <a:lnRef idx="2">
+          <a:scrgbClr r="0" g="0" b="0"/>
+        </a:lnRef>
+        <a:fillRef idx="1">
+          <a:scrgbClr r="0" g="0" b="0"/>
+        </a:fillRef>
+        <a:effectRef idx="0">
+          <a:scrgbClr r="0" g="0" b="0"/>
+        </a:effectRef>
+        <a:fontRef idx="minor">
+          <a:schemeClr val="lt1"/>
+        </a:fontRef>
+      </dsp:style>
+      <dsp:txBody>
+        <a:bodyPr spcFirstLastPara="0" vert="horz" wrap="square" lIns="165861" tIns="0" rIns="165861" bIns="0" numCol="1" spcCol="1270" anchor="ctr" anchorCtr="0">
+          <a:noAutofit/>
+        </a:bodyPr>
+        <a:lstStyle/>
+        <a:p>
+          <a:pPr marL="0" lvl="0" indent="0" algn="l" defTabSz="933450">
+            <a:lnSpc>
+              <a:spcPct val="90000"/>
+            </a:lnSpc>
+            <a:spcBef>
+              <a:spcPct val="0"/>
+            </a:spcBef>
+            <a:spcAft>
+              <a:spcPct val="35000"/>
+            </a:spcAft>
+            <a:buNone/>
+          </a:pPr>
+          <a:r>
+            <a:rPr lang="de-DE" sz="2100" kern="1200"/>
+            <a:t>LFM-2b</a:t>
+          </a:r>
+          <a:endParaRPr lang="en-US" sz="2100" kern="1200"/>
+        </a:p>
+      </dsp:txBody>
+      <dsp:txXfrm>
+        <a:off x="343700" y="1975990"/>
+        <a:ext cx="4327615" cy="559396"/>
+      </dsp:txXfrm>
+    </dsp:sp>
+  </dsp:spTree>
+</dsp:drawing>
+</file>
+
+<file path=ppt/diagrams/drawing2.xml><?xml version="1.0" encoding="utf-8"?>
+<dsp:drawing xmlns:dgm="http://schemas.openxmlformats.org/drawingml/2006/diagram" xmlns:dsp="http://schemas.microsoft.com/office/drawing/2008/diagram" xmlns:a="http://schemas.openxmlformats.org/drawingml/2006/main">
+  <dsp:spTree>
+    <dsp:nvGrpSpPr>
+      <dsp:cNvPr id="0" name=""/>
+      <dsp:cNvGrpSpPr/>
+    </dsp:nvGrpSpPr>
+    <dsp:grpSpPr/>
+    <dsp:sp modelId="{D1CE86BF-2675-FC4C-A58E-C7E257B4C140}">
+      <dsp:nvSpPr>
+        <dsp:cNvPr id="0" name=""/>
+        <dsp:cNvSpPr/>
+      </dsp:nvSpPr>
+      <dsp:spPr>
+        <a:xfrm>
+          <a:off x="680192" y="965"/>
+          <a:ext cx="3921050" cy="2489867"/>
+        </a:xfrm>
+        <a:prstGeom prst="roundRect">
+          <a:avLst>
+            <a:gd name="adj" fmla="val 10000"/>
+          </a:avLst>
+        </a:prstGeom>
+        <a:solidFill>
+          <a:schemeClr val="accent2">
+            <a:hueOff val="0"/>
+            <a:satOff val="0"/>
+            <a:lumOff val="0"/>
+            <a:alphaOff val="0"/>
+          </a:schemeClr>
+        </a:solidFill>
+        <a:ln w="12700" cap="flat" cmpd="sng" algn="ctr">
+          <a:solidFill>
+            <a:schemeClr val="lt1">
+              <a:hueOff val="0"/>
+              <a:satOff val="0"/>
+              <a:lumOff val="0"/>
+              <a:alphaOff val="0"/>
+            </a:schemeClr>
+          </a:solidFill>
+          <a:prstDash val="solid"/>
+          <a:miter lim="800000"/>
+        </a:ln>
+        <a:effectLst/>
+      </dsp:spPr>
+      <dsp:style>
+        <a:lnRef idx="2">
+          <a:scrgbClr r="0" g="0" b="0"/>
+        </a:lnRef>
+        <a:fillRef idx="1">
+          <a:scrgbClr r="0" g="0" b="0"/>
+        </a:fillRef>
+        <a:effectRef idx="0">
+          <a:scrgbClr r="0" g="0" b="0"/>
+        </a:effectRef>
+        <a:fontRef idx="minor">
+          <a:schemeClr val="lt1"/>
+        </a:fontRef>
+      </dsp:style>
+    </dsp:sp>
+    <dsp:sp modelId="{70782274-20ED-D647-A3E4-B4FDF725E374}">
+      <dsp:nvSpPr>
+        <dsp:cNvPr id="0" name=""/>
+        <dsp:cNvSpPr/>
+      </dsp:nvSpPr>
+      <dsp:spPr>
+        <a:xfrm>
+          <a:off x="1115865" y="414853"/>
+          <a:ext cx="3921050" cy="2489867"/>
+        </a:xfrm>
+        <a:prstGeom prst="roundRect">
+          <a:avLst>
+            <a:gd name="adj" fmla="val 10000"/>
+          </a:avLst>
+        </a:prstGeom>
+        <a:solidFill>
+          <a:schemeClr val="lt1">
+            <a:alpha val="90000"/>
+            <a:hueOff val="0"/>
+            <a:satOff val="0"/>
+            <a:lumOff val="0"/>
+            <a:alphaOff val="0"/>
+          </a:schemeClr>
+        </a:solidFill>
+        <a:ln w="12700" cap="flat" cmpd="sng" algn="ctr">
+          <a:solidFill>
+            <a:schemeClr val="accent2">
+              <a:hueOff val="0"/>
+              <a:satOff val="0"/>
+              <a:lumOff val="0"/>
+              <a:alphaOff val="0"/>
+            </a:schemeClr>
+          </a:solidFill>
+          <a:prstDash val="solid"/>
+          <a:miter lim="800000"/>
+        </a:ln>
+        <a:effectLst/>
+      </dsp:spPr>
+      <dsp:style>
+        <a:lnRef idx="2">
+          <a:scrgbClr r="0" g="0" b="0"/>
+        </a:lnRef>
+        <a:fillRef idx="1">
+          <a:scrgbClr r="0" g="0" b="0"/>
+        </a:fillRef>
+        <a:effectRef idx="0">
+          <a:scrgbClr r="0" g="0" b="0"/>
+        </a:effectRef>
+        <a:fontRef idx="minor"/>
+      </dsp:style>
+      <dsp:txBody>
+        <a:bodyPr spcFirstLastPara="0" vert="horz" wrap="square" lIns="220980" tIns="220980" rIns="220980" bIns="220980" numCol="1" spcCol="1270" anchor="ctr" anchorCtr="0">
+          <a:noAutofit/>
+        </a:bodyPr>
+        <a:lstStyle/>
+        <a:p>
+          <a:pPr marL="0" lvl="0" indent="0" algn="ctr" defTabSz="2578100">
+            <a:lnSpc>
+              <a:spcPct val="90000"/>
+            </a:lnSpc>
+            <a:spcBef>
+              <a:spcPct val="0"/>
+            </a:spcBef>
+            <a:spcAft>
+              <a:spcPct val="35000"/>
+            </a:spcAft>
+            <a:buNone/>
+          </a:pPr>
+          <a:r>
+            <a:rPr lang="de-AT" sz="5800" kern="1200" dirty="0"/>
+            <a:t>Personality Bias</a:t>
+          </a:r>
+          <a:endParaRPr lang="en-US" sz="5800" kern="1200" dirty="0"/>
+        </a:p>
+      </dsp:txBody>
+      <dsp:txXfrm>
+        <a:off x="1188791" y="487779"/>
+        <a:ext cx="3775198" cy="2344015"/>
+      </dsp:txXfrm>
+    </dsp:sp>
+    <dsp:sp modelId="{D09F667C-7C84-B44E-BD8F-0D9175EA62B4}">
+      <dsp:nvSpPr>
+        <dsp:cNvPr id="0" name=""/>
+        <dsp:cNvSpPr/>
+      </dsp:nvSpPr>
+      <dsp:spPr>
+        <a:xfrm>
+          <a:off x="5472588" y="965"/>
+          <a:ext cx="3921050" cy="2489867"/>
+        </a:xfrm>
+        <a:prstGeom prst="roundRect">
+          <a:avLst>
+            <a:gd name="adj" fmla="val 10000"/>
+          </a:avLst>
+        </a:prstGeom>
+        <a:solidFill>
+          <a:schemeClr val="accent2">
+            <a:hueOff val="0"/>
+            <a:satOff val="0"/>
+            <a:lumOff val="0"/>
+            <a:alphaOff val="0"/>
+          </a:schemeClr>
+        </a:solidFill>
+        <a:ln w="12700" cap="flat" cmpd="sng" algn="ctr">
+          <a:solidFill>
+            <a:schemeClr val="lt1">
+              <a:hueOff val="0"/>
+              <a:satOff val="0"/>
+              <a:lumOff val="0"/>
+              <a:alphaOff val="0"/>
+            </a:schemeClr>
+          </a:solidFill>
+          <a:prstDash val="solid"/>
+          <a:miter lim="800000"/>
+        </a:ln>
+        <a:effectLst/>
+      </dsp:spPr>
+      <dsp:style>
+        <a:lnRef idx="2">
+          <a:scrgbClr r="0" g="0" b="0"/>
+        </a:lnRef>
+        <a:fillRef idx="1">
+          <a:scrgbClr r="0" g="0" b="0"/>
+        </a:fillRef>
+        <a:effectRef idx="0">
+          <a:scrgbClr r="0" g="0" b="0"/>
+        </a:effectRef>
+        <a:fontRef idx="minor">
+          <a:schemeClr val="lt1"/>
+        </a:fontRef>
+      </dsp:style>
+    </dsp:sp>
+    <dsp:sp modelId="{F17127F8-7066-784A-8790-453BB02E5C83}">
+      <dsp:nvSpPr>
+        <dsp:cNvPr id="0" name=""/>
+        <dsp:cNvSpPr/>
+      </dsp:nvSpPr>
+      <dsp:spPr>
+        <a:xfrm>
+          <a:off x="5908260" y="414853"/>
+          <a:ext cx="3921050" cy="2489867"/>
+        </a:xfrm>
+        <a:prstGeom prst="roundRect">
+          <a:avLst>
+            <a:gd name="adj" fmla="val 10000"/>
+          </a:avLst>
+        </a:prstGeom>
+        <a:solidFill>
+          <a:schemeClr val="lt1">
+            <a:alpha val="90000"/>
+            <a:hueOff val="0"/>
+            <a:satOff val="0"/>
+            <a:lumOff val="0"/>
+            <a:alphaOff val="0"/>
+          </a:schemeClr>
+        </a:solidFill>
+        <a:ln w="12700" cap="flat" cmpd="sng" algn="ctr">
+          <a:solidFill>
+            <a:schemeClr val="accent2">
+              <a:hueOff val="0"/>
+              <a:satOff val="0"/>
+              <a:lumOff val="0"/>
+              <a:alphaOff val="0"/>
+            </a:schemeClr>
+          </a:solidFill>
+          <a:prstDash val="solid"/>
+          <a:miter lim="800000"/>
+        </a:ln>
+        <a:effectLst/>
+      </dsp:spPr>
+      <dsp:style>
+        <a:lnRef idx="2">
+          <a:scrgbClr r="0" g="0" b="0"/>
+        </a:lnRef>
+        <a:fillRef idx="1">
+          <a:scrgbClr r="0" g="0" b="0"/>
+        </a:fillRef>
+        <a:effectRef idx="0">
+          <a:scrgbClr r="0" g="0" b="0"/>
+        </a:effectRef>
+        <a:fontRef idx="minor"/>
+      </dsp:style>
+      <dsp:txBody>
+        <a:bodyPr spcFirstLastPara="0" vert="horz" wrap="square" lIns="220980" tIns="220980" rIns="220980" bIns="220980" numCol="1" spcCol="1270" anchor="ctr" anchorCtr="0">
+          <a:noAutofit/>
+        </a:bodyPr>
+        <a:lstStyle/>
+        <a:p>
+          <a:pPr marL="0" lvl="0" indent="0" algn="ctr" defTabSz="2578100">
+            <a:lnSpc>
+              <a:spcPct val="90000"/>
+            </a:lnSpc>
+            <a:spcBef>
+              <a:spcPct val="0"/>
+            </a:spcBef>
+            <a:spcAft>
+              <a:spcPct val="35000"/>
+            </a:spcAft>
+            <a:buNone/>
+          </a:pPr>
+          <a:r>
+            <a:rPr lang="de-AT" sz="5800" kern="1200" dirty="0"/>
+            <a:t>Gender Bias </a:t>
+          </a:r>
+          <a:endParaRPr lang="en-US" sz="5800" kern="1200" dirty="0"/>
+        </a:p>
+      </dsp:txBody>
+      <dsp:txXfrm>
+        <a:off x="5981186" y="487779"/>
+        <a:ext cx="3775198" cy="2344015"/>
+      </dsp:txXfrm>
+    </dsp:sp>
+  </dsp:spTree>
+</dsp:drawing>
+</file>
+
+<file path=ppt/diagrams/layout1.xml><?xml version="1.0" encoding="utf-8"?>
+<dgm:layoutDef xmlns:dgm="http://schemas.openxmlformats.org/drawingml/2006/diagram" xmlns:a="http://schemas.openxmlformats.org/drawingml/2006/main" uniqueId="urn:microsoft.com/office/officeart/2005/8/layout/list1">
+  <dgm:title val=""/>
+  <dgm:desc val=""/>
+  <dgm:catLst>
+    <dgm:cat type="list" pri="4000"/>
+  </dgm:catLst>
+  <dgm:sampData>
+    <dgm:dataModel>
+      <dgm:ptLst>
+        <dgm:pt modelId="0" type="doc"/>
+        <dgm:pt modelId="1">
+          <dgm:prSet phldr="1"/>
+        </dgm:pt>
+        <dgm:pt modelId="2">
+          <dgm:prSet phldr="1"/>
+        </dgm:pt>
+        <dgm:pt modelId="3">
+          <dgm:prSet phldr="1"/>
+        </dgm:pt>
+      </dgm:ptLst>
+      <dgm:cxnLst>
+        <dgm:cxn modelId="4" srcId="0" destId="1" srcOrd="0" destOrd="0"/>
+        <dgm:cxn modelId="5" srcId="0" destId="2" srcOrd="1" destOrd="0"/>
+        <dgm:cxn modelId="6" srcId="0" destId="3" srcOrd="2" destOrd="0"/>
+      </dgm:cxnLst>
+      <dgm:bg/>
+      <dgm:whole/>
+    </dgm:dataModel>
+  </dgm:sampData>
+  <dgm:styleData>
+    <dgm:dataModel>
+      <dgm:ptLst>
+        <dgm:pt modelId="0" type="doc"/>
+        <dgm:pt modelId="1"/>
+        <dgm:pt modelId="2"/>
+      </dgm:ptLst>
+      <dgm:cxnLst>
+        <dgm:cxn modelId="4" srcId="0" destId="1" srcOrd="0" destOrd="0"/>
+        <dgm:cxn modelId="5" srcId="0" destId="2" srcOrd="1" destOrd="0"/>
+      </dgm:cxnLst>
+      <dgm:bg/>
+      <dgm:whole/>
+    </dgm:dataModel>
+  </dgm:styleData>
+  <dgm:clrData>
+    <dgm:dataModel>
+      <dgm:ptLst>
+        <dgm:pt modelId="0" type="doc"/>
+        <dgm:pt modelId="1"/>
+        <dgm:pt modelId="2"/>
+        <dgm:pt modelId="3"/>
+        <dgm:pt modelId="4"/>
+      </dgm:ptLst>
+      <dgm:cxnLst>
+        <dgm:cxn modelId="5" srcId="0" destId="1" srcOrd="0" destOrd="0"/>
+        <dgm:cxn modelId="6" srcId="0" destId="2" srcOrd="1" destOrd="0"/>
+        <dgm:cxn modelId="7" srcId="0" destId="3" srcOrd="2" destOrd="0"/>
+        <dgm:cxn modelId="8" srcId="0" destId="4" srcOrd="3" destOrd="0"/>
+      </dgm:cxnLst>
+      <dgm:bg/>
+      <dgm:whole/>
+    </dgm:dataModel>
+  </dgm:clrData>
+  <dgm:layoutNode name="linear">
+    <dgm:varLst>
+      <dgm:dir/>
+      <dgm:animLvl val="lvl"/>
+      <dgm:resizeHandles val="exact"/>
+    </dgm:varLst>
+    <dgm:choose name="Name0">
+      <dgm:if name="Name1" func="var" arg="dir" op="equ" val="norm">
+        <dgm:alg type="lin">
+          <dgm:param type="linDir" val="fromT"/>
+          <dgm:param type="vertAlign" val="mid"/>
+          <dgm:param type="horzAlign" val="l"/>
+          <dgm:param type="nodeHorzAlign" val="l"/>
+        </dgm:alg>
+      </dgm:if>
+      <dgm:else name="Name2">
+        <dgm:alg type="lin">
+          <dgm:param type="linDir" val="fromT"/>
+          <dgm:param type="vertAlign" val="mid"/>
+          <dgm:param type="horzAlign" val="r"/>
+          <dgm:param type="nodeHorzAlign" val="r"/>
+        </dgm:alg>
+      </dgm:else>
+    </dgm:choose>
+    <dgm:shape xmlns:r="http://schemas.openxmlformats.org/officeDocument/2006/relationships" r:blip="">
+      <dgm:adjLst/>
+    </dgm:shape>
+    <dgm:presOf/>
+    <dgm:constrLst>
+      <dgm:constr type="w" for="ch" forName="parentLin" refType="w"/>
+      <dgm:constr type="h" for="ch" forName="parentLin" val="INF"/>
+      <dgm:constr type="w" for="des" forName="parentLeftMargin" refType="w" fact="0.05"/>
+      <dgm:constr type="w" for="des" forName="parentText" refType="w" fact="0.7"/>
+      <dgm:constr type="h" for="des" forName="parentText" refType="primFontSz" refFor="des" refForName="parentText" fact="0.82"/>
+      <dgm:constr type="h" for="ch" forName="negativeSpace" refType="primFontSz" refFor="des" refForName="parentText" fact="-0.41"/>
+      <dgm:constr type="h" for="ch" forName="negativeSpace" refType="h" refFor="des" refForName="parentText" op="lte" fact="-0.82"/>
+      <dgm:constr type="h" for="ch" forName="negativeSpace" refType="h" refFor="des" refForName="parentText" op="gte" fact="-0.82"/>
+      <dgm:constr type="w" for="ch" forName="childText" refType="w"/>
+      <dgm:constr type="h" for="ch" forName="childText" refType="primFontSz" refFor="des" refForName="parentText" fact="0.7"/>
+      <dgm:constr type="primFontSz" for="des" forName="parentText" val="65"/>
+      <dgm:constr type="primFontSz" for="ch" forName="childText" refType="primFontSz" refFor="des" refForName="parentText"/>
+      <dgm:constr type="tMarg" for="ch" forName="childText" refType="primFontSz" refFor="des" refForName="parentText" fact="1.64"/>
+      <dgm:constr type="tMarg" for="ch" forName="childText" refType="h" refFor="des" refForName="parentText" op="lte" fact="3.28"/>
+      <dgm:constr type="tMarg" for="ch" forName="childText" refType="h" refFor="des" refForName="parentText" op="gte" fact="3.28"/>
+      <dgm:constr type="lMarg" for="ch" forName="childText" refType="w" fact="0.22"/>
+      <dgm:constr type="rMarg" for="ch" forName="childText" refType="lMarg" refFor="ch" refForName="childText"/>
+      <dgm:constr type="lMarg" for="des" forName="parentText" refType="w" fact="0.075"/>
+      <dgm:constr type="rMarg" for="des" forName="parentText" refType="lMarg" refFor="des" refForName="parentText"/>
+      <dgm:constr type="h" for="ch" forName="spaceBetweenRectangles" refType="primFontSz" refFor="des" refForName="parentText" fact="0.15"/>
+    </dgm:constrLst>
+    <dgm:ruleLst>
+      <dgm:rule type="primFontSz" for="des" forName="parentText" val="5" fact="NaN" max="NaN"/>
+    </dgm:ruleLst>
+    <dgm:forEach name="Name3" axis="ch" ptType="node">
+      <dgm:layoutNode name="parentLin">
+        <dgm:choose name="Name4">
+          <dgm:if name="Name5" func="var" arg="dir" op="equ" val="norm">
+            <dgm:alg type="lin">
+              <dgm:param type="linDir" val="fromL"/>
+              <dgm:param type="horzAlign" val="l"/>
+              <dgm:param type="nodeHorzAlign" val="l"/>
+            </dgm:alg>
+          </dgm:if>
+          <dgm:else name="Name6">
+            <dgm:alg type="lin">
+              <dgm:param type="linDir" val="fromR"/>
+              <dgm:param type="horzAlign" val="r"/>
+              <dgm:param type="nodeHorzAlign" val="r"/>
+            </dgm:alg>
+          </dgm:else>
+        </dgm:choose>
+        <dgm:shape xmlns:r="http://schemas.openxmlformats.org/officeDocument/2006/relationships" r:blip="">
+          <dgm:adjLst/>
+        </dgm:shape>
+        <dgm:presOf/>
+        <dgm:constrLst/>
+        <dgm:ruleLst/>
+        <dgm:layoutNode name="parentLeftMargin">
+          <dgm:alg type="sp"/>
+          <dgm:shape xmlns:r="http://schemas.openxmlformats.org/officeDocument/2006/relationships" type="rect" r:blip="" hideGeom="1">
+            <dgm:adjLst/>
+          </dgm:shape>
+          <dgm:presOf axis="self"/>
+          <dgm:constrLst>
+            <dgm:constr type="h"/>
+          </dgm:constrLst>
+          <dgm:ruleLst/>
+        </dgm:layoutNode>
+        <dgm:layoutNode name="parentText" styleLbl="node1">
+          <dgm:varLst>
+            <dgm:chMax val="0"/>
+            <dgm:bulletEnabled val="1"/>
+          </dgm:varLst>
+          <dgm:choose name="Name7">
+            <dgm:if name="Name8" func="var" arg="dir" op="equ" val="norm">
+              <dgm:alg type="tx">
+                <dgm:param type="parTxLTRAlign" val="l"/>
+                <dgm:param type="parTxRTLAlign" val="l"/>
+              </dgm:alg>
+            </dgm:if>
+            <dgm:else name="Name9">
+              <dgm:alg type="tx">
+                <dgm:param type="parTxLTRAlign" val="r"/>
+                <dgm:param type="parTxRTLAlign" val="r"/>
+              </dgm:alg>
+            </dgm:else>
+          </dgm:choose>
+          <dgm:shape xmlns:r="http://schemas.openxmlformats.org/officeDocument/2006/relationships" type="roundRect" r:blip="">
+            <dgm:adjLst/>
+          </dgm:shape>
+          <dgm:presOf axis="self" ptType="node"/>
+          <dgm:constrLst>
+            <dgm:constr type="tMarg"/>
+            <dgm:constr type="bMarg"/>
+          </dgm:constrLst>
+          <dgm:ruleLst/>
+        </dgm:layoutNode>
+      </dgm:layoutNode>
+      <dgm:layoutNode name="negativeSpace">
+        <dgm:alg type="sp"/>
+        <dgm:shape xmlns:r="http://schemas.openxmlformats.org/officeDocument/2006/relationships" r:blip="">
+          <dgm:adjLst/>
+        </dgm:shape>
+        <dgm:presOf/>
+        <dgm:constrLst/>
+        <dgm:ruleLst/>
+      </dgm:layoutNode>
+      <dgm:layoutNode name="childText" styleLbl="conFgAcc1">
+        <dgm:varLst>
+          <dgm:bulletEnabled val="1"/>
+        </dgm:varLst>
+        <dgm:alg type="tx">
+          <dgm:param type="stBulletLvl" val="1"/>
+        </dgm:alg>
+        <dgm:shape xmlns:r="http://schemas.openxmlformats.org/officeDocument/2006/relationships" type="rect" r:blip="" zOrderOff="-2">
+          <dgm:adjLst/>
+        </dgm:shape>
+        <dgm:presOf axis="des" ptType="node"/>
+        <dgm:constrLst>
+          <dgm:constr type="secFontSz" refType="primFontSz"/>
+        </dgm:constrLst>
+        <dgm:ruleLst>
+          <dgm:rule type="h" val="INF" fact="NaN" max="NaN"/>
+        </dgm:ruleLst>
+      </dgm:layoutNode>
+      <dgm:forEach name="Name10" axis="followSib" ptType="sibTrans" cnt="1">
+        <dgm:layoutNode name="spaceBetweenRectangles">
+          <dgm:alg type="sp"/>
+          <dgm:shape xmlns:r="http://schemas.openxmlformats.org/officeDocument/2006/relationships" r:blip="">
+            <dgm:adjLst/>
+          </dgm:shape>
+          <dgm:presOf/>
+          <dgm:constrLst/>
+          <dgm:ruleLst/>
+        </dgm:layoutNode>
+      </dgm:forEach>
+    </dgm:forEach>
+  </dgm:layoutNode>
+</dgm:layoutDef>
+</file>
+
+<file path=ppt/diagrams/layout2.xml><?xml version="1.0" encoding="utf-8"?>
+<dgm:layoutDef xmlns:dgm="http://schemas.openxmlformats.org/drawingml/2006/diagram" xmlns:a="http://schemas.openxmlformats.org/drawingml/2006/main" uniqueId="urn:microsoft.com/office/officeart/2005/8/layout/hierarchy1">
+  <dgm:title val=""/>
+  <dgm:desc val=""/>
+  <dgm:catLst>
+    <dgm:cat type="hierarchy" pri="2000"/>
+  </dgm:catLst>
+  <dgm:sampData>
+    <dgm:dataModel>
+      <dgm:ptLst>
+        <dgm:pt modelId="0" type="doc"/>
+        <dgm:pt modelId="1">
+          <dgm:prSet phldr="1"/>
+        </dgm:pt>
+        <dgm:pt modelId="2">
+          <dgm:prSet phldr="1"/>
+        </dgm:pt>
+        <dgm:pt modelId="21">
+          <dgm:prSet phldr="1"/>
+        </dgm:pt>
+        <dgm:pt modelId="22">
+          <dgm:prSet phldr="1"/>
+        </dgm:pt>
+        <dgm:pt modelId="3">
+          <dgm:prSet phldr="1"/>
+        </dgm:pt>
+        <dgm:pt modelId="31">
+          <dgm:prSet phldr="1"/>
+        </dgm:pt>
+      </dgm:ptLst>
+      <dgm:cxnLst>
+        <dgm:cxn modelId="4" srcId="0" destId="1" srcOrd="0" destOrd="0"/>
+        <dgm:cxn modelId="5" srcId="1" destId="2" srcOrd="0" destOrd="0"/>
+        <dgm:cxn modelId="6" srcId="1" destId="3" srcOrd="1" destOrd="0"/>
+        <dgm:cxn modelId="23" srcId="2" destId="21" srcOrd="0" destOrd="0"/>
+        <dgm:cxn modelId="24" srcId="2" destId="22" srcOrd="1" destOrd="0"/>
+        <dgm:cxn modelId="33" srcId="3" destId="31" srcOrd="0" destOrd="0"/>
+      </dgm:cxnLst>
+      <dgm:bg/>
+      <dgm:whole/>
+    </dgm:dataModel>
+  </dgm:sampData>
+  <dgm:styleData>
+    <dgm:dataModel>
+      <dgm:ptLst>
+        <dgm:pt modelId="0" type="doc"/>
+        <dgm:pt modelId="1"/>
+        <dgm:pt modelId="11"/>
+        <dgm:pt modelId="12"/>
+      </dgm:ptLst>
+      <dgm:cxnLst>
+        <dgm:cxn modelId="2" srcId="0" destId="1" srcOrd="0" destOrd="0"/>
+        <dgm:cxn modelId="13" srcId="1" destId="11" srcOrd="0" destOrd="0"/>
+        <dgm:cxn modelId="14" srcId="1" destId="12" srcOrd="1" destOrd="0"/>
+      </dgm:cxnLst>
+      <dgm:bg/>
+      <dgm:whole/>
+    </dgm:dataModel>
+  </dgm:styleData>
+  <dgm:clrData>
+    <dgm:dataModel>
+      <dgm:ptLst>
+        <dgm:pt modelId="0" type="doc"/>
+        <dgm:pt modelId="1"/>
+        <dgm:pt modelId="2"/>
+        <dgm:pt modelId="21"/>
+        <dgm:pt modelId="211"/>
+        <dgm:pt modelId="3"/>
+        <dgm:pt modelId="31"/>
+        <dgm:pt modelId="311"/>
+      </dgm:ptLst>
+      <dgm:cxnLst>
+        <dgm:cxn modelId="4" srcId="0" destId="1" srcOrd="0" destOrd="0"/>
+        <dgm:cxn modelId="5" srcId="1" destId="2" srcOrd="0" destOrd="0"/>
+        <dgm:cxn modelId="6" srcId="1" destId="3" srcOrd="1" destOrd="0"/>
+        <dgm:cxn modelId="23" srcId="2" destId="21" srcOrd="0" destOrd="0"/>
+        <dgm:cxn modelId="24" srcId="21" destId="211" srcOrd="0" destOrd="0"/>
+        <dgm:cxn modelId="33" srcId="3" destId="31" srcOrd="0" destOrd="0"/>
+        <dgm:cxn modelId="34" srcId="31" destId="311" srcOrd="0" destOrd="0"/>
+      </dgm:cxnLst>
+      <dgm:bg/>
+      <dgm:whole/>
+    </dgm:dataModel>
+  </dgm:clrData>
+  <dgm:layoutNode name="hierChild1">
+    <dgm:varLst>
+      <dgm:chPref val="1"/>
+      <dgm:dir/>
+      <dgm:animOne val="branch"/>
+      <dgm:animLvl val="lvl"/>
+      <dgm:resizeHandles/>
+    </dgm:varLst>
+    <dgm:choose name="Name0">
+      <dgm:if name="Name1" func="var" arg="dir" op="equ" val="norm">
+        <dgm:alg type="hierChild">
+          <dgm:param type="linDir" val="fromL"/>
+        </dgm:alg>
+      </dgm:if>
+      <dgm:else name="Name2">
+        <dgm:alg type="hierChild">
+          <dgm:param type="linDir" val="fromR"/>
+        </dgm:alg>
+      </dgm:else>
+    </dgm:choose>
+    <dgm:shape xmlns:r="http://schemas.openxmlformats.org/officeDocument/2006/relationships" r:blip="">
+      <dgm:adjLst/>
+    </dgm:shape>
+    <dgm:presOf/>
+    <dgm:constrLst>
+      <dgm:constr type="primFontSz" for="des" ptType="node" op="equ" val="65"/>
+      <dgm:constr type="w" for="des" forName="composite" refType="w"/>
+      <dgm:constr type="h" for="des" forName="composite" refType="w" refFor="des" refForName="composite" fact="0.667"/>
+      <dgm:constr type="w" for="des" forName="composite2" refType="w" refFor="des" refForName="composite"/>
+      <dgm:constr type="h" for="des" forName="composite2" refType="h" refFor="des" refForName="composite"/>
+      <dgm:constr type="w" for="des" forName="composite3" refType="w" refFor="des" refForName="composite"/>
+      <dgm:constr type="h" for="des" forName="composite3" refType="h" refFor="des" refForName="composite"/>
+      <dgm:constr type="w" for="des" forName="composite4" refType="w" refFor="des" refForName="composite"/>
+      <dgm:constr type="h" for="des" forName="composite4" refType="h" refFor="des" refForName="composite"/>
+      <dgm:constr type="w" for="des" forName="composite5" refType="w" refFor="des" refForName="composite"/>
+      <dgm:constr type="h" for="des" forName="composite5" refType="h" refFor="des" refForName="composite"/>
+      <dgm:constr type="sibSp" refType="w" refFor="des" refForName="composite" fact="0.1"/>
+      <dgm:constr type="sibSp" for="des" forName="hierChild2" refType="sibSp"/>
+      <dgm:constr type="sibSp" for="des" forName="hierChild3" refType="sibSp"/>
+      <dgm:constr type="sibSp" for="des" forName="hierChild4" refType="sibSp"/>
+      <dgm:constr type="sibSp" for="des" forName="hierChild5" refType="sibSp"/>
+      <dgm:constr type="sibSp" for="des" forName="hierChild6" refType="sibSp"/>
+      <dgm:constr type="sp" for="des" forName="hierRoot1" refType="h" refFor="des" refForName="composite" fact="0.25"/>
+      <dgm:constr type="sp" for="des" forName="hierRoot2" refType="sp" refFor="des" refForName="hierRoot1"/>
+      <dgm:constr type="sp" for="des" forName="hierRoot3" refType="sp" refFor="des" refForName="hierRoot1"/>
+      <dgm:constr type="sp" for="des" forName="hierRoot4" refType="sp" refFor="des" refForName="hierRoot1"/>
+      <dgm:constr type="sp" for="des" forName="hierRoot5" refType="sp" refFor="des" refForName="hierRoot1"/>
+    </dgm:constrLst>
+    <dgm:ruleLst/>
+    <dgm:forEach name="Name3" axis="ch">
+      <dgm:forEach name="Name4" axis="self" ptType="node">
+        <dgm:layoutNode name="hierRoot1">
+          <dgm:alg type="hierRoot"/>
+          <dgm:shape xmlns:r="http://schemas.openxmlformats.org/officeDocument/2006/relationships" r:blip="">
+            <dgm:adjLst/>
+          </dgm:shape>
+          <dgm:presOf/>
+          <dgm:constrLst>
+            <dgm:constr type="bendDist" for="des" ptType="parTrans" refType="sp" fact="0.5"/>
+          </dgm:constrLst>
+          <dgm:ruleLst/>
+          <dgm:layoutNode name="composite">
+            <dgm:alg type="composite"/>
+            <dgm:shape xmlns:r="http://schemas.openxmlformats.org/officeDocument/2006/relationships" r:blip="">
+              <dgm:adjLst/>
+            </dgm:shape>
+            <dgm:presOf/>
+            <dgm:constrLst>
+              <dgm:constr type="w" for="ch" forName="background" refType="w" fact="0.9"/>
+              <dgm:constr type="h" for="ch" forName="background" refType="w" refFor="ch" refForName="background" fact="0.635"/>
+              <dgm:constr type="t" for="ch" forName="background"/>
+              <dgm:constr type="l" for="ch" forName="background"/>
+              <dgm:constr type="w" for="ch" forName="text" refType="w" fact="0.9"/>
+              <dgm:constr type="h" for="ch" forName="text" refType="w" refFor="ch" refForName="text" fact="0.635"/>
+              <dgm:constr type="t" for="ch" forName="text" refType="w" fact="0.095"/>
+              <dgm:constr type="l" for="ch" forName="text" refType="w" fact="0.1"/>
+            </dgm:constrLst>
+            <dgm:ruleLst/>
+            <dgm:layoutNode name="background" styleLbl="node0" moveWith="text">
+              <dgm:alg type="sp"/>
+              <dgm:shape xmlns:r="http://schemas.openxmlformats.org/officeDocument/2006/relationships" type="roundRect" r:blip="">
+                <dgm:adjLst>
+                  <dgm:adj idx="1" val="0.1"/>
+                </dgm:adjLst>
+              </dgm:shape>
+              <dgm:presOf/>
+              <dgm:constrLst/>
+              <dgm:ruleLst/>
+            </dgm:layoutNode>
+            <dgm:layoutNode name="text" styleLbl="fgAcc0">
+              <dgm:varLst>
+                <dgm:chPref val="3"/>
+              </dgm:varLst>
+              <dgm:alg type="tx"/>
+              <dgm:shape xmlns:r="http://schemas.openxmlformats.org/officeDocument/2006/relationships" type="roundRect" r:blip="">
+                <dgm:adjLst>
+                  <dgm:adj idx="1" val="0.1"/>
+                </dgm:adjLst>
+              </dgm:shape>
+              <dgm:presOf axis="self"/>
+              <dgm:constrLst>
+                <dgm:constr type="tMarg" refType="primFontSz" fact="0.3"/>
+                <dgm:constr type="bMarg" refType="primFontSz" fact="0.3"/>
+                <dgm:constr type="lMarg" refType="primFontSz" fact="0.3"/>
+                <dgm:constr type="rMarg" refType="primFontSz" fact="0.3"/>
+              </dgm:constrLst>
+              <dgm:ruleLst>
+                <dgm:rule type="primFontSz" val="5" fact="NaN" max="NaN"/>
+              </dgm:ruleLst>
+            </dgm:layoutNode>
+          </dgm:layoutNode>
+          <dgm:layoutNode name="hierChild2">
+            <dgm:choose name="Name5">
+              <dgm:if name="Name6" func="var" arg="dir" op="equ" val="norm">
+                <dgm:alg type="hierChild">
+                  <dgm:param type="linDir" val="fromL"/>
+                </dgm:alg>
+              </dgm:if>
+              <dgm:else name="Name7">
+                <dgm:alg type="hierChild">
+                  <dgm:param type="linDir" val="fromR"/>
+                </dgm:alg>
+              </dgm:else>
+            </dgm:choose>
+            <dgm:shape xmlns:r="http://schemas.openxmlformats.org/officeDocument/2006/relationships" r:blip="">
+              <dgm:adjLst/>
+            </dgm:shape>
+            <dgm:presOf/>
+            <dgm:constrLst/>
+            <dgm:ruleLst/>
+            <dgm:forEach name="Name8" axis="ch">
+              <dgm:forEach name="Name9" axis="self" ptType="parTrans" cnt="1">
+                <dgm:layoutNode name="Name10">
+                  <dgm:alg type="conn">
+                    <dgm:param type="dim" val="1D"/>
+                    <dgm:param type="endSty" val="noArr"/>
+                    <dgm:param type="connRout" val="bend"/>
+                    <dgm:param type="bendPt" val="end"/>
+                    <dgm:param type="begPts" val="bCtr"/>
+                    <dgm:param type="endPts" val="tCtr"/>
+                    <dgm:param type="srcNode" val="background"/>
+                    <dgm:param type="dstNode" val="background2"/>
+                  </dgm:alg>
+                  <dgm:shape xmlns:r="http://schemas.openxmlformats.org/officeDocument/2006/relationships" type="conn" r:blip="" zOrderOff="-999">
+                    <dgm:adjLst/>
+                  </dgm:shape>
+                  <dgm:presOf axis="self"/>
+                  <dgm:constrLst>
+                    <dgm:constr type="begPad"/>
+                    <dgm:constr type="endPad"/>
+                  </dgm:constrLst>
+                  <dgm:ruleLst/>
+                </dgm:layoutNode>
+              </dgm:forEach>
+              <dgm:forEach name="Name11" axis="self" ptType="node">
+                <dgm:layoutNode name="hierRoot2">
+                  <dgm:alg type="hierRoot"/>
+                  <dgm:shape xmlns:r="http://schemas.openxmlformats.org/officeDocument/2006/relationships" r:blip="">
+                    <dgm:adjLst/>
+                  </dgm:shape>
+                  <dgm:presOf/>
+                  <dgm:constrLst>
+                    <dgm:constr type="bendDist" for="des" ptType="parTrans" refType="sp" fact="0.5"/>
+                  </dgm:constrLst>
+                  <dgm:ruleLst/>
+                  <dgm:layoutNode name="composite2">
+                    <dgm:alg type="composite"/>
+                    <dgm:shape xmlns:r="http://schemas.openxmlformats.org/officeDocument/2006/relationships" r:blip="">
+                      <dgm:adjLst/>
+                    </dgm:shape>
+                    <dgm:presOf/>
+                    <dgm:constrLst>
+                      <dgm:constr type="w" for="ch" forName="background2" refType="w" fact="0.9"/>
+                      <dgm:constr type="h" for="ch" forName="background2" refType="w" refFor="ch" refForName="background2" fact="0.635"/>
+                      <dgm:constr type="t" for="ch" forName="background2"/>
+                      <dgm:constr type="l" for="ch" forName="background2"/>
+                      <dgm:constr type="w" for="ch" forName="text2" refType="w" fact="0.9"/>
+                      <dgm:constr type="h" for="ch" forName="text2" refType="w" refFor="ch" refForName="text2" fact="0.635"/>
+                      <dgm:constr type="t" for="ch" forName="text2" refType="w" fact="0.095"/>
+                      <dgm:constr type="l" for="ch" forName="text2" refType="w" fact="0.1"/>
+                    </dgm:constrLst>
+                    <dgm:ruleLst/>
+                    <dgm:layoutNode name="background2" moveWith="text2">
+                      <dgm:alg type="sp"/>
+                      <dgm:shape xmlns:r="http://schemas.openxmlformats.org/officeDocument/2006/relationships" type="roundRect" r:blip="">
+                        <dgm:adjLst>
+                          <dgm:adj idx="1" val="0.1"/>
+                        </dgm:adjLst>
+                      </dgm:shape>
+                      <dgm:presOf/>
+                      <dgm:constrLst/>
+                      <dgm:ruleLst/>
+                    </dgm:layoutNode>
+                    <dgm:layoutNode name="text2" styleLbl="fgAcc2">
+                      <dgm:varLst>
+                        <dgm:chPref val="3"/>
+                      </dgm:varLst>
+                      <dgm:alg type="tx"/>
+                      <dgm:shape xmlns:r="http://schemas.openxmlformats.org/officeDocument/2006/relationships" type="roundRect" r:blip="">
+                        <dgm:adjLst>
+                          <dgm:adj idx="1" val="0.1"/>
+                        </dgm:adjLst>
+                      </dgm:shape>
+                      <dgm:presOf axis="self"/>
+                      <dgm:constrLst>
+                        <dgm:constr type="tMarg" refType="primFontSz" fact="0.3"/>
+                        <dgm:constr type="bMarg" refType="primFontSz" fact="0.3"/>
+                        <dgm:constr type="lMarg" refType="primFontSz" fact="0.3"/>
+                        <dgm:constr type="rMarg" refType="primFontSz" fact="0.3"/>
+                      </dgm:constrLst>
+                      <dgm:ruleLst>
+                        <dgm:rule type="primFontSz" val="5" fact="NaN" max="NaN"/>
+                      </dgm:ruleLst>
+                    </dgm:layoutNode>
+                  </dgm:layoutNode>
+                  <dgm:layoutNode name="hierChild3">
+                    <dgm:choose name="Name12">
+                      <dgm:if name="Name13" func="var" arg="dir" op="equ" val="norm">
+                        <dgm:alg type="hierChild">
+                          <dgm:param type="linDir" val="fromL"/>
+                        </dgm:alg>
+                      </dgm:if>
+                      <dgm:else name="Name14">
+                        <dgm:alg type="hierChild">
+                          <dgm:param type="linDir" val="fromR"/>
+                        </dgm:alg>
+                      </dgm:else>
+                    </dgm:choose>
+                    <dgm:shape xmlns:r="http://schemas.openxmlformats.org/officeDocument/2006/relationships" r:blip="">
+                      <dgm:adjLst/>
+                    </dgm:shape>
+                    <dgm:presOf/>
+                    <dgm:constrLst/>
+                    <dgm:ruleLst/>
+                    <dgm:forEach name="Name15" axis="ch">
+                      <dgm:forEach name="Name16" axis="self" ptType="parTrans" cnt="1">
+                        <dgm:layoutNode name="Name17">
+                          <dgm:alg type="conn">
+                            <dgm:param type="dim" val="1D"/>
+                            <dgm:param type="endSty" val="noArr"/>
+                            <dgm:param type="connRout" val="bend"/>
+                            <dgm:param type="bendPt" val="end"/>
+                            <dgm:param type="begPts" val="bCtr"/>
+                            <dgm:param type="endPts" val="tCtr"/>
+                            <dgm:param type="srcNode" val="background2"/>
+                            <dgm:param type="dstNode" val="background3"/>
+                          </dgm:alg>
+                          <dgm:shape xmlns:r="http://schemas.openxmlformats.org/officeDocument/2006/relationships" type="conn" r:blip="" zOrderOff="-999">
+                            <dgm:adjLst/>
+                          </dgm:shape>
+                          <dgm:presOf axis="self"/>
+                          <dgm:constrLst>
+                            <dgm:constr type="begPad"/>
+                            <dgm:constr type="endPad"/>
+                          </dgm:constrLst>
+                          <dgm:ruleLst/>
+                        </dgm:layoutNode>
+                      </dgm:forEach>
+                      <dgm:forEach name="Name18" axis="self" ptType="node">
+                        <dgm:layoutNode name="hierRoot3">
+                          <dgm:alg type="hierRoot"/>
+                          <dgm:shape xmlns:r="http://schemas.openxmlformats.org/officeDocument/2006/relationships" r:blip="">
+                            <dgm:adjLst/>
+                          </dgm:shape>
+                          <dgm:presOf/>
+                          <dgm:constrLst>
+                            <dgm:constr type="bendDist" for="des" ptType="parTrans" refType="sp" fact="0.5"/>
+                          </dgm:constrLst>
+                          <dgm:ruleLst/>
+                          <dgm:layoutNode name="composite3">
+                            <dgm:alg type="composite"/>
+                            <dgm:shape xmlns:r="http://schemas.openxmlformats.org/officeDocument/2006/relationships" r:blip="">
+                              <dgm:adjLst/>
+                            </dgm:shape>
+                            <dgm:presOf/>
+                            <dgm:constrLst>
+                              <dgm:constr type="w" for="ch" forName="background3" refType="w" fact="0.9"/>
+                              <dgm:constr type="h" for="ch" forName="background3" refType="w" refFor="ch" refForName="background3" fact="0.635"/>
+                              <dgm:constr type="t" for="ch" forName="background3"/>
+                              <dgm:constr type="l" for="ch" forName="background3"/>
+                              <dgm:constr type="w" for="ch" forName="text3" refType="w" fact="0.9"/>
+                              <dgm:constr type="h" for="ch" forName="text3" refType="w" refFor="ch" refForName="text3" fact="0.635"/>
+                              <dgm:constr type="t" for="ch" forName="text3" refType="w" fact="0.095"/>
+                              <dgm:constr type="l" for="ch" forName="text3" refType="w" fact="0.1"/>
+                            </dgm:constrLst>
+                            <dgm:ruleLst/>
+                            <dgm:layoutNode name="background3" moveWith="text3">
+                              <dgm:alg type="sp"/>
+                              <dgm:shape xmlns:r="http://schemas.openxmlformats.org/officeDocument/2006/relationships" type="roundRect" r:blip="">
+                                <dgm:adjLst>
+                                  <dgm:adj idx="1" val="0.1"/>
+                                </dgm:adjLst>
+                              </dgm:shape>
+                              <dgm:presOf/>
+                              <dgm:constrLst/>
+                              <dgm:ruleLst/>
+                            </dgm:layoutNode>
+                            <dgm:layoutNode name="text3" styleLbl="fgAcc3">
+                              <dgm:varLst>
+                                <dgm:chPref val="3"/>
+                              </dgm:varLst>
+                              <dgm:alg type="tx"/>
+                              <dgm:shape xmlns:r="http://schemas.openxmlformats.org/officeDocument/2006/relationships" type="roundRect" r:blip="">
+                                <dgm:adjLst>
+                                  <dgm:adj idx="1" val="0.1"/>
+                                </dgm:adjLst>
+                              </dgm:shape>
+                              <dgm:presOf axis="self"/>
+                              <dgm:constrLst>
+                                <dgm:constr type="tMarg" refType="primFontSz" fact="0.3"/>
+                                <dgm:constr type="bMarg" refType="primFontSz" fact="0.3"/>
+                                <dgm:constr type="lMarg" refType="primFontSz" fact="0.3"/>
+                                <dgm:constr type="rMarg" refType="primFontSz" fact="0.3"/>
+                              </dgm:constrLst>
+                              <dgm:ruleLst>
+                                <dgm:rule type="primFontSz" val="5" fact="NaN" max="NaN"/>
+                              </dgm:ruleLst>
+                            </dgm:layoutNode>
+                          </dgm:layoutNode>
+                          <dgm:layoutNode name="hierChild4">
+                            <dgm:choose name="Name19">
+                              <dgm:if name="Name20" func="var" arg="dir" op="equ" val="norm">
+                                <dgm:alg type="hierChild">
+                                  <dgm:param type="linDir" val="fromL"/>
+                                </dgm:alg>
+                              </dgm:if>
+                              <dgm:else name="Name21">
+                                <dgm:alg type="hierChild">
+                                  <dgm:param type="linDir" val="fromR"/>
+                                </dgm:alg>
+                              </dgm:else>
+                            </dgm:choose>
+                            <dgm:shape xmlns:r="http://schemas.openxmlformats.org/officeDocument/2006/relationships" r:blip="">
+                              <dgm:adjLst/>
+                            </dgm:shape>
+                            <dgm:presOf/>
+                            <dgm:constrLst/>
+                            <dgm:ruleLst/>
+                            <dgm:forEach name="repeat" axis="ch">
+                              <dgm:forEach name="Name22" axis="self" ptType="parTrans" cnt="1">
+                                <dgm:layoutNode name="Name23">
+                                  <dgm:choose name="Name24">
+                                    <dgm:if name="Name25" axis="self" func="depth" op="lte" val="4">
+                                      <dgm:alg type="conn">
+                                        <dgm:param type="dim" val="1D"/>
+                                        <dgm:param type="endSty" val="noArr"/>
+                                        <dgm:param type="connRout" val="bend"/>
+                                        <dgm:param type="bendPt" val="end"/>
+                                        <dgm:param type="begPts" val="bCtr"/>
+                                        <dgm:param type="endPts" val="tCtr"/>
+                                        <dgm:param type="srcNode" val="background3"/>
+                                        <dgm:param type="dstNode" val="background4"/>
+                                      </dgm:alg>
+                                    </dgm:if>
+                                    <dgm:else name="Name26">
+                                      <dgm:alg type="conn">
+                                        <dgm:param type="dim" val="1D"/>
+                                        <dgm:param type="endSty" val="noArr"/>
+                                        <dgm:param type="connRout" val="bend"/>
+                                        <dgm:param type="bendPt" val="end"/>
+                                        <dgm:param type="begPts" val="bCtr"/>
+                                        <dgm:param type="endPts" val="tCtr"/>
+                                        <dgm:param type="srcNode" val="background4"/>
+                                        <dgm:param type="dstNode" val="background4"/>
+                                      </dgm:alg>
+                                    </dgm:else>
+                                  </dgm:choose>
+                                  <dgm:shape xmlns:r="http://schemas.openxmlformats.org/officeDocument/2006/relationships" type="conn" r:blip="" zOrderOff="-999">
+                                    <dgm:adjLst/>
+                                  </dgm:shape>
+                                  <dgm:presOf axis="self"/>
+                                  <dgm:constrLst>
+                                    <dgm:constr type="begPad"/>
+                                    <dgm:constr type="endPad"/>
+                                  </dgm:constrLst>
+                                  <dgm:ruleLst/>
+                                </dgm:layoutNode>
+                              </dgm:forEach>
+                              <dgm:forEach name="Name27" axis="self" ptType="node">
+                                <dgm:layoutNode name="hierRoot4">
+                                  <dgm:alg type="hierRoot"/>
+                                  <dgm:shape xmlns:r="http://schemas.openxmlformats.org/officeDocument/2006/relationships" r:blip="">
+                                    <dgm:adjLst/>
+                                  </dgm:shape>
+                                  <dgm:presOf/>
+                                  <dgm:constrLst>
+                                    <dgm:constr type="bendDist" for="des" ptType="parTrans" refType="sp" fact="0.5"/>
+                                  </dgm:constrLst>
+                                  <dgm:ruleLst/>
+                                  <dgm:layoutNode name="composite4">
+                                    <dgm:alg type="composite"/>
+                                    <dgm:shape xmlns:r="http://schemas.openxmlformats.org/officeDocument/2006/relationships" r:blip="">
+                                      <dgm:adjLst/>
+                                    </dgm:shape>
+                                    <dgm:presOf/>
+                                    <dgm:constrLst>
+                                      <dgm:constr type="w" for="ch" forName="background4" refType="w" fact="0.9"/>
+                                      <dgm:constr type="h" for="ch" forName="background4" refType="w" refFor="ch" refForName="background4" fact="0.635"/>
+                                      <dgm:constr type="t" for="ch" forName="background4"/>
+                                      <dgm:constr type="l" for="ch" forName="background4"/>
+                                      <dgm:constr type="w" for="ch" forName="text4" refType="w" fact="0.9"/>
+                                      <dgm:constr type="h" for="ch" forName="text4" refType="w" refFor="ch" refForName="text4" fact="0.635"/>
+                                      <dgm:constr type="t" for="ch" forName="text4" refType="w" fact="0.095"/>
+                                      <dgm:constr type="l" for="ch" forName="text4" refType="w" fact="0.1"/>
+                                    </dgm:constrLst>
+                                    <dgm:ruleLst/>
+                                    <dgm:layoutNode name="background4" moveWith="text4">
+                                      <dgm:alg type="sp"/>
+                                      <dgm:shape xmlns:r="http://schemas.openxmlformats.org/officeDocument/2006/relationships" type="roundRect" r:blip="">
+                                        <dgm:adjLst>
+                                          <dgm:adj idx="1" val="0.1"/>
+                                        </dgm:adjLst>
+                                      </dgm:shape>
+                                      <dgm:presOf/>
+                                      <dgm:constrLst/>
+                                      <dgm:ruleLst/>
+                                    </dgm:layoutNode>
+                                    <dgm:layoutNode name="text4" styleLbl="fgAcc4">
+                                      <dgm:varLst>
+                                        <dgm:chPref val="3"/>
+                                      </dgm:varLst>
+                                      <dgm:alg type="tx"/>
+                                      <dgm:shape xmlns:r="http://schemas.openxmlformats.org/officeDocument/2006/relationships" type="roundRect" r:blip="">
+                                        <dgm:adjLst>
+                                          <dgm:adj idx="1" val="0.1"/>
+                                        </dgm:adjLst>
+                                      </dgm:shape>
+                                      <dgm:presOf axis="self"/>
+                                      <dgm:constrLst>
+                                        <dgm:constr type="tMarg" refType="primFontSz" fact="0.3"/>
+                                        <dgm:constr type="bMarg" refType="primFontSz" fact="0.3"/>
+                                        <dgm:constr type="lMarg" refType="primFontSz" fact="0.3"/>
+                                        <dgm:constr type="rMarg" refType="primFontSz" fact="0.3"/>
+                                      </dgm:constrLst>
+                                      <dgm:ruleLst>
+                                        <dgm:rule type="primFontSz" val="5" fact="NaN" max="NaN"/>
+                                      </dgm:ruleLst>
+                                    </dgm:layoutNode>
+                                  </dgm:layoutNode>
+                                  <dgm:layoutNode name="hierChild5">
+                                    <dgm:choose name="Name28">
+                                      <dgm:if name="Name29" func="var" arg="dir" op="equ" val="norm">
+                                        <dgm:alg type="hierChild">
+                                          <dgm:param type="linDir" val="fromL"/>
+                                        </dgm:alg>
+                                      </dgm:if>
+                                      <dgm:else name="Name30">
+                                        <dgm:alg type="hierChild">
+                                          <dgm:param type="linDir" val="fromR"/>
+                                        </dgm:alg>
+                                      </dgm:else>
+                                    </dgm:choose>
+                                    <dgm:shape xmlns:r="http://schemas.openxmlformats.org/officeDocument/2006/relationships" r:blip="">
+                                      <dgm:adjLst/>
+                                    </dgm:shape>
+                                    <dgm:presOf/>
+                                    <dgm:constrLst/>
+                                    <dgm:ruleLst/>
+                                    <dgm:forEach name="Name31" ref="repeat"/>
+                                  </dgm:layoutNode>
+                                </dgm:layoutNode>
+                              </dgm:forEach>
+                            </dgm:forEach>
+                          </dgm:layoutNode>
+                        </dgm:layoutNode>
+                      </dgm:forEach>
+                    </dgm:forEach>
+                  </dgm:layoutNode>
+                </dgm:layoutNode>
+              </dgm:forEach>
+            </dgm:forEach>
+          </dgm:layoutNode>
+        </dgm:layoutNode>
+      </dgm:forEach>
+    </dgm:forEach>
+  </dgm:layoutNode>
+</dgm:layoutDef>
+</file>
+
+<file path=ppt/diagrams/quickStyle1.xml><?xml version="1.0" encoding="utf-8"?>
+<dgm:styleDef xmlns:dgm="http://schemas.openxmlformats.org/drawingml/2006/diagram" xmlns:a="http://schemas.openxmlformats.org/drawingml/2006/main" uniqueId="urn:microsoft.com/office/officeart/2005/8/quickstyle/simple1">
+  <dgm:title val=""/>
+  <dgm:desc val=""/>
+  <dgm:catLst>
+    <dgm:cat type="simple" pri="10100"/>
+  </dgm:catLst>
+  <dgm:scene3d>
+    <a:camera prst="orthographicFront"/>
+    <a:lightRig rig="threePt" dir="t"/>
+  </dgm:scene3d>
+  <dgm:styleLbl name="node0">
+    <dgm:scene3d>
+      <a:camera prst="orthographicFront"/>
+      <a:lightRig rig="threePt" dir="t"/>
+    </dgm:scene3d>
+    <dgm:sp3d/>
+    <dgm:txPr/>
+    <dgm:style>
+      <a:lnRef idx="2">
+        <a:scrgbClr r="0" g="0" b="0"/>
+      </a:lnRef>
+      <a:fillRef idx="1">
+        <a:scrgbClr r="0" g="0" b="0"/>
+      </a:fillRef>
+      <a:effectRef idx="0">
+        <a:scrgbClr r="0" g="0" b="0"/>
+      </a:effectRef>
+      <a:fontRef idx="minor">
+        <a:schemeClr val="lt1"/>
+      </a:fontRef>
+    </dgm:style>
+  </dgm:styleLbl>
+  <dgm:styleLbl name="lnNode1">
+    <dgm:scene3d>
+      <a:camera prst="orthographicFront"/>
+      <a:lightRig rig="threePt" dir="t"/>
+    </dgm:scene3d>
+    <dgm:sp3d/>
+    <dgm:txPr/>
+    <dgm:style>
+      <a:lnRef idx="2">
+        <a:scrgbClr r="0" g="0" b="0"/>
+      </a:lnRef>
+      <a:fillRef idx="1">
+        <a:scrgbClr r="0" g="0" b="0"/>
+      </a:fillRef>
+      <a:effectRef idx="0">
+        <a:scrgbClr r="0" g="0" b="0"/>
+      </a:effectRef>
+      <a:fontRef idx="minor">
+        <a:schemeClr val="lt1"/>
+      </a:fontRef>
+    </dgm:style>
+  </dgm:styleLbl>
+  <dgm:styleLbl name="vennNode1">
+    <dgm:scene3d>
+      <a:camera prst="orthographicFront"/>
+      <a:lightRig rig="threePt" dir="t"/>
+    </dgm:scene3d>
+    <dgm:sp3d/>
+    <dgm:txPr/>
+    <dgm:style>
+      <a:lnRef idx="2">
+        <a:scrgbClr r="0" g="0" b="0"/>
+      </a:lnRef>
+      <a:fillRef idx="1">
+        <a:scrgbClr r="0" g="0" b="0"/>
+      </a:fillRef>
+      <a:effectRef idx="0">
+        <a:scrgbClr r="0" g="0" b="0"/>
+      </a:effectRef>
+      <a:fontRef idx="minor">
+        <a:schemeClr val="tx1"/>
+      </a:fontRef>
+    </dgm:style>
+  </dgm:styleLbl>
+  <dgm:styleLbl name="alignNode1">
+    <dgm:scene3d>
+      <a:camera prst="orthographicFront"/>
+      <a:lightRig rig="threePt" dir="t"/>
+    </dgm:scene3d>
+    <dgm:sp3d/>
+    <dgm:txPr/>
+    <dgm:style>
+      <a:lnRef idx="2">
+        <a:scrgbClr r="0" g="0" b="0"/>
+      </a:lnRef>
+      <a:fillRef idx="1">
+        <a:scrgbClr r="0" g="0" b="0"/>
+      </a:fillRef>
+      <a:effectRef idx="0">
+        <a:scrgbClr r="0" g="0" b="0"/>
+      </a:effectRef>
+      <a:fontRef idx="minor">
+        <a:schemeClr val="lt1"/>
+      </a:fontRef>
+    </dgm:style>
+  </dgm:styleLbl>
+  <dgm:styleLbl name="node1">
+    <dgm:scene3d>
+      <a:camera prst="orthographicFront"/>
+      <a:lightRig rig="threePt" dir="t"/>
+    </dgm:scene3d>
+    <dgm:sp3d/>
+    <dgm:txPr/>
+    <dgm:style>
+      <a:lnRef idx="2">
+        <a:scrgbClr r="0" g="0" b="0"/>
+      </a:lnRef>
+      <a:fillRef idx="1">
+        <a:scrgbClr r="0" g="0" b="0"/>
+      </a:fillRef>
+      <a:effectRef idx="0">
+        <a:scrgbClr r="0" g="0" b="0"/>
+      </a:effectRef>
+      <a:fontRef idx="minor">
+        <a:schemeClr val="lt1"/>
+      </a:fontRef>
+    </dgm:style>
+  </dgm:styleLbl>
+  <dgm:styleLbl name="node2">
+    <dgm:scene3d>
+      <a:camera prst="orthographicFront"/>
+      <a:lightRig rig="threePt" dir="t"/>
+    </dgm:scene3d>
+    <dgm:sp3d/>
+    <dgm:txPr/>
+    <dgm:style>
+      <a:lnRef idx="2">
+        <a:scrgbClr r="0" g="0" b="0"/>
+      </a:lnRef>
+      <a:fillRef idx="1">
+        <a:scrgbClr r="0" g="0" b="0"/>
+      </a:fillRef>
+      <a:effectRef idx="0">
+        <a:scrgbClr r="0" g="0" b="0"/>
+      </a:effectRef>
+      <a:fontRef idx="minor">
+        <a:schemeClr val="lt1"/>
+      </a:fontRef>
+    </dgm:style>
+  </dgm:styleLbl>
+  <dgm:styleLbl name="node3">
+    <dgm:scene3d>
+      <a:camera prst="orthographicFront"/>
+      <a:lightRig rig="threePt" dir="t"/>
+    </dgm:scene3d>
+    <dgm:sp3d/>
+    <dgm:txPr/>
+    <dgm:style>
+      <a:lnRef idx="2">
+        <a:scrgbClr r="0" g="0" b="0"/>
+      </a:lnRef>
+      <a:fillRef idx="1">
+        <a:scrgbClr r="0" g="0" b="0"/>
+      </a:fillRef>
+      <a:effectRef idx="0">
+        <a:scrgbClr r="0" g="0" b="0"/>
+      </a:effectRef>
+      <a:fontRef idx="minor">
+        <a:schemeClr val="lt1"/>
+      </a:fontRef>
+    </dgm:style>
+  </dgm:styleLbl>
+  <dgm:styleLbl name="node4">
+    <dgm:scene3d>
+      <a:camera prst="orthographicFront"/>
+      <a:lightRig rig="threePt" dir="t"/>
+    </dgm:scene3d>
+    <dgm:sp3d/>
+    <dgm:txPr/>
+    <dgm:style>
+      <a:lnRef idx="2">
+        <a:scrgbClr r="0" g="0" b="0"/>
+      </a:lnRef>
+      <a:fillRef idx="1">
+        <a:scrgbClr r="0" g="0" b="0"/>
+      </a:fillRef>
+      <a:effectRef idx="0">
+        <a:scrgbClr r="0" g="0" b="0"/>
+      </a:effectRef>
+      <a:fontRef idx="minor">
+        <a:schemeClr val="lt1"/>
+      </a:fontRef>
+    </dgm:style>
+  </dgm:styleLbl>
+  <dgm:styleLbl name="fgImgPlace1">
+    <dgm:scene3d>
+      <a:camera prst="orthographicFront"/>
+      <a:lightRig rig="threePt" dir="t"/>
+    </dgm:scene3d>
+    <dgm:sp3d/>
+    <dgm:txPr/>
+    <dgm:style>
+      <a:lnRef idx="2">
+        <a:scrgbClr r="0" g="0" b="0"/>
+      </a:lnRef>
+      <a:fillRef idx="1">
+        <a:scrgbClr r="0" g="0" b="0"/>
+      </a:fillRef>
+      <a:effectRef idx="0">
+        <a:scrgbClr r="0" g="0" b="0"/>
+      </a:effectRef>
+      <a:fontRef idx="minor"/>
+    </dgm:style>
+  </dgm:styleLbl>
+  <dgm:styleLbl name="alignImgPlace1">
+    <dgm:scene3d>
+      <a:camera prst="orthographicFront"/>
+      <a:lightRig rig="threePt" dir="t"/>
+    </dgm:scene3d>
+    <dgm:sp3d/>
+    <dgm:txPr/>
+    <dgm:style>
+      <a:lnRef idx="2">
+        <a:scrgbClr r="0" g="0" b="0"/>
+      </a:lnRef>
+      <a:fillRef idx="1">
+        <a:scrgbClr r="0" g="0" b="0"/>
+      </a:fillRef>
+      <a:effectRef idx="0">
+        <a:scrgbClr r="0" g="0" b="0"/>
+      </a:effectRef>
+      <a:fontRef idx="minor"/>
+    </dgm:style>
+  </dgm:styleLbl>
+  <dgm:styleLbl name="bgImgPlace1">
+    <dgm:scene3d>
+      <a:camera prst="orthographicFront"/>
+      <a:lightRig rig="threePt" dir="t"/>
+    </dgm:scene3d>
+    <dgm:sp3d/>
+    <dgm:txPr/>
+    <dgm:style>
+      <a:lnRef idx="2">
+        <a:scrgbClr r="0" g="0" b="0"/>
+      </a:lnRef>
+      <a:fillRef idx="1">
+        <a:scrgbClr r="0" g="0" b="0"/>
+      </a:fillRef>
+      <a:effectRef idx="0">
+        <a:scrgbClr r="0" g="0" b="0"/>
+      </a:effectRef>
+      <a:fontRef idx="minor"/>
+    </dgm:style>
+  </dgm:styleLbl>
+  <dgm:styleLbl name="sibTrans2D1">
+    <dgm:scene3d>
+      <a:camera prst="orthographicFront"/>
+      <a:lightRig rig="threePt" dir="t"/>
+    </dgm:scene3d>
+    <dgm:sp3d/>
+    <dgm:txPr/>
+    <dgm:style>
+      <a:lnRef idx="0">
+        <a:scrgbClr r="0" g="0" b="0"/>
+      </a:lnRef>
+      <a:fillRef idx="1">
+        <a:scrgbClr r="0" g="0" b="0"/>
+      </a:fillRef>
+      <a:effectRef idx="0">
+        <a:scrgbClr r="0" g="0" b="0"/>
+      </a:effectRef>
+      <a:fontRef idx="minor">
+        <a:schemeClr val="lt1"/>
+      </a:fontRef>
+    </dgm:style>
+  </dgm:styleLbl>
+  <dgm:styleLbl name="fgSibTrans2D1">
+    <dgm:scene3d>
+      <a:camera prst="orthographicFront"/>
+      <a:lightRig rig="threePt" dir="t"/>
+    </dgm:scene3d>
+    <dgm:sp3d/>
+    <dgm:txPr/>
+    <dgm:style>
+      <a:lnRef idx="0">
+        <a:scrgbClr r="0" g="0" b="0"/>
+      </a:lnRef>
+      <a:fillRef idx="1">
+        <a:scrgbClr r="0" g="0" b="0"/>
+      </a:fillRef>
+      <a:effectRef idx="0">
+        <a:scrgbClr r="0" g="0" b="0"/>
+      </a:effectRef>
+      <a:fontRef idx="minor">
+        <a:schemeClr val="lt1"/>
+      </a:fontRef>
+    </dgm:style>
+  </dgm:styleLbl>
+  <dgm:styleLbl name="bgSibTrans2D1">
+    <dgm:scene3d>
+      <a:camera prst="orthographicFront"/>
+      <a:lightRig rig="threePt" dir="t"/>
+    </dgm:scene3d>
+    <dgm:sp3d/>
+    <dgm:txPr/>
+    <dgm:style>
+      <a:lnRef idx="0">
+        <a:scrgbClr r="0" g="0" b="0"/>
+      </a:lnRef>
+      <a:fillRef idx="1">
+        <a:scrgbClr r="0" g="0" b="0"/>
+      </a:fillRef>
+      <a:effectRef idx="0">
+        <a:scrgbClr r="0" g="0" b="0"/>
+      </a:effectRef>
+      <a:fontRef idx="minor">
+        <a:schemeClr val="lt1"/>
+      </a:fontRef>
+    </dgm:style>
+  </dgm:styleLbl>
+  <dgm:styleLbl name="sibTrans1D1">
+    <dgm:scene3d>
+      <a:camera prst="orthographicFront"/>
+      <a:lightRig rig="threePt" dir="t"/>
+    </dgm:scene3d>
+    <dgm:sp3d/>
+    <dgm:txPr/>
+    <dgm:style>
+      <a:lnRef idx="1">
+        <a:scrgbClr r="0" g="0" b="0"/>
+      </a:lnRef>
+      <a:fillRef idx="0">
+        <a:scrgbClr r="0" g="0" b="0"/>
+      </a:fillRef>
+      <a:effectRef idx="0">
+        <a:scrgbClr r="0" g="0" b="0"/>
+      </a:effectRef>
+      <a:fontRef idx="minor"/>
+    </dgm:style>
+  </dgm:styleLbl>
+  <dgm:styleLbl name="callout">
+    <dgm:scene3d>
+      <a:camera prst="orthographicFront"/>
+      <a:lightRig rig="threePt" dir="t"/>
+    </dgm:scene3d>
+    <dgm:sp3d/>
+    <dgm:txPr/>
+    <dgm:style>
+      <a:lnRef idx="2">
+        <a:scrgbClr r="0" g="0" b="0"/>
+      </a:lnRef>
+      <a:fillRef idx="1">
+        <a:scrgbClr r="0" g="0" b="0"/>
+      </a:fillRef>
+      <a:effectRef idx="0">
+        <a:scrgbClr r="0" g="0" b="0"/>
+      </a:effectRef>
+      <a:fontRef idx="minor"/>
+    </dgm:style>
+  </dgm:styleLbl>
+  <dgm:styleLbl name="asst0">
+    <dgm:scene3d>
+      <a:camera prst="orthographicFront"/>
+      <a:lightRig rig="threePt" dir="t"/>
+    </dgm:scene3d>
+    <dgm:sp3d/>
+    <dgm:txPr/>
+    <dgm:style>
+      <a:lnRef idx="2">
+        <a:scrgbClr r="0" g="0" b="0"/>
+      </a:lnRef>
+      <a:fillRef idx="1">
+        <a:scrgbClr r="0" g="0" b="0"/>
+      </a:fillRef>
+      <a:effectRef idx="0">
+        <a:scrgbClr r="0" g="0" b="0"/>
+      </a:effectRef>
+      <a:fontRef idx="minor">
+        <a:schemeClr val="lt1"/>
+      </a:fontRef>
+    </dgm:style>
+  </dgm:styleLbl>
+  <dgm:styleLbl name="asst1">
+    <dgm:scene3d>
+      <a:camera prst="orthographicFront"/>
+      <a:lightRig rig="threePt" dir="t"/>
+    </dgm:scene3d>
+    <dgm:sp3d/>
+    <dgm:txPr/>
+    <dgm:style>
+      <a:lnRef idx="2">
+        <a:scrgbClr r="0" g="0" b="0"/>
+      </a:lnRef>
+      <a:fillRef idx="1">
+        <a:scrgbClr r="0" g="0" b="0"/>
+      </a:fillRef>
+      <a:effectRef idx="0">
+        <a:scrgbClr r="0" g="0" b="0"/>
+      </a:effectRef>
+      <a:fontRef idx="minor">
+        <a:schemeClr val="lt1"/>
+      </a:fontRef>
+    </dgm:style>
+  </dgm:styleLbl>
+  <dgm:styleLbl name="asst2">
+    <dgm:scene3d>
+      <a:camera prst="orthographicFront"/>
+      <a:lightRig rig="threePt" dir="t"/>
+    </dgm:scene3d>
+    <dgm:sp3d/>
+    <dgm:txPr/>
+    <dgm:style>
+      <a:lnRef idx="2">
+        <a:scrgbClr r="0" g="0" b="0"/>
+      </a:lnRef>
+      <a:fillRef idx="1">
+        <a:scrgbClr r="0" g="0" b="0"/>
+      </a:fillRef>
+      <a:effectRef idx="0">
+        <a:scrgbClr r="0" g="0" b="0"/>
+      </a:effectRef>
+      <a:fontRef idx="minor">
+        <a:schemeClr val="lt1"/>
+      </a:fontRef>
+    </dgm:style>
+  </dgm:styleLbl>
+  <dgm:styleLbl name="asst3">
+    <dgm:scene3d>
+      <a:camera prst="orthographicFront"/>
+      <a:lightRig rig="threePt" dir="t"/>
+    </dgm:scene3d>
+    <dgm:sp3d/>
+    <dgm:txPr/>
+    <dgm:style>
+      <a:lnRef idx="2">
+        <a:scrgbClr r="0" g="0" b="0"/>
+      </a:lnRef>
+      <a:fillRef idx="1">
+        <a:scrgbClr r="0" g="0" b="0"/>
+      </a:fillRef>
+      <a:effectRef idx="0">
+        <a:scrgbClr r="0" g="0" b="0"/>
+      </a:effectRef>
+      <a:fontRef idx="minor">
+        <a:schemeClr val="lt1"/>
+      </a:fontRef>
+    </dgm:style>
+  </dgm:styleLbl>
+  <dgm:styleLbl name="asst4">
+    <dgm:scene3d>
+      <a:camera prst="orthographicFront"/>
+      <a:lightRig rig="threePt" dir="t"/>
+    </dgm:scene3d>
+    <dgm:sp3d/>
+    <dgm:txPr/>
+    <dgm:style>
+      <a:lnRef idx="2">
+        <a:scrgbClr r="0" g="0" b="0"/>
+      </a:lnRef>
+      <a:fillRef idx="1">
+        <a:scrgbClr r="0" g="0" b="0"/>
+      </a:fillRef>
+      <a:effectRef idx="0">
+        <a:scrgbClr r="0" g="0" b="0"/>
+      </a:effectRef>
+      <a:fontRef idx="minor">
+        <a:schemeClr val="lt1"/>
+      </a:fontRef>
+    </dgm:style>
+  </dgm:styleLbl>
+  <dgm:styleLbl name="parChTrans2D1">
+    <dgm:scene3d>
+      <a:camera prst="orthographicFront"/>
+      <a:lightRig rig="threePt" dir="t"/>
+    </dgm:scene3d>
+    <dgm:sp3d/>
+    <dgm:txPr/>
+    <dgm:style>
+      <a:lnRef idx="2">
+        <a:scrgbClr r="0" g="0" b="0"/>
+      </a:lnRef>
+      <a:fillRef idx="1">
+        <a:scrgbClr r="0" g="0" b="0"/>
+      </a:fillRef>
+      <a:effectRef idx="0">
+        <a:scrgbClr r="0" g="0" b="0"/>
+      </a:effectRef>
+      <a:fontRef idx="minor">
+        <a:schemeClr val="lt1"/>
+      </a:fontRef>
+    </dgm:style>
+  </dgm:styleLbl>
+  <dgm:styleLbl name="parChTrans2D2">
+    <dgm:scene3d>
+      <a:camera prst="orthographicFront"/>
+      <a:lightRig rig="threePt" dir="t"/>
+    </dgm:scene3d>
+    <dgm:sp3d/>
+    <dgm:txPr/>
+    <dgm:style>
+      <a:lnRef idx="2">
+        <a:scrgbClr r="0" g="0" b="0"/>
+      </a:lnRef>
+      <a:fillRef idx="1">
+        <a:scrgbClr r="0" g="0" b="0"/>
+      </a:fillRef>
+      <a:effectRef idx="0">
+        <a:scrgbClr r="0" g="0" b="0"/>
+      </a:effectRef>
+      <a:fontRef idx="minor">
+        <a:schemeClr val="lt1"/>
+      </a:fontRef>
+    </dgm:style>
+  </dgm:styleLbl>
+  <dgm:styleLbl name="parChTrans2D3">
+    <dgm:scene3d>
+      <a:camera prst="orthographicFront"/>
+      <a:lightRig rig="threePt" dir="t"/>
+    </dgm:scene3d>
+    <dgm:sp3d/>
+    <dgm:txPr/>
+    <dgm:style>
+      <a:lnRef idx="2">
+        <a:scrgbClr r="0" g="0" b="0"/>
+      </a:lnRef>
+      <a:fillRef idx="1">
+        <a:scrgbClr r="0" g="0" b="0"/>
+      </a:fillRef>
+      <a:effectRef idx="0">
+        <a:scrgbClr r="0" g="0" b="0"/>
+      </a:effectRef>
+      <a:fontRef idx="minor">
+        <a:schemeClr val="lt1"/>
+      </a:fontRef>
+    </dgm:style>
+  </dgm:styleLbl>
+  <dgm:styleLbl name="parChTrans2D4">
+    <dgm:scene3d>
+      <a:camera prst="orthographicFront"/>
+      <a:lightRig rig="threePt" dir="t"/>
+    </dgm:scene3d>
+    <dgm:sp3d/>
+    <dgm:txPr/>
+    <dgm:style>
+      <a:lnRef idx="2">
+        <a:scrgbClr r="0" g="0" b="0"/>
+      </a:lnRef>
+      <a:fillRef idx="1">
+        <a:scrgbClr r="0" g="0" b="0"/>
+      </a:fillRef>
+      <a:effectRef idx="0">
+        <a:scrgbClr r="0" g="0" b="0"/>
+      </a:effectRef>
+      <a:fontRef idx="minor">
+        <a:schemeClr val="lt1"/>
+      </a:fontRef>
+    </dgm:style>
+  </dgm:styleLbl>
+  <dgm:styleLbl name="parChTrans1D1">
+    <dgm:scene3d>
+      <a:camera prst="orthographicFront"/>
+      <a:lightRig rig="threePt" dir="t"/>
+    </dgm:scene3d>
+    <dgm:sp3d/>
+    <dgm:txPr/>
+    <dgm:style>
+      <a:lnRef idx="2">
+        <a:scrgbClr r="0" g="0" b="0"/>
+      </a:lnRef>
+      <a:fillRef idx="0">
+        <a:scrgbClr r="0" g="0" b="0"/>
+      </a:fillRef>
+      <a:effectRef idx="0">
+        <a:scrgbClr r="0" g="0" b="0"/>
+      </a:effectRef>
+      <a:fontRef idx="minor"/>
+    </dgm:style>
+  </dgm:styleLbl>
+  <dgm:styleLbl name="parChTrans1D2">
+    <dgm:scene3d>
+      <a:camera prst="orthographicFront"/>
+      <a:lightRig rig="threePt" dir="t"/>
+    </dgm:scene3d>
+    <dgm:sp3d/>
+    <dgm:txPr/>
+    <dgm:style>
+      <a:lnRef idx="2">
+        <a:scrgbClr r="0" g="0" b="0"/>
+      </a:lnRef>
+      <a:fillRef idx="0">
+        <a:scrgbClr r="0" g="0" b="0"/>
+      </a:fillRef>
+      <a:effectRef idx="0">
+        <a:scrgbClr r="0" g="0" b="0"/>
+      </a:effectRef>
+      <a:fontRef idx="minor"/>
+    </dgm:style>
+  </dgm:styleLbl>
+  <dgm:styleLbl name="parChTrans1D3">
+    <dgm:scene3d>
+      <a:camera prst="orthographicFront"/>
+      <a:lightRig rig="threePt" dir="t"/>
+    </dgm:scene3d>
+    <dgm:sp3d/>
+    <dgm:txPr/>
+    <dgm:style>
+      <a:lnRef idx="2">
+        <a:scrgbClr r="0" g="0" b="0"/>
+      </a:lnRef>
+      <a:fillRef idx="0">
+        <a:scrgbClr r="0" g="0" b="0"/>
+      </a:fillRef>
+      <a:effectRef idx="0">
+        <a:scrgbClr r="0" g="0" b="0"/>
+      </a:effectRef>
+      <a:fontRef idx="minor"/>
+    </dgm:style>
+  </dgm:styleLbl>
+  <dgm:styleLbl name="parChTrans1D4">
+    <dgm:scene3d>
+      <a:camera prst="orthographicFront"/>
+      <a:lightRig rig="threePt" dir="t"/>
+    </dgm:scene3d>
+    <dgm:sp3d/>
+    <dgm:txPr/>
+    <dgm:style>
+      <a:lnRef idx="2">
+        <a:scrgbClr r="0" g="0" b="0"/>
+      </a:lnRef>
+      <a:fillRef idx="0">
+        <a:scrgbClr r="0" g="0" b="0"/>
+      </a:fillRef>
+      <a:effectRef idx="0">
+        <a:scrgbClr r="0" g="0" b="0"/>
+      </a:effectRef>
+      <a:fontRef idx="minor"/>
+    </dgm:style>
+  </dgm:styleLbl>
+  <dgm:styleLbl name="fgAcc1">
+    <dgm:scene3d>
+      <a:camera prst="orthographicFront"/>
+      <a:lightRig rig="threePt" dir="t"/>
+    </dgm:scene3d>
+    <dgm:sp3d/>
+    <dgm:txPr/>
+    <dgm:style>
+      <a:lnRef idx="2">
+        <a:scrgbClr r="0" g="0" b="0"/>
+      </a:lnRef>
+      <a:fillRef idx="1">
+        <a:scrgbClr r="0" g="0" b="0"/>
+      </a:fillRef>
+      <a:effectRef idx="0">
+        <a:scrgbClr r="0" g="0" b="0"/>
+      </a:effectRef>
+      <a:fontRef idx="minor"/>
+    </dgm:style>
+  </dgm:styleLbl>
+  <dgm:styleLbl name="conFgAcc1">
+    <dgm:scene3d>
+      <a:camera prst="orthographicFront"/>
+      <a:lightRig rig="threePt" dir="t"/>
+    </dgm:scene3d>
+    <dgm:sp3d/>
+    <dgm:txPr/>
+    <dgm:style>
+      <a:lnRef idx="2">
+        <a:scrgbClr r="0" g="0" b="0"/>
+      </a:lnRef>
+      <a:fillRef idx="1">
+        <a:scrgbClr r="0" g="0" b="0"/>
+      </a:fillRef>
+      <a:effectRef idx="0">
+        <a:scrgbClr r="0" g="0" b="0"/>
+      </a:effectRef>
+      <a:fontRef idx="minor"/>
+    </dgm:style>
+  </dgm:styleLbl>
+  <dgm:styleLbl name="alignAcc1">
+    <dgm:scene3d>
+      <a:camera prst="orthographicFront"/>
+      <a:lightRig rig="threePt" dir="t"/>
+    </dgm:scene3d>
+    <dgm:sp3d/>
+    <dgm:txPr/>
+    <dgm:style>
+      <a:lnRef idx="2">
+        <a:scrgbClr r="0" g="0" b="0"/>
+      </a:lnRef>
+      <a:fillRef idx="1">
+        <a:scrgbClr r="0" g="0" b="0"/>
+      </a:fillRef>
+      <a:effectRef idx="0">
+        <a:scrgbClr r="0" g="0" b="0"/>
+      </a:effectRef>
+      <a:fontRef idx="minor"/>
+    </dgm:style>
+  </dgm:styleLbl>
+  <dgm:styleLbl name="trAlignAcc1">
+    <dgm:scene3d>
+      <a:camera prst="orthographicFront"/>
+      <a:lightRig rig="threePt" dir="t"/>
+    </dgm:scene3d>
+    <dgm:sp3d/>
+    <dgm:txPr/>
+    <dgm:style>
+      <a:lnRef idx="1">
+        <a:scrgbClr r="0" g="0" b="0"/>
+      </a:lnRef>
+      <a:fillRef idx="1">
+        <a:scrgbClr r="0" g="0" b="0"/>
+      </a:fillRef>
+      <a:effectRef idx="0">
+        <a:scrgbClr r="0" g="0" b="0"/>
+      </a:effectRef>
+      <a:fontRef idx="minor"/>
+    </dgm:style>
+  </dgm:styleLbl>
+  <dgm:styleLbl name="bgAcc1">
+    <dgm:scene3d>
+      <a:camera prst="orthographicFront"/>
+      <a:lightRig rig="threePt" dir="t"/>
+    </dgm:scene3d>
+    <dgm:sp3d/>
+    <dgm:txPr/>
+    <dgm:style>
+      <a:lnRef idx="2">
+        <a:scrgbClr r="0" g="0" b="0"/>
+      </a:lnRef>
+      <a:fillRef idx="1">
+        <a:scrgbClr r="0" g="0" b="0"/>
+      </a:fillRef>
+      <a:effectRef idx="0">
+        <a:scrgbClr r="0" g="0" b="0"/>
+      </a:effectRef>
+      <a:fontRef idx="minor"/>
+    </dgm:style>
+  </dgm:styleLbl>
+  <dgm:styleLbl name="solidFgAcc1">
+    <dgm:scene3d>
+      <a:camera prst="orthographicFront"/>
+      <a:lightRig rig="threePt" dir="t"/>
+    </dgm:scene3d>
+    <dgm:sp3d/>
+    <dgm:txPr/>
+    <dgm:style>
+      <a:lnRef idx="2">
+        <a:scrgbClr r="0" g="0" b="0"/>
+      </a:lnRef>
+      <a:fillRef idx="1">
+        <a:scrgbClr r="0" g="0" b="0"/>
+      </a:fillRef>
+      <a:effectRef idx="0">
+        <a:scrgbClr r="0" g="0" b="0"/>
+      </a:effectRef>
+      <a:fontRef idx="minor"/>
+    </dgm:style>
+  </dgm:styleLbl>
+  <dgm:styleLbl name="solidAlignAcc1">
+    <dgm:scene3d>
+      <a:camera prst="orthographicFront"/>
+      <a:lightRig rig="threePt" dir="t"/>
+    </dgm:scene3d>
+    <dgm:sp3d/>
+    <dgm:txPr/>
+    <dgm:style>
+      <a:lnRef idx="2">
+        <a:scrgbClr r="0" g="0" b="0"/>
+      </a:lnRef>
+      <a:fillRef idx="1">
+        <a:scrgbClr r="0" g="0" b="0"/>
+      </a:fillRef>
+      <a:effectRef idx="0">
+        <a:scrgbClr r="0" g="0" b="0"/>
+      </a:effectRef>
+      <a:fontRef idx="minor"/>
+    </dgm:style>
+  </dgm:styleLbl>
+  <dgm:styleLbl name="solidBgAcc1">
+    <dgm:scene3d>
+      <a:camera prst="orthographicFront"/>
+      <a:lightRig rig="threePt" dir="t"/>
+    </dgm:scene3d>
+    <dgm:sp3d/>
+    <dgm:txPr/>
+    <dgm:style>
+      <a:lnRef idx="2">
+        <a:scrgbClr r="0" g="0" b="0"/>
+      </a:lnRef>
+      <a:fillRef idx="1">
+        <a:scrgbClr r="0" g="0" b="0"/>
+      </a:fillRef>
+      <a:effectRef idx="0">
+        <a:scrgbClr r="0" g="0" b="0"/>
+      </a:effectRef>
+      <a:fontRef idx="minor"/>
+    </dgm:style>
+  </dgm:styleLbl>
+  <dgm:styleLbl name="fgAccFollowNode1">
+    <dgm:scene3d>
+      <a:camera prst="orthographicFront"/>
+      <a:lightRig rig="threePt" dir="t"/>
+    </dgm:scene3d>
+    <dgm:sp3d/>
+    <dgm:txPr/>
+    <dgm:style>
+      <a:lnRef idx="2">
+        <a:scrgbClr r="0" g="0" b="0"/>
+      </a:lnRef>
+      <a:fillRef idx="1">
+        <a:scrgbClr r="0" g="0" b="0"/>
+      </a:fillRef>
+      <a:effectRef idx="0">
+        <a:scrgbClr r="0" g="0" b="0"/>
+      </a:effectRef>
+      <a:fontRef idx="minor"/>
+    </dgm:style>
+  </dgm:styleLbl>
+  <dgm:styleLbl name="alignAccFollowNode1">
+    <dgm:scene3d>
+      <a:camera prst="orthographicFront"/>
+      <a:lightRig rig="threePt" dir="t"/>
+    </dgm:scene3d>
+    <dgm:sp3d/>
+    <dgm:txPr/>
+    <dgm:style>
+      <a:lnRef idx="2">
+        <a:scrgbClr r="0" g="0" b="0"/>
+      </a:lnRef>
+      <a:fillRef idx="1">
+        <a:scrgbClr r="0" g="0" b="0"/>
+      </a:fillRef>
+      <a:effectRef idx="0">
+        <a:scrgbClr r="0" g="0" b="0"/>
+      </a:effectRef>
+      <a:fontRef idx="minor"/>
+    </dgm:style>
+  </dgm:styleLbl>
+  <dgm:styleLbl name="bgAccFollowNode1">
+    <dgm:scene3d>
+      <a:camera prst="orthographicFront"/>
+      <a:lightRig rig="threePt" dir="t"/>
+    </dgm:scene3d>
+    <dgm:sp3d/>
+    <dgm:txPr/>
+    <dgm:style>
+      <a:lnRef idx="2">
+        <a:scrgbClr r="0" g="0" b="0"/>
+      </a:lnRef>
+      <a:fillRef idx="1">
+        <a:scrgbClr r="0" g="0" b="0"/>
+      </a:fillRef>
+      <a:effectRef idx="0">
+        <a:scrgbClr r="0" g="0" b="0"/>
+      </a:effectRef>
+      <a:fontRef idx="minor"/>
+    </dgm:style>
+  </dgm:styleLbl>
+  <dgm:styleLbl name="fgAcc0">
+    <dgm:scene3d>
+      <a:camera prst="orthographicFront"/>
+      <a:lightRig rig="threePt" dir="t"/>
+    </dgm:scene3d>
+    <dgm:sp3d/>
+    <dgm:txPr/>
+    <dgm:style>
+      <a:lnRef idx="2">
+        <a:scrgbClr r="0" g="0" b="0"/>
+      </a:lnRef>
+      <a:fillRef idx="1">
+        <a:scrgbClr r="0" g="0" b="0"/>
+      </a:fillRef>
+      <a:effectRef idx="0">
+        <a:scrgbClr r="0" g="0" b="0"/>
+      </a:effectRef>
+      <a:fontRef idx="minor"/>
+    </dgm:style>
+  </dgm:styleLbl>
+  <dgm:styleLbl name="fgAcc2">
+    <dgm:scene3d>
+      <a:camera prst="orthographicFront"/>
+      <a:lightRig rig="threePt" dir="t"/>
+    </dgm:scene3d>
+    <dgm:sp3d/>
+    <dgm:txPr/>
+    <dgm:style>
+      <a:lnRef idx="2">
+        <a:scrgbClr r="0" g="0" b="0"/>
+      </a:lnRef>
+      <a:fillRef idx="1">
+        <a:scrgbClr r="0" g="0" b="0"/>
+      </a:fillRef>
+      <a:effectRef idx="0">
+        <a:scrgbClr r="0" g="0" b="0"/>
+      </a:effectRef>
+      <a:fontRef idx="minor"/>
+    </dgm:style>
+  </dgm:styleLbl>
+  <dgm:styleLbl name="fgAcc3">
+    <dgm:scene3d>
+      <a:camera prst="orthographicFront"/>
+      <a:lightRig rig="threePt" dir="t"/>
+    </dgm:scene3d>
+    <dgm:sp3d/>
+    <dgm:txPr/>
+    <dgm:style>
+      <a:lnRef idx="2">
+        <a:scrgbClr r="0" g="0" b="0"/>
+      </a:lnRef>
+      <a:fillRef idx="1">
+        <a:scrgbClr r="0" g="0" b="0"/>
+      </a:fillRef>
+      <a:effectRef idx="0">
+        <a:scrgbClr r="0" g="0" b="0"/>
+      </a:effectRef>
+      <a:fontRef idx="minor"/>
+    </dgm:style>
+  </dgm:styleLbl>
+  <dgm:styleLbl name="fgAcc4">
+    <dgm:scene3d>
+      <a:camera prst="orthographicFront"/>
+      <a:lightRig rig="threePt" dir="t"/>
+    </dgm:scene3d>
+    <dgm:sp3d/>
+    <dgm:txPr/>
+    <dgm:style>
+      <a:lnRef idx="2">
+        <a:scrgbClr r="0" g="0" b="0"/>
+      </a:lnRef>
+      <a:fillRef idx="1">
+        <a:scrgbClr r="0" g="0" b="0"/>
+      </a:fillRef>
+      <a:effectRef idx="0">
+        <a:scrgbClr r="0" g="0" b="0"/>
+      </a:effectRef>
+      <a:fontRef idx="minor"/>
+    </dgm:style>
+  </dgm:styleLbl>
+  <dgm:styleLbl name="bgShp">
+    <dgm:scene3d>
+      <a:camera prst="orthographicFront"/>
+      <a:lightRig rig="threePt" dir="t"/>
+    </dgm:scene3d>
+    <dgm:sp3d/>
+    <dgm:txPr/>
+    <dgm:style>
+      <a:lnRef idx="0">
+        <a:scrgbClr r="0" g="0" b="0"/>
+      </a:lnRef>
+      <a:fillRef idx="1">
+        <a:scrgbClr r="0" g="0" b="0"/>
+      </a:fillRef>
+      <a:effectRef idx="0">
+        <a:scrgbClr r="0" g="0" b="0"/>
+      </a:effectRef>
+      <a:fontRef idx="minor"/>
+    </dgm:style>
+  </dgm:styleLbl>
+  <dgm:styleLbl name="dkBgShp">
+    <dgm:scene3d>
+      <a:camera prst="orthographicFront"/>
+      <a:lightRig rig="threePt" dir="t"/>
+    </dgm:scene3d>
+    <dgm:sp3d/>
+    <dgm:txPr/>
+    <dgm:style>
+      <a:lnRef idx="0">
+        <a:scrgbClr r="0" g="0" b="0"/>
+      </a:lnRef>
+      <a:fillRef idx="1">
+        <a:scrgbClr r="0" g="0" b="0"/>
+      </a:fillRef>
+      <a:effectRef idx="0">
+        <a:scrgbClr r="0" g="0" b="0"/>
+      </a:effectRef>
+      <a:fontRef idx="minor"/>
+    </dgm:style>
+  </dgm:styleLbl>
+  <dgm:styleLbl name="trBgShp">
+    <dgm:scene3d>
+      <a:camera prst="orthographicFront"/>
+      <a:lightRig rig="threePt" dir="t"/>
+    </dgm:scene3d>
+    <dgm:sp3d/>
+    <dgm:txPr/>
+    <dgm:style>
+      <a:lnRef idx="0">
+        <a:scrgbClr r="0" g="0" b="0"/>
+      </a:lnRef>
+      <a:fillRef idx="1">
+        <a:scrgbClr r="0" g="0" b="0"/>
+      </a:fillRef>
+      <a:effectRef idx="0">
+        <a:scrgbClr r="0" g="0" b="0"/>
+      </a:effectRef>
+      <a:fontRef idx="minor"/>
+    </dgm:style>
+  </dgm:styleLbl>
+  <dgm:styleLbl name="fgShp">
+    <dgm:scene3d>
+      <a:camera prst="orthographicFront"/>
+      <a:lightRig rig="threePt" dir="t"/>
+    </dgm:scene3d>
+    <dgm:sp3d/>
+    <dgm:txPr/>
+    <dgm:style>
+      <a:lnRef idx="2">
+        <a:scrgbClr r="0" g="0" b="0"/>
+      </a:lnRef>
+      <a:fillRef idx="1">
+        <a:scrgbClr r="0" g="0" b="0"/>
+      </a:fillRef>
+      <a:effectRef idx="0">
+        <a:scrgbClr r="0" g="0" b="0"/>
+      </a:effectRef>
+      <a:fontRef idx="minor"/>
+    </dgm:style>
+  </dgm:styleLbl>
+  <dgm:styleLbl name="revTx">
+    <dgm:scene3d>
+      <a:camera prst="orthographicFront"/>
+      <a:lightRig rig="threePt" dir="t"/>
+    </dgm:scene3d>
+    <dgm:sp3d/>
+    <dgm:txPr/>
+    <dgm:style>
+      <a:lnRef idx="0">
+        <a:scrgbClr r="0" g="0" b="0"/>
+      </a:lnRef>
+      <a:fillRef idx="0">
+        <a:scrgbClr r="0" g="0" b="0"/>
+      </a:fillRef>
+      <a:effectRef idx="0">
+        <a:scrgbClr r="0" g="0" b="0"/>
+      </a:effectRef>
+      <a:fontRef idx="minor"/>
+    </dgm:style>
+  </dgm:styleLbl>
+</dgm:styleDef>
+</file>
+
+<file path=ppt/diagrams/quickStyle2.xml><?xml version="1.0" encoding="utf-8"?>
+<dgm:styleDef xmlns:dgm="http://schemas.openxmlformats.org/drawingml/2006/diagram" xmlns:a="http://schemas.openxmlformats.org/drawingml/2006/main" uniqueId="urn:microsoft.com/office/officeart/2005/8/quickstyle/simple1">
+  <dgm:title val=""/>
+  <dgm:desc val=""/>
+  <dgm:catLst>
+    <dgm:cat type="simple" pri="10100"/>
+  </dgm:catLst>
+  <dgm:scene3d>
+    <a:camera prst="orthographicFront"/>
+    <a:lightRig rig="threePt" dir="t"/>
+  </dgm:scene3d>
+  <dgm:styleLbl name="node0">
+    <dgm:scene3d>
+      <a:camera prst="orthographicFront"/>
+      <a:lightRig rig="threePt" dir="t"/>
+    </dgm:scene3d>
+    <dgm:sp3d/>
+    <dgm:txPr/>
+    <dgm:style>
+      <a:lnRef idx="2">
+        <a:scrgbClr r="0" g="0" b="0"/>
+      </a:lnRef>
+      <a:fillRef idx="1">
+        <a:scrgbClr r="0" g="0" b="0"/>
+      </a:fillRef>
+      <a:effectRef idx="0">
+        <a:scrgbClr r="0" g="0" b="0"/>
+      </a:effectRef>
+      <a:fontRef idx="minor">
+        <a:schemeClr val="lt1"/>
+      </a:fontRef>
+    </dgm:style>
+  </dgm:styleLbl>
+  <dgm:styleLbl name="lnNode1">
+    <dgm:scene3d>
+      <a:camera prst="orthographicFront"/>
+      <a:lightRig rig="threePt" dir="t"/>
+    </dgm:scene3d>
+    <dgm:sp3d/>
+    <dgm:txPr/>
+    <dgm:style>
+      <a:lnRef idx="2">
+        <a:scrgbClr r="0" g="0" b="0"/>
+      </a:lnRef>
+      <a:fillRef idx="1">
+        <a:scrgbClr r="0" g="0" b="0"/>
+      </a:fillRef>
+      <a:effectRef idx="0">
+        <a:scrgbClr r="0" g="0" b="0"/>
+      </a:effectRef>
+      <a:fontRef idx="minor">
+        <a:schemeClr val="lt1"/>
+      </a:fontRef>
+    </dgm:style>
+  </dgm:styleLbl>
+  <dgm:styleLbl name="vennNode1">
+    <dgm:scene3d>
+      <a:camera prst="orthographicFront"/>
+      <a:lightRig rig="threePt" dir="t"/>
+    </dgm:scene3d>
+    <dgm:sp3d/>
+    <dgm:txPr/>
+    <dgm:style>
+      <a:lnRef idx="2">
+        <a:scrgbClr r="0" g="0" b="0"/>
+      </a:lnRef>
+      <a:fillRef idx="1">
+        <a:scrgbClr r="0" g="0" b="0"/>
+      </a:fillRef>
+      <a:effectRef idx="0">
+        <a:scrgbClr r="0" g="0" b="0"/>
+      </a:effectRef>
+      <a:fontRef idx="minor">
+        <a:schemeClr val="tx1"/>
+      </a:fontRef>
+    </dgm:style>
+  </dgm:styleLbl>
+  <dgm:styleLbl name="alignNode1">
+    <dgm:scene3d>
+      <a:camera prst="orthographicFront"/>
+      <a:lightRig rig="threePt" dir="t"/>
+    </dgm:scene3d>
+    <dgm:sp3d/>
+    <dgm:txPr/>
+    <dgm:style>
+      <a:lnRef idx="2">
+        <a:scrgbClr r="0" g="0" b="0"/>
+      </a:lnRef>
+      <a:fillRef idx="1">
+        <a:scrgbClr r="0" g="0" b="0"/>
+      </a:fillRef>
+      <a:effectRef idx="0">
+        <a:scrgbClr r="0" g="0" b="0"/>
+      </a:effectRef>
+      <a:fontRef idx="minor">
+        <a:schemeClr val="lt1"/>
+      </a:fontRef>
+    </dgm:style>
+  </dgm:styleLbl>
+  <dgm:styleLbl name="node1">
+    <dgm:scene3d>
+      <a:camera prst="orthographicFront"/>
+      <a:lightRig rig="threePt" dir="t"/>
+    </dgm:scene3d>
+    <dgm:sp3d/>
+    <dgm:txPr/>
+    <dgm:style>
+      <a:lnRef idx="2">
+        <a:scrgbClr r="0" g="0" b="0"/>
+      </a:lnRef>
+      <a:fillRef idx="1">
+        <a:scrgbClr r="0" g="0" b="0"/>
+      </a:fillRef>
+      <a:effectRef idx="0">
+        <a:scrgbClr r="0" g="0" b="0"/>
+      </a:effectRef>
+      <a:fontRef idx="minor">
+        <a:schemeClr val="lt1"/>
+      </a:fontRef>
+    </dgm:style>
+  </dgm:styleLbl>
+  <dgm:styleLbl name="node2">
+    <dgm:scene3d>
+      <a:camera prst="orthographicFront"/>
+      <a:lightRig rig="threePt" dir="t"/>
+    </dgm:scene3d>
+    <dgm:sp3d/>
+    <dgm:txPr/>
+    <dgm:style>
+      <a:lnRef idx="2">
+        <a:scrgbClr r="0" g="0" b="0"/>
+      </a:lnRef>
+      <a:fillRef idx="1">
+        <a:scrgbClr r="0" g="0" b="0"/>
+      </a:fillRef>
+      <a:effectRef idx="0">
+        <a:scrgbClr r="0" g="0" b="0"/>
+      </a:effectRef>
+      <a:fontRef idx="minor">
+        <a:schemeClr val="lt1"/>
+      </a:fontRef>
+    </dgm:style>
+  </dgm:styleLbl>
+  <dgm:styleLbl name="node3">
+    <dgm:scene3d>
+      <a:camera prst="orthographicFront"/>
+      <a:lightRig rig="threePt" dir="t"/>
+    </dgm:scene3d>
+    <dgm:sp3d/>
+    <dgm:txPr/>
+    <dgm:style>
+      <a:lnRef idx="2">
+        <a:scrgbClr r="0" g="0" b="0"/>
+      </a:lnRef>
+      <a:fillRef idx="1">
+        <a:scrgbClr r="0" g="0" b="0"/>
+      </a:fillRef>
+      <a:effectRef idx="0">
+        <a:scrgbClr r="0" g="0" b="0"/>
+      </a:effectRef>
+      <a:fontRef idx="minor">
+        <a:schemeClr val="lt1"/>
+      </a:fontRef>
+    </dgm:style>
+  </dgm:styleLbl>
+  <dgm:styleLbl name="node4">
+    <dgm:scene3d>
+      <a:camera prst="orthographicFront"/>
+      <a:lightRig rig="threePt" dir="t"/>
+    </dgm:scene3d>
+    <dgm:sp3d/>
+    <dgm:txPr/>
+    <dgm:style>
+      <a:lnRef idx="2">
+        <a:scrgbClr r="0" g="0" b="0"/>
+      </a:lnRef>
+      <a:fillRef idx="1">
+        <a:scrgbClr r="0" g="0" b="0"/>
+      </a:fillRef>
+      <a:effectRef idx="0">
+        <a:scrgbClr r="0" g="0" b="0"/>
+      </a:effectRef>
+      <a:fontRef idx="minor">
+        <a:schemeClr val="lt1"/>
+      </a:fontRef>
+    </dgm:style>
+  </dgm:styleLbl>
+  <dgm:styleLbl name="fgImgPlace1">
+    <dgm:scene3d>
+      <a:camera prst="orthographicFront"/>
+      <a:lightRig rig="threePt" dir="t"/>
+    </dgm:scene3d>
+    <dgm:sp3d/>
+    <dgm:txPr/>
+    <dgm:style>
+      <a:lnRef idx="2">
+        <a:scrgbClr r="0" g="0" b="0"/>
+      </a:lnRef>
+      <a:fillRef idx="1">
+        <a:scrgbClr r="0" g="0" b="0"/>
+      </a:fillRef>
+      <a:effectRef idx="0">
+        <a:scrgbClr r="0" g="0" b="0"/>
+      </a:effectRef>
+      <a:fontRef idx="minor"/>
+    </dgm:style>
+  </dgm:styleLbl>
+  <dgm:styleLbl name="alignImgPlace1">
+    <dgm:scene3d>
+      <a:camera prst="orthographicFront"/>
+      <a:lightRig rig="threePt" dir="t"/>
+    </dgm:scene3d>
+    <dgm:sp3d/>
+    <dgm:txPr/>
+    <dgm:style>
+      <a:lnRef idx="2">
+        <a:scrgbClr r="0" g="0" b="0"/>
+      </a:lnRef>
+      <a:fillRef idx="1">
+        <a:scrgbClr r="0" g="0" b="0"/>
+      </a:fillRef>
+      <a:effectRef idx="0">
+        <a:scrgbClr r="0" g="0" b="0"/>
+      </a:effectRef>
+      <a:fontRef idx="minor"/>
+    </dgm:style>
+  </dgm:styleLbl>
+  <dgm:styleLbl name="bgImgPlace1">
+    <dgm:scene3d>
+      <a:camera prst="orthographicFront"/>
+      <a:lightRig rig="threePt" dir="t"/>
+    </dgm:scene3d>
+    <dgm:sp3d/>
+    <dgm:txPr/>
+    <dgm:style>
+      <a:lnRef idx="2">
+        <a:scrgbClr r="0" g="0" b="0"/>
+      </a:lnRef>
+      <a:fillRef idx="1">
+        <a:scrgbClr r="0" g="0" b="0"/>
+      </a:fillRef>
+      <a:effectRef idx="0">
+        <a:scrgbClr r="0" g="0" b="0"/>
+      </a:effectRef>
+      <a:fontRef idx="minor"/>
+    </dgm:style>
+  </dgm:styleLbl>
+  <dgm:styleLbl name="sibTrans2D1">
+    <dgm:scene3d>
+      <a:camera prst="orthographicFront"/>
+      <a:lightRig rig="threePt" dir="t"/>
+    </dgm:scene3d>
+    <dgm:sp3d/>
+    <dgm:txPr/>
+    <dgm:style>
+      <a:lnRef idx="0">
+        <a:scrgbClr r="0" g="0" b="0"/>
+      </a:lnRef>
+      <a:fillRef idx="1">
+        <a:scrgbClr r="0" g="0" b="0"/>
+      </a:fillRef>
+      <a:effectRef idx="0">
+        <a:scrgbClr r="0" g="0" b="0"/>
+      </a:effectRef>
+      <a:fontRef idx="minor">
+        <a:schemeClr val="lt1"/>
+      </a:fontRef>
+    </dgm:style>
+  </dgm:styleLbl>
+  <dgm:styleLbl name="fgSibTrans2D1">
+    <dgm:scene3d>
+      <a:camera prst="orthographicFront"/>
+      <a:lightRig rig="threePt" dir="t"/>
+    </dgm:scene3d>
+    <dgm:sp3d/>
+    <dgm:txPr/>
+    <dgm:style>
+      <a:lnRef idx="0">
+        <a:scrgbClr r="0" g="0" b="0"/>
+      </a:lnRef>
+      <a:fillRef idx="1">
+        <a:scrgbClr r="0" g="0" b="0"/>
+      </a:fillRef>
+      <a:effectRef idx="0">
+        <a:scrgbClr r="0" g="0" b="0"/>
+      </a:effectRef>
+      <a:fontRef idx="minor">
+        <a:schemeClr val="lt1"/>
+      </a:fontRef>
+    </dgm:style>
+  </dgm:styleLbl>
+  <dgm:styleLbl name="bgSibTrans2D1">
+    <dgm:scene3d>
+      <a:camera prst="orthographicFront"/>
+      <a:lightRig rig="threePt" dir="t"/>
+    </dgm:scene3d>
+    <dgm:sp3d/>
+    <dgm:txPr/>
+    <dgm:style>
+      <a:lnRef idx="0">
+        <a:scrgbClr r="0" g="0" b="0"/>
+      </a:lnRef>
+      <a:fillRef idx="1">
+        <a:scrgbClr r="0" g="0" b="0"/>
+      </a:fillRef>
+      <a:effectRef idx="0">
+        <a:scrgbClr r="0" g="0" b="0"/>
+      </a:effectRef>
+      <a:fontRef idx="minor">
+        <a:schemeClr val="lt1"/>
+      </a:fontRef>
+    </dgm:style>
+  </dgm:styleLbl>
+  <dgm:styleLbl name="sibTrans1D1">
+    <dgm:scene3d>
+      <a:camera prst="orthographicFront"/>
+      <a:lightRig rig="threePt" dir="t"/>
+    </dgm:scene3d>
+    <dgm:sp3d/>
+    <dgm:txPr/>
+    <dgm:style>
+      <a:lnRef idx="1">
+        <a:scrgbClr r="0" g="0" b="0"/>
+      </a:lnRef>
+      <a:fillRef idx="0">
+        <a:scrgbClr r="0" g="0" b="0"/>
+      </a:fillRef>
+      <a:effectRef idx="0">
+        <a:scrgbClr r="0" g="0" b="0"/>
+      </a:effectRef>
+      <a:fontRef idx="minor"/>
+    </dgm:style>
+  </dgm:styleLbl>
+  <dgm:styleLbl name="callout">
+    <dgm:scene3d>
+      <a:camera prst="orthographicFront"/>
+      <a:lightRig rig="threePt" dir="t"/>
+    </dgm:scene3d>
+    <dgm:sp3d/>
+    <dgm:txPr/>
+    <dgm:style>
+      <a:lnRef idx="2">
+        <a:scrgbClr r="0" g="0" b="0"/>
+      </a:lnRef>
+      <a:fillRef idx="1">
+        <a:scrgbClr r="0" g="0" b="0"/>
+      </a:fillRef>
+      <a:effectRef idx="0">
+        <a:scrgbClr r="0" g="0" b="0"/>
+      </a:effectRef>
+      <a:fontRef idx="minor"/>
+    </dgm:style>
+  </dgm:styleLbl>
+  <dgm:styleLbl name="asst0">
+    <dgm:scene3d>
+      <a:camera prst="orthographicFront"/>
+      <a:lightRig rig="threePt" dir="t"/>
+    </dgm:scene3d>
+    <dgm:sp3d/>
+    <dgm:txPr/>
+    <dgm:style>
+      <a:lnRef idx="2">
+        <a:scrgbClr r="0" g="0" b="0"/>
+      </a:lnRef>
+      <a:fillRef idx="1">
+        <a:scrgbClr r="0" g="0" b="0"/>
+      </a:fillRef>
+      <a:effectRef idx="0">
+        <a:scrgbClr r="0" g="0" b="0"/>
+      </a:effectRef>
+      <a:fontRef idx="minor">
+        <a:schemeClr val="lt1"/>
+      </a:fontRef>
+    </dgm:style>
+  </dgm:styleLbl>
+  <dgm:styleLbl name="asst1">
+    <dgm:scene3d>
+      <a:camera prst="orthographicFront"/>
+      <a:lightRig rig="threePt" dir="t"/>
+    </dgm:scene3d>
+    <dgm:sp3d/>
+    <dgm:txPr/>
+    <dgm:style>
+      <a:lnRef idx="2">
+        <a:scrgbClr r="0" g="0" b="0"/>
+      </a:lnRef>
+      <a:fillRef idx="1">
+        <a:scrgbClr r="0" g="0" b="0"/>
+      </a:fillRef>
+      <a:effectRef idx="0">
+        <a:scrgbClr r="0" g="0" b="0"/>
+      </a:effectRef>
+      <a:fontRef idx="minor">
+        <a:schemeClr val="lt1"/>
+      </a:fontRef>
+    </dgm:style>
+  </dgm:styleLbl>
+  <dgm:styleLbl name="asst2">
+    <dgm:scene3d>
+      <a:camera prst="orthographicFront"/>
+      <a:lightRig rig="threePt" dir="t"/>
+    </dgm:scene3d>
+    <dgm:sp3d/>
+    <dgm:txPr/>
+    <dgm:style>
+      <a:lnRef idx="2">
+        <a:scrgbClr r="0" g="0" b="0"/>
+      </a:lnRef>
+      <a:fillRef idx="1">
+        <a:scrgbClr r="0" g="0" b="0"/>
+      </a:fillRef>
+      <a:effectRef idx="0">
+        <a:scrgbClr r="0" g="0" b="0"/>
+      </a:effectRef>
+      <a:fontRef idx="minor">
+        <a:schemeClr val="lt1"/>
+      </a:fontRef>
+    </dgm:style>
+  </dgm:styleLbl>
+  <dgm:styleLbl name="asst3">
+    <dgm:scene3d>
+      <a:camera prst="orthographicFront"/>
+      <a:lightRig rig="threePt" dir="t"/>
+    </dgm:scene3d>
+    <dgm:sp3d/>
+    <dgm:txPr/>
+    <dgm:style>
+      <a:lnRef idx="2">
+        <a:scrgbClr r="0" g="0" b="0"/>
+      </a:lnRef>
+      <a:fillRef idx="1">
+        <a:scrgbClr r="0" g="0" b="0"/>
+      </a:fillRef>
+      <a:effectRef idx="0">
+        <a:scrgbClr r="0" g="0" b="0"/>
+      </a:effectRef>
+      <a:fontRef idx="minor">
+        <a:schemeClr val="lt1"/>
+      </a:fontRef>
+    </dgm:style>
+  </dgm:styleLbl>
+  <dgm:styleLbl name="asst4">
+    <dgm:scene3d>
+      <a:camera prst="orthographicFront"/>
+      <a:lightRig rig="threePt" dir="t"/>
+    </dgm:scene3d>
+    <dgm:sp3d/>
+    <dgm:txPr/>
+    <dgm:style>
+      <a:lnRef idx="2">
+        <a:scrgbClr r="0" g="0" b="0"/>
+      </a:lnRef>
+      <a:fillRef idx="1">
+        <a:scrgbClr r="0" g="0" b="0"/>
+      </a:fillRef>
+      <a:effectRef idx="0">
+        <a:scrgbClr r="0" g="0" b="0"/>
+      </a:effectRef>
+      <a:fontRef idx="minor">
+        <a:schemeClr val="lt1"/>
+      </a:fontRef>
+    </dgm:style>
+  </dgm:styleLbl>
+  <dgm:styleLbl name="parChTrans2D1">
+    <dgm:scene3d>
+      <a:camera prst="orthographicFront"/>
+      <a:lightRig rig="threePt" dir="t"/>
+    </dgm:scene3d>
+    <dgm:sp3d/>
+    <dgm:txPr/>
+    <dgm:style>
+      <a:lnRef idx="2">
+        <a:scrgbClr r="0" g="0" b="0"/>
+      </a:lnRef>
+      <a:fillRef idx="1">
+        <a:scrgbClr r="0" g="0" b="0"/>
+      </a:fillRef>
+      <a:effectRef idx="0">
+        <a:scrgbClr r="0" g="0" b="0"/>
+      </a:effectRef>
+      <a:fontRef idx="minor">
+        <a:schemeClr val="lt1"/>
+      </a:fontRef>
+    </dgm:style>
+  </dgm:styleLbl>
+  <dgm:styleLbl name="parChTrans2D2">
+    <dgm:scene3d>
+      <a:camera prst="orthographicFront"/>
+      <a:lightRig rig="threePt" dir="t"/>
+    </dgm:scene3d>
+    <dgm:sp3d/>
+    <dgm:txPr/>
+    <dgm:style>
+      <a:lnRef idx="2">
+        <a:scrgbClr r="0" g="0" b="0"/>
+      </a:lnRef>
+      <a:fillRef idx="1">
+        <a:scrgbClr r="0" g="0" b="0"/>
+      </a:fillRef>
+      <a:effectRef idx="0">
+        <a:scrgbClr r="0" g="0" b="0"/>
+      </a:effectRef>
+      <a:fontRef idx="minor">
+        <a:schemeClr val="lt1"/>
+      </a:fontRef>
+    </dgm:style>
+  </dgm:styleLbl>
+  <dgm:styleLbl name="parChTrans2D3">
+    <dgm:scene3d>
+      <a:camera prst="orthographicFront"/>
+      <a:lightRig rig="threePt" dir="t"/>
+    </dgm:scene3d>
+    <dgm:sp3d/>
+    <dgm:txPr/>
+    <dgm:style>
+      <a:lnRef idx="2">
+        <a:scrgbClr r="0" g="0" b="0"/>
+      </a:lnRef>
+      <a:fillRef idx="1">
+        <a:scrgbClr r="0" g="0" b="0"/>
+      </a:fillRef>
+      <a:effectRef idx="0">
+        <a:scrgbClr r="0" g="0" b="0"/>
+      </a:effectRef>
+      <a:fontRef idx="minor">
+        <a:schemeClr val="lt1"/>
+      </a:fontRef>
+    </dgm:style>
+  </dgm:styleLbl>
+  <dgm:styleLbl name="parChTrans2D4">
+    <dgm:scene3d>
+      <a:camera prst="orthographicFront"/>
+      <a:lightRig rig="threePt" dir="t"/>
+    </dgm:scene3d>
+    <dgm:sp3d/>
+    <dgm:txPr/>
+    <dgm:style>
+      <a:lnRef idx="2">
+        <a:scrgbClr r="0" g="0" b="0"/>
+      </a:lnRef>
+      <a:fillRef idx="1">
+        <a:scrgbClr r="0" g="0" b="0"/>
+      </a:fillRef>
+      <a:effectRef idx="0">
+        <a:scrgbClr r="0" g="0" b="0"/>
+      </a:effectRef>
+      <a:fontRef idx="minor">
+        <a:schemeClr val="lt1"/>
+      </a:fontRef>
+    </dgm:style>
+  </dgm:styleLbl>
+  <dgm:styleLbl name="parChTrans1D1">
+    <dgm:scene3d>
+      <a:camera prst="orthographicFront"/>
+      <a:lightRig rig="threePt" dir="t"/>
+    </dgm:scene3d>
+    <dgm:sp3d/>
+    <dgm:txPr/>
+    <dgm:style>
+      <a:lnRef idx="2">
+        <a:scrgbClr r="0" g="0" b="0"/>
+      </a:lnRef>
+      <a:fillRef idx="0">
+        <a:scrgbClr r="0" g="0" b="0"/>
+      </a:fillRef>
+      <a:effectRef idx="0">
+        <a:scrgbClr r="0" g="0" b="0"/>
+      </a:effectRef>
+      <a:fontRef idx="minor"/>
+    </dgm:style>
+  </dgm:styleLbl>
+  <dgm:styleLbl name="parChTrans1D2">
+    <dgm:scene3d>
+      <a:camera prst="orthographicFront"/>
+      <a:lightRig rig="threePt" dir="t"/>
+    </dgm:scene3d>
+    <dgm:sp3d/>
+    <dgm:txPr/>
+    <dgm:style>
+      <a:lnRef idx="2">
+        <a:scrgbClr r="0" g="0" b="0"/>
+      </a:lnRef>
+      <a:fillRef idx="0">
+        <a:scrgbClr r="0" g="0" b="0"/>
+      </a:fillRef>
+      <a:effectRef idx="0">
+        <a:scrgbClr r="0" g="0" b="0"/>
+      </a:effectRef>
+      <a:fontRef idx="minor"/>
+    </dgm:style>
+  </dgm:styleLbl>
+  <dgm:styleLbl name="parChTrans1D3">
+    <dgm:scene3d>
+      <a:camera prst="orthographicFront"/>
+      <a:lightRig rig="threePt" dir="t"/>
+    </dgm:scene3d>
+    <dgm:sp3d/>
+    <dgm:txPr/>
+    <dgm:style>
+      <a:lnRef idx="2">
+        <a:scrgbClr r="0" g="0" b="0"/>
+      </a:lnRef>
+      <a:fillRef idx="0">
+        <a:scrgbClr r="0" g="0" b="0"/>
+      </a:fillRef>
+      <a:effectRef idx="0">
+        <a:scrgbClr r="0" g="0" b="0"/>
+      </a:effectRef>
+      <a:fontRef idx="minor"/>
+    </dgm:style>
+  </dgm:styleLbl>
+  <dgm:styleLbl name="parChTrans1D4">
+    <dgm:scene3d>
+      <a:camera prst="orthographicFront"/>
+      <a:lightRig rig="threePt" dir="t"/>
+    </dgm:scene3d>
+    <dgm:sp3d/>
+    <dgm:txPr/>
+    <dgm:style>
+      <a:lnRef idx="2">
+        <a:scrgbClr r="0" g="0" b="0"/>
+      </a:lnRef>
+      <a:fillRef idx="0">
+        <a:scrgbClr r="0" g="0" b="0"/>
+      </a:fillRef>
+      <a:effectRef idx="0">
+        <a:scrgbClr r="0" g="0" b="0"/>
+      </a:effectRef>
+      <a:fontRef idx="minor"/>
+    </dgm:style>
+  </dgm:styleLbl>
+  <dgm:styleLbl name="fgAcc1">
+    <dgm:scene3d>
+      <a:camera prst="orthographicFront"/>
+      <a:lightRig rig="threePt" dir="t"/>
+    </dgm:scene3d>
+    <dgm:sp3d/>
+    <dgm:txPr/>
+    <dgm:style>
+      <a:lnRef idx="2">
+        <a:scrgbClr r="0" g="0" b="0"/>
+      </a:lnRef>
+      <a:fillRef idx="1">
+        <a:scrgbClr r="0" g="0" b="0"/>
+      </a:fillRef>
+      <a:effectRef idx="0">
+        <a:scrgbClr r="0" g="0" b="0"/>
+      </a:effectRef>
+      <a:fontRef idx="minor"/>
+    </dgm:style>
+  </dgm:styleLbl>
+  <dgm:styleLbl name="conFgAcc1">
+    <dgm:scene3d>
+      <a:camera prst="orthographicFront"/>
+      <a:lightRig rig="threePt" dir="t"/>
+    </dgm:scene3d>
+    <dgm:sp3d/>
+    <dgm:txPr/>
+    <dgm:style>
+      <a:lnRef idx="2">
+        <a:scrgbClr r="0" g="0" b="0"/>
+      </a:lnRef>
+      <a:fillRef idx="1">
+        <a:scrgbClr r="0" g="0" b="0"/>
+      </a:fillRef>
+      <a:effectRef idx="0">
+        <a:scrgbClr r="0" g="0" b="0"/>
+      </a:effectRef>
+      <a:fontRef idx="minor"/>
+    </dgm:style>
+  </dgm:styleLbl>
+  <dgm:styleLbl name="alignAcc1">
+    <dgm:scene3d>
+      <a:camera prst="orthographicFront"/>
+      <a:lightRig rig="threePt" dir="t"/>
+    </dgm:scene3d>
+    <dgm:sp3d/>
+    <dgm:txPr/>
+    <dgm:style>
+      <a:lnRef idx="2">
+        <a:scrgbClr r="0" g="0" b="0"/>
+      </a:lnRef>
+      <a:fillRef idx="1">
+        <a:scrgbClr r="0" g="0" b="0"/>
+      </a:fillRef>
+      <a:effectRef idx="0">
+        <a:scrgbClr r="0" g="0" b="0"/>
+      </a:effectRef>
+      <a:fontRef idx="minor"/>
+    </dgm:style>
+  </dgm:styleLbl>
+  <dgm:styleLbl name="trAlignAcc1">
+    <dgm:scene3d>
+      <a:camera prst="orthographicFront"/>
+      <a:lightRig rig="threePt" dir="t"/>
+    </dgm:scene3d>
+    <dgm:sp3d/>
+    <dgm:txPr/>
+    <dgm:style>
+      <a:lnRef idx="1">
+        <a:scrgbClr r="0" g="0" b="0"/>
+      </a:lnRef>
+      <a:fillRef idx="1">
+        <a:scrgbClr r="0" g="0" b="0"/>
+      </a:fillRef>
+      <a:effectRef idx="0">
+        <a:scrgbClr r="0" g="0" b="0"/>
+      </a:effectRef>
+      <a:fontRef idx="minor"/>
+    </dgm:style>
+  </dgm:styleLbl>
+  <dgm:styleLbl name="bgAcc1">
+    <dgm:scene3d>
+      <a:camera prst="orthographicFront"/>
+      <a:lightRig rig="threePt" dir="t"/>
+    </dgm:scene3d>
+    <dgm:sp3d/>
+    <dgm:txPr/>
+    <dgm:style>
+      <a:lnRef idx="2">
+        <a:scrgbClr r="0" g="0" b="0"/>
+      </a:lnRef>
+      <a:fillRef idx="1">
+        <a:scrgbClr r="0" g="0" b="0"/>
+      </a:fillRef>
+      <a:effectRef idx="0">
+        <a:scrgbClr r="0" g="0" b="0"/>
+      </a:effectRef>
+      <a:fontRef idx="minor"/>
+    </dgm:style>
+  </dgm:styleLbl>
+  <dgm:styleLbl name="solidFgAcc1">
+    <dgm:scene3d>
+      <a:camera prst="orthographicFront"/>
+      <a:lightRig rig="threePt" dir="t"/>
+    </dgm:scene3d>
+    <dgm:sp3d/>
+    <dgm:txPr/>
+    <dgm:style>
+      <a:lnRef idx="2">
+        <a:scrgbClr r="0" g="0" b="0"/>
+      </a:lnRef>
+      <a:fillRef idx="1">
+        <a:scrgbClr r="0" g="0" b="0"/>
+      </a:fillRef>
+      <a:effectRef idx="0">
+        <a:scrgbClr r="0" g="0" b="0"/>
+      </a:effectRef>
+      <a:fontRef idx="minor"/>
+    </dgm:style>
+  </dgm:styleLbl>
+  <dgm:styleLbl name="solidAlignAcc1">
+    <dgm:scene3d>
+      <a:camera prst="orthographicFront"/>
+      <a:lightRig rig="threePt" dir="t"/>
+    </dgm:scene3d>
+    <dgm:sp3d/>
+    <dgm:txPr/>
+    <dgm:style>
+      <a:lnRef idx="2">
+        <a:scrgbClr r="0" g="0" b="0"/>
+      </a:lnRef>
+      <a:fillRef idx="1">
+        <a:scrgbClr r="0" g="0" b="0"/>
+      </a:fillRef>
+      <a:effectRef idx="0">
+        <a:scrgbClr r="0" g="0" b="0"/>
+      </a:effectRef>
+      <a:fontRef idx="minor"/>
+    </dgm:style>
+  </dgm:styleLbl>
+  <dgm:styleLbl name="solidBgAcc1">
+    <dgm:scene3d>
+      <a:camera prst="orthographicFront"/>
+      <a:lightRig rig="threePt" dir="t"/>
+    </dgm:scene3d>
+    <dgm:sp3d/>
+    <dgm:txPr/>
+    <dgm:style>
+      <a:lnRef idx="2">
+        <a:scrgbClr r="0" g="0" b="0"/>
+      </a:lnRef>
+      <a:fillRef idx="1">
+        <a:scrgbClr r="0" g="0" b="0"/>
+      </a:fillRef>
+      <a:effectRef idx="0">
+        <a:scrgbClr r="0" g="0" b="0"/>
+      </a:effectRef>
+      <a:fontRef idx="minor"/>
+    </dgm:style>
+  </dgm:styleLbl>
+  <dgm:styleLbl name="fgAccFollowNode1">
+    <dgm:scene3d>
+      <a:camera prst="orthographicFront"/>
+      <a:lightRig rig="threePt" dir="t"/>
+    </dgm:scene3d>
+    <dgm:sp3d/>
+    <dgm:txPr/>
+    <dgm:style>
+      <a:lnRef idx="2">
+        <a:scrgbClr r="0" g="0" b="0"/>
+      </a:lnRef>
+      <a:fillRef idx="1">
+        <a:scrgbClr r="0" g="0" b="0"/>
+      </a:fillRef>
+      <a:effectRef idx="0">
+        <a:scrgbClr r="0" g="0" b="0"/>
+      </a:effectRef>
+      <a:fontRef idx="minor"/>
+    </dgm:style>
+  </dgm:styleLbl>
+  <dgm:styleLbl name="alignAccFollowNode1">
+    <dgm:scene3d>
+      <a:camera prst="orthographicFront"/>
+      <a:lightRig rig="threePt" dir="t"/>
+    </dgm:scene3d>
+    <dgm:sp3d/>
+    <dgm:txPr/>
+    <dgm:style>
+      <a:lnRef idx="2">
+        <a:scrgbClr r="0" g="0" b="0"/>
+      </a:lnRef>
+      <a:fillRef idx="1">
+        <a:scrgbClr r="0" g="0" b="0"/>
+      </a:fillRef>
+      <a:effectRef idx="0">
+        <a:scrgbClr r="0" g="0" b="0"/>
+      </a:effectRef>
+      <a:fontRef idx="minor"/>
+    </dgm:style>
+  </dgm:styleLbl>
+  <dgm:styleLbl name="bgAccFollowNode1">
+    <dgm:scene3d>
+      <a:camera prst="orthographicFront"/>
+      <a:lightRig rig="threePt" dir="t"/>
+    </dgm:scene3d>
+    <dgm:sp3d/>
+    <dgm:txPr/>
+    <dgm:style>
+      <a:lnRef idx="2">
+        <a:scrgbClr r="0" g="0" b="0"/>
+      </a:lnRef>
+      <a:fillRef idx="1">
+        <a:scrgbClr r="0" g="0" b="0"/>
+      </a:fillRef>
+      <a:effectRef idx="0">
+        <a:scrgbClr r="0" g="0" b="0"/>
+      </a:effectRef>
+      <a:fontRef idx="minor"/>
+    </dgm:style>
+  </dgm:styleLbl>
+  <dgm:styleLbl name="fgAcc0">
+    <dgm:scene3d>
+      <a:camera prst="orthographicFront"/>
+      <a:lightRig rig="threePt" dir="t"/>
+    </dgm:scene3d>
+    <dgm:sp3d/>
+    <dgm:txPr/>
+    <dgm:style>
+      <a:lnRef idx="2">
+        <a:scrgbClr r="0" g="0" b="0"/>
+      </a:lnRef>
+      <a:fillRef idx="1">
+        <a:scrgbClr r="0" g="0" b="0"/>
+      </a:fillRef>
+      <a:effectRef idx="0">
+        <a:scrgbClr r="0" g="0" b="0"/>
+      </a:effectRef>
+      <a:fontRef idx="minor"/>
+    </dgm:style>
+  </dgm:styleLbl>
+  <dgm:styleLbl name="fgAcc2">
+    <dgm:scene3d>
+      <a:camera prst="orthographicFront"/>
+      <a:lightRig rig="threePt" dir="t"/>
+    </dgm:scene3d>
+    <dgm:sp3d/>
+    <dgm:txPr/>
+    <dgm:style>
+      <a:lnRef idx="2">
+        <a:scrgbClr r="0" g="0" b="0"/>
+      </a:lnRef>
+      <a:fillRef idx="1">
+        <a:scrgbClr r="0" g="0" b="0"/>
+      </a:fillRef>
+      <a:effectRef idx="0">
+        <a:scrgbClr r="0" g="0" b="0"/>
+      </a:effectRef>
+      <a:fontRef idx="minor"/>
+    </dgm:style>
+  </dgm:styleLbl>
+  <dgm:styleLbl name="fgAcc3">
+    <dgm:scene3d>
+      <a:camera prst="orthographicFront"/>
+      <a:lightRig rig="threePt" dir="t"/>
+    </dgm:scene3d>
+    <dgm:sp3d/>
+    <dgm:txPr/>
+    <dgm:style>
+      <a:lnRef idx="2">
+        <a:scrgbClr r="0" g="0" b="0"/>
+      </a:lnRef>
+      <a:fillRef idx="1">
+        <a:scrgbClr r="0" g="0" b="0"/>
+      </a:fillRef>
+      <a:effectRef idx="0">
+        <a:scrgbClr r="0" g="0" b="0"/>
+      </a:effectRef>
+      <a:fontRef idx="minor"/>
+    </dgm:style>
+  </dgm:styleLbl>
+  <dgm:styleLbl name="fgAcc4">
+    <dgm:scene3d>
+      <a:camera prst="orthographicFront"/>
+      <a:lightRig rig="threePt" dir="t"/>
+    </dgm:scene3d>
+    <dgm:sp3d/>
+    <dgm:txPr/>
+    <dgm:style>
+      <a:lnRef idx="2">
+        <a:scrgbClr r="0" g="0" b="0"/>
+      </a:lnRef>
+      <a:fillRef idx="1">
+        <a:scrgbClr r="0" g="0" b="0"/>
+      </a:fillRef>
+      <a:effectRef idx="0">
+        <a:scrgbClr r="0" g="0" b="0"/>
+      </a:effectRef>
+      <a:fontRef idx="minor"/>
+    </dgm:style>
+  </dgm:styleLbl>
+  <dgm:styleLbl name="bgShp">
+    <dgm:scene3d>
+      <a:camera prst="orthographicFront"/>
+      <a:lightRig rig="threePt" dir="t"/>
+    </dgm:scene3d>
+    <dgm:sp3d/>
+    <dgm:txPr/>
+    <dgm:style>
+      <a:lnRef idx="0">
+        <a:scrgbClr r="0" g="0" b="0"/>
+      </a:lnRef>
+      <a:fillRef idx="1">
+        <a:scrgbClr r="0" g="0" b="0"/>
+      </a:fillRef>
+      <a:effectRef idx="0">
+        <a:scrgbClr r="0" g="0" b="0"/>
+      </a:effectRef>
+      <a:fontRef idx="minor"/>
+    </dgm:style>
+  </dgm:styleLbl>
+  <dgm:styleLbl name="dkBgShp">
+    <dgm:scene3d>
+      <a:camera prst="orthographicFront"/>
+      <a:lightRig rig="threePt" dir="t"/>
+    </dgm:scene3d>
+    <dgm:sp3d/>
+    <dgm:txPr/>
+    <dgm:style>
+      <a:lnRef idx="0">
+        <a:scrgbClr r="0" g="0" b="0"/>
+      </a:lnRef>
+      <a:fillRef idx="1">
+        <a:scrgbClr r="0" g="0" b="0"/>
+      </a:fillRef>
+      <a:effectRef idx="0">
+        <a:scrgbClr r="0" g="0" b="0"/>
+      </a:effectRef>
+      <a:fontRef idx="minor"/>
+    </dgm:style>
+  </dgm:styleLbl>
+  <dgm:styleLbl name="trBgShp">
+    <dgm:scene3d>
+      <a:camera prst="orthographicFront"/>
+      <a:lightRig rig="threePt" dir="t"/>
+    </dgm:scene3d>
+    <dgm:sp3d/>
+    <dgm:txPr/>
+    <dgm:style>
+      <a:lnRef idx="0">
+        <a:scrgbClr r="0" g="0" b="0"/>
+      </a:lnRef>
+      <a:fillRef idx="1">
+        <a:scrgbClr r="0" g="0" b="0"/>
+      </a:fillRef>
+      <a:effectRef idx="0">
+        <a:scrgbClr r="0" g="0" b="0"/>
+      </a:effectRef>
+      <a:fontRef idx="minor"/>
+    </dgm:style>
+  </dgm:styleLbl>
+  <dgm:styleLbl name="fgShp">
+    <dgm:scene3d>
+      <a:camera prst="orthographicFront"/>
+      <a:lightRig rig="threePt" dir="t"/>
+    </dgm:scene3d>
+    <dgm:sp3d/>
+    <dgm:txPr/>
+    <dgm:style>
+      <a:lnRef idx="2">
+        <a:scrgbClr r="0" g="0" b="0"/>
+      </a:lnRef>
+      <a:fillRef idx="1">
+        <a:scrgbClr r="0" g="0" b="0"/>
+      </a:fillRef>
+      <a:effectRef idx="0">
+        <a:scrgbClr r="0" g="0" b="0"/>
+      </a:effectRef>
+      <a:fontRef idx="minor"/>
+    </dgm:style>
+  </dgm:styleLbl>
+  <dgm:styleLbl name="revTx">
+    <dgm:scene3d>
+      <a:camera prst="orthographicFront"/>
+      <a:lightRig rig="threePt" dir="t"/>
+    </dgm:scene3d>
+    <dgm:sp3d/>
+    <dgm:txPr/>
+    <dgm:style>
+      <a:lnRef idx="0">
+        <a:scrgbClr r="0" g="0" b="0"/>
+      </a:lnRef>
+      <a:fillRef idx="0">
+        <a:scrgbClr r="0" g="0" b="0"/>
+      </a:fillRef>
+      <a:effectRef idx="0">
+        <a:scrgbClr r="0" g="0" b="0"/>
+      </a:effectRef>
+      <a:fontRef idx="minor"/>
+    </dgm:style>
+  </dgm:styleLbl>
+</dgm:styleDef>
 </file>
 
 <file path=ppt/slideLayouts/slideLayout1.xml><?xml version="1.0" encoding="utf-8"?>
@@ -3362,10 +8832,10 @@
       </p:grpSpPr>
       <p:sp useBgFill="1">
         <p:nvSpPr>
-          <p:cNvPr id="8" name="Rectangle 7">
+          <p:cNvPr id="17" name="Rectangle 16">
             <a:extLst>
               <a:ext uri="{FF2B5EF4-FFF2-40B4-BE49-F238E27FC236}">
-                <a16:creationId xmlns:a16="http://schemas.microsoft.com/office/drawing/2014/main" id="{934F1179-B481-4F9E-BCA3-AFB972070F83}"/>
+                <a16:creationId xmlns:a16="http://schemas.microsoft.com/office/drawing/2014/main" id="{FFD48BC7-DC40-47DE-87EE-9F4B6ECB9ABB}"/>
               </a:ext>
               <a:ext uri="{C183D7F6-B498-43B3-948B-1728B52AA6E4}">
                 <adec:decorative xmlns:adec="http://schemas.microsoft.com/office/drawing/2017/decorative" val="1"/>
@@ -3420,12 +8890,12 @@
           </a:p>
         </p:txBody>
       </p:sp>
-      <p:sp>
+      <p:sp useBgFill="1">
         <p:nvSpPr>
-          <p:cNvPr id="10" name="Right Triangle 9">
+          <p:cNvPr id="19" name="Freeform: Shape 18">
             <a:extLst>
               <a:ext uri="{FF2B5EF4-FFF2-40B4-BE49-F238E27FC236}">
-                <a16:creationId xmlns:a16="http://schemas.microsoft.com/office/drawing/2014/main" id="{827DC2C4-B485-428A-BF4A-472D2967F47F}"/>
+                <a16:creationId xmlns:a16="http://schemas.microsoft.com/office/drawing/2014/main" id="{E502BBC7-2C76-46F3-BC24-5985BC13DB88}"/>
               </a:ext>
               <a:ext uri="{C183D7F6-B498-43B3-948B-1728B52AA6E4}">
                 <adec:decorative xmlns:adec="http://schemas.microsoft.com/office/drawing/2017/decorative" val="1"/>
@@ -3444,15 +8914,481 @@
           </p:nvPr>
         </p:nvSpPr>
         <p:spPr>
-          <a:xfrm flipH="1">
-            <a:off x="8576720" y="3335867"/>
-            <a:ext cx="3291840" cy="3200400"/>
+          <a:xfrm>
+            <a:off x="1114425" y="0"/>
+            <a:ext cx="9963150" cy="6858000"/>
           </a:xfrm>
-          <a:prstGeom prst="rtTriangle">
+          <a:custGeom>
+            <a:avLst/>
+            <a:gdLst>
+              <a:gd name="connsiteX0" fmla="*/ 1595771 w 9963150"/>
+              <a:gd name="connsiteY0" fmla="*/ 0 h 6858000"/>
+              <a:gd name="connsiteX1" fmla="*/ 8367379 w 9963150"/>
+              <a:gd name="connsiteY1" fmla="*/ 0 h 6858000"/>
+              <a:gd name="connsiteX2" fmla="*/ 8504080 w 9963150"/>
+              <a:gd name="connsiteY2" fmla="*/ 130333 h 6858000"/>
+              <a:gd name="connsiteX3" fmla="*/ 9963150 w 9963150"/>
+              <a:gd name="connsiteY3" fmla="*/ 3652838 h 6858000"/>
+              <a:gd name="connsiteX4" fmla="*/ 8825600 w 9963150"/>
+              <a:gd name="connsiteY4" fmla="*/ 6821583 h 6858000"/>
+              <a:gd name="connsiteX5" fmla="*/ 8794055 w 9963150"/>
+              <a:gd name="connsiteY5" fmla="*/ 6858000 h 6858000"/>
+              <a:gd name="connsiteX6" fmla="*/ 1169096 w 9963150"/>
+              <a:gd name="connsiteY6" fmla="*/ 6858000 h 6858000"/>
+              <a:gd name="connsiteX7" fmla="*/ 1137550 w 9963150"/>
+              <a:gd name="connsiteY7" fmla="*/ 6821583 h 6858000"/>
+              <a:gd name="connsiteX8" fmla="*/ 0 w 9963150"/>
+              <a:gd name="connsiteY8" fmla="*/ 3652838 h 6858000"/>
+              <a:gd name="connsiteX9" fmla="*/ 1459070 w 9963150"/>
+              <a:gd name="connsiteY9" fmla="*/ 130333 h 6858000"/>
+            </a:gdLst>
+            <a:ahLst/>
+            <a:cxnLst>
+              <a:cxn ang="0">
+                <a:pos x="connsiteX0" y="connsiteY0"/>
+              </a:cxn>
+              <a:cxn ang="0">
+                <a:pos x="connsiteX1" y="connsiteY1"/>
+              </a:cxn>
+              <a:cxn ang="0">
+                <a:pos x="connsiteX2" y="connsiteY2"/>
+              </a:cxn>
+              <a:cxn ang="0">
+                <a:pos x="connsiteX3" y="connsiteY3"/>
+              </a:cxn>
+              <a:cxn ang="0">
+                <a:pos x="connsiteX4" y="connsiteY4"/>
+              </a:cxn>
+              <a:cxn ang="0">
+                <a:pos x="connsiteX5" y="connsiteY5"/>
+              </a:cxn>
+              <a:cxn ang="0">
+                <a:pos x="connsiteX6" y="connsiteY6"/>
+              </a:cxn>
+              <a:cxn ang="0">
+                <a:pos x="connsiteX7" y="connsiteY7"/>
+              </a:cxn>
+              <a:cxn ang="0">
+                <a:pos x="connsiteX8" y="connsiteY8"/>
+              </a:cxn>
+              <a:cxn ang="0">
+                <a:pos x="connsiteX9" y="connsiteY9"/>
+              </a:cxn>
+            </a:cxnLst>
+            <a:rect l="l" t="t" r="r" b="b"/>
+            <a:pathLst>
+              <a:path w="9963150" h="6858000">
+                <a:moveTo>
+                  <a:pt x="1595771" y="0"/>
+                </a:moveTo>
+                <a:lnTo>
+                  <a:pt x="8367379" y="0"/>
+                </a:lnTo>
+                <a:lnTo>
+                  <a:pt x="8504080" y="130333"/>
+                </a:lnTo>
+                <a:cubicBezTo>
+                  <a:pt x="9405568" y="1031820"/>
+                  <a:pt x="9963150" y="2277214"/>
+                  <a:pt x="9963150" y="3652838"/>
+                </a:cubicBezTo>
+                <a:cubicBezTo>
+                  <a:pt x="9963150" y="4856509"/>
+                  <a:pt x="9536251" y="5960473"/>
+                  <a:pt x="8825600" y="6821583"/>
+                </a:cubicBezTo>
+                <a:lnTo>
+                  <a:pt x="8794055" y="6858000"/>
+                </a:lnTo>
+                <a:lnTo>
+                  <a:pt x="1169096" y="6858000"/>
+                </a:lnTo>
+                <a:lnTo>
+                  <a:pt x="1137550" y="6821583"/>
+                </a:lnTo>
+                <a:cubicBezTo>
+                  <a:pt x="426899" y="5960473"/>
+                  <a:pt x="0" y="4856509"/>
+                  <a:pt x="0" y="3652838"/>
+                </a:cubicBezTo>
+                <a:cubicBezTo>
+                  <a:pt x="0" y="2277214"/>
+                  <a:pt x="557582" y="1031820"/>
+                  <a:pt x="1459070" y="130333"/>
+                </a:cubicBezTo>
+                <a:close/>
+              </a:path>
+            </a:pathLst>
+          </a:custGeom>
+          <a:ln w="9525">
+            <a:solidFill>
+              <a:srgbClr val="EFEFEF"/>
+            </a:solidFill>
+          </a:ln>
+          <a:effectLst>
+            <a:outerShdw blurRad="139700" sx="102000" sy="102000" algn="ctr" rotWithShape="0">
+              <a:schemeClr val="bg1">
+                <a:lumMod val="85000"/>
+                <a:alpha val="38000"/>
+              </a:schemeClr>
+            </a:outerShdw>
+          </a:effectLst>
+        </p:spPr>
+        <p:style>
+          <a:lnRef idx="2">
+            <a:schemeClr val="accent1">
+              <a:shade val="50000"/>
+            </a:schemeClr>
+          </a:lnRef>
+          <a:fillRef idx="1">
+            <a:schemeClr val="accent1"/>
+          </a:fillRef>
+          <a:effectRef idx="0">
+            <a:schemeClr val="accent1"/>
+          </a:effectRef>
+          <a:fontRef idx="minor">
+            <a:schemeClr val="lt1"/>
+          </a:fontRef>
+        </p:style>
+        <p:txBody>
+          <a:bodyPr wrap="square" rtlCol="0" anchor="ctr">
+            <a:noAutofit/>
+          </a:bodyPr>
+          <a:lstStyle/>
+          <a:p>
+            <a:pPr marL="0" marR="0" lvl="0" indent="0" algn="ctr" defTabSz="914400" rtl="0" eaLnBrk="1" fontAlgn="auto" latinLnBrk="0" hangingPunct="1">
+              <a:lnSpc>
+                <a:spcPct val="100000"/>
+              </a:lnSpc>
+              <a:spcBef>
+                <a:spcPts val="0"/>
+              </a:spcBef>
+              <a:spcAft>
+                <a:spcPts val="0"/>
+              </a:spcAft>
+              <a:buClrTx/>
+              <a:buSzTx/>
+              <a:buFontTx/>
+              <a:buNone/>
+              <a:tabLst/>
+              <a:defRPr/>
+            </a:pPr>
+            <a:endParaRPr kumimoji="0" lang="en-US" sz="1800" b="0" i="0" u="none" strike="noStrike" kern="1200" cap="none" spc="0" normalizeH="0" baseline="0" noProof="0">
+              <a:ln>
+                <a:noFill/>
+              </a:ln>
+              <a:solidFill>
+                <a:prstClr val="white"/>
+              </a:solidFill>
+              <a:effectLst/>
+              <a:uLnTx/>
+              <a:uFillTx/>
+              <a:latin typeface="Calibri" panose="020F0502020204030204"/>
+              <a:ea typeface="+mn-ea"/>
+              <a:cs typeface="+mn-cs"/>
+            </a:endParaRPr>
+          </a:p>
+        </p:txBody>
+      </p:sp>
+      <p:sp useBgFill="1">
+        <p:nvSpPr>
+          <p:cNvPr id="21" name="Freeform: Shape 20">
+            <a:extLst>
+              <a:ext uri="{FF2B5EF4-FFF2-40B4-BE49-F238E27FC236}">
+                <a16:creationId xmlns:a16="http://schemas.microsoft.com/office/drawing/2014/main" id="{C7F28D52-2A5F-4D23-81AE-7CB8B591C7AF}"/>
+              </a:ext>
+              <a:ext uri="{C183D7F6-B498-43B3-948B-1728B52AA6E4}">
+                <adec:decorative xmlns:adec="http://schemas.microsoft.com/office/drawing/2017/decorative" val="1"/>
+              </a:ext>
+            </a:extLst>
+          </p:cNvPr>
+          <p:cNvSpPr>
+            <a:spLocks noGrp="1" noRot="1" noChangeAspect="1" noMove="1" noResize="1" noEditPoints="1" noAdjustHandles="1" noChangeArrowheads="1" noChangeShapeType="1" noTextEdit="1"/>
+          </p:cNvSpPr>
+          <p:nvPr>
+            <p:extLst>
+              <p:ext uri="{386F3935-93C4-4BCD-93E2-E3B085C9AB24}">
+                <p16:designElem xmlns:p16="http://schemas.microsoft.com/office/powerpoint/2015/main" val="1"/>
+              </p:ext>
+            </p:extLst>
+          </p:nvPr>
+        </p:nvSpPr>
+        <p:spPr>
+          <a:xfrm>
+            <a:off x="1121664" y="0"/>
+            <a:ext cx="9948672" cy="6858000"/>
+          </a:xfrm>
+          <a:custGeom>
+            <a:avLst/>
+            <a:gdLst>
+              <a:gd name="connsiteX0" fmla="*/ 1595771 w 9963150"/>
+              <a:gd name="connsiteY0" fmla="*/ 0 h 6858000"/>
+              <a:gd name="connsiteX1" fmla="*/ 8367379 w 9963150"/>
+              <a:gd name="connsiteY1" fmla="*/ 0 h 6858000"/>
+              <a:gd name="connsiteX2" fmla="*/ 8504080 w 9963150"/>
+              <a:gd name="connsiteY2" fmla="*/ 130333 h 6858000"/>
+              <a:gd name="connsiteX3" fmla="*/ 9963150 w 9963150"/>
+              <a:gd name="connsiteY3" fmla="*/ 3652838 h 6858000"/>
+              <a:gd name="connsiteX4" fmla="*/ 8825600 w 9963150"/>
+              <a:gd name="connsiteY4" fmla="*/ 6821583 h 6858000"/>
+              <a:gd name="connsiteX5" fmla="*/ 8794055 w 9963150"/>
+              <a:gd name="connsiteY5" fmla="*/ 6858000 h 6858000"/>
+              <a:gd name="connsiteX6" fmla="*/ 1169096 w 9963150"/>
+              <a:gd name="connsiteY6" fmla="*/ 6858000 h 6858000"/>
+              <a:gd name="connsiteX7" fmla="*/ 1137550 w 9963150"/>
+              <a:gd name="connsiteY7" fmla="*/ 6821583 h 6858000"/>
+              <a:gd name="connsiteX8" fmla="*/ 0 w 9963150"/>
+              <a:gd name="connsiteY8" fmla="*/ 3652838 h 6858000"/>
+              <a:gd name="connsiteX9" fmla="*/ 1459070 w 9963150"/>
+              <a:gd name="connsiteY9" fmla="*/ 130333 h 6858000"/>
+            </a:gdLst>
+            <a:ahLst/>
+            <a:cxnLst>
+              <a:cxn ang="0">
+                <a:pos x="connsiteX0" y="connsiteY0"/>
+              </a:cxn>
+              <a:cxn ang="0">
+                <a:pos x="connsiteX1" y="connsiteY1"/>
+              </a:cxn>
+              <a:cxn ang="0">
+                <a:pos x="connsiteX2" y="connsiteY2"/>
+              </a:cxn>
+              <a:cxn ang="0">
+                <a:pos x="connsiteX3" y="connsiteY3"/>
+              </a:cxn>
+              <a:cxn ang="0">
+                <a:pos x="connsiteX4" y="connsiteY4"/>
+              </a:cxn>
+              <a:cxn ang="0">
+                <a:pos x="connsiteX5" y="connsiteY5"/>
+              </a:cxn>
+              <a:cxn ang="0">
+                <a:pos x="connsiteX6" y="connsiteY6"/>
+              </a:cxn>
+              <a:cxn ang="0">
+                <a:pos x="connsiteX7" y="connsiteY7"/>
+              </a:cxn>
+              <a:cxn ang="0">
+                <a:pos x="connsiteX8" y="connsiteY8"/>
+              </a:cxn>
+              <a:cxn ang="0">
+                <a:pos x="connsiteX9" y="connsiteY9"/>
+              </a:cxn>
+            </a:cxnLst>
+            <a:rect l="l" t="t" r="r" b="b"/>
+            <a:pathLst>
+              <a:path w="9963150" h="6858000">
+                <a:moveTo>
+                  <a:pt x="1595771" y="0"/>
+                </a:moveTo>
+                <a:lnTo>
+                  <a:pt x="8367379" y="0"/>
+                </a:lnTo>
+                <a:lnTo>
+                  <a:pt x="8504080" y="130333"/>
+                </a:lnTo>
+                <a:cubicBezTo>
+                  <a:pt x="9405568" y="1031820"/>
+                  <a:pt x="9963150" y="2277214"/>
+                  <a:pt x="9963150" y="3652838"/>
+                </a:cubicBezTo>
+                <a:cubicBezTo>
+                  <a:pt x="9963150" y="4856509"/>
+                  <a:pt x="9536251" y="5960473"/>
+                  <a:pt x="8825600" y="6821583"/>
+                </a:cubicBezTo>
+                <a:lnTo>
+                  <a:pt x="8794055" y="6858000"/>
+                </a:lnTo>
+                <a:lnTo>
+                  <a:pt x="1169096" y="6858000"/>
+                </a:lnTo>
+                <a:lnTo>
+                  <a:pt x="1137550" y="6821583"/>
+                </a:lnTo>
+                <a:cubicBezTo>
+                  <a:pt x="426899" y="5960473"/>
+                  <a:pt x="0" y="4856509"/>
+                  <a:pt x="0" y="3652838"/>
+                </a:cubicBezTo>
+                <a:cubicBezTo>
+                  <a:pt x="0" y="2277214"/>
+                  <a:pt x="557582" y="1031820"/>
+                  <a:pt x="1459070" y="130333"/>
+                </a:cubicBezTo>
+                <a:close/>
+              </a:path>
+            </a:pathLst>
+          </a:custGeom>
+          <a:ln w="9525">
+            <a:noFill/>
+          </a:ln>
+          <a:effectLst/>
+        </p:spPr>
+        <p:style>
+          <a:lnRef idx="2">
+            <a:schemeClr val="accent1">
+              <a:shade val="50000"/>
+            </a:schemeClr>
+          </a:lnRef>
+          <a:fillRef idx="1">
+            <a:schemeClr val="accent1"/>
+          </a:fillRef>
+          <a:effectRef idx="0">
+            <a:schemeClr val="accent1"/>
+          </a:effectRef>
+          <a:fontRef idx="minor">
+            <a:schemeClr val="lt1"/>
+          </a:fontRef>
+        </p:style>
+        <p:txBody>
+          <a:bodyPr wrap="square" rtlCol="0" anchor="ctr">
+            <a:noAutofit/>
+          </a:bodyPr>
+          <a:lstStyle/>
+          <a:p>
+            <a:pPr marL="0" marR="0" lvl="0" indent="0" algn="ctr" defTabSz="914400" rtl="0" eaLnBrk="1" fontAlgn="auto" latinLnBrk="0" hangingPunct="1">
+              <a:lnSpc>
+                <a:spcPct val="100000"/>
+              </a:lnSpc>
+              <a:spcBef>
+                <a:spcPts val="0"/>
+              </a:spcBef>
+              <a:spcAft>
+                <a:spcPts val="0"/>
+              </a:spcAft>
+              <a:buClrTx/>
+              <a:buSzTx/>
+              <a:buFontTx/>
+              <a:buNone/>
+              <a:tabLst/>
+              <a:defRPr/>
+            </a:pPr>
+            <a:endParaRPr kumimoji="0" lang="en-US" sz="1800" b="0" i="0" u="none" strike="noStrike" kern="1200" cap="none" spc="0" normalizeH="0" baseline="0" noProof="0">
+              <a:ln>
+                <a:noFill/>
+              </a:ln>
+              <a:solidFill>
+                <a:prstClr val="white"/>
+              </a:solidFill>
+              <a:effectLst/>
+              <a:uLnTx/>
+              <a:uFillTx/>
+              <a:latin typeface="Calibri" panose="020F0502020204030204"/>
+              <a:ea typeface="+mn-ea"/>
+              <a:cs typeface="+mn-cs"/>
+            </a:endParaRPr>
+          </a:p>
+        </p:txBody>
+      </p:sp>
+      <p:sp>
+        <p:nvSpPr>
+          <p:cNvPr id="2" name="Titel 1">
+            <a:extLst>
+              <a:ext uri="{FF2B5EF4-FFF2-40B4-BE49-F238E27FC236}">
+                <a16:creationId xmlns:a16="http://schemas.microsoft.com/office/drawing/2014/main" id="{EA6130A4-733E-46C2-A742-0D5D0FF76DFC}"/>
+              </a:ext>
+            </a:extLst>
+          </p:cNvPr>
+          <p:cNvSpPr>
+            <a:spLocks noGrp="1"/>
+          </p:cNvSpPr>
+          <p:nvPr>
+            <p:ph type="ctrTitle"/>
+          </p:nvPr>
+        </p:nvSpPr>
+        <p:spPr>
+          <a:xfrm>
+            <a:off x="1524003" y="1999615"/>
+            <a:ext cx="9144000" cy="2764028"/>
+          </a:xfrm>
+        </p:spPr>
+        <p:txBody>
+          <a:bodyPr anchor="ctr">
+            <a:normAutofit/>
+          </a:bodyPr>
+          <a:lstStyle/>
+          <a:p>
+            <a:r>
+              <a:rPr lang="de-AT" sz="7200"/>
+              <a:t>State-Of-The-Art Music Recommendation</a:t>
+            </a:r>
+          </a:p>
+        </p:txBody>
+      </p:sp>
+      <p:sp>
+        <p:nvSpPr>
+          <p:cNvPr id="3" name="Untertitel 2">
+            <a:extLst>
+              <a:ext uri="{FF2B5EF4-FFF2-40B4-BE49-F238E27FC236}">
+                <a16:creationId xmlns:a16="http://schemas.microsoft.com/office/drawing/2014/main" id="{98DCC42D-C21F-4C3F-9501-5C784A40F34D}"/>
+              </a:ext>
+            </a:extLst>
+          </p:cNvPr>
+          <p:cNvSpPr>
+            <a:spLocks noGrp="1"/>
+          </p:cNvSpPr>
+          <p:nvPr>
+            <p:ph type="subTitle" idx="1"/>
+          </p:nvPr>
+        </p:nvSpPr>
+        <p:spPr>
+          <a:xfrm>
+            <a:off x="1966912" y="5573283"/>
+            <a:ext cx="8258176" cy="631825"/>
+          </a:xfrm>
+        </p:spPr>
+        <p:txBody>
+          <a:bodyPr anchor="ctr">
+            <a:normAutofit/>
+          </a:bodyPr>
+          <a:lstStyle/>
+          <a:p>
+            <a:r>
+              <a:rPr lang="de-AT" sz="2800" dirty="0"/>
+              <a:t>Katharina </a:t>
+            </a:r>
+            <a:r>
+              <a:rPr lang="de-AT" sz="2800" dirty="0" err="1"/>
+              <a:t>Stengg</a:t>
+            </a:r>
+            <a:endParaRPr lang="de-AT" sz="2800" dirty="0"/>
+          </a:p>
+        </p:txBody>
+      </p:sp>
+      <p:sp>
+        <p:nvSpPr>
+          <p:cNvPr id="23" name="Rectangle 22">
+            <a:extLst>
+              <a:ext uri="{FF2B5EF4-FFF2-40B4-BE49-F238E27FC236}">
+                <a16:creationId xmlns:a16="http://schemas.microsoft.com/office/drawing/2014/main" id="{3629484E-3792-4B3D-89AD-7C8A1ED0E0D4}"/>
+              </a:ext>
+              <a:ext uri="{C183D7F6-B498-43B3-948B-1728B52AA6E4}">
+                <adec:decorative xmlns:adec="http://schemas.microsoft.com/office/drawing/2017/decorative" val="1"/>
+              </a:ext>
+            </a:extLst>
+          </p:cNvPr>
+          <p:cNvSpPr>
+            <a:spLocks noGrp="1" noRot="1" noChangeAspect="1" noMove="1" noResize="1" noEditPoints="1" noAdjustHandles="1" noChangeArrowheads="1" noChangeShapeType="1" noTextEdit="1"/>
+          </p:cNvSpPr>
+          <p:nvPr>
+            <p:extLst>
+              <p:ext uri="{386F3935-93C4-4BCD-93E2-E3B085C9AB24}">
+                <p16:designElem xmlns:p16="http://schemas.microsoft.com/office/powerpoint/2015/main" val="1"/>
+              </p:ext>
+            </p:extLst>
+          </p:nvPr>
+        </p:nvSpPr>
+        <p:spPr>
+          <a:xfrm>
+            <a:off x="3718560" y="5524786"/>
+            <a:ext cx="4754880" cy="27432"/>
+          </a:xfrm>
+          <a:prstGeom prst="rect">
             <a:avLst/>
           </a:prstGeom>
           <a:solidFill>
-            <a:schemeClr val="accent4"/>
+            <a:schemeClr val="accent2"/>
           </a:solidFill>
           <a:ln>
             <a:noFill/>
@@ -3478,172 +9414,37 @@
           <a:bodyPr rtlCol="0" anchor="ctr"/>
           <a:lstStyle/>
           <a:p>
-            <a:pPr algn="ctr"/>
-            <a:endParaRPr lang="en-US" dirty="0"/>
-          </a:p>
-        </p:txBody>
-      </p:sp>
-      <p:sp>
-        <p:nvSpPr>
-          <p:cNvPr id="12" name="Rectangle 11">
-            <a:extLst>
-              <a:ext uri="{FF2B5EF4-FFF2-40B4-BE49-F238E27FC236}">
-                <a16:creationId xmlns:a16="http://schemas.microsoft.com/office/drawing/2014/main" id="{EE04B5EB-F158-4507-90DD-BD23620C7CC9}"/>
-              </a:ext>
-              <a:ext uri="{C183D7F6-B498-43B3-948B-1728B52AA6E4}">
-                <adec:decorative xmlns:adec="http://schemas.microsoft.com/office/drawing/2017/decorative" val="1"/>
-              </a:ext>
-            </a:extLst>
-          </p:cNvPr>
-          <p:cNvSpPr>
-            <a:spLocks noGrp="1" noRot="1" noChangeAspect="1" noMove="1" noResize="1" noEditPoints="1" noAdjustHandles="1" noChangeArrowheads="1" noChangeShapeType="1" noTextEdit="1"/>
-          </p:cNvSpPr>
-          <p:nvPr>
-            <p:extLst>
-              <p:ext uri="{386F3935-93C4-4BCD-93E2-E3B085C9AB24}">
-                <p16:designElem xmlns:p16="http://schemas.microsoft.com/office/powerpoint/2015/main" val="1"/>
-              </p:ext>
-            </p:extLst>
-          </p:nvPr>
-        </p:nvSpPr>
-        <p:spPr>
-          <a:xfrm>
-            <a:off x="641774" y="623275"/>
-            <a:ext cx="10905053" cy="5607882"/>
-          </a:xfrm>
-          <a:prstGeom prst="rect">
-            <a:avLst/>
-          </a:prstGeom>
-          <a:noFill/>
-          <a:ln w="19050">
-            <a:solidFill>
-              <a:schemeClr val="tx1">
-                <a:lumMod val="75000"/>
-                <a:lumOff val="25000"/>
-              </a:schemeClr>
-            </a:solidFill>
-          </a:ln>
-        </p:spPr>
-        <p:style>
-          <a:lnRef idx="2">
-            <a:schemeClr val="accent1">
-              <a:shade val="50000"/>
-            </a:schemeClr>
-          </a:lnRef>
-          <a:fillRef idx="1">
-            <a:schemeClr val="accent1"/>
-          </a:fillRef>
-          <a:effectRef idx="0">
-            <a:schemeClr val="accent1"/>
-          </a:effectRef>
-          <a:fontRef idx="minor">
-            <a:schemeClr val="lt1"/>
-          </a:fontRef>
-        </p:style>
-        <p:txBody>
-          <a:bodyPr rtlCol="0" anchor="ctr"/>
-          <a:lstStyle/>
-          <a:p>
-            <a:pPr algn="ctr"/>
-            <a:endParaRPr lang="en-US"/>
-          </a:p>
-        </p:txBody>
-      </p:sp>
-      <p:sp>
-        <p:nvSpPr>
-          <p:cNvPr id="2" name="Titel 1">
-            <a:extLst>
-              <a:ext uri="{FF2B5EF4-FFF2-40B4-BE49-F238E27FC236}">
-                <a16:creationId xmlns:a16="http://schemas.microsoft.com/office/drawing/2014/main" id="{EA6130A4-733E-46C2-A742-0D5D0FF76DFC}"/>
-              </a:ext>
-            </a:extLst>
-          </p:cNvPr>
-          <p:cNvSpPr>
-            <a:spLocks noGrp="1"/>
-          </p:cNvSpPr>
-          <p:nvPr>
-            <p:ph type="ctrTitle"/>
-          </p:nvPr>
-        </p:nvSpPr>
-        <p:spPr>
-          <a:xfrm>
-            <a:off x="1285241" y="1008993"/>
-            <a:ext cx="9231410" cy="3542045"/>
-          </a:xfrm>
-        </p:spPr>
-        <p:txBody>
-          <a:bodyPr anchor="b">
-            <a:normAutofit/>
-          </a:bodyPr>
-          <a:lstStyle/>
-          <a:p>
-            <a:pPr algn="l"/>
-            <a:r>
-              <a:rPr lang="de-AT" sz="8100" dirty="0"/>
-              <a:t>State-</a:t>
-            </a:r>
-            <a:r>
-              <a:rPr lang="de-AT" sz="8100" dirty="0" err="1"/>
-              <a:t>Of</a:t>
-            </a:r>
-            <a:r>
-              <a:rPr lang="de-AT" sz="8100" dirty="0"/>
-              <a:t>-The-Art Music </a:t>
-            </a:r>
-            <a:r>
-              <a:rPr lang="de-AT" sz="8100" dirty="0" err="1"/>
-              <a:t>Recommendation</a:t>
-            </a:r>
-            <a:endParaRPr lang="de-AT" sz="8100" dirty="0"/>
-          </a:p>
-        </p:txBody>
-      </p:sp>
-      <p:sp>
-        <p:nvSpPr>
-          <p:cNvPr id="3" name="Untertitel 2">
-            <a:extLst>
-              <a:ext uri="{FF2B5EF4-FFF2-40B4-BE49-F238E27FC236}">
-                <a16:creationId xmlns:a16="http://schemas.microsoft.com/office/drawing/2014/main" id="{98DCC42D-C21F-4C3F-9501-5C784A40F34D}"/>
-              </a:ext>
-            </a:extLst>
-          </p:cNvPr>
-          <p:cNvSpPr>
-            <a:spLocks noGrp="1"/>
-          </p:cNvSpPr>
-          <p:nvPr>
-            <p:ph type="subTitle" idx="1"/>
-          </p:nvPr>
-        </p:nvSpPr>
-        <p:spPr>
-          <a:xfrm>
-            <a:off x="1285241" y="4582814"/>
-            <a:ext cx="7132335" cy="1312657"/>
-          </a:xfrm>
-        </p:spPr>
-        <p:txBody>
-          <a:bodyPr anchor="t">
-            <a:normAutofit/>
-          </a:bodyPr>
-          <a:lstStyle/>
-          <a:p>
-            <a:pPr algn="l"/>
-            <a:r>
-              <a:rPr lang="de-AT" dirty="0"/>
-              <a:t>Seminar Paper</a:t>
-            </a:r>
-            <a:endParaRPr lang="de-AT"/>
-          </a:p>
-          <a:p>
-            <a:pPr algn="l"/>
-            <a:r>
-              <a:rPr lang="de-AT" dirty="0"/>
-              <a:t>Katharina </a:t>
-            </a:r>
-            <a:r>
-              <a:rPr lang="de-AT" dirty="0" err="1"/>
-              <a:t>Stengg</a:t>
-            </a:r>
-            <a:endParaRPr lang="de-AT"/>
+            <a:pPr marL="0" marR="0" lvl="0" indent="0" algn="ctr" defTabSz="914400" rtl="0" eaLnBrk="1" fontAlgn="auto" latinLnBrk="0" hangingPunct="1">
+              <a:lnSpc>
+                <a:spcPct val="100000"/>
+              </a:lnSpc>
+              <a:spcBef>
+                <a:spcPts val="0"/>
+              </a:spcBef>
+              <a:spcAft>
+                <a:spcPts val="0"/>
+              </a:spcAft>
+              <a:buClrTx/>
+              <a:buSzTx/>
+              <a:buFontTx/>
+              <a:buNone/>
+              <a:tabLst/>
+              <a:defRPr/>
+            </a:pPr>
+            <a:endParaRPr kumimoji="0" lang="en-US" sz="1800" b="0" i="0" u="none" strike="noStrike" kern="1200" cap="none" spc="0" normalizeH="0" baseline="0" noProof="0">
+              <a:ln>
+                <a:noFill/>
+              </a:ln>
+              <a:solidFill>
+                <a:prstClr val="white"/>
+              </a:solidFill>
+              <a:effectLst/>
+              <a:uLnTx/>
+              <a:uFillTx/>
+              <a:latin typeface="Calibri" panose="020F0502020204030204"/>
+              <a:ea typeface="+mn-ea"/>
+              <a:cs typeface="+mn-cs"/>
+            </a:endParaRPr>
           </a:p>
         </p:txBody>
       </p:sp>
@@ -3687,10 +9488,10 @@
       </p:grpSpPr>
       <p:sp useBgFill="1">
         <p:nvSpPr>
-          <p:cNvPr id="8" name="Rectangle 7">
+          <p:cNvPr id="21" name="Rectangle 20">
             <a:extLst>
               <a:ext uri="{FF2B5EF4-FFF2-40B4-BE49-F238E27FC236}">
-                <a16:creationId xmlns:a16="http://schemas.microsoft.com/office/drawing/2014/main" id="{081EA652-8C6A-4E69-BEB9-170809474553}"/>
+                <a16:creationId xmlns:a16="http://schemas.microsoft.com/office/drawing/2014/main" id="{DAF1966E-FD40-4A4A-B61B-C4DF7FA05F06}"/>
               </a:ext>
               <a:ext uri="{C183D7F6-B498-43B3-948B-1728B52AA6E4}">
                 <adec:decorative xmlns:adec="http://schemas.microsoft.com/office/drawing/2017/decorative" val="1"/>
@@ -3745,12 +9546,12 @@
           </a:p>
         </p:txBody>
       </p:sp>
-      <p:sp>
+      <p:sp useBgFill="1">
         <p:nvSpPr>
-          <p:cNvPr id="10" name="Freeform: Shape 9">
+          <p:cNvPr id="23" name="Rectangle 22">
             <a:extLst>
               <a:ext uri="{FF2B5EF4-FFF2-40B4-BE49-F238E27FC236}">
-                <a16:creationId xmlns:a16="http://schemas.microsoft.com/office/drawing/2014/main" id="{A4026A73-1F7F-49F2-B319-8CA3B3D53269}"/>
+                <a16:creationId xmlns:a16="http://schemas.microsoft.com/office/drawing/2014/main" id="{047BFA19-D45E-416B-A404-7AF2F3F27017}"/>
               </a:ext>
               <a:ext uri="{C183D7F6-B498-43B3-948B-1728B52AA6E4}">
                 <adec:decorative xmlns:adec="http://schemas.microsoft.com/office/drawing/2017/decorative" val="1"/>
@@ -3770,145 +9571,25 @@
         </p:nvSpPr>
         <p:spPr>
           <a:xfrm>
-            <a:off x="321732" y="321733"/>
-            <a:ext cx="11546828" cy="6214534"/>
+            <a:off x="558209" y="0"/>
+            <a:ext cx="11167447" cy="2018806"/>
           </a:xfrm>
-          <a:custGeom>
+          <a:prstGeom prst="rect">
             <a:avLst/>
-            <a:gdLst>
-              <a:gd name="connsiteX0" fmla="*/ 0 w 11546828"/>
-              <a:gd name="connsiteY0" fmla="*/ 0 h 6214534"/>
-              <a:gd name="connsiteX1" fmla="*/ 7965430 w 11546828"/>
-              <a:gd name="connsiteY1" fmla="*/ 0 h 6214534"/>
-              <a:gd name="connsiteX2" fmla="*/ 7965430 w 11546828"/>
-              <a:gd name="connsiteY2" fmla="*/ 1786 h 6214534"/>
-              <a:gd name="connsiteX3" fmla="*/ 11546828 w 11546828"/>
-              <a:gd name="connsiteY3" fmla="*/ 1786 h 6214534"/>
-              <a:gd name="connsiteX4" fmla="*/ 11546828 w 11546828"/>
-              <a:gd name="connsiteY4" fmla="*/ 2866740 h 6214534"/>
-              <a:gd name="connsiteX5" fmla="*/ 11225095 w 11546828"/>
-              <a:gd name="connsiteY5" fmla="*/ 3179536 h 6214534"/>
-              <a:gd name="connsiteX6" fmla="*/ 11225095 w 11546828"/>
-              <a:gd name="connsiteY6" fmla="*/ 301542 h 6214534"/>
-              <a:gd name="connsiteX7" fmla="*/ 320042 w 11546828"/>
-              <a:gd name="connsiteY7" fmla="*/ 301542 h 6214534"/>
-              <a:gd name="connsiteX8" fmla="*/ 320042 w 11546828"/>
-              <a:gd name="connsiteY8" fmla="*/ 5909424 h 6214534"/>
-              <a:gd name="connsiteX9" fmla="*/ 8417210 w 11546828"/>
-              <a:gd name="connsiteY9" fmla="*/ 5909424 h 6214534"/>
-              <a:gd name="connsiteX10" fmla="*/ 8103383 w 11546828"/>
-              <a:gd name="connsiteY10" fmla="*/ 6214534 h 6214534"/>
-              <a:gd name="connsiteX11" fmla="*/ 7222929 w 11546828"/>
-              <a:gd name="connsiteY11" fmla="*/ 6214534 h 6214534"/>
-              <a:gd name="connsiteX12" fmla="*/ 7222929 w 11546828"/>
-              <a:gd name="connsiteY12" fmla="*/ 6212748 h 6214534"/>
-              <a:gd name="connsiteX13" fmla="*/ 0 w 11546828"/>
-              <a:gd name="connsiteY13" fmla="*/ 6212748 h 6214534"/>
-            </a:gdLst>
-            <a:ahLst/>
-            <a:cxnLst>
-              <a:cxn ang="0">
-                <a:pos x="connsiteX0" y="connsiteY0"/>
-              </a:cxn>
-              <a:cxn ang="0">
-                <a:pos x="connsiteX1" y="connsiteY1"/>
-              </a:cxn>
-              <a:cxn ang="0">
-                <a:pos x="connsiteX2" y="connsiteY2"/>
-              </a:cxn>
-              <a:cxn ang="0">
-                <a:pos x="connsiteX3" y="connsiteY3"/>
-              </a:cxn>
-              <a:cxn ang="0">
-                <a:pos x="connsiteX4" y="connsiteY4"/>
-              </a:cxn>
-              <a:cxn ang="0">
-                <a:pos x="connsiteX5" y="connsiteY5"/>
-              </a:cxn>
-              <a:cxn ang="0">
-                <a:pos x="connsiteX6" y="connsiteY6"/>
-              </a:cxn>
-              <a:cxn ang="0">
-                <a:pos x="connsiteX7" y="connsiteY7"/>
-              </a:cxn>
-              <a:cxn ang="0">
-                <a:pos x="connsiteX8" y="connsiteY8"/>
-              </a:cxn>
-              <a:cxn ang="0">
-                <a:pos x="connsiteX9" y="connsiteY9"/>
-              </a:cxn>
-              <a:cxn ang="0">
-                <a:pos x="connsiteX10" y="connsiteY10"/>
-              </a:cxn>
-              <a:cxn ang="0">
-                <a:pos x="connsiteX11" y="connsiteY11"/>
-              </a:cxn>
-              <a:cxn ang="0">
-                <a:pos x="connsiteX12" y="connsiteY12"/>
-              </a:cxn>
-              <a:cxn ang="0">
-                <a:pos x="connsiteX13" y="connsiteY13"/>
-              </a:cxn>
-            </a:cxnLst>
-            <a:rect l="l" t="t" r="r" b="b"/>
-            <a:pathLst>
-              <a:path w="11546828" h="6214534">
-                <a:moveTo>
-                  <a:pt x="0" y="0"/>
-                </a:moveTo>
-                <a:lnTo>
-                  <a:pt x="7965430" y="0"/>
-                </a:lnTo>
-                <a:lnTo>
-                  <a:pt x="7965430" y="1786"/>
-                </a:lnTo>
-                <a:lnTo>
-                  <a:pt x="11546828" y="1786"/>
-                </a:lnTo>
-                <a:lnTo>
-                  <a:pt x="11546828" y="2866740"/>
-                </a:lnTo>
-                <a:lnTo>
-                  <a:pt x="11225095" y="3179536"/>
-                </a:lnTo>
-                <a:lnTo>
-                  <a:pt x="11225095" y="301542"/>
-                </a:lnTo>
-                <a:lnTo>
-                  <a:pt x="320042" y="301542"/>
-                </a:lnTo>
-                <a:lnTo>
-                  <a:pt x="320042" y="5909424"/>
-                </a:lnTo>
-                <a:lnTo>
-                  <a:pt x="8417210" y="5909424"/>
-                </a:lnTo>
-                <a:lnTo>
-                  <a:pt x="8103383" y="6214534"/>
-                </a:lnTo>
-                <a:lnTo>
-                  <a:pt x="7222929" y="6214534"/>
-                </a:lnTo>
-                <a:lnTo>
-                  <a:pt x="7222929" y="6212748"/>
-                </a:lnTo>
-                <a:lnTo>
-                  <a:pt x="0" y="6212748"/>
-                </a:lnTo>
-                <a:close/>
-              </a:path>
-            </a:pathLst>
-          </a:custGeom>
-          <a:solidFill>
-            <a:schemeClr val="tx1">
-              <a:lumMod val="50000"/>
-              <a:lumOff val="50000"/>
-              <a:alpha val="25000"/>
-            </a:schemeClr>
-          </a:solidFill>
-          <a:ln>
-            <a:noFill/>
+          </a:prstGeom>
+          <a:ln w="9525">
+            <a:solidFill>
+              <a:srgbClr val="E1E1E1"/>
+            </a:solidFill>
           </a:ln>
+          <a:effectLst>
+            <a:outerShdw blurRad="50800" dist="38100" dir="2700000" algn="tl" rotWithShape="0">
+              <a:schemeClr val="bg1">
+                <a:lumMod val="85000"/>
+                <a:alpha val="50000"/>
+              </a:schemeClr>
+            </a:outerShdw>
+          </a:effectLst>
         </p:spPr>
         <p:style>
           <a:lnRef idx="2">
@@ -3927,22 +9608,49 @@
           </a:fontRef>
         </p:style>
         <p:txBody>
-          <a:bodyPr wrap="square" rtlCol="0" anchor="ctr">
-            <a:noAutofit/>
-          </a:bodyPr>
+          <a:bodyPr rtlCol="0" anchor="ctr"/>
           <a:lstStyle/>
           <a:p>
-            <a:pPr algn="ctr"/>
-            <a:endParaRPr lang="en-US"/>
+            <a:pPr marL="0" marR="0" lvl="0" indent="0" algn="ctr" defTabSz="914400" rtl="0" eaLnBrk="1" fontAlgn="auto" latinLnBrk="0" hangingPunct="1">
+              <a:lnSpc>
+                <a:spcPct val="100000"/>
+              </a:lnSpc>
+              <a:spcBef>
+                <a:spcPts val="0"/>
+              </a:spcBef>
+              <a:spcAft>
+                <a:spcPts val="0"/>
+              </a:spcAft>
+              <a:buClrTx/>
+              <a:buSzTx/>
+              <a:buFontTx/>
+              <a:buNone/>
+              <a:tabLst/>
+              <a:defRPr/>
+            </a:pPr>
+            <a:endParaRPr kumimoji="0" lang="en-US" sz="1800" b="0" i="0" u="none" strike="noStrike" kern="1200" cap="none" spc="0" normalizeH="0" baseline="0" noProof="0">
+              <a:ln>
+                <a:noFill/>
+              </a:ln>
+              <a:solidFill>
+                <a:prstClr val="white"/>
+              </a:solidFill>
+              <a:effectLst/>
+              <a:uLnTx/>
+              <a:uFillTx/>
+              <a:latin typeface="Calibri" panose="020F0502020204030204"/>
+              <a:ea typeface="+mn-ea"/>
+              <a:cs typeface="+mn-cs"/>
+            </a:endParaRPr>
           </a:p>
         </p:txBody>
       </p:sp>
-      <p:sp>
+      <p:sp useBgFill="1">
         <p:nvSpPr>
-          <p:cNvPr id="12" name="Right Triangle 11">
+          <p:cNvPr id="25" name="Rectangle 24">
             <a:extLst>
               <a:ext uri="{FF2B5EF4-FFF2-40B4-BE49-F238E27FC236}">
-                <a16:creationId xmlns:a16="http://schemas.microsoft.com/office/drawing/2014/main" id="{5298780A-33B9-4EA2-8F67-DE68AD62841B}"/>
+                <a16:creationId xmlns:a16="http://schemas.microsoft.com/office/drawing/2014/main" id="{8E0105E7-23DB-4CF2-8258-FF47C7620F6E}"/>
               </a:ext>
               <a:ext uri="{C183D7F6-B498-43B3-948B-1728B52AA6E4}">
                 <adec:decorative xmlns:adec="http://schemas.microsoft.com/office/drawing/2017/decorative" val="1"/>
@@ -3961,15 +9669,140 @@
           </p:nvPr>
         </p:nvSpPr>
         <p:spPr>
-          <a:xfrm flipH="1">
-            <a:off x="8576720" y="3335867"/>
-            <a:ext cx="3291840" cy="3200400"/>
+          <a:xfrm>
+            <a:off x="566928" y="0"/>
+            <a:ext cx="11155680" cy="2011680"/>
           </a:xfrm>
-          <a:prstGeom prst="rtTriangle">
+          <a:prstGeom prst="rect">
+            <a:avLst/>
+          </a:prstGeom>
+          <a:ln w="9525">
+            <a:noFill/>
+          </a:ln>
+          <a:effectLst/>
+        </p:spPr>
+        <p:style>
+          <a:lnRef idx="2">
+            <a:schemeClr val="accent1">
+              <a:shade val="50000"/>
+            </a:schemeClr>
+          </a:lnRef>
+          <a:fillRef idx="1">
+            <a:schemeClr val="accent1"/>
+          </a:fillRef>
+          <a:effectRef idx="0">
+            <a:schemeClr val="accent1"/>
+          </a:effectRef>
+          <a:fontRef idx="minor">
+            <a:schemeClr val="lt1"/>
+          </a:fontRef>
+        </p:style>
+        <p:txBody>
+          <a:bodyPr rtlCol="0" anchor="ctr"/>
+          <a:lstStyle/>
+          <a:p>
+            <a:pPr marL="0" marR="0" lvl="0" indent="0" algn="ctr" defTabSz="914400" rtl="0" eaLnBrk="1" fontAlgn="auto" latinLnBrk="0" hangingPunct="1">
+              <a:lnSpc>
+                <a:spcPct val="100000"/>
+              </a:lnSpc>
+              <a:spcBef>
+                <a:spcPts val="0"/>
+              </a:spcBef>
+              <a:spcAft>
+                <a:spcPts val="0"/>
+              </a:spcAft>
+              <a:buClrTx/>
+              <a:buSzTx/>
+              <a:buFontTx/>
+              <a:buNone/>
+              <a:tabLst/>
+              <a:defRPr/>
+            </a:pPr>
+            <a:endParaRPr kumimoji="0" lang="en-US" sz="1800" b="0" i="0" u="none" strike="noStrike" kern="1200" cap="none" spc="0" normalizeH="0" baseline="0" noProof="0">
+              <a:ln>
+                <a:noFill/>
+              </a:ln>
+              <a:solidFill>
+                <a:prstClr val="white"/>
+              </a:solidFill>
+              <a:effectLst/>
+              <a:uLnTx/>
+              <a:uFillTx/>
+              <a:latin typeface="Calibri" panose="020F0502020204030204"/>
+              <a:ea typeface="+mn-ea"/>
+              <a:cs typeface="+mn-cs"/>
+            </a:endParaRPr>
+          </a:p>
+        </p:txBody>
+      </p:sp>
+      <p:sp>
+        <p:nvSpPr>
+          <p:cNvPr id="2" name="Titel 1">
+            <a:extLst>
+              <a:ext uri="{FF2B5EF4-FFF2-40B4-BE49-F238E27FC236}">
+                <a16:creationId xmlns:a16="http://schemas.microsoft.com/office/drawing/2014/main" id="{ADD12E77-E594-49C3-A09D-DDD3983E10B6}"/>
+              </a:ext>
+            </a:extLst>
+          </p:cNvPr>
+          <p:cNvSpPr>
+            <a:spLocks noGrp="1"/>
+          </p:cNvSpPr>
+          <p:nvPr>
+            <p:ph type="title"/>
+          </p:nvPr>
+        </p:nvSpPr>
+        <p:spPr>
+          <a:xfrm>
+            <a:off x="1115568" y="548640"/>
+            <a:ext cx="10168128" cy="1179576"/>
+          </a:xfrm>
+        </p:spPr>
+        <p:txBody>
+          <a:bodyPr>
+            <a:normAutofit/>
+          </a:bodyPr>
+          <a:lstStyle/>
+          <a:p>
+            <a:r>
+              <a:rPr lang="de-AT" sz="4000"/>
+              <a:t>Why?	</a:t>
+            </a:r>
+          </a:p>
+        </p:txBody>
+      </p:sp>
+      <p:sp>
+        <p:nvSpPr>
+          <p:cNvPr id="27" name="Rectangle 26">
+            <a:extLst>
+              <a:ext uri="{FF2B5EF4-FFF2-40B4-BE49-F238E27FC236}">
+                <a16:creationId xmlns:a16="http://schemas.microsoft.com/office/drawing/2014/main" id="{074B4F7D-14B2-478B-8BF5-01E4E0C5D263}"/>
+              </a:ext>
+              <a:ext uri="{C183D7F6-B498-43B3-948B-1728B52AA6E4}">
+                <adec:decorative xmlns:adec="http://schemas.microsoft.com/office/drawing/2017/decorative" val="1"/>
+              </a:ext>
+            </a:extLst>
+          </p:cNvPr>
+          <p:cNvSpPr>
+            <a:spLocks noGrp="1" noRot="1" noChangeAspect="1" noMove="1" noResize="1" noEditPoints="1" noAdjustHandles="1" noChangeArrowheads="1" noChangeShapeType="1" noTextEdit="1"/>
+          </p:cNvSpPr>
+          <p:nvPr>
+            <p:extLst>
+              <p:ext uri="{386F3935-93C4-4BCD-93E2-E3B085C9AB24}">
+                <p16:designElem xmlns:p16="http://schemas.microsoft.com/office/powerpoint/2015/main" val="1"/>
+              </p:ext>
+            </p:extLst>
+          </p:nvPr>
+        </p:nvSpPr>
+        <p:spPr>
+          <a:xfrm>
+            <a:off x="498834" y="758952"/>
+            <a:ext cx="128016" cy="704088"/>
+          </a:xfrm>
+          <a:prstGeom prst="rect">
             <a:avLst/>
           </a:prstGeom>
           <a:solidFill>
-            <a:schemeClr val="accent4"/>
+            <a:schemeClr val="accent2"/>
           </a:solidFill>
           <a:ln>
             <a:noFill/>
@@ -3996,162 +9829,15 @@
           <a:lstStyle/>
           <a:p>
             <a:pPr algn="ctr"/>
-            <a:endParaRPr lang="en-US" dirty="0"/>
+            <a:endParaRPr lang="en-US">
+              <a:solidFill>
+                <a:prstClr val="white"/>
+              </a:solidFill>
+              <a:latin typeface="Calibri" panose="020F0502020204030204"/>
+            </a:endParaRPr>
           </a:p>
         </p:txBody>
       </p:sp>
-      <p:sp>
-        <p:nvSpPr>
-          <p:cNvPr id="14" name="Rectangle 13">
-            <a:extLst>
-              <a:ext uri="{FF2B5EF4-FFF2-40B4-BE49-F238E27FC236}">
-                <a16:creationId xmlns:a16="http://schemas.microsoft.com/office/drawing/2014/main" id="{7F488E8B-4E1E-4402-8935-D4E6C02615C7}"/>
-              </a:ext>
-              <a:ext uri="{C183D7F6-B498-43B3-948B-1728B52AA6E4}">
-                <adec:decorative xmlns:adec="http://schemas.microsoft.com/office/drawing/2017/decorative" val="1"/>
-              </a:ext>
-            </a:extLst>
-          </p:cNvPr>
-          <p:cNvSpPr>
-            <a:spLocks noGrp="1" noRot="1" noChangeAspect="1" noMove="1" noResize="1" noEditPoints="1" noAdjustHandles="1" noChangeArrowheads="1" noChangeShapeType="1" noTextEdit="1"/>
-          </p:cNvSpPr>
-          <p:nvPr>
-            <p:extLst>
-              <p:ext uri="{386F3935-93C4-4BCD-93E2-E3B085C9AB24}">
-                <p16:designElem xmlns:p16="http://schemas.microsoft.com/office/powerpoint/2015/main" val="1"/>
-              </p:ext>
-            </p:extLst>
-          </p:nvPr>
-        </p:nvSpPr>
-        <p:spPr>
-          <a:xfrm>
-            <a:off x="641774" y="623275"/>
-            <a:ext cx="10905053" cy="5607882"/>
-          </a:xfrm>
-          <a:prstGeom prst="rect">
-            <a:avLst/>
-          </a:prstGeom>
-          <a:noFill/>
-          <a:ln w="19050">
-            <a:noFill/>
-          </a:ln>
-        </p:spPr>
-        <p:style>
-          <a:lnRef idx="2">
-            <a:schemeClr val="accent1">
-              <a:shade val="50000"/>
-            </a:schemeClr>
-          </a:lnRef>
-          <a:fillRef idx="1">
-            <a:schemeClr val="accent1"/>
-          </a:fillRef>
-          <a:effectRef idx="0">
-            <a:schemeClr val="accent1"/>
-          </a:effectRef>
-          <a:fontRef idx="minor">
-            <a:schemeClr val="lt1"/>
-          </a:fontRef>
-        </p:style>
-        <p:txBody>
-          <a:bodyPr rtlCol="0" anchor="ctr"/>
-          <a:lstStyle/>
-          <a:p>
-            <a:pPr algn="ctr"/>
-            <a:endParaRPr lang="en-US"/>
-          </a:p>
-        </p:txBody>
-      </p:sp>
-      <p:sp>
-        <p:nvSpPr>
-          <p:cNvPr id="2" name="Titel 1">
-            <a:extLst>
-              <a:ext uri="{FF2B5EF4-FFF2-40B4-BE49-F238E27FC236}">
-                <a16:creationId xmlns:a16="http://schemas.microsoft.com/office/drawing/2014/main" id="{ADD12E77-E594-49C3-A09D-DDD3983E10B6}"/>
-              </a:ext>
-            </a:extLst>
-          </p:cNvPr>
-          <p:cNvSpPr>
-            <a:spLocks noGrp="1"/>
-          </p:cNvSpPr>
-          <p:nvPr>
-            <p:ph type="title"/>
-          </p:nvPr>
-        </p:nvSpPr>
-        <p:spPr>
-          <a:xfrm>
-            <a:off x="1006900" y="1188637"/>
-            <a:ext cx="3141430" cy="4480726"/>
-          </a:xfrm>
-        </p:spPr>
-        <p:txBody>
-          <a:bodyPr>
-            <a:normAutofit/>
-          </a:bodyPr>
-          <a:lstStyle/>
-          <a:p>
-            <a:pPr algn="r"/>
-            <a:r>
-              <a:rPr lang="de-AT" sz="6600"/>
-              <a:t>Why?	</a:t>
-            </a:r>
-          </a:p>
-        </p:txBody>
-      </p:sp>
-      <p:cxnSp>
-        <p:nvCxnSpPr>
-          <p:cNvPr id="16" name="Straight Connector 15">
-            <a:extLst>
-              <a:ext uri="{FF2B5EF4-FFF2-40B4-BE49-F238E27FC236}">
-                <a16:creationId xmlns:a16="http://schemas.microsoft.com/office/drawing/2014/main" id="{23AAC9B5-8015-485C-ACF9-A750390E9A56}"/>
-              </a:ext>
-              <a:ext uri="{C183D7F6-B498-43B3-948B-1728B52AA6E4}">
-                <adec:decorative xmlns:adec="http://schemas.microsoft.com/office/drawing/2017/decorative" val="1"/>
-              </a:ext>
-            </a:extLst>
-          </p:cNvPr>
-          <p:cNvCxnSpPr>
-            <a:cxnSpLocks noGrp="1" noRot="1" noChangeAspect="1" noMove="1" noResize="1" noEditPoints="1" noAdjustHandles="1" noChangeArrowheads="1" noChangeShapeType="1"/>
-          </p:cNvCxnSpPr>
-          <p:nvPr>
-            <p:extLst>
-              <p:ext uri="{386F3935-93C4-4BCD-93E2-E3B085C9AB24}">
-                <p16:designElem xmlns:p16="http://schemas.microsoft.com/office/powerpoint/2015/main" val="1"/>
-              </p:ext>
-            </p:extLst>
-          </p:nvPr>
-        </p:nvCxnSpPr>
-        <p:spPr>
-          <a:xfrm>
-            <a:off x="4654296" y="1852863"/>
-            <a:ext cx="0" cy="3236495"/>
-          </a:xfrm>
-          <a:prstGeom prst="line">
-            <a:avLst/>
-          </a:prstGeom>
-          <a:ln w="19050" cap="sq">
-            <a:solidFill>
-              <a:schemeClr val="tx1">
-                <a:lumMod val="75000"/>
-                <a:lumOff val="25000"/>
-              </a:schemeClr>
-            </a:solidFill>
-          </a:ln>
-        </p:spPr>
-        <p:style>
-          <a:lnRef idx="1">
-            <a:schemeClr val="accent1"/>
-          </a:lnRef>
-          <a:fillRef idx="0">
-            <a:schemeClr val="accent1"/>
-          </a:fillRef>
-          <a:effectRef idx="0">
-            <a:schemeClr val="accent1"/>
-          </a:effectRef>
-          <a:fontRef idx="minor">
-            <a:schemeClr val="tx1"/>
-          </a:fontRef>
-        </p:style>
-      </p:cxnSp>
       <p:sp>
         <p:nvSpPr>
           <p:cNvPr id="3" name="Inhaltsplatzhalter 2">
@@ -4170,43 +9856,129 @@
         </p:nvSpPr>
         <p:spPr>
           <a:xfrm>
-            <a:off x="5138928" y="1338729"/>
-            <a:ext cx="4795584" cy="4180542"/>
+            <a:off x="1115568" y="2481943"/>
+            <a:ext cx="10168128" cy="3695020"/>
           </a:xfrm>
         </p:spPr>
         <p:txBody>
-          <a:bodyPr anchor="ctr">
+          <a:bodyPr>
             <a:normAutofit/>
           </a:bodyPr>
           <a:lstStyle/>
           <a:p>
             <a:r>
-              <a:rPr lang="de-AT" sz="2400"/>
-              <a:t>Recommendations are everywhere</a:t>
-            </a:r>
-          </a:p>
-          <a:p>
-            <a:r>
-              <a:rPr lang="de-AT" sz="2400"/>
-              <a:t>Music industry is very popular </a:t>
-            </a:r>
-          </a:p>
-          <a:p>
-            <a:r>
-              <a:rPr lang="de-AT" sz="2400"/>
-              <a:t>Fast paced industry</a:t>
-            </a:r>
-          </a:p>
-          <a:p>
-            <a:r>
-              <a:rPr lang="de-AT" sz="2400"/>
+              <a:rPr lang="de-AT" sz="3200" dirty="0" err="1"/>
+              <a:t>Recommendations</a:t>
+            </a:r>
+            <a:r>
+              <a:rPr lang="de-AT" sz="3200" dirty="0"/>
+              <a:t> </a:t>
+            </a:r>
+            <a:r>
+              <a:rPr lang="de-AT" sz="3200" dirty="0" err="1"/>
+              <a:t>are</a:t>
+            </a:r>
+            <a:r>
+              <a:rPr lang="de-AT" sz="3200" dirty="0"/>
+              <a:t> </a:t>
+            </a:r>
+            <a:r>
+              <a:rPr lang="de-AT" sz="3200" dirty="0" err="1"/>
+              <a:t>everywhere</a:t>
+            </a:r>
+            <a:endParaRPr lang="de-AT" sz="3200" dirty="0"/>
+          </a:p>
+          <a:p>
+            <a:r>
+              <a:rPr lang="de-AT" sz="3200" dirty="0"/>
+              <a:t>Music </a:t>
+            </a:r>
+            <a:r>
+              <a:rPr lang="de-AT" sz="3200" dirty="0" err="1"/>
+              <a:t>industry</a:t>
+            </a:r>
+            <a:r>
+              <a:rPr lang="de-AT" sz="3200" dirty="0"/>
+              <a:t> </a:t>
+            </a:r>
+            <a:r>
+              <a:rPr lang="de-AT" sz="3200" dirty="0" err="1"/>
+              <a:t>is</a:t>
+            </a:r>
+            <a:r>
+              <a:rPr lang="de-AT" sz="3200" dirty="0"/>
+              <a:t> </a:t>
+            </a:r>
+            <a:r>
+              <a:rPr lang="de-AT" sz="3200" dirty="0" err="1"/>
+              <a:t>very</a:t>
+            </a:r>
+            <a:r>
+              <a:rPr lang="de-AT" sz="3200" dirty="0"/>
+              <a:t> </a:t>
+            </a:r>
+            <a:r>
+              <a:rPr lang="de-AT" sz="3200" dirty="0" err="1"/>
+              <a:t>popular</a:t>
+            </a:r>
+            <a:r>
+              <a:rPr lang="de-AT" sz="3200" dirty="0"/>
+              <a:t> </a:t>
+            </a:r>
+          </a:p>
+          <a:p>
+            <a:r>
+              <a:rPr lang="de-AT" sz="3200" dirty="0"/>
+              <a:t>Fast </a:t>
+            </a:r>
+            <a:r>
+              <a:rPr lang="de-AT" sz="3200" dirty="0" err="1"/>
+              <a:t>paced</a:t>
+            </a:r>
+            <a:r>
+              <a:rPr lang="de-AT" sz="3200" dirty="0"/>
+              <a:t> </a:t>
+            </a:r>
+            <a:r>
+              <a:rPr lang="de-AT" sz="3200" dirty="0" err="1"/>
+              <a:t>industry</a:t>
+            </a:r>
+            <a:endParaRPr lang="de-AT" sz="3200" dirty="0"/>
+          </a:p>
+          <a:p>
+            <a:r>
+              <a:rPr lang="de-AT" sz="3200" dirty="0"/>
               <a:t>Breakthroughs in AI</a:t>
             </a:r>
           </a:p>
           <a:p>
             <a:r>
-              <a:rPr lang="de-AT" sz="2400"/>
-              <a:t>Are we there yet?</a:t>
+              <a:rPr lang="de-AT" sz="3200" dirty="0"/>
+              <a:t>Are </a:t>
+            </a:r>
+            <a:r>
+              <a:rPr lang="de-AT" sz="3200" dirty="0" err="1"/>
+              <a:t>we</a:t>
+            </a:r>
+            <a:r>
+              <a:rPr lang="de-AT" sz="3200" dirty="0"/>
+              <a:t> </a:t>
+            </a:r>
+            <a:r>
+              <a:rPr lang="de-AT" sz="3200" dirty="0" err="1"/>
+              <a:t>there</a:t>
+            </a:r>
+            <a:r>
+              <a:rPr lang="de-AT" sz="3200" dirty="0"/>
+              <a:t> </a:t>
+            </a:r>
+            <a:r>
+              <a:rPr lang="de-AT" sz="3200" dirty="0" err="1"/>
+              <a:t>yet</a:t>
+            </a:r>
+            <a:r>
+              <a:rPr lang="de-AT" sz="3200" dirty="0"/>
+              <a:t>?</a:t>
             </a:r>
           </a:p>
         </p:txBody>
@@ -4225,432 +9997,6 @@
 </file>
 
 <file path=ppt/slides/slide3.xml><?xml version="1.0" encoding="utf-8"?>
-<p:sld xmlns:a="http://schemas.openxmlformats.org/drawingml/2006/main" xmlns:r="http://schemas.openxmlformats.org/officeDocument/2006/relationships" xmlns:p="http://schemas.openxmlformats.org/presentationml/2006/main">
-  <p:cSld>
-    <p:spTree>
-      <p:nvGrpSpPr>
-        <p:cNvPr id="1" name=""/>
-        <p:cNvGrpSpPr/>
-        <p:nvPr/>
-      </p:nvGrpSpPr>
-      <p:grpSpPr>
-        <a:xfrm>
-          <a:off x="0" y="0"/>
-          <a:ext cx="0" cy="0"/>
-          <a:chOff x="0" y="0"/>
-          <a:chExt cx="0" cy="0"/>
-        </a:xfrm>
-      </p:grpSpPr>
-      <p:sp>
-        <p:nvSpPr>
-          <p:cNvPr id="2" name="Titel 1">
-            <a:extLst>
-              <a:ext uri="{FF2B5EF4-FFF2-40B4-BE49-F238E27FC236}">
-                <a16:creationId xmlns:a16="http://schemas.microsoft.com/office/drawing/2014/main" id="{3E398CFA-6A8C-24AE-89F8-1CE1DDEC4D01}"/>
-              </a:ext>
-            </a:extLst>
-          </p:cNvPr>
-          <p:cNvSpPr>
-            <a:spLocks noGrp="1"/>
-          </p:cNvSpPr>
-          <p:nvPr>
-            <p:ph type="title"/>
-          </p:nvPr>
-        </p:nvSpPr>
-        <p:spPr/>
-        <p:txBody>
-          <a:bodyPr/>
-          <a:lstStyle/>
-          <a:p>
-            <a:r>
-              <a:rPr lang="de-DE" dirty="0" err="1"/>
-              <a:t>Categories</a:t>
-            </a:r>
-            <a:endParaRPr lang="de-DE" dirty="0"/>
-          </a:p>
-        </p:txBody>
-      </p:sp>
-      <p:sp>
-        <p:nvSpPr>
-          <p:cNvPr id="3" name="Inhaltsplatzhalter 2">
-            <a:extLst>
-              <a:ext uri="{FF2B5EF4-FFF2-40B4-BE49-F238E27FC236}">
-                <a16:creationId xmlns:a16="http://schemas.microsoft.com/office/drawing/2014/main" id="{55CFE2A8-23CB-6540-B9A3-8F7A55C52C1F}"/>
-              </a:ext>
-            </a:extLst>
-          </p:cNvPr>
-          <p:cNvSpPr>
-            <a:spLocks noGrp="1"/>
-          </p:cNvSpPr>
-          <p:nvPr>
-            <p:ph idx="1"/>
-          </p:nvPr>
-        </p:nvSpPr>
-        <p:spPr/>
-        <p:txBody>
-          <a:bodyPr/>
-          <a:lstStyle/>
-          <a:p>
-            <a:r>
-              <a:rPr lang="de-DE" dirty="0"/>
-              <a:t>Collaborative </a:t>
-            </a:r>
-            <a:r>
-              <a:rPr lang="de-DE" dirty="0" err="1"/>
-              <a:t>filtering</a:t>
-            </a:r>
-            <a:endParaRPr lang="de-DE" dirty="0"/>
-          </a:p>
-          <a:p>
-            <a:r>
-              <a:rPr lang="de-DE" dirty="0"/>
-              <a:t>Content-</a:t>
-            </a:r>
-            <a:r>
-              <a:rPr lang="de-DE" dirty="0" err="1"/>
-              <a:t>based</a:t>
-            </a:r>
-            <a:r>
-              <a:rPr lang="de-DE" dirty="0"/>
-              <a:t> </a:t>
-            </a:r>
-            <a:r>
-              <a:rPr lang="de-DE" dirty="0" err="1"/>
-              <a:t>filtering</a:t>
-            </a:r>
-            <a:endParaRPr lang="de-DE" dirty="0"/>
-          </a:p>
-          <a:p>
-            <a:r>
-              <a:rPr lang="de-DE" dirty="0"/>
-              <a:t>Knowledge-</a:t>
-            </a:r>
-            <a:r>
-              <a:rPr lang="de-DE" dirty="0" err="1"/>
-              <a:t>based</a:t>
-            </a:r>
-            <a:r>
-              <a:rPr lang="de-DE" dirty="0"/>
-              <a:t> </a:t>
-            </a:r>
-            <a:r>
-              <a:rPr lang="de-DE" dirty="0" err="1"/>
-              <a:t>recommendations</a:t>
-            </a:r>
-            <a:endParaRPr lang="de-DE" dirty="0"/>
-          </a:p>
-          <a:p>
-            <a:r>
-              <a:rPr lang="de-DE" dirty="0"/>
-              <a:t>Hybrid </a:t>
-            </a:r>
-            <a:r>
-              <a:rPr lang="de-DE" dirty="0" err="1"/>
-              <a:t>recommendations</a:t>
-            </a:r>
-            <a:endParaRPr lang="de-DE" dirty="0"/>
-          </a:p>
-        </p:txBody>
-      </p:sp>
-    </p:spTree>
-    <p:extLst>
-      <p:ext uri="{BB962C8B-B14F-4D97-AF65-F5344CB8AC3E}">
-        <p14:creationId xmlns:p14="http://schemas.microsoft.com/office/powerpoint/2010/main" val="948448861"/>
-      </p:ext>
-    </p:extLst>
-  </p:cSld>
-  <p:clrMapOvr>
-    <a:masterClrMapping/>
-  </p:clrMapOvr>
-</p:sld>
-</file>
-
-<file path=ppt/slides/slide4.xml><?xml version="1.0" encoding="utf-8"?>
-<p:sld xmlns:a="http://schemas.openxmlformats.org/drawingml/2006/main" xmlns:r="http://schemas.openxmlformats.org/officeDocument/2006/relationships" xmlns:p="http://schemas.openxmlformats.org/presentationml/2006/main">
-  <p:cSld>
-    <p:spTree>
-      <p:nvGrpSpPr>
-        <p:cNvPr id="1" name=""/>
-        <p:cNvGrpSpPr/>
-        <p:nvPr/>
-      </p:nvGrpSpPr>
-      <p:grpSpPr>
-        <a:xfrm>
-          <a:off x="0" y="0"/>
-          <a:ext cx="0" cy="0"/>
-          <a:chOff x="0" y="0"/>
-          <a:chExt cx="0" cy="0"/>
-        </a:xfrm>
-      </p:grpSpPr>
-      <p:sp>
-        <p:nvSpPr>
-          <p:cNvPr id="2" name="Titel 1">
-            <a:extLst>
-              <a:ext uri="{FF2B5EF4-FFF2-40B4-BE49-F238E27FC236}">
-                <a16:creationId xmlns:a16="http://schemas.microsoft.com/office/drawing/2014/main" id="{989EF6F6-AA6A-4DD8-9025-659CFC0C0AE4}"/>
-              </a:ext>
-            </a:extLst>
-          </p:cNvPr>
-          <p:cNvSpPr>
-            <a:spLocks noGrp="1"/>
-          </p:cNvSpPr>
-          <p:nvPr>
-            <p:ph type="title"/>
-          </p:nvPr>
-        </p:nvSpPr>
-        <p:spPr/>
-        <p:txBody>
-          <a:bodyPr/>
-          <a:lstStyle/>
-          <a:p>
-            <a:r>
-              <a:rPr lang="de-AT" dirty="0"/>
-              <a:t>State-</a:t>
-            </a:r>
-            <a:r>
-              <a:rPr lang="de-AT" dirty="0" err="1"/>
-              <a:t>of</a:t>
-            </a:r>
-            <a:r>
-              <a:rPr lang="de-AT" dirty="0"/>
-              <a:t>-</a:t>
-            </a:r>
-            <a:r>
-              <a:rPr lang="de-AT" dirty="0" err="1"/>
-              <a:t>the</a:t>
-            </a:r>
-            <a:r>
-              <a:rPr lang="de-AT" dirty="0"/>
-              <a:t>-art </a:t>
-            </a:r>
-          </a:p>
-        </p:txBody>
-      </p:sp>
-      <p:sp>
-        <p:nvSpPr>
-          <p:cNvPr id="3" name="Inhaltsplatzhalter 2">
-            <a:extLst>
-              <a:ext uri="{FF2B5EF4-FFF2-40B4-BE49-F238E27FC236}">
-                <a16:creationId xmlns:a16="http://schemas.microsoft.com/office/drawing/2014/main" id="{E31A742B-BEFF-49E8-AE4A-ECEA9011C68E}"/>
-              </a:ext>
-            </a:extLst>
-          </p:cNvPr>
-          <p:cNvSpPr>
-            <a:spLocks noGrp="1"/>
-          </p:cNvSpPr>
-          <p:nvPr>
-            <p:ph idx="1"/>
-          </p:nvPr>
-        </p:nvSpPr>
-        <p:spPr/>
-        <p:txBody>
-          <a:bodyPr>
-            <a:normAutofit lnSpcReduction="10000"/>
-          </a:bodyPr>
-          <a:lstStyle/>
-          <a:p>
-            <a:r>
-              <a:rPr lang="de-AT" dirty="0"/>
-              <a:t>Personality, </a:t>
-            </a:r>
-            <a:r>
-              <a:rPr lang="de-AT" dirty="0" err="1"/>
-              <a:t>mood</a:t>
-            </a:r>
-            <a:endParaRPr lang="de-AT" dirty="0"/>
-          </a:p>
-          <a:p>
-            <a:r>
-              <a:rPr lang="de-AT" dirty="0" err="1"/>
-              <a:t>Facial</a:t>
-            </a:r>
-            <a:r>
-              <a:rPr lang="de-AT" dirty="0"/>
-              <a:t> </a:t>
-            </a:r>
-            <a:r>
-              <a:rPr lang="de-AT" dirty="0" err="1"/>
-              <a:t>expressions</a:t>
-            </a:r>
-            <a:endParaRPr lang="de-AT" dirty="0"/>
-          </a:p>
-          <a:p>
-            <a:endParaRPr lang="de-AT" dirty="0"/>
-          </a:p>
-          <a:p>
-            <a:endParaRPr lang="de-AT" dirty="0"/>
-          </a:p>
-          <a:p>
-            <a:r>
-              <a:rPr lang="de-AT" dirty="0"/>
-              <a:t>Tackle </a:t>
-            </a:r>
-            <a:r>
-              <a:rPr lang="de-AT" dirty="0" err="1"/>
-              <a:t>current</a:t>
-            </a:r>
-            <a:r>
-              <a:rPr lang="de-AT" dirty="0"/>
-              <a:t> </a:t>
-            </a:r>
-            <a:r>
-              <a:rPr lang="de-AT" dirty="0" err="1"/>
-              <a:t>limitations</a:t>
-            </a:r>
-            <a:r>
-              <a:rPr lang="de-AT" dirty="0"/>
-              <a:t> </a:t>
-            </a:r>
-          </a:p>
-          <a:p>
-            <a:pPr marL="0" indent="0">
-              <a:buNone/>
-            </a:pPr>
-            <a:endParaRPr lang="de-AT" dirty="0"/>
-          </a:p>
-          <a:p>
-            <a:endParaRPr lang="de-AT" dirty="0"/>
-          </a:p>
-          <a:p>
-            <a:r>
-              <a:rPr lang="de-AT" dirty="0"/>
-              <a:t>Personality </a:t>
-            </a:r>
-            <a:r>
-              <a:rPr lang="de-AT" dirty="0" err="1"/>
-              <a:t>bias</a:t>
-            </a:r>
-            <a:endParaRPr lang="de-AT" dirty="0"/>
-          </a:p>
-          <a:p>
-            <a:r>
-              <a:rPr lang="de-AT" dirty="0"/>
-              <a:t>Gender </a:t>
-            </a:r>
-            <a:r>
-              <a:rPr lang="de-AT" dirty="0" err="1"/>
-              <a:t>bias</a:t>
-            </a:r>
-            <a:r>
-              <a:rPr lang="de-AT" dirty="0"/>
-              <a:t> </a:t>
-            </a:r>
-          </a:p>
-        </p:txBody>
-      </p:sp>
-    </p:spTree>
-    <p:extLst>
-      <p:ext uri="{BB962C8B-B14F-4D97-AF65-F5344CB8AC3E}">
-        <p14:creationId xmlns:p14="http://schemas.microsoft.com/office/powerpoint/2010/main" val="3775381770"/>
-      </p:ext>
-    </p:extLst>
-  </p:cSld>
-  <p:clrMapOvr>
-    <a:masterClrMapping/>
-  </p:clrMapOvr>
-</p:sld>
-</file>
-
-<file path=ppt/slides/slide5.xml><?xml version="1.0" encoding="utf-8"?>
-<p:sld xmlns:a="http://schemas.openxmlformats.org/drawingml/2006/main" xmlns:r="http://schemas.openxmlformats.org/officeDocument/2006/relationships" xmlns:p="http://schemas.openxmlformats.org/presentationml/2006/main">
-  <p:cSld>
-    <p:spTree>
-      <p:nvGrpSpPr>
-        <p:cNvPr id="1" name=""/>
-        <p:cNvGrpSpPr/>
-        <p:nvPr/>
-      </p:nvGrpSpPr>
-      <p:grpSpPr>
-        <a:xfrm>
-          <a:off x="0" y="0"/>
-          <a:ext cx="0" cy="0"/>
-          <a:chOff x="0" y="0"/>
-          <a:chExt cx="0" cy="0"/>
-        </a:xfrm>
-      </p:grpSpPr>
-      <p:sp>
-        <p:nvSpPr>
-          <p:cNvPr id="2" name="Titel 1">
-            <a:extLst>
-              <a:ext uri="{FF2B5EF4-FFF2-40B4-BE49-F238E27FC236}">
-                <a16:creationId xmlns:a16="http://schemas.microsoft.com/office/drawing/2014/main" id="{3FA8690F-3219-4D30-9A7E-15B7F83FFB6A}"/>
-              </a:ext>
-            </a:extLst>
-          </p:cNvPr>
-          <p:cNvSpPr>
-            <a:spLocks noGrp="1"/>
-          </p:cNvSpPr>
-          <p:nvPr>
-            <p:ph type="title"/>
-          </p:nvPr>
-        </p:nvSpPr>
-        <p:spPr/>
-        <p:txBody>
-          <a:bodyPr/>
-          <a:lstStyle/>
-          <a:p>
-            <a:r>
-              <a:rPr lang="de-AT" dirty="0"/>
-              <a:t>Grob </a:t>
-            </a:r>
-            <a:r>
-              <a:rPr lang="de-AT" dirty="0" err="1"/>
-              <a:t>paper</a:t>
-            </a:r>
-            <a:r>
-              <a:rPr lang="de-AT" dirty="0"/>
-              <a:t> </a:t>
-            </a:r>
-            <a:r>
-              <a:rPr lang="de-AT" dirty="0" err="1"/>
-              <a:t>approaches</a:t>
-            </a:r>
-            <a:r>
-              <a:rPr lang="de-AT" dirty="0"/>
-              <a:t> herzeigen</a:t>
-            </a:r>
-          </a:p>
-        </p:txBody>
-      </p:sp>
-      <p:sp>
-        <p:nvSpPr>
-          <p:cNvPr id="3" name="Inhaltsplatzhalter 2">
-            <a:extLst>
-              <a:ext uri="{FF2B5EF4-FFF2-40B4-BE49-F238E27FC236}">
-                <a16:creationId xmlns:a16="http://schemas.microsoft.com/office/drawing/2014/main" id="{AFD20D00-204E-448E-9E55-7FBA5A50FEB8}"/>
-              </a:ext>
-            </a:extLst>
-          </p:cNvPr>
-          <p:cNvSpPr>
-            <a:spLocks noGrp="1"/>
-          </p:cNvSpPr>
-          <p:nvPr>
-            <p:ph idx="1"/>
-          </p:nvPr>
-        </p:nvSpPr>
-        <p:spPr/>
-        <p:txBody>
-          <a:bodyPr/>
-          <a:lstStyle/>
-          <a:p>
-            <a:endParaRPr lang="de-AT"/>
-          </a:p>
-        </p:txBody>
-      </p:sp>
-    </p:spTree>
-    <p:extLst>
-      <p:ext uri="{BB962C8B-B14F-4D97-AF65-F5344CB8AC3E}">
-        <p14:creationId xmlns:p14="http://schemas.microsoft.com/office/powerpoint/2010/main" val="1214727529"/>
-      </p:ext>
-    </p:extLst>
-  </p:cSld>
-  <p:clrMapOvr>
-    <a:masterClrMapping/>
-  </p:clrMapOvr>
-</p:sld>
-</file>
-
-<file path=ppt/slides/slide6.xml><?xml version="1.0" encoding="utf-8"?>
 <p:sld xmlns:a="http://schemas.openxmlformats.org/drawingml/2006/main" xmlns:r="http://schemas.openxmlformats.org/officeDocument/2006/relationships" xmlns:p="http://schemas.openxmlformats.org/presentationml/2006/main">
   <p:cSld>
     <p:bg>
@@ -4677,10 +10023,10 @@
       </p:grpSpPr>
       <p:sp useBgFill="1">
         <p:nvSpPr>
-          <p:cNvPr id="28" name="Rectangle 20">
+          <p:cNvPr id="8" name="Rectangle 7">
             <a:extLst>
               <a:ext uri="{FF2B5EF4-FFF2-40B4-BE49-F238E27FC236}">
-                <a16:creationId xmlns:a16="http://schemas.microsoft.com/office/drawing/2014/main" id="{081EA652-8C6A-4E69-BEB9-170809474553}"/>
+                <a16:creationId xmlns:a16="http://schemas.microsoft.com/office/drawing/2014/main" id="{DAF1966E-FD40-4A4A-B61B-C4DF7FA05F06}"/>
               </a:ext>
               <a:ext uri="{C183D7F6-B498-43B3-948B-1728B52AA6E4}">
                 <adec:decorative xmlns:adec="http://schemas.microsoft.com/office/drawing/2017/decorative" val="1"/>
@@ -4735,12 +10081,12 @@
           </a:p>
         </p:txBody>
       </p:sp>
-      <p:sp>
+      <p:sp useBgFill="1">
         <p:nvSpPr>
-          <p:cNvPr id="30" name="Freeform: Shape 22">
+          <p:cNvPr id="10" name="Rectangle 9">
             <a:extLst>
               <a:ext uri="{FF2B5EF4-FFF2-40B4-BE49-F238E27FC236}">
-                <a16:creationId xmlns:a16="http://schemas.microsoft.com/office/drawing/2014/main" id="{A4026A73-1F7F-49F2-B319-8CA3B3D53269}"/>
+                <a16:creationId xmlns:a16="http://schemas.microsoft.com/office/drawing/2014/main" id="{047BFA19-D45E-416B-A404-7AF2F3F27017}"/>
               </a:ext>
               <a:ext uri="{C183D7F6-B498-43B3-948B-1728B52AA6E4}">
                 <adec:decorative xmlns:adec="http://schemas.microsoft.com/office/drawing/2017/decorative" val="1"/>
@@ -4760,145 +10106,25 @@
         </p:nvSpPr>
         <p:spPr>
           <a:xfrm>
-            <a:off x="321732" y="321733"/>
-            <a:ext cx="11546828" cy="6214534"/>
+            <a:off x="558209" y="0"/>
+            <a:ext cx="11167447" cy="2018806"/>
           </a:xfrm>
-          <a:custGeom>
+          <a:prstGeom prst="rect">
             <a:avLst/>
-            <a:gdLst>
-              <a:gd name="connsiteX0" fmla="*/ 0 w 11546828"/>
-              <a:gd name="connsiteY0" fmla="*/ 0 h 6214534"/>
-              <a:gd name="connsiteX1" fmla="*/ 7965430 w 11546828"/>
-              <a:gd name="connsiteY1" fmla="*/ 0 h 6214534"/>
-              <a:gd name="connsiteX2" fmla="*/ 7965430 w 11546828"/>
-              <a:gd name="connsiteY2" fmla="*/ 1786 h 6214534"/>
-              <a:gd name="connsiteX3" fmla="*/ 11546828 w 11546828"/>
-              <a:gd name="connsiteY3" fmla="*/ 1786 h 6214534"/>
-              <a:gd name="connsiteX4" fmla="*/ 11546828 w 11546828"/>
-              <a:gd name="connsiteY4" fmla="*/ 2866740 h 6214534"/>
-              <a:gd name="connsiteX5" fmla="*/ 11225095 w 11546828"/>
-              <a:gd name="connsiteY5" fmla="*/ 3179536 h 6214534"/>
-              <a:gd name="connsiteX6" fmla="*/ 11225095 w 11546828"/>
-              <a:gd name="connsiteY6" fmla="*/ 301542 h 6214534"/>
-              <a:gd name="connsiteX7" fmla="*/ 320042 w 11546828"/>
-              <a:gd name="connsiteY7" fmla="*/ 301542 h 6214534"/>
-              <a:gd name="connsiteX8" fmla="*/ 320042 w 11546828"/>
-              <a:gd name="connsiteY8" fmla="*/ 5909424 h 6214534"/>
-              <a:gd name="connsiteX9" fmla="*/ 8417210 w 11546828"/>
-              <a:gd name="connsiteY9" fmla="*/ 5909424 h 6214534"/>
-              <a:gd name="connsiteX10" fmla="*/ 8103383 w 11546828"/>
-              <a:gd name="connsiteY10" fmla="*/ 6214534 h 6214534"/>
-              <a:gd name="connsiteX11" fmla="*/ 7222929 w 11546828"/>
-              <a:gd name="connsiteY11" fmla="*/ 6214534 h 6214534"/>
-              <a:gd name="connsiteX12" fmla="*/ 7222929 w 11546828"/>
-              <a:gd name="connsiteY12" fmla="*/ 6212748 h 6214534"/>
-              <a:gd name="connsiteX13" fmla="*/ 0 w 11546828"/>
-              <a:gd name="connsiteY13" fmla="*/ 6212748 h 6214534"/>
-            </a:gdLst>
-            <a:ahLst/>
-            <a:cxnLst>
-              <a:cxn ang="0">
-                <a:pos x="connsiteX0" y="connsiteY0"/>
-              </a:cxn>
-              <a:cxn ang="0">
-                <a:pos x="connsiteX1" y="connsiteY1"/>
-              </a:cxn>
-              <a:cxn ang="0">
-                <a:pos x="connsiteX2" y="connsiteY2"/>
-              </a:cxn>
-              <a:cxn ang="0">
-                <a:pos x="connsiteX3" y="connsiteY3"/>
-              </a:cxn>
-              <a:cxn ang="0">
-                <a:pos x="connsiteX4" y="connsiteY4"/>
-              </a:cxn>
-              <a:cxn ang="0">
-                <a:pos x="connsiteX5" y="connsiteY5"/>
-              </a:cxn>
-              <a:cxn ang="0">
-                <a:pos x="connsiteX6" y="connsiteY6"/>
-              </a:cxn>
-              <a:cxn ang="0">
-                <a:pos x="connsiteX7" y="connsiteY7"/>
-              </a:cxn>
-              <a:cxn ang="0">
-                <a:pos x="connsiteX8" y="connsiteY8"/>
-              </a:cxn>
-              <a:cxn ang="0">
-                <a:pos x="connsiteX9" y="connsiteY9"/>
-              </a:cxn>
-              <a:cxn ang="0">
-                <a:pos x="connsiteX10" y="connsiteY10"/>
-              </a:cxn>
-              <a:cxn ang="0">
-                <a:pos x="connsiteX11" y="connsiteY11"/>
-              </a:cxn>
-              <a:cxn ang="0">
-                <a:pos x="connsiteX12" y="connsiteY12"/>
-              </a:cxn>
-              <a:cxn ang="0">
-                <a:pos x="connsiteX13" y="connsiteY13"/>
-              </a:cxn>
-            </a:cxnLst>
-            <a:rect l="l" t="t" r="r" b="b"/>
-            <a:pathLst>
-              <a:path w="11546828" h="6214534">
-                <a:moveTo>
-                  <a:pt x="0" y="0"/>
-                </a:moveTo>
-                <a:lnTo>
-                  <a:pt x="7965430" y="0"/>
-                </a:lnTo>
-                <a:lnTo>
-                  <a:pt x="7965430" y="1786"/>
-                </a:lnTo>
-                <a:lnTo>
-                  <a:pt x="11546828" y="1786"/>
-                </a:lnTo>
-                <a:lnTo>
-                  <a:pt x="11546828" y="2866740"/>
-                </a:lnTo>
-                <a:lnTo>
-                  <a:pt x="11225095" y="3179536"/>
-                </a:lnTo>
-                <a:lnTo>
-                  <a:pt x="11225095" y="301542"/>
-                </a:lnTo>
-                <a:lnTo>
-                  <a:pt x="320042" y="301542"/>
-                </a:lnTo>
-                <a:lnTo>
-                  <a:pt x="320042" y="5909424"/>
-                </a:lnTo>
-                <a:lnTo>
-                  <a:pt x="8417210" y="5909424"/>
-                </a:lnTo>
-                <a:lnTo>
-                  <a:pt x="8103383" y="6214534"/>
-                </a:lnTo>
-                <a:lnTo>
-                  <a:pt x="7222929" y="6214534"/>
-                </a:lnTo>
-                <a:lnTo>
-                  <a:pt x="7222929" y="6212748"/>
-                </a:lnTo>
-                <a:lnTo>
-                  <a:pt x="0" y="6212748"/>
-                </a:lnTo>
-                <a:close/>
-              </a:path>
-            </a:pathLst>
-          </a:custGeom>
-          <a:solidFill>
-            <a:schemeClr val="tx1">
-              <a:lumMod val="50000"/>
-              <a:lumOff val="50000"/>
-              <a:alpha val="25000"/>
-            </a:schemeClr>
-          </a:solidFill>
-          <a:ln>
-            <a:noFill/>
+          </a:prstGeom>
+          <a:ln w="9525">
+            <a:solidFill>
+              <a:srgbClr val="E1E1E1"/>
+            </a:solidFill>
           </a:ln>
+          <a:effectLst>
+            <a:outerShdw blurRad="50800" dist="38100" dir="2700000" algn="tl" rotWithShape="0">
+              <a:schemeClr val="bg1">
+                <a:lumMod val="85000"/>
+                <a:alpha val="50000"/>
+              </a:schemeClr>
+            </a:outerShdw>
+          </a:effectLst>
         </p:spPr>
         <p:style>
           <a:lnRef idx="2">
@@ -4917,22 +10143,49 @@
           </a:fontRef>
         </p:style>
         <p:txBody>
-          <a:bodyPr wrap="square" rtlCol="0" anchor="ctr">
-            <a:noAutofit/>
-          </a:bodyPr>
+          <a:bodyPr rtlCol="0" anchor="ctr"/>
           <a:lstStyle/>
           <a:p>
-            <a:pPr algn="ctr"/>
-            <a:endParaRPr lang="en-US"/>
+            <a:pPr marL="0" marR="0" lvl="0" indent="0" algn="ctr" defTabSz="914400" rtl="0" eaLnBrk="1" fontAlgn="auto" latinLnBrk="0" hangingPunct="1">
+              <a:lnSpc>
+                <a:spcPct val="100000"/>
+              </a:lnSpc>
+              <a:spcBef>
+                <a:spcPts val="0"/>
+              </a:spcBef>
+              <a:spcAft>
+                <a:spcPts val="0"/>
+              </a:spcAft>
+              <a:buClrTx/>
+              <a:buSzTx/>
+              <a:buFontTx/>
+              <a:buNone/>
+              <a:tabLst/>
+              <a:defRPr/>
+            </a:pPr>
+            <a:endParaRPr kumimoji="0" lang="en-US" sz="1800" b="0" i="0" u="none" strike="noStrike" kern="1200" cap="none" spc="0" normalizeH="0" baseline="0" noProof="0">
+              <a:ln>
+                <a:noFill/>
+              </a:ln>
+              <a:solidFill>
+                <a:prstClr val="white"/>
+              </a:solidFill>
+              <a:effectLst/>
+              <a:uLnTx/>
+              <a:uFillTx/>
+              <a:latin typeface="Calibri" panose="020F0502020204030204"/>
+              <a:ea typeface="+mn-ea"/>
+              <a:cs typeface="+mn-cs"/>
+            </a:endParaRPr>
           </a:p>
         </p:txBody>
       </p:sp>
-      <p:sp>
+      <p:sp useBgFill="1">
         <p:nvSpPr>
-          <p:cNvPr id="31" name="Right Triangle 24">
+          <p:cNvPr id="12" name="Rectangle 11">
             <a:extLst>
               <a:ext uri="{FF2B5EF4-FFF2-40B4-BE49-F238E27FC236}">
-                <a16:creationId xmlns:a16="http://schemas.microsoft.com/office/drawing/2014/main" id="{5298780A-33B9-4EA2-8F67-DE68AD62841B}"/>
+                <a16:creationId xmlns:a16="http://schemas.microsoft.com/office/drawing/2014/main" id="{8E0105E7-23DB-4CF2-8258-FF47C7620F6E}"/>
               </a:ext>
               <a:ext uri="{C183D7F6-B498-43B3-948B-1728B52AA6E4}">
                 <adec:decorative xmlns:adec="http://schemas.microsoft.com/office/drawing/2017/decorative" val="1"/>
@@ -4951,15 +10204,140 @@
           </p:nvPr>
         </p:nvSpPr>
         <p:spPr>
-          <a:xfrm flipH="1">
-            <a:off x="8576720" y="3335867"/>
-            <a:ext cx="3291840" cy="3200400"/>
+          <a:xfrm>
+            <a:off x="566928" y="0"/>
+            <a:ext cx="11155680" cy="2011680"/>
           </a:xfrm>
-          <a:prstGeom prst="rtTriangle">
+          <a:prstGeom prst="rect">
+            <a:avLst/>
+          </a:prstGeom>
+          <a:ln w="9525">
+            <a:noFill/>
+          </a:ln>
+          <a:effectLst/>
+        </p:spPr>
+        <p:style>
+          <a:lnRef idx="2">
+            <a:schemeClr val="accent1">
+              <a:shade val="50000"/>
+            </a:schemeClr>
+          </a:lnRef>
+          <a:fillRef idx="1">
+            <a:schemeClr val="accent1"/>
+          </a:fillRef>
+          <a:effectRef idx="0">
+            <a:schemeClr val="accent1"/>
+          </a:effectRef>
+          <a:fontRef idx="minor">
+            <a:schemeClr val="lt1"/>
+          </a:fontRef>
+        </p:style>
+        <p:txBody>
+          <a:bodyPr rtlCol="0" anchor="ctr"/>
+          <a:lstStyle/>
+          <a:p>
+            <a:pPr marL="0" marR="0" lvl="0" indent="0" algn="ctr" defTabSz="914400" rtl="0" eaLnBrk="1" fontAlgn="auto" latinLnBrk="0" hangingPunct="1">
+              <a:lnSpc>
+                <a:spcPct val="100000"/>
+              </a:lnSpc>
+              <a:spcBef>
+                <a:spcPts val="0"/>
+              </a:spcBef>
+              <a:spcAft>
+                <a:spcPts val="0"/>
+              </a:spcAft>
+              <a:buClrTx/>
+              <a:buSzTx/>
+              <a:buFontTx/>
+              <a:buNone/>
+              <a:tabLst/>
+              <a:defRPr/>
+            </a:pPr>
+            <a:endParaRPr kumimoji="0" lang="en-US" sz="1800" b="0" i="0" u="none" strike="noStrike" kern="1200" cap="none" spc="0" normalizeH="0" baseline="0" noProof="0">
+              <a:ln>
+                <a:noFill/>
+              </a:ln>
+              <a:solidFill>
+                <a:prstClr val="white"/>
+              </a:solidFill>
+              <a:effectLst/>
+              <a:uLnTx/>
+              <a:uFillTx/>
+              <a:latin typeface="Calibri" panose="020F0502020204030204"/>
+              <a:ea typeface="+mn-ea"/>
+              <a:cs typeface="+mn-cs"/>
+            </a:endParaRPr>
+          </a:p>
+        </p:txBody>
+      </p:sp>
+      <p:sp>
+        <p:nvSpPr>
+          <p:cNvPr id="2" name="Titel 1">
+            <a:extLst>
+              <a:ext uri="{FF2B5EF4-FFF2-40B4-BE49-F238E27FC236}">
+                <a16:creationId xmlns:a16="http://schemas.microsoft.com/office/drawing/2014/main" id="{6BCDAD64-78F1-4439-7713-2ECB1D585612}"/>
+              </a:ext>
+            </a:extLst>
+          </p:cNvPr>
+          <p:cNvSpPr>
+            <a:spLocks noGrp="1"/>
+          </p:cNvSpPr>
+          <p:nvPr>
+            <p:ph type="title"/>
+          </p:nvPr>
+        </p:nvSpPr>
+        <p:spPr>
+          <a:xfrm>
+            <a:off x="1115568" y="548640"/>
+            <a:ext cx="10168128" cy="1179576"/>
+          </a:xfrm>
+        </p:spPr>
+        <p:txBody>
+          <a:bodyPr>
+            <a:normAutofit/>
+          </a:bodyPr>
+          <a:lstStyle/>
+          <a:p>
+            <a:r>
+              <a:rPr lang="de-DE" sz="4000"/>
+              <a:t>Hypothesis</a:t>
+            </a:r>
+          </a:p>
+        </p:txBody>
+      </p:sp>
+      <p:sp>
+        <p:nvSpPr>
+          <p:cNvPr id="14" name="Rectangle 13">
+            <a:extLst>
+              <a:ext uri="{FF2B5EF4-FFF2-40B4-BE49-F238E27FC236}">
+                <a16:creationId xmlns:a16="http://schemas.microsoft.com/office/drawing/2014/main" id="{074B4F7D-14B2-478B-8BF5-01E4E0C5D263}"/>
+              </a:ext>
+              <a:ext uri="{C183D7F6-B498-43B3-948B-1728B52AA6E4}">
+                <adec:decorative xmlns:adec="http://schemas.microsoft.com/office/drawing/2017/decorative" val="1"/>
+              </a:ext>
+            </a:extLst>
+          </p:cNvPr>
+          <p:cNvSpPr>
+            <a:spLocks noGrp="1" noRot="1" noChangeAspect="1" noMove="1" noResize="1" noEditPoints="1" noAdjustHandles="1" noChangeArrowheads="1" noChangeShapeType="1" noTextEdit="1"/>
+          </p:cNvSpPr>
+          <p:nvPr>
+            <p:extLst>
+              <p:ext uri="{386F3935-93C4-4BCD-93E2-E3B085C9AB24}">
+                <p16:designElem xmlns:p16="http://schemas.microsoft.com/office/powerpoint/2015/main" val="1"/>
+              </p:ext>
+            </p:extLst>
+          </p:nvPr>
+        </p:nvSpPr>
+        <p:spPr>
+          <a:xfrm>
+            <a:off x="498834" y="758952"/>
+            <a:ext cx="128016" cy="704088"/>
+          </a:xfrm>
+          <a:prstGeom prst="rect">
             <a:avLst/>
           </a:prstGeom>
           <a:solidFill>
-            <a:schemeClr val="accent4"/>
+            <a:schemeClr val="accent2"/>
           </a:solidFill>
           <a:ln>
             <a:noFill/>
@@ -4986,16 +10364,317 @@
           <a:lstStyle/>
           <a:p>
             <a:pPr algn="ctr"/>
-            <a:endParaRPr lang="en-US" dirty="0"/>
+            <a:endParaRPr lang="en-US">
+              <a:solidFill>
+                <a:prstClr val="white"/>
+              </a:solidFill>
+              <a:latin typeface="Calibri" panose="020F0502020204030204"/>
+            </a:endParaRPr>
           </a:p>
         </p:txBody>
       </p:sp>
       <p:sp>
         <p:nvSpPr>
-          <p:cNvPr id="27" name="Rectangle 26">
+          <p:cNvPr id="3" name="Inhaltsplatzhalter 2">
             <a:extLst>
               <a:ext uri="{FF2B5EF4-FFF2-40B4-BE49-F238E27FC236}">
-                <a16:creationId xmlns:a16="http://schemas.microsoft.com/office/drawing/2014/main" id="{7F488E8B-4E1E-4402-8935-D4E6C02615C7}"/>
+                <a16:creationId xmlns:a16="http://schemas.microsoft.com/office/drawing/2014/main" id="{9C5CA144-9799-A3C8-09E1-49B126924A84}"/>
+              </a:ext>
+            </a:extLst>
+          </p:cNvPr>
+          <p:cNvSpPr>
+            <a:spLocks noGrp="1"/>
+          </p:cNvSpPr>
+          <p:nvPr>
+            <p:ph idx="1"/>
+          </p:nvPr>
+        </p:nvSpPr>
+        <p:spPr>
+          <a:xfrm>
+            <a:off x="1115568" y="2481943"/>
+            <a:ext cx="10168128" cy="3695020"/>
+          </a:xfrm>
+        </p:spPr>
+        <p:txBody>
+          <a:bodyPr>
+            <a:normAutofit/>
+          </a:bodyPr>
+          <a:lstStyle/>
+          <a:p>
+            <a:pPr marL="0" indent="0" algn="ctr">
+              <a:buNone/>
+            </a:pPr>
+            <a:endParaRPr lang="de-DE" sz="4000" b="1" dirty="0"/>
+          </a:p>
+          <a:p>
+            <a:pPr marL="0" indent="0" algn="ctr">
+              <a:buNone/>
+            </a:pPr>
+            <a:r>
+              <a:rPr lang="de-DE" sz="4000" b="1" dirty="0"/>
+              <a:t>State-</a:t>
+            </a:r>
+            <a:r>
+              <a:rPr lang="de-DE" sz="4000" b="1" dirty="0" err="1"/>
+              <a:t>of</a:t>
+            </a:r>
+            <a:r>
+              <a:rPr lang="de-DE" sz="4000" b="1" dirty="0"/>
+              <a:t>-</a:t>
+            </a:r>
+            <a:r>
+              <a:rPr lang="de-DE" sz="4000" b="1" dirty="0" err="1"/>
+              <a:t>the</a:t>
+            </a:r>
+            <a:r>
+              <a:rPr lang="de-DE" sz="4000" b="1" dirty="0"/>
+              <a:t>-art </a:t>
+            </a:r>
+            <a:r>
+              <a:rPr lang="de-DE" sz="4000" b="1" dirty="0" err="1"/>
+              <a:t>music</a:t>
+            </a:r>
+            <a:r>
+              <a:rPr lang="de-DE" sz="4000" b="1" dirty="0"/>
+              <a:t> </a:t>
+            </a:r>
+            <a:r>
+              <a:rPr lang="de-DE" sz="4000" b="1" dirty="0" err="1"/>
+              <a:t>recommendation</a:t>
+            </a:r>
+            <a:r>
+              <a:rPr lang="de-DE" sz="4000" b="1" dirty="0"/>
+              <a:t>: </a:t>
+            </a:r>
+          </a:p>
+          <a:p>
+            <a:pPr marL="0" indent="0" algn="ctr">
+              <a:buNone/>
+            </a:pPr>
+            <a:r>
+              <a:rPr lang="de-DE" sz="4000" b="1" dirty="0"/>
+              <a:t>Are </a:t>
+            </a:r>
+            <a:r>
+              <a:rPr lang="de-DE" sz="4000" b="1" dirty="0" err="1"/>
+              <a:t>we</a:t>
+            </a:r>
+            <a:r>
+              <a:rPr lang="de-DE" sz="4000" b="1" dirty="0"/>
+              <a:t> </a:t>
+            </a:r>
+            <a:r>
+              <a:rPr lang="de-DE" sz="4000" b="1" dirty="0" err="1"/>
+              <a:t>there</a:t>
+            </a:r>
+            <a:r>
+              <a:rPr lang="de-DE" sz="4000" b="1" dirty="0"/>
+              <a:t> </a:t>
+            </a:r>
+            <a:r>
+              <a:rPr lang="de-DE" sz="4000" b="1" dirty="0" err="1"/>
+              <a:t>yet</a:t>
+            </a:r>
+            <a:r>
+              <a:rPr lang="de-DE" sz="4000" b="1" dirty="0"/>
+              <a:t>?</a:t>
+            </a:r>
+          </a:p>
+        </p:txBody>
+      </p:sp>
+    </p:spTree>
+    <p:extLst>
+      <p:ext uri="{BB962C8B-B14F-4D97-AF65-F5344CB8AC3E}">
+        <p14:creationId xmlns:p14="http://schemas.microsoft.com/office/powerpoint/2010/main" val="3132002646"/>
+      </p:ext>
+    </p:extLst>
+  </p:cSld>
+  <p:clrMapOvr>
+    <a:masterClrMapping/>
+  </p:clrMapOvr>
+</p:sld>
+</file>
+
+<file path=ppt/slides/slide4.xml><?xml version="1.0" encoding="utf-8"?>
+<p:sld xmlns:a="http://schemas.openxmlformats.org/drawingml/2006/main" xmlns:r="http://schemas.openxmlformats.org/officeDocument/2006/relationships" xmlns:p="http://schemas.openxmlformats.org/presentationml/2006/main" show="0">
+  <p:cSld>
+    <p:bg>
+      <p:bgPr>
+        <a:solidFill>
+          <a:schemeClr val="bg1"/>
+        </a:solidFill>
+        <a:effectLst/>
+      </p:bgPr>
+    </p:bg>
+    <p:spTree>
+      <p:nvGrpSpPr>
+        <p:cNvPr id="1" name=""/>
+        <p:cNvGrpSpPr/>
+        <p:nvPr/>
+      </p:nvGrpSpPr>
+      <p:grpSpPr>
+        <a:xfrm>
+          <a:off x="0" y="0"/>
+          <a:ext cx="0" cy="0"/>
+          <a:chOff x="0" y="0"/>
+          <a:chExt cx="0" cy="0"/>
+        </a:xfrm>
+      </p:grpSpPr>
+      <p:sp>
+        <p:nvSpPr>
+          <p:cNvPr id="2" name="Titel 1">
+            <a:extLst>
+              <a:ext uri="{FF2B5EF4-FFF2-40B4-BE49-F238E27FC236}">
+                <a16:creationId xmlns:a16="http://schemas.microsoft.com/office/drawing/2014/main" id="{3E398CFA-6A8C-24AE-89F8-1CE1DDEC4D01}"/>
+              </a:ext>
+            </a:extLst>
+          </p:cNvPr>
+          <p:cNvSpPr>
+            <a:spLocks noGrp="1"/>
+          </p:cNvSpPr>
+          <p:nvPr>
+            <p:ph type="title"/>
+          </p:nvPr>
+        </p:nvSpPr>
+        <p:spPr/>
+        <p:txBody>
+          <a:bodyPr/>
+          <a:lstStyle/>
+          <a:p>
+            <a:r>
+              <a:rPr lang="de-DE" dirty="0" err="1"/>
+              <a:t>Categories</a:t>
+            </a:r>
+            <a:endParaRPr lang="de-DE" dirty="0"/>
+          </a:p>
+        </p:txBody>
+      </p:sp>
+      <p:sp>
+        <p:nvSpPr>
+          <p:cNvPr id="3" name="Inhaltsplatzhalter 2">
+            <a:extLst>
+              <a:ext uri="{FF2B5EF4-FFF2-40B4-BE49-F238E27FC236}">
+                <a16:creationId xmlns:a16="http://schemas.microsoft.com/office/drawing/2014/main" id="{55CFE2A8-23CB-6540-B9A3-8F7A55C52C1F}"/>
+              </a:ext>
+            </a:extLst>
+          </p:cNvPr>
+          <p:cNvSpPr>
+            <a:spLocks noGrp="1"/>
+          </p:cNvSpPr>
+          <p:nvPr>
+            <p:ph idx="1"/>
+          </p:nvPr>
+        </p:nvSpPr>
+        <p:spPr/>
+        <p:txBody>
+          <a:bodyPr/>
+          <a:lstStyle/>
+          <a:p>
+            <a:r>
+              <a:rPr lang="de-DE" dirty="0"/>
+              <a:t>Collaborative </a:t>
+            </a:r>
+            <a:r>
+              <a:rPr lang="de-DE" dirty="0" err="1"/>
+              <a:t>filtering</a:t>
+            </a:r>
+            <a:endParaRPr lang="de-DE" dirty="0"/>
+          </a:p>
+          <a:p>
+            <a:r>
+              <a:rPr lang="de-DE" dirty="0"/>
+              <a:t>Content-</a:t>
+            </a:r>
+            <a:r>
+              <a:rPr lang="de-DE" dirty="0" err="1"/>
+              <a:t>based</a:t>
+            </a:r>
+            <a:r>
+              <a:rPr lang="de-DE" dirty="0"/>
+              <a:t> </a:t>
+            </a:r>
+            <a:r>
+              <a:rPr lang="de-DE" dirty="0" err="1"/>
+              <a:t>filtering</a:t>
+            </a:r>
+            <a:endParaRPr lang="de-DE" dirty="0"/>
+          </a:p>
+          <a:p>
+            <a:r>
+              <a:rPr lang="de-DE" dirty="0"/>
+              <a:t>Knowledge-</a:t>
+            </a:r>
+            <a:r>
+              <a:rPr lang="de-DE" dirty="0" err="1"/>
+              <a:t>based</a:t>
+            </a:r>
+            <a:r>
+              <a:rPr lang="de-DE" dirty="0"/>
+              <a:t> </a:t>
+            </a:r>
+            <a:r>
+              <a:rPr lang="de-DE" dirty="0" err="1"/>
+              <a:t>recommendations</a:t>
+            </a:r>
+            <a:endParaRPr lang="de-DE" dirty="0"/>
+          </a:p>
+          <a:p>
+            <a:r>
+              <a:rPr lang="de-DE" dirty="0"/>
+              <a:t>Hybrid </a:t>
+            </a:r>
+            <a:r>
+              <a:rPr lang="de-DE" dirty="0" err="1"/>
+              <a:t>recommendations</a:t>
+            </a:r>
+            <a:endParaRPr lang="de-DE" dirty="0"/>
+          </a:p>
+        </p:txBody>
+      </p:sp>
+    </p:spTree>
+    <p:extLst>
+      <p:ext uri="{BB962C8B-B14F-4D97-AF65-F5344CB8AC3E}">
+        <p14:creationId xmlns:p14="http://schemas.microsoft.com/office/powerpoint/2010/main" val="948448861"/>
+      </p:ext>
+    </p:extLst>
+  </p:cSld>
+  <p:clrMapOvr>
+    <a:overrideClrMapping bg1="lt1" tx1="dk1" bg2="lt2" tx2="dk2" accent1="accent1" accent2="accent2" accent3="accent3" accent4="accent4" accent5="accent5" accent6="accent6" hlink="hlink" folHlink="folHlink"/>
+  </p:clrMapOvr>
+</p:sld>
+</file>
+
+<file path=ppt/slides/slide5.xml><?xml version="1.0" encoding="utf-8"?>
+<p:sld xmlns:a="http://schemas.openxmlformats.org/drawingml/2006/main" xmlns:r="http://schemas.openxmlformats.org/officeDocument/2006/relationships" xmlns:p="http://schemas.openxmlformats.org/presentationml/2006/main">
+  <p:cSld>
+    <p:bg>
+      <p:bgPr>
+        <a:solidFill>
+          <a:schemeClr val="bg1"/>
+        </a:solidFill>
+        <a:effectLst/>
+      </p:bgPr>
+    </p:bg>
+    <p:spTree>
+      <p:nvGrpSpPr>
+        <p:cNvPr id="1" name=""/>
+        <p:cNvGrpSpPr/>
+        <p:nvPr/>
+      </p:nvGrpSpPr>
+      <p:grpSpPr>
+        <a:xfrm>
+          <a:off x="0" y="0"/>
+          <a:ext cx="0" cy="0"/>
+          <a:chOff x="0" y="0"/>
+          <a:chExt cx="0" cy="0"/>
+        </a:xfrm>
+      </p:grpSpPr>
+      <p:sp useBgFill="1">
+        <p:nvSpPr>
+          <p:cNvPr id="21" name="Rectangle 20">
+            <a:extLst>
+              <a:ext uri="{FF2B5EF4-FFF2-40B4-BE49-F238E27FC236}">
+                <a16:creationId xmlns:a16="http://schemas.microsoft.com/office/drawing/2014/main" id="{90D01200-0224-43C5-AB38-FB4D16B73FB7}"/>
               </a:ext>
               <a:ext uri="{C183D7F6-B498-43B3-948B-1728B52AA6E4}">
                 <adec:decorative xmlns:adec="http://schemas.microsoft.com/office/drawing/2017/decorative" val="1"/>
@@ -5015,14 +10694,13 @@
         </p:nvSpPr>
         <p:spPr>
           <a:xfrm>
-            <a:off x="641774" y="623275"/>
-            <a:ext cx="10905053" cy="5607882"/>
+            <a:off x="0" y="0"/>
+            <a:ext cx="12192000" cy="6858000"/>
           </a:xfrm>
           <a:prstGeom prst="rect">
             <a:avLst/>
           </a:prstGeom>
-          <a:noFill/>
-          <a:ln w="19050">
+          <a:ln>
             <a:noFill/>
           </a:ln>
         </p:spPr>
@@ -5056,7 +10734,7 @@
           <p:cNvPr id="2" name="Titel 1">
             <a:extLst>
               <a:ext uri="{FF2B5EF4-FFF2-40B4-BE49-F238E27FC236}">
-                <a16:creationId xmlns:a16="http://schemas.microsoft.com/office/drawing/2014/main" id="{C01F638B-5FA5-401B-B579-514657733BC0}"/>
+                <a16:creationId xmlns:a16="http://schemas.microsoft.com/office/drawing/2014/main" id="{BEA4DBBB-F5CE-5E00-1AC3-589BB5347B42}"/>
               </a:ext>
             </a:extLst>
           </p:cNvPr>
@@ -5069,53 +10747,38 @@
         </p:nvSpPr>
         <p:spPr>
           <a:xfrm>
-            <a:off x="1006900" y="1188637"/>
-            <a:ext cx="3141430" cy="4480726"/>
+            <a:off x="612648" y="1078992"/>
+            <a:ext cx="6268770" cy="1536192"/>
           </a:xfrm>
         </p:spPr>
         <p:txBody>
-          <a:bodyPr>
+          <a:bodyPr anchor="b">
             <a:normAutofit/>
           </a:bodyPr>
           <a:lstStyle/>
           <a:p>
-            <a:pPr algn="r"/>
-            <a:r>
-              <a:rPr lang="de-AT" sz="5100" dirty="0"/>
-              <a:t>Open Problems</a:t>
-            </a:r>
-            <a:br>
-              <a:rPr lang="de-AT" sz="5100" dirty="0"/>
-            </a:br>
-            <a:r>
-              <a:rPr lang="de-AT" sz="5100" dirty="0"/>
-              <a:t>And</a:t>
-            </a:r>
-            <a:br>
-              <a:rPr lang="de-AT" sz="5100" dirty="0"/>
-            </a:br>
-            <a:r>
-              <a:rPr lang="de-AT" sz="5100" dirty="0"/>
-              <a:t>Challenges</a:t>
+            <a:r>
+              <a:rPr lang="de-DE" sz="4000"/>
+              <a:t>Recently published datasets for music recommendation</a:t>
             </a:r>
           </a:p>
         </p:txBody>
       </p:sp>
-      <p:cxnSp>
-        <p:nvCxnSpPr>
-          <p:cNvPr id="29" name="Straight Connector 28">
+      <p:sp>
+        <p:nvSpPr>
+          <p:cNvPr id="23" name="Rectangle 22">
             <a:extLst>
               <a:ext uri="{FF2B5EF4-FFF2-40B4-BE49-F238E27FC236}">
-                <a16:creationId xmlns:a16="http://schemas.microsoft.com/office/drawing/2014/main" id="{23AAC9B5-8015-485C-ACF9-A750390E9A56}"/>
+                <a16:creationId xmlns:a16="http://schemas.microsoft.com/office/drawing/2014/main" id="{728A44A4-A002-4A88-9FC9-1D0566C97A47}"/>
               </a:ext>
               <a:ext uri="{C183D7F6-B498-43B3-948B-1728B52AA6E4}">
                 <adec:decorative xmlns:adec="http://schemas.microsoft.com/office/drawing/2017/decorative" val="1"/>
               </a:ext>
             </a:extLst>
           </p:cNvPr>
-          <p:cNvCxnSpPr>
-            <a:cxnSpLocks noGrp="1" noRot="1" noChangeAspect="1" noMove="1" noResize="1" noEditPoints="1" noAdjustHandles="1" noChangeArrowheads="1" noChangeShapeType="1"/>
-          </p:cNvCxnSpPr>
+          <p:cNvSpPr>
+            <a:spLocks noGrp="1" noRot="1" noChangeAspect="1" noMove="1" noResize="1" noEditPoints="1" noAdjustHandles="1" noChangeArrowheads="1" noChangeShapeType="1" noTextEdit="1"/>
+          </p:cNvSpPr>
           <p:nvPr>
             <p:extLst>
               <p:ext uri="{386F3935-93C4-4BCD-93E2-E3B085C9AB24}">
@@ -5123,45 +10786,768 @@
               </p:ext>
             </p:extLst>
           </p:nvPr>
-        </p:nvCxnSpPr>
+        </p:nvSpPr>
         <p:spPr>
-          <a:xfrm>
-            <a:off x="4654296" y="1852863"/>
-            <a:ext cx="0" cy="3236495"/>
+          <a:xfrm rot="5400000">
+            <a:off x="853202" y="363389"/>
+            <a:ext cx="73152" cy="548640"/>
           </a:xfrm>
-          <a:prstGeom prst="line">
+          <a:prstGeom prst="rect">
             <a:avLst/>
           </a:prstGeom>
-          <a:ln w="19050" cap="sq">
-            <a:solidFill>
-              <a:schemeClr val="tx1">
-                <a:lumMod val="75000"/>
-                <a:lumOff val="25000"/>
-              </a:schemeClr>
-            </a:solidFill>
+          <a:solidFill>
+            <a:schemeClr val="accent2"/>
+          </a:solidFill>
+          <a:ln>
+            <a:noFill/>
           </a:ln>
         </p:spPr>
         <p:style>
-          <a:lnRef idx="1">
-            <a:schemeClr val="accent1"/>
+          <a:lnRef idx="2">
+            <a:schemeClr val="accent1">
+              <a:shade val="50000"/>
+            </a:schemeClr>
           </a:lnRef>
-          <a:fillRef idx="0">
+          <a:fillRef idx="1">
             <a:schemeClr val="accent1"/>
           </a:fillRef>
           <a:effectRef idx="0">
             <a:schemeClr val="accent1"/>
           </a:effectRef>
           <a:fontRef idx="minor">
-            <a:schemeClr val="tx1"/>
+            <a:schemeClr val="lt1"/>
           </a:fontRef>
         </p:style>
-      </p:cxnSp>
+        <p:txBody>
+          <a:bodyPr rtlCol="0" anchor="ctr"/>
+          <a:lstStyle/>
+          <a:p>
+            <a:pPr algn="ctr"/>
+            <a:endParaRPr lang="en-US">
+              <a:solidFill>
+                <a:prstClr val="white"/>
+              </a:solidFill>
+              <a:latin typeface="Calibri" panose="020F0502020204030204"/>
+            </a:endParaRPr>
+          </a:p>
+        </p:txBody>
+      </p:sp>
+      <p:sp>
+        <p:nvSpPr>
+          <p:cNvPr id="25" name="Rectangle 24">
+            <a:extLst>
+              <a:ext uri="{FF2B5EF4-FFF2-40B4-BE49-F238E27FC236}">
+                <a16:creationId xmlns:a16="http://schemas.microsoft.com/office/drawing/2014/main" id="{3E7D5C7B-DD16-401B-85CE-4AAA2A4F5136}"/>
+              </a:ext>
+              <a:ext uri="{C183D7F6-B498-43B3-948B-1728B52AA6E4}">
+                <adec:decorative xmlns:adec="http://schemas.microsoft.com/office/drawing/2017/decorative" val="1"/>
+              </a:ext>
+            </a:extLst>
+          </p:cNvPr>
+          <p:cNvSpPr>
+            <a:spLocks noGrp="1" noRot="1" noChangeAspect="1" noMove="1" noResize="1" noEditPoints="1" noAdjustHandles="1" noChangeArrowheads="1" noChangeShapeType="1" noTextEdit="1"/>
+          </p:cNvSpPr>
+          <p:nvPr>
+            <p:extLst>
+              <p:ext uri="{386F3935-93C4-4BCD-93E2-E3B085C9AB24}">
+                <p16:designElem xmlns:p16="http://schemas.microsoft.com/office/powerpoint/2015/main" val="1"/>
+              </p:ext>
+            </p:extLst>
+          </p:nvPr>
+        </p:nvSpPr>
+        <p:spPr>
+          <a:xfrm>
+            <a:off x="618506" y="2935541"/>
+            <a:ext cx="6217920" cy="18288"/>
+          </a:xfrm>
+          <a:prstGeom prst="rect">
+            <a:avLst/>
+          </a:prstGeom>
+          <a:solidFill>
+            <a:srgbClr val="D5D5D5"/>
+          </a:solidFill>
+          <a:ln w="3175">
+            <a:noFill/>
+          </a:ln>
+          <a:effectLst/>
+        </p:spPr>
+        <p:style>
+          <a:lnRef idx="2">
+            <a:schemeClr val="accent1">
+              <a:shade val="50000"/>
+            </a:schemeClr>
+          </a:lnRef>
+          <a:fillRef idx="1">
+            <a:schemeClr val="accent1"/>
+          </a:fillRef>
+          <a:effectRef idx="0">
+            <a:schemeClr val="accent1"/>
+          </a:effectRef>
+          <a:fontRef idx="minor">
+            <a:schemeClr val="lt1"/>
+          </a:fontRef>
+        </p:style>
+        <p:txBody>
+          <a:bodyPr rtlCol="0" anchor="ctr"/>
+          <a:lstStyle/>
+          <a:p>
+            <a:pPr algn="ctr"/>
+            <a:endParaRPr lang="en-US">
+              <a:solidFill>
+                <a:prstClr val="white"/>
+              </a:solidFill>
+              <a:latin typeface="Calibri" panose="020F0502020204030204"/>
+            </a:endParaRPr>
+          </a:p>
+        </p:txBody>
+      </p:sp>
+      <p:pic>
+        <p:nvPicPr>
+          <p:cNvPr id="5" name="Grafik 4" descr="Zwiebel Silhouette">
+            <a:extLst>
+              <a:ext uri="{FF2B5EF4-FFF2-40B4-BE49-F238E27FC236}">
+                <a16:creationId xmlns:a16="http://schemas.microsoft.com/office/drawing/2014/main" id="{2DF4EBEC-1BF7-76C5-D2CB-283ED6F8A286}"/>
+              </a:ext>
+            </a:extLst>
+          </p:cNvPr>
+          <p:cNvPicPr>
+            <a:picLocks noChangeAspect="1"/>
+          </p:cNvPicPr>
+          <p:nvPr/>
+        </p:nvPicPr>
+        <p:blipFill>
+          <a:blip r:embed="rId2">
+            <a:extLst>
+              <a:ext uri="{28A0092B-C50C-407E-A947-70E740481C1C}">
+                <a14:useLocalDpi xmlns:a14="http://schemas.microsoft.com/office/drawing/2010/main" val="0"/>
+              </a:ext>
+              <a:ext uri="{96DAC541-7B7A-43D3-8B79-37D633B846F1}">
+                <asvg:svgBlip xmlns:asvg="http://schemas.microsoft.com/office/drawing/2016/SVG/main" r:embed="rId3"/>
+              </a:ext>
+            </a:extLst>
+          </a:blip>
+          <a:stretch>
+            <a:fillRect/>
+          </a:stretch>
+        </p:blipFill>
+        <p:spPr>
+          <a:xfrm>
+            <a:off x="9199774" y="3927672"/>
+            <a:ext cx="2679192" cy="2679192"/>
+          </a:xfrm>
+          <a:prstGeom prst="rect">
+            <a:avLst/>
+          </a:prstGeom>
+        </p:spPr>
+      </p:pic>
+      <p:graphicFrame>
+        <p:nvGraphicFramePr>
+          <p:cNvPr id="16" name="Inhaltsplatzhalter 2">
+            <a:extLst>
+              <a:ext uri="{FF2B5EF4-FFF2-40B4-BE49-F238E27FC236}">
+                <a16:creationId xmlns:a16="http://schemas.microsoft.com/office/drawing/2014/main" id="{64B1B803-9DBC-B5D5-80A8-34F1C997B47A}"/>
+              </a:ext>
+            </a:extLst>
+          </p:cNvPr>
+          <p:cNvGraphicFramePr>
+            <a:graphicFrameLocks noGrp="1"/>
+          </p:cNvGraphicFramePr>
+          <p:nvPr>
+            <p:ph idx="1"/>
+            <p:extLst>
+              <p:ext uri="{D42A27DB-BD31-4B8C-83A1-F6EECF244321}">
+                <p14:modId xmlns:p14="http://schemas.microsoft.com/office/powerpoint/2010/main" val="2407592421"/>
+              </p:ext>
+            </p:extLst>
+          </p:nvPr>
+        </p:nvGraphicFramePr>
+        <p:xfrm>
+          <a:off x="612648" y="3355848"/>
+          <a:ext cx="6268770" cy="2825496"/>
+        </p:xfrm>
+        <a:graphic>
+          <a:graphicData uri="http://schemas.openxmlformats.org/drawingml/2006/diagram">
+            <dgm:relIds xmlns:dgm="http://schemas.openxmlformats.org/drawingml/2006/diagram" xmlns:r="http://schemas.openxmlformats.org/officeDocument/2006/relationships" r:dm="rId4" r:lo="rId5" r:qs="rId6" r:cs="rId7"/>
+          </a:graphicData>
+        </a:graphic>
+      </p:graphicFrame>
+    </p:spTree>
+    <p:extLst>
+      <p:ext uri="{BB962C8B-B14F-4D97-AF65-F5344CB8AC3E}">
+        <p14:creationId xmlns:p14="http://schemas.microsoft.com/office/powerpoint/2010/main" val="1190468090"/>
+      </p:ext>
+    </p:extLst>
+  </p:cSld>
+  <p:clrMapOvr>
+    <a:masterClrMapping/>
+  </p:clrMapOvr>
+</p:sld>
+</file>
+
+<file path=ppt/slides/slide6.xml><?xml version="1.0" encoding="utf-8"?>
+<p:sld xmlns:a="http://schemas.openxmlformats.org/drawingml/2006/main" xmlns:r="http://schemas.openxmlformats.org/officeDocument/2006/relationships" xmlns:p="http://schemas.openxmlformats.org/presentationml/2006/main">
+  <p:cSld>
+    <p:bg>
+      <p:bgPr>
+        <a:solidFill>
+          <a:schemeClr val="bg1"/>
+        </a:solidFill>
+        <a:effectLst/>
+      </p:bgPr>
+    </p:bg>
+    <p:spTree>
+      <p:nvGrpSpPr>
+        <p:cNvPr id="1" name=""/>
+        <p:cNvGrpSpPr/>
+        <p:nvPr/>
+      </p:nvGrpSpPr>
+      <p:grpSpPr>
+        <a:xfrm>
+          <a:off x="0" y="0"/>
+          <a:ext cx="0" cy="0"/>
+          <a:chOff x="0" y="0"/>
+          <a:chExt cx="0" cy="0"/>
+        </a:xfrm>
+      </p:grpSpPr>
+      <p:sp useBgFill="1">
+        <p:nvSpPr>
+          <p:cNvPr id="8" name="Rectangle 7">
+            <a:extLst>
+              <a:ext uri="{FF2B5EF4-FFF2-40B4-BE49-F238E27FC236}">
+                <a16:creationId xmlns:a16="http://schemas.microsoft.com/office/drawing/2014/main" id="{CBB2B1F0-0DD6-4744-9A46-7A344FB48E40}"/>
+              </a:ext>
+              <a:ext uri="{C183D7F6-B498-43B3-948B-1728B52AA6E4}">
+                <adec:decorative xmlns:adec="http://schemas.microsoft.com/office/drawing/2017/decorative" val="1"/>
+              </a:ext>
+            </a:extLst>
+          </p:cNvPr>
+          <p:cNvSpPr>
+            <a:spLocks noGrp="1" noRot="1" noChangeAspect="1" noMove="1" noResize="1" noEditPoints="1" noAdjustHandles="1" noChangeArrowheads="1" noChangeShapeType="1" noTextEdit="1"/>
+          </p:cNvSpPr>
+          <p:nvPr>
+            <p:extLst>
+              <p:ext uri="{386F3935-93C4-4BCD-93E2-E3B085C9AB24}">
+                <p16:designElem xmlns:p16="http://schemas.microsoft.com/office/powerpoint/2015/main" val="1"/>
+              </p:ext>
+            </p:extLst>
+          </p:nvPr>
+        </p:nvSpPr>
+        <p:spPr>
+          <a:xfrm>
+            <a:off x="0" y="0"/>
+            <a:ext cx="12192000" cy="6858000"/>
+          </a:xfrm>
+          <a:prstGeom prst="rect">
+            <a:avLst/>
+          </a:prstGeom>
+          <a:ln>
+            <a:noFill/>
+          </a:ln>
+        </p:spPr>
+        <p:style>
+          <a:lnRef idx="2">
+            <a:schemeClr val="accent1">
+              <a:shade val="50000"/>
+            </a:schemeClr>
+          </a:lnRef>
+          <a:fillRef idx="1">
+            <a:schemeClr val="accent1"/>
+          </a:fillRef>
+          <a:effectRef idx="0">
+            <a:schemeClr val="accent1"/>
+          </a:effectRef>
+          <a:fontRef idx="minor">
+            <a:schemeClr val="lt1"/>
+          </a:fontRef>
+        </p:style>
+        <p:txBody>
+          <a:bodyPr rtlCol="0" anchor="ctr"/>
+          <a:lstStyle/>
+          <a:p>
+            <a:pPr algn="ctr"/>
+            <a:endParaRPr lang="en-US"/>
+          </a:p>
+        </p:txBody>
+      </p:sp>
+      <p:sp>
+        <p:nvSpPr>
+          <p:cNvPr id="2" name="Titel 1">
+            <a:extLst>
+              <a:ext uri="{FF2B5EF4-FFF2-40B4-BE49-F238E27FC236}">
+                <a16:creationId xmlns:a16="http://schemas.microsoft.com/office/drawing/2014/main" id="{989EF6F6-AA6A-4DD8-9025-659CFC0C0AE4}"/>
+              </a:ext>
+            </a:extLst>
+          </p:cNvPr>
+          <p:cNvSpPr>
+            <a:spLocks noGrp="1"/>
+          </p:cNvSpPr>
+          <p:nvPr>
+            <p:ph type="title"/>
+          </p:nvPr>
+        </p:nvSpPr>
+        <p:spPr>
+          <a:xfrm>
+            <a:off x="841248" y="426720"/>
+            <a:ext cx="10506456" cy="1919141"/>
+          </a:xfrm>
+        </p:spPr>
+        <p:txBody>
+          <a:bodyPr anchor="b">
+            <a:normAutofit/>
+          </a:bodyPr>
+          <a:lstStyle/>
+          <a:p>
+            <a:r>
+              <a:rPr lang="de-AT" sz="6000"/>
+              <a:t>Evaluation of methods</a:t>
+            </a:r>
+          </a:p>
+        </p:txBody>
+      </p:sp>
+      <p:sp>
+        <p:nvSpPr>
+          <p:cNvPr id="10" name="Rectangle 9">
+            <a:extLst>
+              <a:ext uri="{FF2B5EF4-FFF2-40B4-BE49-F238E27FC236}">
+                <a16:creationId xmlns:a16="http://schemas.microsoft.com/office/drawing/2014/main" id="{52D502E5-F6B4-4D58-B4AE-FC466FF15EE8}"/>
+              </a:ext>
+              <a:ext uri="{C183D7F6-B498-43B3-948B-1728B52AA6E4}">
+                <adec:decorative xmlns:adec="http://schemas.microsoft.com/office/drawing/2017/decorative" val="1"/>
+              </a:ext>
+            </a:extLst>
+          </p:cNvPr>
+          <p:cNvSpPr>
+            <a:spLocks noGrp="1" noRot="1" noChangeAspect="1" noMove="1" noResize="1" noEditPoints="1" noAdjustHandles="1" noChangeArrowheads="1" noChangeShapeType="1" noTextEdit="1"/>
+          </p:cNvSpPr>
+          <p:nvPr>
+            <p:extLst>
+              <p:ext uri="{386F3935-93C4-4BCD-93E2-E3B085C9AB24}">
+                <p16:designElem xmlns:p16="http://schemas.microsoft.com/office/powerpoint/2015/main" val="1"/>
+              </p:ext>
+            </p:extLst>
+          </p:nvPr>
+        </p:nvSpPr>
+        <p:spPr>
+          <a:xfrm>
+            <a:off x="865953" y="2899927"/>
+            <a:ext cx="10451592" cy="18288"/>
+          </a:xfrm>
+          <a:prstGeom prst="rect">
+            <a:avLst/>
+          </a:prstGeom>
+          <a:solidFill>
+            <a:srgbClr val="D5D5D5"/>
+          </a:solidFill>
+          <a:ln w="3175">
+            <a:noFill/>
+          </a:ln>
+          <a:effectLst/>
+        </p:spPr>
+        <p:style>
+          <a:lnRef idx="2">
+            <a:schemeClr val="accent1">
+              <a:shade val="50000"/>
+            </a:schemeClr>
+          </a:lnRef>
+          <a:fillRef idx="1">
+            <a:schemeClr val="accent1"/>
+          </a:fillRef>
+          <a:effectRef idx="0">
+            <a:schemeClr val="accent1"/>
+          </a:effectRef>
+          <a:fontRef idx="minor">
+            <a:schemeClr val="lt1"/>
+          </a:fontRef>
+        </p:style>
+        <p:txBody>
+          <a:bodyPr rtlCol="0" anchor="ctr"/>
+          <a:lstStyle/>
+          <a:p>
+            <a:pPr algn="ctr"/>
+            <a:endParaRPr lang="en-US">
+              <a:solidFill>
+                <a:prstClr val="white"/>
+              </a:solidFill>
+              <a:latin typeface="Calibri" panose="020F0502020204030204"/>
+            </a:endParaRPr>
+          </a:p>
+        </p:txBody>
+      </p:sp>
+      <p:sp>
+        <p:nvSpPr>
+          <p:cNvPr id="12" name="Rectangle 11">
+            <a:extLst>
+              <a:ext uri="{FF2B5EF4-FFF2-40B4-BE49-F238E27FC236}">
+                <a16:creationId xmlns:a16="http://schemas.microsoft.com/office/drawing/2014/main" id="{9DECDBF4-02B6-4BB4-B65B-B8107AD6A9E8}"/>
+              </a:ext>
+              <a:ext uri="{C183D7F6-B498-43B3-948B-1728B52AA6E4}">
+                <adec:decorative xmlns:adec="http://schemas.microsoft.com/office/drawing/2017/decorative" val="1"/>
+              </a:ext>
+            </a:extLst>
+          </p:cNvPr>
+          <p:cNvSpPr>
+            <a:spLocks noGrp="1" noRot="1" noChangeAspect="1" noMove="1" noResize="1" noEditPoints="1" noAdjustHandles="1" noChangeArrowheads="1" noChangeShapeType="1" noTextEdit="1"/>
+          </p:cNvSpPr>
+          <p:nvPr>
+            <p:extLst>
+              <p:ext uri="{386F3935-93C4-4BCD-93E2-E3B085C9AB24}">
+                <p16:designElem xmlns:p16="http://schemas.microsoft.com/office/powerpoint/2015/main" val="1"/>
+              </p:ext>
+            </p:extLst>
+          </p:nvPr>
+        </p:nvSpPr>
+        <p:spPr>
+          <a:xfrm flipV="1">
+            <a:off x="841248" y="2776031"/>
+            <a:ext cx="1873457" cy="137160"/>
+          </a:xfrm>
+          <a:prstGeom prst="rect">
+            <a:avLst/>
+          </a:prstGeom>
+          <a:solidFill>
+            <a:schemeClr val="accent2"/>
+          </a:solidFill>
+          <a:ln>
+            <a:noFill/>
+          </a:ln>
+        </p:spPr>
+        <p:style>
+          <a:lnRef idx="2">
+            <a:schemeClr val="accent1">
+              <a:shade val="50000"/>
+            </a:schemeClr>
+          </a:lnRef>
+          <a:fillRef idx="1">
+            <a:schemeClr val="accent1"/>
+          </a:fillRef>
+          <a:effectRef idx="0">
+            <a:schemeClr val="accent1"/>
+          </a:effectRef>
+          <a:fontRef idx="minor">
+            <a:schemeClr val="lt1"/>
+          </a:fontRef>
+        </p:style>
+        <p:txBody>
+          <a:bodyPr rtlCol="0" anchor="ctr"/>
+          <a:lstStyle/>
+          <a:p>
+            <a:pPr algn="ctr"/>
+            <a:endParaRPr lang="en-US">
+              <a:solidFill>
+                <a:prstClr val="white"/>
+              </a:solidFill>
+              <a:latin typeface="Calibri" panose="020F0502020204030204"/>
+            </a:endParaRPr>
+          </a:p>
+        </p:txBody>
+      </p:sp>
+      <p:graphicFrame>
+        <p:nvGraphicFramePr>
+          <p:cNvPr id="14" name="Inhaltsplatzhalter 2">
+            <a:extLst>
+              <a:ext uri="{FF2B5EF4-FFF2-40B4-BE49-F238E27FC236}">
+                <a16:creationId xmlns:a16="http://schemas.microsoft.com/office/drawing/2014/main" id="{08C94777-5229-CE7F-9F76-7E6287A156D1}"/>
+              </a:ext>
+            </a:extLst>
+          </p:cNvPr>
+          <p:cNvGraphicFramePr>
+            <a:graphicFrameLocks noGrp="1"/>
+          </p:cNvGraphicFramePr>
+          <p:nvPr>
+            <p:ph idx="1"/>
+            <p:extLst>
+              <p:ext uri="{D42A27DB-BD31-4B8C-83A1-F6EECF244321}">
+                <p14:modId xmlns:p14="http://schemas.microsoft.com/office/powerpoint/2010/main" val="4038247779"/>
+              </p:ext>
+            </p:extLst>
+          </p:nvPr>
+        </p:nvGraphicFramePr>
+        <p:xfrm>
+          <a:off x="841248" y="3337269"/>
+          <a:ext cx="10509504" cy="2905686"/>
+        </p:xfrm>
+        <a:graphic>
+          <a:graphicData uri="http://schemas.openxmlformats.org/drawingml/2006/diagram">
+            <dgm:relIds xmlns:dgm="http://schemas.openxmlformats.org/drawingml/2006/diagram" xmlns:r="http://schemas.openxmlformats.org/officeDocument/2006/relationships" r:dm="rId2" r:lo="rId3" r:qs="rId4" r:cs="rId5"/>
+          </a:graphicData>
+        </a:graphic>
+      </p:graphicFrame>
+    </p:spTree>
+    <p:extLst>
+      <p:ext uri="{BB962C8B-B14F-4D97-AF65-F5344CB8AC3E}">
+        <p14:creationId xmlns:p14="http://schemas.microsoft.com/office/powerpoint/2010/main" val="3775381770"/>
+      </p:ext>
+    </p:extLst>
+  </p:cSld>
+  <p:clrMapOvr>
+    <a:masterClrMapping/>
+  </p:clrMapOvr>
+</p:sld>
+</file>
+
+<file path=ppt/slides/slide7.xml><?xml version="1.0" encoding="utf-8"?>
+<p:sld xmlns:a="http://schemas.openxmlformats.org/drawingml/2006/main" xmlns:r="http://schemas.openxmlformats.org/officeDocument/2006/relationships" xmlns:p="http://schemas.openxmlformats.org/presentationml/2006/main">
+  <p:cSld>
+    <p:bg>
+      <p:bgPr>
+        <a:solidFill>
+          <a:schemeClr val="bg1"/>
+        </a:solidFill>
+        <a:effectLst/>
+      </p:bgPr>
+    </p:bg>
+    <p:spTree>
+      <p:nvGrpSpPr>
+        <p:cNvPr id="1" name=""/>
+        <p:cNvGrpSpPr/>
+        <p:nvPr/>
+      </p:nvGrpSpPr>
+      <p:grpSpPr>
+        <a:xfrm>
+          <a:off x="0" y="0"/>
+          <a:ext cx="0" cy="0"/>
+          <a:chOff x="0" y="0"/>
+          <a:chExt cx="0" cy="0"/>
+        </a:xfrm>
+      </p:grpSpPr>
+      <p:sp useBgFill="1">
+        <p:nvSpPr>
+          <p:cNvPr id="8" name="Rectangle 7">
+            <a:extLst>
+              <a:ext uri="{FF2B5EF4-FFF2-40B4-BE49-F238E27FC236}">
+                <a16:creationId xmlns:a16="http://schemas.microsoft.com/office/drawing/2014/main" id="{CBB2B1F0-0DD6-4744-9A46-7A344FB48E40}"/>
+              </a:ext>
+              <a:ext uri="{C183D7F6-B498-43B3-948B-1728B52AA6E4}">
+                <adec:decorative xmlns:adec="http://schemas.microsoft.com/office/drawing/2017/decorative" val="1"/>
+              </a:ext>
+            </a:extLst>
+          </p:cNvPr>
+          <p:cNvSpPr>
+            <a:spLocks noGrp="1" noRot="1" noChangeAspect="1" noMove="1" noResize="1" noEditPoints="1" noAdjustHandles="1" noChangeArrowheads="1" noChangeShapeType="1" noTextEdit="1"/>
+          </p:cNvSpPr>
+          <p:nvPr>
+            <p:extLst>
+              <p:ext uri="{386F3935-93C4-4BCD-93E2-E3B085C9AB24}">
+                <p16:designElem xmlns:p16="http://schemas.microsoft.com/office/powerpoint/2015/main" val="1"/>
+              </p:ext>
+            </p:extLst>
+          </p:nvPr>
+        </p:nvSpPr>
+        <p:spPr>
+          <a:xfrm>
+            <a:off x="0" y="0"/>
+            <a:ext cx="12192000" cy="6858000"/>
+          </a:xfrm>
+          <a:prstGeom prst="rect">
+            <a:avLst/>
+          </a:prstGeom>
+          <a:ln>
+            <a:noFill/>
+          </a:ln>
+        </p:spPr>
+        <p:style>
+          <a:lnRef idx="2">
+            <a:schemeClr val="accent1">
+              <a:shade val="50000"/>
+            </a:schemeClr>
+          </a:lnRef>
+          <a:fillRef idx="1">
+            <a:schemeClr val="accent1"/>
+          </a:fillRef>
+          <a:effectRef idx="0">
+            <a:schemeClr val="accent1"/>
+          </a:effectRef>
+          <a:fontRef idx="minor">
+            <a:schemeClr val="lt1"/>
+          </a:fontRef>
+        </p:style>
+        <p:txBody>
+          <a:bodyPr rtlCol="0" anchor="ctr"/>
+          <a:lstStyle/>
+          <a:p>
+            <a:pPr algn="ctr"/>
+            <a:endParaRPr lang="en-US"/>
+          </a:p>
+        </p:txBody>
+      </p:sp>
+      <p:sp>
+        <p:nvSpPr>
+          <p:cNvPr id="2" name="Titel 1">
+            <a:extLst>
+              <a:ext uri="{FF2B5EF4-FFF2-40B4-BE49-F238E27FC236}">
+                <a16:creationId xmlns:a16="http://schemas.microsoft.com/office/drawing/2014/main" id="{BB5B22AD-644B-88D8-9D2B-9CFC8D106DB4}"/>
+              </a:ext>
+            </a:extLst>
+          </p:cNvPr>
+          <p:cNvSpPr>
+            <a:spLocks noGrp="1"/>
+          </p:cNvSpPr>
+          <p:nvPr>
+            <p:ph type="title"/>
+          </p:nvPr>
+        </p:nvSpPr>
+        <p:spPr>
+          <a:xfrm>
+            <a:off x="841248" y="426720"/>
+            <a:ext cx="10506456" cy="1919141"/>
+          </a:xfrm>
+        </p:spPr>
+        <p:txBody>
+          <a:bodyPr anchor="b">
+            <a:normAutofit/>
+          </a:bodyPr>
+          <a:lstStyle/>
+          <a:p>
+            <a:r>
+              <a:rPr lang="de-DE" sz="6000"/>
+              <a:t>Novel methods</a:t>
+            </a:r>
+          </a:p>
+        </p:txBody>
+      </p:sp>
+      <p:sp>
+        <p:nvSpPr>
+          <p:cNvPr id="10" name="Rectangle 9">
+            <a:extLst>
+              <a:ext uri="{FF2B5EF4-FFF2-40B4-BE49-F238E27FC236}">
+                <a16:creationId xmlns:a16="http://schemas.microsoft.com/office/drawing/2014/main" id="{52D502E5-F6B4-4D58-B4AE-FC466FF15EE8}"/>
+              </a:ext>
+              <a:ext uri="{C183D7F6-B498-43B3-948B-1728B52AA6E4}">
+                <adec:decorative xmlns:adec="http://schemas.microsoft.com/office/drawing/2017/decorative" val="1"/>
+              </a:ext>
+            </a:extLst>
+          </p:cNvPr>
+          <p:cNvSpPr>
+            <a:spLocks noGrp="1" noRot="1" noChangeAspect="1" noMove="1" noResize="1" noEditPoints="1" noAdjustHandles="1" noChangeArrowheads="1" noChangeShapeType="1" noTextEdit="1"/>
+          </p:cNvSpPr>
+          <p:nvPr>
+            <p:extLst>
+              <p:ext uri="{386F3935-93C4-4BCD-93E2-E3B085C9AB24}">
+                <p16:designElem xmlns:p16="http://schemas.microsoft.com/office/powerpoint/2015/main" val="1"/>
+              </p:ext>
+            </p:extLst>
+          </p:nvPr>
+        </p:nvSpPr>
+        <p:spPr>
+          <a:xfrm>
+            <a:off x="865953" y="2899927"/>
+            <a:ext cx="10451592" cy="18288"/>
+          </a:xfrm>
+          <a:prstGeom prst="rect">
+            <a:avLst/>
+          </a:prstGeom>
+          <a:solidFill>
+            <a:srgbClr val="D5D5D5"/>
+          </a:solidFill>
+          <a:ln w="3175">
+            <a:noFill/>
+          </a:ln>
+          <a:effectLst/>
+        </p:spPr>
+        <p:style>
+          <a:lnRef idx="2">
+            <a:schemeClr val="accent1">
+              <a:shade val="50000"/>
+            </a:schemeClr>
+          </a:lnRef>
+          <a:fillRef idx="1">
+            <a:schemeClr val="accent1"/>
+          </a:fillRef>
+          <a:effectRef idx="0">
+            <a:schemeClr val="accent1"/>
+          </a:effectRef>
+          <a:fontRef idx="minor">
+            <a:schemeClr val="lt1"/>
+          </a:fontRef>
+        </p:style>
+        <p:txBody>
+          <a:bodyPr rtlCol="0" anchor="ctr"/>
+          <a:lstStyle/>
+          <a:p>
+            <a:pPr algn="ctr"/>
+            <a:endParaRPr lang="en-US">
+              <a:solidFill>
+                <a:prstClr val="white"/>
+              </a:solidFill>
+              <a:latin typeface="Calibri" panose="020F0502020204030204"/>
+            </a:endParaRPr>
+          </a:p>
+        </p:txBody>
+      </p:sp>
+      <p:sp>
+        <p:nvSpPr>
+          <p:cNvPr id="12" name="Rectangle 11">
+            <a:extLst>
+              <a:ext uri="{FF2B5EF4-FFF2-40B4-BE49-F238E27FC236}">
+                <a16:creationId xmlns:a16="http://schemas.microsoft.com/office/drawing/2014/main" id="{9DECDBF4-02B6-4BB4-B65B-B8107AD6A9E8}"/>
+              </a:ext>
+              <a:ext uri="{C183D7F6-B498-43B3-948B-1728B52AA6E4}">
+                <adec:decorative xmlns:adec="http://schemas.microsoft.com/office/drawing/2017/decorative" val="1"/>
+              </a:ext>
+            </a:extLst>
+          </p:cNvPr>
+          <p:cNvSpPr>
+            <a:spLocks noGrp="1" noRot="1" noChangeAspect="1" noMove="1" noResize="1" noEditPoints="1" noAdjustHandles="1" noChangeArrowheads="1" noChangeShapeType="1" noTextEdit="1"/>
+          </p:cNvSpPr>
+          <p:nvPr>
+            <p:extLst>
+              <p:ext uri="{386F3935-93C4-4BCD-93E2-E3B085C9AB24}">
+                <p16:designElem xmlns:p16="http://schemas.microsoft.com/office/powerpoint/2015/main" val="1"/>
+              </p:ext>
+            </p:extLst>
+          </p:nvPr>
+        </p:nvSpPr>
+        <p:spPr>
+          <a:xfrm flipV="1">
+            <a:off x="841248" y="2776031"/>
+            <a:ext cx="1873457" cy="137160"/>
+          </a:xfrm>
+          <a:prstGeom prst="rect">
+            <a:avLst/>
+          </a:prstGeom>
+          <a:solidFill>
+            <a:schemeClr val="accent2"/>
+          </a:solidFill>
+          <a:ln>
+            <a:noFill/>
+          </a:ln>
+        </p:spPr>
+        <p:style>
+          <a:lnRef idx="2">
+            <a:schemeClr val="accent1">
+              <a:shade val="50000"/>
+            </a:schemeClr>
+          </a:lnRef>
+          <a:fillRef idx="1">
+            <a:schemeClr val="accent1"/>
+          </a:fillRef>
+          <a:effectRef idx="0">
+            <a:schemeClr val="accent1"/>
+          </a:effectRef>
+          <a:fontRef idx="minor">
+            <a:schemeClr val="lt1"/>
+          </a:fontRef>
+        </p:style>
+        <p:txBody>
+          <a:bodyPr rtlCol="0" anchor="ctr"/>
+          <a:lstStyle/>
+          <a:p>
+            <a:pPr algn="ctr"/>
+            <a:endParaRPr lang="en-US">
+              <a:solidFill>
+                <a:prstClr val="white"/>
+              </a:solidFill>
+              <a:latin typeface="Calibri" panose="020F0502020204030204"/>
+            </a:endParaRPr>
+          </a:p>
+        </p:txBody>
+      </p:sp>
       <p:sp>
         <p:nvSpPr>
           <p:cNvPr id="3" name="Inhaltsplatzhalter 2">
             <a:extLst>
               <a:ext uri="{FF2B5EF4-FFF2-40B4-BE49-F238E27FC236}">
-                <a16:creationId xmlns:a16="http://schemas.microsoft.com/office/drawing/2014/main" id="{8FF0E0A1-E8BF-46CD-BD68-63DB967E5D5D}"/>
+                <a16:creationId xmlns:a16="http://schemas.microsoft.com/office/drawing/2014/main" id="{1BAEA109-D071-8C0D-B4D0-53AEDDC38F25}"/>
               </a:ext>
             </a:extLst>
           </p:cNvPr>
@@ -5174,68 +11560,567 @@
         </p:nvSpPr>
         <p:spPr>
           <a:xfrm>
-            <a:off x="5138928" y="1338729"/>
-            <a:ext cx="4795584" cy="4180542"/>
+            <a:off x="841248" y="3337269"/>
+            <a:ext cx="10509504" cy="2905686"/>
           </a:xfrm>
         </p:spPr>
         <p:txBody>
-          <a:bodyPr anchor="ctr">
+          <a:bodyPr>
             <a:normAutofit/>
           </a:bodyPr>
           <a:lstStyle/>
           <a:p>
             <a:r>
-              <a:rPr lang="de-AT" sz="2200"/>
-              <a:t>Model relationships and all relevant aspects</a:t>
-            </a:r>
+              <a:rPr lang="de-AT" sz="2200" dirty="0"/>
+              <a:t>Personality, </a:t>
+            </a:r>
+            <a:r>
+              <a:rPr lang="de-AT" sz="2200" dirty="0" err="1"/>
+              <a:t>mood</a:t>
+            </a:r>
+            <a:endParaRPr lang="de-AT" sz="2200" dirty="0"/>
+          </a:p>
+          <a:p>
+            <a:r>
+              <a:rPr lang="de-AT" sz="2200" dirty="0" err="1"/>
+              <a:t>Facial</a:t>
+            </a:r>
+            <a:r>
+              <a:rPr lang="de-AT" sz="2200" dirty="0"/>
+              <a:t> </a:t>
+            </a:r>
+            <a:r>
+              <a:rPr lang="de-AT" sz="2200" dirty="0" err="1"/>
+              <a:t>expressions</a:t>
+            </a:r>
+            <a:endParaRPr lang="de-AT" sz="2200" dirty="0"/>
+          </a:p>
+          <a:p>
+            <a:endParaRPr lang="de-AT" sz="2200" dirty="0"/>
+          </a:p>
+          <a:p>
+            <a:endParaRPr lang="de-AT" sz="2200" dirty="0"/>
+          </a:p>
+          <a:p>
+            <a:r>
+              <a:rPr lang="de-AT" sz="2200" dirty="0"/>
+              <a:t>Tackle </a:t>
+            </a:r>
+            <a:r>
+              <a:rPr lang="de-AT" sz="2200" dirty="0" err="1"/>
+              <a:t>current</a:t>
+            </a:r>
+            <a:r>
+              <a:rPr lang="de-AT" sz="2200" dirty="0"/>
+              <a:t> </a:t>
+            </a:r>
+            <a:r>
+              <a:rPr lang="de-AT" sz="2200" dirty="0" err="1"/>
+              <a:t>limitations</a:t>
+            </a:r>
+            <a:r>
+              <a:rPr lang="de-AT" sz="2200" dirty="0"/>
+              <a:t> </a:t>
+            </a:r>
+          </a:p>
+          <a:p>
+            <a:pPr marL="0" indent="0">
+              <a:buNone/>
+            </a:pPr>
+            <a:endParaRPr lang="de-AT" sz="2200" dirty="0"/>
+          </a:p>
+          <a:p>
+            <a:endParaRPr lang="de-DE" sz="2200" dirty="0"/>
+          </a:p>
+        </p:txBody>
+      </p:sp>
+    </p:spTree>
+    <p:extLst>
+      <p:ext uri="{BB962C8B-B14F-4D97-AF65-F5344CB8AC3E}">
+        <p14:creationId xmlns:p14="http://schemas.microsoft.com/office/powerpoint/2010/main" val="3774975634"/>
+      </p:ext>
+    </p:extLst>
+  </p:cSld>
+  <p:clrMapOvr>
+    <a:masterClrMapping/>
+  </p:clrMapOvr>
+</p:sld>
+</file>
+
+<file path=ppt/slides/slide8.xml><?xml version="1.0" encoding="utf-8"?>
+<p:sld xmlns:a="http://schemas.openxmlformats.org/drawingml/2006/main" xmlns:r="http://schemas.openxmlformats.org/officeDocument/2006/relationships" xmlns:p="http://schemas.openxmlformats.org/presentationml/2006/main">
+  <p:cSld>
+    <p:bg>
+      <p:bgPr>
+        <a:solidFill>
+          <a:schemeClr val="bg1"/>
+        </a:solidFill>
+        <a:effectLst/>
+      </p:bgPr>
+    </p:bg>
+    <p:spTree>
+      <p:nvGrpSpPr>
+        <p:cNvPr id="1" name=""/>
+        <p:cNvGrpSpPr/>
+        <p:nvPr/>
+      </p:nvGrpSpPr>
+      <p:grpSpPr>
+        <a:xfrm>
+          <a:off x="0" y="0"/>
+          <a:ext cx="0" cy="0"/>
+          <a:chOff x="0" y="0"/>
+          <a:chExt cx="0" cy="0"/>
+        </a:xfrm>
+      </p:grpSpPr>
+      <p:sp useBgFill="1">
+        <p:nvSpPr>
+          <p:cNvPr id="36" name="Rectangle 35">
+            <a:extLst>
+              <a:ext uri="{FF2B5EF4-FFF2-40B4-BE49-F238E27FC236}">
+                <a16:creationId xmlns:a16="http://schemas.microsoft.com/office/drawing/2014/main" id="{CBB2B1F0-0DD6-4744-9A46-7A344FB48E40}"/>
+              </a:ext>
+              <a:ext uri="{C183D7F6-B498-43B3-948B-1728B52AA6E4}">
+                <adec:decorative xmlns:adec="http://schemas.microsoft.com/office/drawing/2017/decorative" val="1"/>
+              </a:ext>
+            </a:extLst>
+          </p:cNvPr>
+          <p:cNvSpPr>
+            <a:spLocks noGrp="1" noRot="1" noChangeAspect="1" noMove="1" noResize="1" noEditPoints="1" noAdjustHandles="1" noChangeArrowheads="1" noChangeShapeType="1" noTextEdit="1"/>
+          </p:cNvSpPr>
+          <p:nvPr>
+            <p:extLst>
+              <p:ext uri="{386F3935-93C4-4BCD-93E2-E3B085C9AB24}">
+                <p16:designElem xmlns:p16="http://schemas.microsoft.com/office/powerpoint/2015/main" val="1"/>
+              </p:ext>
+            </p:extLst>
+          </p:nvPr>
+        </p:nvSpPr>
+        <p:spPr>
+          <a:xfrm>
+            <a:off x="0" y="0"/>
+            <a:ext cx="12192000" cy="6858000"/>
+          </a:xfrm>
+          <a:prstGeom prst="rect">
+            <a:avLst/>
+          </a:prstGeom>
+          <a:ln>
+            <a:noFill/>
+          </a:ln>
+        </p:spPr>
+        <p:style>
+          <a:lnRef idx="2">
+            <a:schemeClr val="accent1">
+              <a:shade val="50000"/>
+            </a:schemeClr>
+          </a:lnRef>
+          <a:fillRef idx="1">
+            <a:schemeClr val="accent1"/>
+          </a:fillRef>
+          <a:effectRef idx="0">
+            <a:schemeClr val="accent1"/>
+          </a:effectRef>
+          <a:fontRef idx="minor">
+            <a:schemeClr val="lt1"/>
+          </a:fontRef>
+        </p:style>
+        <p:txBody>
+          <a:bodyPr rtlCol="0" anchor="ctr"/>
+          <a:lstStyle/>
+          <a:p>
+            <a:pPr algn="ctr"/>
+            <a:endParaRPr lang="en-US"/>
+          </a:p>
+        </p:txBody>
+      </p:sp>
+      <p:sp>
+        <p:nvSpPr>
+          <p:cNvPr id="2" name="Titel 1">
+            <a:extLst>
+              <a:ext uri="{FF2B5EF4-FFF2-40B4-BE49-F238E27FC236}">
+                <a16:creationId xmlns:a16="http://schemas.microsoft.com/office/drawing/2014/main" id="{C01F638B-5FA5-401B-B579-514657733BC0}"/>
+              </a:ext>
+            </a:extLst>
+          </p:cNvPr>
+          <p:cNvSpPr>
+            <a:spLocks noGrp="1"/>
+          </p:cNvSpPr>
+          <p:nvPr>
+            <p:ph type="title"/>
+          </p:nvPr>
+        </p:nvSpPr>
+        <p:spPr>
+          <a:xfrm>
+            <a:off x="841248" y="426720"/>
+            <a:ext cx="10506456" cy="1919141"/>
+          </a:xfrm>
+        </p:spPr>
+        <p:txBody>
+          <a:bodyPr anchor="b">
+            <a:normAutofit/>
+          </a:bodyPr>
+          <a:lstStyle/>
+          <a:p>
+            <a:r>
+              <a:rPr lang="de-AT" sz="4200"/>
+              <a:t>Open Problems</a:t>
+            </a:r>
+            <a:br>
+              <a:rPr lang="de-AT" sz="4200"/>
+            </a:br>
+            <a:r>
+              <a:rPr lang="de-AT" sz="4200"/>
+              <a:t>And</a:t>
+            </a:r>
+            <a:br>
+              <a:rPr lang="de-AT" sz="4200"/>
+            </a:br>
+            <a:r>
+              <a:rPr lang="de-AT" sz="4200"/>
+              <a:t>Challenges</a:t>
+            </a:r>
+          </a:p>
+        </p:txBody>
+      </p:sp>
+      <p:sp>
+        <p:nvSpPr>
+          <p:cNvPr id="38" name="Rectangle 37">
+            <a:extLst>
+              <a:ext uri="{FF2B5EF4-FFF2-40B4-BE49-F238E27FC236}">
+                <a16:creationId xmlns:a16="http://schemas.microsoft.com/office/drawing/2014/main" id="{52D502E5-F6B4-4D58-B4AE-FC466FF15EE8}"/>
+              </a:ext>
+              <a:ext uri="{C183D7F6-B498-43B3-948B-1728B52AA6E4}">
+                <adec:decorative xmlns:adec="http://schemas.microsoft.com/office/drawing/2017/decorative" val="1"/>
+              </a:ext>
+            </a:extLst>
+          </p:cNvPr>
+          <p:cNvSpPr>
+            <a:spLocks noGrp="1" noRot="1" noChangeAspect="1" noMove="1" noResize="1" noEditPoints="1" noAdjustHandles="1" noChangeArrowheads="1" noChangeShapeType="1" noTextEdit="1"/>
+          </p:cNvSpPr>
+          <p:nvPr>
+            <p:extLst>
+              <p:ext uri="{386F3935-93C4-4BCD-93E2-E3B085C9AB24}">
+                <p16:designElem xmlns:p16="http://schemas.microsoft.com/office/powerpoint/2015/main" val="1"/>
+              </p:ext>
+            </p:extLst>
+          </p:nvPr>
+        </p:nvSpPr>
+        <p:spPr>
+          <a:xfrm>
+            <a:off x="865953" y="2899927"/>
+            <a:ext cx="10451592" cy="18288"/>
+          </a:xfrm>
+          <a:prstGeom prst="rect">
+            <a:avLst/>
+          </a:prstGeom>
+          <a:solidFill>
+            <a:srgbClr val="D5D5D5"/>
+          </a:solidFill>
+          <a:ln w="3175">
+            <a:noFill/>
+          </a:ln>
+          <a:effectLst/>
+        </p:spPr>
+        <p:style>
+          <a:lnRef idx="2">
+            <a:schemeClr val="accent1">
+              <a:shade val="50000"/>
+            </a:schemeClr>
+          </a:lnRef>
+          <a:fillRef idx="1">
+            <a:schemeClr val="accent1"/>
+          </a:fillRef>
+          <a:effectRef idx="0">
+            <a:schemeClr val="accent1"/>
+          </a:effectRef>
+          <a:fontRef idx="minor">
+            <a:schemeClr val="lt1"/>
+          </a:fontRef>
+        </p:style>
+        <p:txBody>
+          <a:bodyPr rtlCol="0" anchor="ctr"/>
+          <a:lstStyle/>
+          <a:p>
+            <a:pPr algn="ctr"/>
+            <a:endParaRPr lang="en-US">
+              <a:solidFill>
+                <a:prstClr val="white"/>
+              </a:solidFill>
+              <a:latin typeface="Calibri" panose="020F0502020204030204"/>
+            </a:endParaRPr>
+          </a:p>
+        </p:txBody>
+      </p:sp>
+      <p:sp>
+        <p:nvSpPr>
+          <p:cNvPr id="40" name="Rectangle 39">
+            <a:extLst>
+              <a:ext uri="{FF2B5EF4-FFF2-40B4-BE49-F238E27FC236}">
+                <a16:creationId xmlns:a16="http://schemas.microsoft.com/office/drawing/2014/main" id="{9DECDBF4-02B6-4BB4-B65B-B8107AD6A9E8}"/>
+              </a:ext>
+              <a:ext uri="{C183D7F6-B498-43B3-948B-1728B52AA6E4}">
+                <adec:decorative xmlns:adec="http://schemas.microsoft.com/office/drawing/2017/decorative" val="1"/>
+              </a:ext>
+            </a:extLst>
+          </p:cNvPr>
+          <p:cNvSpPr>
+            <a:spLocks noGrp="1" noRot="1" noChangeAspect="1" noMove="1" noResize="1" noEditPoints="1" noAdjustHandles="1" noChangeArrowheads="1" noChangeShapeType="1" noTextEdit="1"/>
+          </p:cNvSpPr>
+          <p:nvPr>
+            <p:extLst>
+              <p:ext uri="{386F3935-93C4-4BCD-93E2-E3B085C9AB24}">
+                <p16:designElem xmlns:p16="http://schemas.microsoft.com/office/powerpoint/2015/main" val="1"/>
+              </p:ext>
+            </p:extLst>
+          </p:nvPr>
+        </p:nvSpPr>
+        <p:spPr>
+          <a:xfrm flipV="1">
+            <a:off x="841248" y="2776031"/>
+            <a:ext cx="1873457" cy="137160"/>
+          </a:xfrm>
+          <a:prstGeom prst="rect">
+            <a:avLst/>
+          </a:prstGeom>
+          <a:solidFill>
+            <a:schemeClr val="accent2"/>
+          </a:solidFill>
+          <a:ln>
+            <a:noFill/>
+          </a:ln>
+        </p:spPr>
+        <p:style>
+          <a:lnRef idx="2">
+            <a:schemeClr val="accent1">
+              <a:shade val="50000"/>
+            </a:schemeClr>
+          </a:lnRef>
+          <a:fillRef idx="1">
+            <a:schemeClr val="accent1"/>
+          </a:fillRef>
+          <a:effectRef idx="0">
+            <a:schemeClr val="accent1"/>
+          </a:effectRef>
+          <a:fontRef idx="minor">
+            <a:schemeClr val="lt1"/>
+          </a:fontRef>
+        </p:style>
+        <p:txBody>
+          <a:bodyPr rtlCol="0" anchor="ctr"/>
+          <a:lstStyle/>
+          <a:p>
+            <a:pPr algn="ctr"/>
+            <a:endParaRPr lang="en-US">
+              <a:solidFill>
+                <a:prstClr val="white"/>
+              </a:solidFill>
+              <a:latin typeface="Calibri" panose="020F0502020204030204"/>
+            </a:endParaRPr>
+          </a:p>
+        </p:txBody>
+      </p:sp>
+      <p:sp>
+        <p:nvSpPr>
+          <p:cNvPr id="3" name="Inhaltsplatzhalter 2">
+            <a:extLst>
+              <a:ext uri="{FF2B5EF4-FFF2-40B4-BE49-F238E27FC236}">
+                <a16:creationId xmlns:a16="http://schemas.microsoft.com/office/drawing/2014/main" id="{8FF0E0A1-E8BF-46CD-BD68-63DB967E5D5D}"/>
+              </a:ext>
+            </a:extLst>
+          </p:cNvPr>
+          <p:cNvSpPr>
+            <a:spLocks noGrp="1"/>
+          </p:cNvSpPr>
+          <p:nvPr>
+            <p:ph idx="1"/>
+          </p:nvPr>
+        </p:nvSpPr>
+        <p:spPr>
+          <a:xfrm>
+            <a:off x="841248" y="3337269"/>
+            <a:ext cx="10509504" cy="2905686"/>
+          </a:xfrm>
+        </p:spPr>
+        <p:txBody>
+          <a:bodyPr>
+            <a:normAutofit fontScale="92500" lnSpcReduction="20000"/>
+          </a:bodyPr>
+          <a:lstStyle/>
+          <a:p>
+            <a:r>
+              <a:rPr lang="de-AT" sz="2400" dirty="0"/>
+              <a:t>Model </a:t>
+            </a:r>
+            <a:r>
+              <a:rPr lang="de-AT" sz="2400" dirty="0" err="1"/>
+              <a:t>relationships</a:t>
+            </a:r>
+            <a:r>
+              <a:rPr lang="de-AT" sz="2400" dirty="0"/>
+              <a:t> and all relevant </a:t>
+            </a:r>
+            <a:r>
+              <a:rPr lang="de-AT" sz="2400" dirty="0" err="1"/>
+              <a:t>aspects</a:t>
+            </a:r>
+            <a:endParaRPr lang="de-AT" sz="2400" dirty="0"/>
           </a:p>
           <a:p>
             <a:pPr lvl="1"/>
             <a:r>
-              <a:rPr lang="de-AT" sz="2200"/>
-              <a:t>What is relevant? What is redundant information?</a:t>
-            </a:r>
-          </a:p>
-          <a:p>
-            <a:r>
-              <a:rPr lang="de-AT" sz="2200"/>
-              <a:t>User‘s satisfaction</a:t>
-            </a:r>
+              <a:rPr lang="de-AT" dirty="0" err="1"/>
+              <a:t>What</a:t>
+            </a:r>
+            <a:r>
+              <a:rPr lang="de-AT" dirty="0"/>
+              <a:t> </a:t>
+            </a:r>
+            <a:r>
+              <a:rPr lang="de-AT" dirty="0" err="1"/>
+              <a:t>is</a:t>
+            </a:r>
+            <a:r>
+              <a:rPr lang="de-AT" dirty="0"/>
+              <a:t> relevant? </a:t>
+            </a:r>
+            <a:r>
+              <a:rPr lang="de-AT" dirty="0" err="1"/>
+              <a:t>What</a:t>
+            </a:r>
+            <a:r>
+              <a:rPr lang="de-AT" dirty="0"/>
+              <a:t> </a:t>
+            </a:r>
+            <a:r>
+              <a:rPr lang="de-AT" dirty="0" err="1"/>
+              <a:t>is</a:t>
+            </a:r>
+            <a:r>
+              <a:rPr lang="de-AT" dirty="0"/>
+              <a:t> redundant </a:t>
+            </a:r>
+            <a:r>
+              <a:rPr lang="de-AT" dirty="0" err="1"/>
+              <a:t>information</a:t>
+            </a:r>
+            <a:r>
+              <a:rPr lang="de-AT" dirty="0"/>
+              <a:t>?</a:t>
+            </a:r>
+          </a:p>
+          <a:p>
+            <a:r>
+              <a:rPr lang="de-AT" sz="2400" dirty="0" err="1"/>
+              <a:t>User‘s</a:t>
+            </a:r>
+            <a:r>
+              <a:rPr lang="de-AT" sz="2400" dirty="0"/>
+              <a:t> </a:t>
+            </a:r>
+            <a:r>
+              <a:rPr lang="de-AT" sz="2400" dirty="0" err="1"/>
+              <a:t>satisfaction</a:t>
+            </a:r>
+            <a:endParaRPr lang="de-AT" sz="2400" dirty="0"/>
           </a:p>
           <a:p>
             <a:pPr lvl="1"/>
             <a:r>
-              <a:rPr lang="de-AT" sz="2200"/>
-              <a:t>Much research just does quantitative analysis </a:t>
-            </a:r>
-          </a:p>
-          <a:p>
-            <a:r>
-              <a:rPr lang="de-AT" sz="2200"/>
-              <a:t>Handle big data </a:t>
-            </a:r>
-          </a:p>
-          <a:p>
-            <a:r>
-              <a:rPr lang="de-AT" sz="2200"/>
-              <a:t>Inference times</a:t>
-            </a:r>
-          </a:p>
-          <a:p>
-            <a:r>
-              <a:rPr lang="de-AT" sz="2200"/>
-              <a:t>Fast paced field </a:t>
-            </a:r>
-          </a:p>
-          <a:p>
-            <a:r>
-              <a:rPr lang="de-AT" sz="2200"/>
+              <a:rPr lang="de-AT" dirty="0"/>
+              <a:t>Much </a:t>
+            </a:r>
+            <a:r>
+              <a:rPr lang="de-AT" dirty="0" err="1"/>
+              <a:t>research</a:t>
+            </a:r>
+            <a:r>
+              <a:rPr lang="de-AT" dirty="0"/>
+              <a:t> just </a:t>
+            </a:r>
+            <a:r>
+              <a:rPr lang="de-AT" dirty="0" err="1"/>
+              <a:t>does</a:t>
+            </a:r>
+            <a:r>
+              <a:rPr lang="de-AT" dirty="0"/>
+              <a:t> quantitative </a:t>
+            </a:r>
+            <a:r>
+              <a:rPr lang="de-AT" dirty="0" err="1"/>
+              <a:t>analysis</a:t>
+            </a:r>
+            <a:r>
+              <a:rPr lang="de-AT" dirty="0"/>
+              <a:t> </a:t>
+            </a:r>
+          </a:p>
+          <a:p>
+            <a:r>
+              <a:rPr lang="de-AT" sz="2400" dirty="0"/>
+              <a:t>Handle </a:t>
+            </a:r>
+            <a:r>
+              <a:rPr lang="de-AT" sz="2400" dirty="0" err="1"/>
+              <a:t>big</a:t>
+            </a:r>
+            <a:r>
+              <a:rPr lang="de-AT" sz="2400" dirty="0"/>
+              <a:t> </a:t>
+            </a:r>
+            <a:r>
+              <a:rPr lang="de-AT" sz="2400" dirty="0" err="1"/>
+              <a:t>data</a:t>
+            </a:r>
+            <a:r>
+              <a:rPr lang="de-AT" sz="2400" dirty="0"/>
+              <a:t> </a:t>
+            </a:r>
+          </a:p>
+          <a:p>
+            <a:r>
+              <a:rPr lang="de-AT" sz="2400" dirty="0" err="1"/>
+              <a:t>Inference</a:t>
+            </a:r>
+            <a:r>
+              <a:rPr lang="de-AT" sz="2400" dirty="0"/>
+              <a:t> </a:t>
+            </a:r>
+            <a:r>
+              <a:rPr lang="de-AT" sz="2400" dirty="0" err="1"/>
+              <a:t>times</a:t>
+            </a:r>
+            <a:endParaRPr lang="de-AT" sz="2400" dirty="0"/>
+          </a:p>
+          <a:p>
+            <a:r>
+              <a:rPr lang="de-AT" sz="2400" dirty="0"/>
+              <a:t>Fast </a:t>
+            </a:r>
+            <a:r>
+              <a:rPr lang="de-AT" sz="2400" dirty="0" err="1"/>
+              <a:t>paced</a:t>
+            </a:r>
+            <a:r>
+              <a:rPr lang="de-AT" sz="2400" dirty="0"/>
+              <a:t> </a:t>
+            </a:r>
+            <a:r>
+              <a:rPr lang="de-AT" sz="2400" dirty="0" err="1"/>
+              <a:t>field</a:t>
+            </a:r>
+            <a:r>
+              <a:rPr lang="de-AT" sz="2400" dirty="0"/>
+              <a:t> </a:t>
+            </a:r>
+          </a:p>
+          <a:p>
+            <a:r>
+              <a:rPr lang="de-AT" sz="2400" dirty="0"/>
               <a:t>NGA</a:t>
             </a:r>
           </a:p>
           <a:p>
             <a:pPr lvl="1"/>
-            <a:endParaRPr lang="de-AT" sz="2200" dirty="0"/>
+            <a:endParaRPr lang="de-AT" dirty="0"/>
           </a:p>
         </p:txBody>
       </p:sp>
@@ -5545,4 +12430,47 @@
     </a:ext>
   </a:extLst>
 </a:theme>
+</file>
+
+<file path=ppt/theme/themeOverride1.xml><?xml version="1.0" encoding="utf-8"?>
+<a:themeOverride xmlns:a="http://schemas.openxmlformats.org/drawingml/2006/main">
+  <a:clrScheme name="Office">
+    <a:dk1>
+      <a:sysClr val="windowText" lastClr="000000"/>
+    </a:dk1>
+    <a:lt1>
+      <a:sysClr val="window" lastClr="FFFFFF"/>
+    </a:lt1>
+    <a:dk2>
+      <a:srgbClr val="44546A"/>
+    </a:dk2>
+    <a:lt2>
+      <a:srgbClr val="E7E6E6"/>
+    </a:lt2>
+    <a:accent1>
+      <a:srgbClr val="4472C4"/>
+    </a:accent1>
+    <a:accent2>
+      <a:srgbClr val="ED7D31"/>
+    </a:accent2>
+    <a:accent3>
+      <a:srgbClr val="A5A5A5"/>
+    </a:accent3>
+    <a:accent4>
+      <a:srgbClr val="FFC000"/>
+    </a:accent4>
+    <a:accent5>
+      <a:srgbClr val="5B9BD5"/>
+    </a:accent5>
+    <a:accent6>
+      <a:srgbClr val="70AD47"/>
+    </a:accent6>
+    <a:hlink>
+      <a:srgbClr val="0563C1"/>
+    </a:hlink>
+    <a:folHlink>
+      <a:srgbClr val="954F72"/>
+    </a:folHlink>
+  </a:clrScheme>
+</a:themeOverride>
 </file>
--- a/State-Of-The-Art Music Recommendation.pptx
+++ b/State-Of-The-Art Music Recommendation.pptx
@@ -12,7 +12,8 @@
     <p:sldId id="262" r:id="rId6"/>
     <p:sldId id="259" r:id="rId7"/>
     <p:sldId id="263" r:id="rId8"/>
-    <p:sldId id="260" r:id="rId9"/>
+    <p:sldId id="265" r:id="rId9"/>
+    <p:sldId id="260" r:id="rId10"/>
   </p:sldIdLst>
   <p:sldSz cx="12192000" cy="6858000"/>
   <p:notesSz cx="6858000" cy="9144000"/>
@@ -9867,122 +9868,75 @@
           <a:lstStyle/>
           <a:p>
             <a:r>
-              <a:rPr lang="de-AT" sz="3200" dirty="0" err="1"/>
-              <a:t>Recommendations</a:t>
+              <a:rPr lang="en-GB" sz="3200" dirty="0"/>
+              <a:t>Recommendations are everywhere</a:t>
             </a:r>
+          </a:p>
+          <a:p>
             <a:r>
-              <a:rPr lang="de-AT" sz="3200" dirty="0"/>
-              <a:t> </a:t>
+              <a:rPr lang="en-GB" sz="3200" dirty="0"/>
+              <a:t>Music industry is very popular </a:t>
             </a:r>
+          </a:p>
+          <a:p>
             <a:r>
-              <a:rPr lang="de-AT" sz="3200" dirty="0" err="1"/>
-              <a:t>are</a:t>
+              <a:rPr lang="en-GB" sz="3200" dirty="0"/>
+              <a:t>Fast paced industry</a:t>
             </a:r>
+          </a:p>
+          <a:p>
             <a:r>
-              <a:rPr lang="de-AT" sz="3200" dirty="0"/>
-              <a:t> </a:t>
-            </a:r>
-            <a:r>
-              <a:rPr lang="de-AT" sz="3200" dirty="0" err="1"/>
-              <a:t>everywhere</a:t>
-            </a:r>
-            <a:endParaRPr lang="de-AT" sz="3200" dirty="0"/>
-          </a:p>
-          <a:p>
-            <a:r>
-              <a:rPr lang="de-AT" sz="3200" dirty="0"/>
-              <a:t>Music </a:t>
-            </a:r>
-            <a:r>
-              <a:rPr lang="de-AT" sz="3200" dirty="0" err="1"/>
-              <a:t>industry</a:t>
-            </a:r>
-            <a:r>
-              <a:rPr lang="de-AT" sz="3200" dirty="0"/>
-              <a:t> </a:t>
-            </a:r>
-            <a:r>
-              <a:rPr lang="de-AT" sz="3200" dirty="0" err="1"/>
-              <a:t>is</a:t>
-            </a:r>
-            <a:r>
-              <a:rPr lang="de-AT" sz="3200" dirty="0"/>
-              <a:t> </a:t>
-            </a:r>
-            <a:r>
-              <a:rPr lang="de-AT" sz="3200" dirty="0" err="1"/>
-              <a:t>very</a:t>
-            </a:r>
-            <a:r>
-              <a:rPr lang="de-AT" sz="3200" dirty="0"/>
-              <a:t> </a:t>
-            </a:r>
-            <a:r>
-              <a:rPr lang="de-AT" sz="3200" dirty="0" err="1"/>
-              <a:t>popular</a:t>
-            </a:r>
-            <a:r>
-              <a:rPr lang="de-AT" sz="3200" dirty="0"/>
-              <a:t> </a:t>
-            </a:r>
-          </a:p>
-          <a:p>
-            <a:r>
-              <a:rPr lang="de-AT" sz="3200" dirty="0"/>
-              <a:t>Fast </a:t>
-            </a:r>
-            <a:r>
-              <a:rPr lang="de-AT" sz="3200" dirty="0" err="1"/>
-              <a:t>paced</a:t>
-            </a:r>
-            <a:r>
-              <a:rPr lang="de-AT" sz="3200" dirty="0"/>
-              <a:t> </a:t>
-            </a:r>
-            <a:r>
-              <a:rPr lang="de-AT" sz="3200" dirty="0" err="1"/>
-              <a:t>industry</a:t>
-            </a:r>
-            <a:endParaRPr lang="de-AT" sz="3200" dirty="0"/>
-          </a:p>
-          <a:p>
-            <a:r>
-              <a:rPr lang="de-AT" sz="3200" dirty="0"/>
+              <a:rPr lang="en-GB" sz="3200" dirty="0"/>
               <a:t>Breakthroughs in AI</a:t>
             </a:r>
           </a:p>
           <a:p>
             <a:r>
-              <a:rPr lang="de-AT" sz="3200" dirty="0"/>
-              <a:t>Are </a:t>
-            </a:r>
-            <a:r>
-              <a:rPr lang="de-AT" sz="3200" dirty="0" err="1"/>
-              <a:t>we</a:t>
-            </a:r>
-            <a:r>
-              <a:rPr lang="de-AT" sz="3200" dirty="0"/>
-              <a:t> </a:t>
-            </a:r>
-            <a:r>
-              <a:rPr lang="de-AT" sz="3200" dirty="0" err="1"/>
-              <a:t>there</a:t>
-            </a:r>
-            <a:r>
-              <a:rPr lang="de-AT" sz="3200" dirty="0"/>
-              <a:t> </a:t>
-            </a:r>
-            <a:r>
-              <a:rPr lang="de-AT" sz="3200" dirty="0" err="1"/>
-              <a:t>yet</a:t>
-            </a:r>
-            <a:r>
-              <a:rPr lang="de-AT" sz="3200" dirty="0"/>
-              <a:t>?</a:t>
+              <a:rPr lang="en-GB" sz="3200" dirty="0"/>
+              <a:t>Companies versus Research</a:t>
             </a:r>
           </a:p>
         </p:txBody>
       </p:sp>
+      <p:pic>
+        <p:nvPicPr>
+          <p:cNvPr id="5" name="Grafik 4" descr="Musik Silhouette">
+            <a:extLst>
+              <a:ext uri="{FF2B5EF4-FFF2-40B4-BE49-F238E27FC236}">
+                <a16:creationId xmlns:a16="http://schemas.microsoft.com/office/drawing/2014/main" id="{541F389A-F905-D8BC-2701-E1BFB68A3E48}"/>
+              </a:ext>
+            </a:extLst>
+          </p:cNvPr>
+          <p:cNvPicPr>
+            <a:picLocks noChangeAspect="1"/>
+          </p:cNvPicPr>
+          <p:nvPr/>
+        </p:nvPicPr>
+        <p:blipFill>
+          <a:blip r:embed="rId2">
+            <a:extLst>
+              <a:ext uri="{28A0092B-C50C-407E-A947-70E740481C1C}">
+                <a14:useLocalDpi xmlns:a14="http://schemas.microsoft.com/office/drawing/2010/main" val="0"/>
+              </a:ext>
+              <a:ext uri="{96DAC541-7B7A-43D3-8B79-37D633B846F1}">
+                <asvg:svgBlip xmlns:asvg="http://schemas.microsoft.com/office/drawing/2016/SVG/main" r:embed="rId3"/>
+              </a:ext>
+            </a:extLst>
+          </a:blip>
+          <a:stretch>
+            <a:fillRect/>
+          </a:stretch>
+        </p:blipFill>
+        <p:spPr>
+          <a:xfrm>
+            <a:off x="9876691" y="4530415"/>
+            <a:ext cx="2109685" cy="2109685"/>
+          </a:xfrm>
+          <a:prstGeom prst="rect">
+            <a:avLst/>
+          </a:prstGeom>
+        </p:spPr>
+      </p:pic>
     </p:spTree>
     <p:extLst>
       <p:ext uri="{BB962C8B-B14F-4D97-AF65-F5344CB8AC3E}">
@@ -10404,47 +10358,15 @@
             <a:pPr marL="0" indent="0" algn="ctr">
               <a:buNone/>
             </a:pPr>
-            <a:endParaRPr lang="de-DE" sz="4000" b="1" dirty="0"/>
+            <a:endParaRPr lang="en-GB" sz="4000" b="1" dirty="0"/>
           </a:p>
           <a:p>
             <a:pPr marL="0" indent="0" algn="ctr">
               <a:buNone/>
             </a:pPr>
             <a:r>
-              <a:rPr lang="de-DE" sz="4000" b="1" dirty="0"/>
-              <a:t>State-</a:t>
-            </a:r>
-            <a:r>
-              <a:rPr lang="de-DE" sz="4000" b="1" dirty="0" err="1"/>
-              <a:t>of</a:t>
-            </a:r>
-            <a:r>
-              <a:rPr lang="de-DE" sz="4000" b="1" dirty="0"/>
-              <a:t>-</a:t>
-            </a:r>
-            <a:r>
-              <a:rPr lang="de-DE" sz="4000" b="1" dirty="0" err="1"/>
-              <a:t>the</a:t>
-            </a:r>
-            <a:r>
-              <a:rPr lang="de-DE" sz="4000" b="1" dirty="0"/>
-              <a:t>-art </a:t>
-            </a:r>
-            <a:r>
-              <a:rPr lang="de-DE" sz="4000" b="1" dirty="0" err="1"/>
-              <a:t>music</a:t>
-            </a:r>
-            <a:r>
-              <a:rPr lang="de-DE" sz="4000" b="1" dirty="0"/>
-              <a:t> </a:t>
-            </a:r>
-            <a:r>
-              <a:rPr lang="de-DE" sz="4000" b="1" dirty="0" err="1"/>
-              <a:t>recommendation</a:t>
-            </a:r>
-            <a:r>
-              <a:rPr lang="de-DE" sz="4000" b="1" dirty="0"/>
-              <a:t>: </a:t>
+              <a:rPr lang="en-GB" sz="4000" b="1" dirty="0"/>
+              <a:t>State-of-the-art music recommendation: </a:t>
             </a:r>
           </a:p>
           <a:p>
@@ -10452,32 +10374,8 @@
               <a:buNone/>
             </a:pPr>
             <a:r>
-              <a:rPr lang="de-DE" sz="4000" b="1" dirty="0"/>
-              <a:t>Are </a:t>
-            </a:r>
-            <a:r>
-              <a:rPr lang="de-DE" sz="4000" b="1" dirty="0" err="1"/>
-              <a:t>we</a:t>
-            </a:r>
-            <a:r>
-              <a:rPr lang="de-DE" sz="4000" b="1" dirty="0"/>
-              <a:t> </a:t>
-            </a:r>
-            <a:r>
-              <a:rPr lang="de-DE" sz="4000" b="1" dirty="0" err="1"/>
-              <a:t>there</a:t>
-            </a:r>
-            <a:r>
-              <a:rPr lang="de-DE" sz="4000" b="1" dirty="0"/>
-              <a:t> </a:t>
-            </a:r>
-            <a:r>
-              <a:rPr lang="de-DE" sz="4000" b="1" dirty="0" err="1"/>
-              <a:t>yet</a:t>
-            </a:r>
-            <a:r>
-              <a:rPr lang="de-DE" sz="4000" b="1" dirty="0"/>
-              <a:t>?</a:t>
+              <a:rPr lang="en-GB" sz="4000" b="1" dirty="0"/>
+              <a:t>Are we there yet?</a:t>
             </a:r>
           </a:p>
         </p:txBody>
@@ -11098,8 +10996,8 @@
           <a:lstStyle/>
           <a:p>
             <a:r>
-              <a:rPr lang="de-AT" sz="6000"/>
-              <a:t>Evaluation of methods</a:t>
+              <a:rPr lang="en-GB" sz="6000" dirty="0"/>
+              <a:t>Evaluation of current methods</a:t>
             </a:r>
           </a:p>
         </p:txBody>
@@ -11312,7 +11210,1297 @@
       </p:grpSpPr>
       <p:sp useBgFill="1">
         <p:nvSpPr>
+          <p:cNvPr id="17" name="Rectangle 16">
+            <a:extLst>
+              <a:ext uri="{FF2B5EF4-FFF2-40B4-BE49-F238E27FC236}">
+                <a16:creationId xmlns:a16="http://schemas.microsoft.com/office/drawing/2014/main" id="{1C799903-48D5-4A31-A1A2-541072D9771E}"/>
+              </a:ext>
+              <a:ext uri="{C183D7F6-B498-43B3-948B-1728B52AA6E4}">
+                <adec:decorative xmlns:adec="http://schemas.microsoft.com/office/drawing/2017/decorative" val="1"/>
+              </a:ext>
+            </a:extLst>
+          </p:cNvPr>
+          <p:cNvSpPr>
+            <a:spLocks noGrp="1" noRot="1" noChangeAspect="1" noMove="1" noResize="1" noEditPoints="1" noAdjustHandles="1" noChangeArrowheads="1" noChangeShapeType="1" noTextEdit="1"/>
+          </p:cNvSpPr>
+          <p:nvPr>
+            <p:extLst>
+              <p:ext uri="{386F3935-93C4-4BCD-93E2-E3B085C9AB24}">
+                <p16:designElem xmlns:p16="http://schemas.microsoft.com/office/powerpoint/2015/main" val="1"/>
+              </p:ext>
+            </p:extLst>
+          </p:nvPr>
+        </p:nvSpPr>
+        <p:spPr>
+          <a:xfrm>
+            <a:off x="0" y="0"/>
+            <a:ext cx="12192002" cy="6858000"/>
+          </a:xfrm>
+          <a:prstGeom prst="rect">
+            <a:avLst/>
+          </a:prstGeom>
+          <a:ln>
+            <a:noFill/>
+          </a:ln>
+        </p:spPr>
+        <p:style>
+          <a:lnRef idx="2">
+            <a:schemeClr val="accent1">
+              <a:shade val="50000"/>
+            </a:schemeClr>
+          </a:lnRef>
+          <a:fillRef idx="1">
+            <a:schemeClr val="accent1"/>
+          </a:fillRef>
+          <a:effectRef idx="0">
+            <a:schemeClr val="accent1"/>
+          </a:effectRef>
+          <a:fontRef idx="minor">
+            <a:schemeClr val="lt1"/>
+          </a:fontRef>
+        </p:style>
+        <p:txBody>
+          <a:bodyPr rtlCol="0" anchor="ctr"/>
+          <a:lstStyle/>
+          <a:p>
+            <a:pPr algn="ctr"/>
+            <a:endParaRPr lang="en-US"/>
+          </a:p>
+        </p:txBody>
+      </p:sp>
+      <p:sp useBgFill="1">
+        <p:nvSpPr>
+          <p:cNvPr id="19" name="Freeform: Shape 18">
+            <a:extLst>
+              <a:ext uri="{FF2B5EF4-FFF2-40B4-BE49-F238E27FC236}">
+                <a16:creationId xmlns:a16="http://schemas.microsoft.com/office/drawing/2014/main" id="{8EFFF109-FC58-4FD3-BE05-9775A1310F55}"/>
+              </a:ext>
+              <a:ext uri="{C183D7F6-B498-43B3-948B-1728B52AA6E4}">
+                <adec:decorative xmlns:adec="http://schemas.microsoft.com/office/drawing/2017/decorative" val="1"/>
+              </a:ext>
+            </a:extLst>
+          </p:cNvPr>
+          <p:cNvSpPr>
+            <a:spLocks noGrp="1" noRot="1" noChangeAspect="1" noMove="1" noResize="1" noEditPoints="1" noAdjustHandles="1" noChangeArrowheads="1" noChangeShapeType="1" noTextEdit="1"/>
+          </p:cNvSpPr>
+          <p:nvPr>
+            <p:extLst>
+              <p:ext uri="{386F3935-93C4-4BCD-93E2-E3B085C9AB24}">
+                <p16:designElem xmlns:p16="http://schemas.microsoft.com/office/powerpoint/2015/main" val="1"/>
+              </p:ext>
+            </p:extLst>
+          </p:nvPr>
+        </p:nvSpPr>
+        <p:spPr>
+          <a:xfrm>
+            <a:off x="-1" y="0"/>
+            <a:ext cx="4818889" cy="6858000"/>
+          </a:xfrm>
+          <a:custGeom>
+            <a:avLst/>
+            <a:gdLst>
+              <a:gd name="connsiteX0" fmla="*/ 0 w 4818889"/>
+              <a:gd name="connsiteY0" fmla="*/ 0 h 6858000"/>
+              <a:gd name="connsiteX1" fmla="*/ 3605911 w 4818889"/>
+              <a:gd name="connsiteY1" fmla="*/ 0 h 6858000"/>
+              <a:gd name="connsiteX2" fmla="*/ 3668894 w 4818889"/>
+              <a:gd name="connsiteY2" fmla="*/ 69271 h 6858000"/>
+              <a:gd name="connsiteX3" fmla="*/ 4818889 w 4818889"/>
+              <a:gd name="connsiteY3" fmla="*/ 3429000 h 6858000"/>
+              <a:gd name="connsiteX4" fmla="*/ 3668894 w 4818889"/>
+              <a:gd name="connsiteY4" fmla="*/ 6788730 h 6858000"/>
+              <a:gd name="connsiteX5" fmla="*/ 3605911 w 4818889"/>
+              <a:gd name="connsiteY5" fmla="*/ 6858000 h 6858000"/>
+              <a:gd name="connsiteX6" fmla="*/ 0 w 4818889"/>
+              <a:gd name="connsiteY6" fmla="*/ 6858000 h 6858000"/>
+            </a:gdLst>
+            <a:ahLst/>
+            <a:cxnLst>
+              <a:cxn ang="0">
+                <a:pos x="connsiteX0" y="connsiteY0"/>
+              </a:cxn>
+              <a:cxn ang="0">
+                <a:pos x="connsiteX1" y="connsiteY1"/>
+              </a:cxn>
+              <a:cxn ang="0">
+                <a:pos x="connsiteX2" y="connsiteY2"/>
+              </a:cxn>
+              <a:cxn ang="0">
+                <a:pos x="connsiteX3" y="connsiteY3"/>
+              </a:cxn>
+              <a:cxn ang="0">
+                <a:pos x="connsiteX4" y="connsiteY4"/>
+              </a:cxn>
+              <a:cxn ang="0">
+                <a:pos x="connsiteX5" y="connsiteY5"/>
+              </a:cxn>
+              <a:cxn ang="0">
+                <a:pos x="connsiteX6" y="connsiteY6"/>
+              </a:cxn>
+            </a:cxnLst>
+            <a:rect l="l" t="t" r="r" b="b"/>
+            <a:pathLst>
+              <a:path w="4818889" h="6858000">
+                <a:moveTo>
+                  <a:pt x="0" y="0"/>
+                </a:moveTo>
+                <a:lnTo>
+                  <a:pt x="3605911" y="0"/>
+                </a:lnTo>
+                <a:lnTo>
+                  <a:pt x="3668894" y="69271"/>
+                </a:lnTo>
+                <a:cubicBezTo>
+                  <a:pt x="4379420" y="929100"/>
+                  <a:pt x="4818889" y="2116944"/>
+                  <a:pt x="4818889" y="3429000"/>
+                </a:cubicBezTo>
+                <a:cubicBezTo>
+                  <a:pt x="4818889" y="4741056"/>
+                  <a:pt x="4379420" y="5928900"/>
+                  <a:pt x="3668894" y="6788730"/>
+                </a:cubicBezTo>
+                <a:lnTo>
+                  <a:pt x="3605911" y="6858000"/>
+                </a:lnTo>
+                <a:lnTo>
+                  <a:pt x="0" y="6858000"/>
+                </a:lnTo>
+                <a:close/>
+              </a:path>
+            </a:pathLst>
+          </a:custGeom>
+          <a:ln w="9525">
+            <a:solidFill>
+              <a:srgbClr val="E6E6E6"/>
+            </a:solidFill>
+          </a:ln>
+          <a:effectLst>
+            <a:outerShdw blurRad="50800" dist="38100" algn="l" rotWithShape="0">
+              <a:schemeClr val="bg1">
+                <a:lumMod val="85000"/>
+                <a:alpha val="50000"/>
+              </a:schemeClr>
+            </a:outerShdw>
+          </a:effectLst>
+        </p:spPr>
+        <p:style>
+          <a:lnRef idx="2">
+            <a:schemeClr val="accent1">
+              <a:shade val="50000"/>
+            </a:schemeClr>
+          </a:lnRef>
+          <a:fillRef idx="1">
+            <a:schemeClr val="accent1"/>
+          </a:fillRef>
+          <a:effectRef idx="0">
+            <a:schemeClr val="accent1"/>
+          </a:effectRef>
+          <a:fontRef idx="minor">
+            <a:schemeClr val="lt1"/>
+          </a:fontRef>
+        </p:style>
+        <p:txBody>
+          <a:bodyPr wrap="square" rtlCol="0" anchor="ctr">
+            <a:noAutofit/>
+          </a:bodyPr>
+          <a:lstStyle/>
+          <a:p>
+            <a:pPr marL="0" marR="0" lvl="0" indent="0" algn="ctr" defTabSz="914400" rtl="0" eaLnBrk="1" fontAlgn="auto" latinLnBrk="0" hangingPunct="1">
+              <a:lnSpc>
+                <a:spcPct val="100000"/>
+              </a:lnSpc>
+              <a:spcBef>
+                <a:spcPts val="0"/>
+              </a:spcBef>
+              <a:spcAft>
+                <a:spcPts val="0"/>
+              </a:spcAft>
+              <a:buClrTx/>
+              <a:buSzTx/>
+              <a:buFontTx/>
+              <a:buNone/>
+              <a:tabLst/>
+              <a:defRPr/>
+            </a:pPr>
+            <a:endParaRPr kumimoji="0" lang="en-US" sz="1800" b="0" i="0" u="none" strike="noStrike" kern="1200" cap="none" spc="0" normalizeH="0" baseline="0" noProof="0">
+              <a:ln>
+                <a:noFill/>
+              </a:ln>
+              <a:solidFill>
+                <a:prstClr val="white"/>
+              </a:solidFill>
+              <a:effectLst/>
+              <a:uLnTx/>
+              <a:uFillTx/>
+              <a:latin typeface="Calibri" panose="020F0502020204030204"/>
+              <a:ea typeface="+mn-ea"/>
+              <a:cs typeface="+mn-cs"/>
+            </a:endParaRPr>
+          </a:p>
+        </p:txBody>
+      </p:sp>
+      <p:sp useBgFill="1">
+        <p:nvSpPr>
+          <p:cNvPr id="21" name="Freeform: Shape 20">
+            <a:extLst>
+              <a:ext uri="{FF2B5EF4-FFF2-40B4-BE49-F238E27FC236}">
+                <a16:creationId xmlns:a16="http://schemas.microsoft.com/office/drawing/2014/main" id="{E1B96AD6-92A9-4273-A62B-96A1C3E0BA95}"/>
+              </a:ext>
+              <a:ext uri="{C183D7F6-B498-43B3-948B-1728B52AA6E4}">
+                <adec:decorative xmlns:adec="http://schemas.microsoft.com/office/drawing/2017/decorative" val="1"/>
+              </a:ext>
+            </a:extLst>
+          </p:cNvPr>
+          <p:cNvSpPr>
+            <a:spLocks noGrp="1" noRot="1" noChangeAspect="1" noMove="1" noResize="1" noEditPoints="1" noAdjustHandles="1" noChangeArrowheads="1" noChangeShapeType="1" noTextEdit="1"/>
+          </p:cNvSpPr>
+          <p:nvPr>
+            <p:extLst>
+              <p:ext uri="{386F3935-93C4-4BCD-93E2-E3B085C9AB24}">
+                <p16:designElem xmlns:p16="http://schemas.microsoft.com/office/powerpoint/2015/main" val="1"/>
+              </p:ext>
+            </p:extLst>
+          </p:nvPr>
+        </p:nvSpPr>
+        <p:spPr>
+          <a:xfrm>
+            <a:off x="1" y="0"/>
+            <a:ext cx="4811477" cy="6858000"/>
+          </a:xfrm>
+          <a:custGeom>
+            <a:avLst/>
+            <a:gdLst>
+              <a:gd name="connsiteX0" fmla="*/ 0 w 4811477"/>
+              <a:gd name="connsiteY0" fmla="*/ 0 h 6858000"/>
+              <a:gd name="connsiteX1" fmla="*/ 3598499 w 4811477"/>
+              <a:gd name="connsiteY1" fmla="*/ 0 h 6858000"/>
+              <a:gd name="connsiteX2" fmla="*/ 3661482 w 4811477"/>
+              <a:gd name="connsiteY2" fmla="*/ 69271 h 6858000"/>
+              <a:gd name="connsiteX3" fmla="*/ 4811477 w 4811477"/>
+              <a:gd name="connsiteY3" fmla="*/ 3429000 h 6858000"/>
+              <a:gd name="connsiteX4" fmla="*/ 3661482 w 4811477"/>
+              <a:gd name="connsiteY4" fmla="*/ 6788730 h 6858000"/>
+              <a:gd name="connsiteX5" fmla="*/ 3598499 w 4811477"/>
+              <a:gd name="connsiteY5" fmla="*/ 6858000 h 6858000"/>
+              <a:gd name="connsiteX6" fmla="*/ 0 w 4811477"/>
+              <a:gd name="connsiteY6" fmla="*/ 6858000 h 6858000"/>
+            </a:gdLst>
+            <a:ahLst/>
+            <a:cxnLst>
+              <a:cxn ang="0">
+                <a:pos x="connsiteX0" y="connsiteY0"/>
+              </a:cxn>
+              <a:cxn ang="0">
+                <a:pos x="connsiteX1" y="connsiteY1"/>
+              </a:cxn>
+              <a:cxn ang="0">
+                <a:pos x="connsiteX2" y="connsiteY2"/>
+              </a:cxn>
+              <a:cxn ang="0">
+                <a:pos x="connsiteX3" y="connsiteY3"/>
+              </a:cxn>
+              <a:cxn ang="0">
+                <a:pos x="connsiteX4" y="connsiteY4"/>
+              </a:cxn>
+              <a:cxn ang="0">
+                <a:pos x="connsiteX5" y="connsiteY5"/>
+              </a:cxn>
+              <a:cxn ang="0">
+                <a:pos x="connsiteX6" y="connsiteY6"/>
+              </a:cxn>
+            </a:cxnLst>
+            <a:rect l="l" t="t" r="r" b="b"/>
+            <a:pathLst>
+              <a:path w="4811477" h="6858000">
+                <a:moveTo>
+                  <a:pt x="0" y="0"/>
+                </a:moveTo>
+                <a:lnTo>
+                  <a:pt x="3598499" y="0"/>
+                </a:lnTo>
+                <a:lnTo>
+                  <a:pt x="3661482" y="69271"/>
+                </a:lnTo>
+                <a:cubicBezTo>
+                  <a:pt x="4372008" y="929100"/>
+                  <a:pt x="4811477" y="2116944"/>
+                  <a:pt x="4811477" y="3429000"/>
+                </a:cubicBezTo>
+                <a:cubicBezTo>
+                  <a:pt x="4811477" y="4741056"/>
+                  <a:pt x="4372008" y="5928900"/>
+                  <a:pt x="3661482" y="6788730"/>
+                </a:cubicBezTo>
+                <a:lnTo>
+                  <a:pt x="3598499" y="6858000"/>
+                </a:lnTo>
+                <a:lnTo>
+                  <a:pt x="0" y="6858000"/>
+                </a:lnTo>
+                <a:close/>
+              </a:path>
+            </a:pathLst>
+          </a:custGeom>
+          <a:ln w="9525">
+            <a:noFill/>
+          </a:ln>
+          <a:effectLst/>
+        </p:spPr>
+        <p:style>
+          <a:lnRef idx="2">
+            <a:schemeClr val="accent1">
+              <a:shade val="50000"/>
+            </a:schemeClr>
+          </a:lnRef>
+          <a:fillRef idx="1">
+            <a:schemeClr val="accent1"/>
+          </a:fillRef>
+          <a:effectRef idx="0">
+            <a:schemeClr val="accent1"/>
+          </a:effectRef>
+          <a:fontRef idx="minor">
+            <a:schemeClr val="lt1"/>
+          </a:fontRef>
+        </p:style>
+        <p:txBody>
+          <a:bodyPr wrap="square" rtlCol="0" anchor="ctr">
+            <a:noAutofit/>
+          </a:bodyPr>
+          <a:lstStyle/>
+          <a:p>
+            <a:pPr marL="0" marR="0" lvl="0" indent="0" algn="ctr" defTabSz="914400" rtl="0" eaLnBrk="1" fontAlgn="auto" latinLnBrk="0" hangingPunct="1">
+              <a:lnSpc>
+                <a:spcPct val="100000"/>
+              </a:lnSpc>
+              <a:spcBef>
+                <a:spcPts val="0"/>
+              </a:spcBef>
+              <a:spcAft>
+                <a:spcPts val="0"/>
+              </a:spcAft>
+              <a:buClrTx/>
+              <a:buSzTx/>
+              <a:buFontTx/>
+              <a:buNone/>
+              <a:tabLst/>
+              <a:defRPr/>
+            </a:pPr>
+            <a:endParaRPr kumimoji="0" lang="en-US" sz="1800" b="0" i="0" u="none" strike="noStrike" kern="1200" cap="none" spc="0" normalizeH="0" baseline="0" noProof="0">
+              <a:ln>
+                <a:noFill/>
+              </a:ln>
+              <a:solidFill>
+                <a:prstClr val="white"/>
+              </a:solidFill>
+              <a:effectLst/>
+              <a:uLnTx/>
+              <a:uFillTx/>
+              <a:latin typeface="Calibri" panose="020F0502020204030204"/>
+              <a:ea typeface="+mn-ea"/>
+              <a:cs typeface="+mn-cs"/>
+            </a:endParaRPr>
+          </a:p>
+        </p:txBody>
+      </p:sp>
+      <p:sp>
+        <p:nvSpPr>
+          <p:cNvPr id="2" name="Titel 1">
+            <a:extLst>
+              <a:ext uri="{FF2B5EF4-FFF2-40B4-BE49-F238E27FC236}">
+                <a16:creationId xmlns:a16="http://schemas.microsoft.com/office/drawing/2014/main" id="{BB5B22AD-644B-88D8-9D2B-9CFC8D106DB4}"/>
+              </a:ext>
+            </a:extLst>
+          </p:cNvPr>
+          <p:cNvSpPr>
+            <a:spLocks noGrp="1"/>
+          </p:cNvSpPr>
+          <p:nvPr>
+            <p:ph type="title"/>
+          </p:nvPr>
+        </p:nvSpPr>
+        <p:spPr>
+          <a:xfrm>
+            <a:off x="621792" y="1161288"/>
+            <a:ext cx="3602736" cy="4526280"/>
+          </a:xfrm>
+        </p:spPr>
+        <p:txBody>
+          <a:bodyPr>
+            <a:normAutofit/>
+          </a:bodyPr>
+          <a:lstStyle/>
+          <a:p>
+            <a:r>
+              <a:rPr lang="en-AU" sz="4000" dirty="0"/>
+              <a:t>Novel methods</a:t>
+            </a:r>
+          </a:p>
+        </p:txBody>
+      </p:sp>
+      <p:sp>
+        <p:nvSpPr>
+          <p:cNvPr id="23" name="Rectangle 22">
+            <a:extLst>
+              <a:ext uri="{FF2B5EF4-FFF2-40B4-BE49-F238E27FC236}">
+                <a16:creationId xmlns:a16="http://schemas.microsoft.com/office/drawing/2014/main" id="{463EEC44-1BA3-44ED-81FC-A644B04B2A44}"/>
+              </a:ext>
+              <a:ext uri="{C183D7F6-B498-43B3-948B-1728B52AA6E4}">
+                <adec:decorative xmlns:adec="http://schemas.microsoft.com/office/drawing/2017/decorative" val="1"/>
+              </a:ext>
+            </a:extLst>
+          </p:cNvPr>
+          <p:cNvSpPr>
+            <a:spLocks noGrp="1" noRot="1" noChangeAspect="1" noMove="1" noResize="1" noEditPoints="1" noAdjustHandles="1" noChangeArrowheads="1" noChangeShapeType="1" noTextEdit="1"/>
+          </p:cNvSpPr>
+          <p:nvPr>
+            <p:extLst>
+              <p:ext uri="{386F3935-93C4-4BCD-93E2-E3B085C9AB24}">
+                <p16:designElem xmlns:p16="http://schemas.microsoft.com/office/powerpoint/2015/main" val="1"/>
+              </p:ext>
+            </p:extLst>
+          </p:nvPr>
+        </p:nvSpPr>
+        <p:spPr>
+          <a:xfrm>
+            <a:off x="0" y="3102049"/>
+            <a:ext cx="128016" cy="653903"/>
+          </a:xfrm>
+          <a:prstGeom prst="rect">
+            <a:avLst/>
+          </a:prstGeom>
+          <a:solidFill>
+            <a:schemeClr val="accent2"/>
+          </a:solidFill>
+          <a:ln>
+            <a:noFill/>
+          </a:ln>
+        </p:spPr>
+        <p:style>
+          <a:lnRef idx="2">
+            <a:schemeClr val="accent1">
+              <a:shade val="50000"/>
+            </a:schemeClr>
+          </a:lnRef>
+          <a:fillRef idx="1">
+            <a:schemeClr val="accent1"/>
+          </a:fillRef>
+          <a:effectRef idx="0">
+            <a:schemeClr val="accent1"/>
+          </a:effectRef>
+          <a:fontRef idx="minor">
+            <a:schemeClr val="lt1"/>
+          </a:fontRef>
+        </p:style>
+        <p:txBody>
+          <a:bodyPr rtlCol="0" anchor="ctr"/>
+          <a:lstStyle/>
+          <a:p>
+            <a:pPr algn="ctr"/>
+            <a:endParaRPr lang="en-US">
+              <a:solidFill>
+                <a:prstClr val="white"/>
+              </a:solidFill>
+              <a:latin typeface="Calibri" panose="020F0502020204030204"/>
+            </a:endParaRPr>
+          </a:p>
+        </p:txBody>
+      </p:sp>
+      <p:sp>
+        <p:nvSpPr>
+          <p:cNvPr id="3" name="Inhaltsplatzhalter 2">
+            <a:extLst>
+              <a:ext uri="{FF2B5EF4-FFF2-40B4-BE49-F238E27FC236}">
+                <a16:creationId xmlns:a16="http://schemas.microsoft.com/office/drawing/2014/main" id="{1BAEA109-D071-8C0D-B4D0-53AEDDC38F25}"/>
+              </a:ext>
+            </a:extLst>
+          </p:cNvPr>
+          <p:cNvSpPr>
+            <a:spLocks noGrp="1"/>
+          </p:cNvSpPr>
+          <p:nvPr>
+            <p:ph idx="1"/>
+          </p:nvPr>
+        </p:nvSpPr>
+        <p:spPr>
+          <a:xfrm>
+            <a:off x="5434149" y="932688"/>
+            <a:ext cx="6628897" cy="5767050"/>
+          </a:xfrm>
+        </p:spPr>
+        <p:txBody>
+          <a:bodyPr anchor="ctr">
+            <a:normAutofit fontScale="92500" lnSpcReduction="20000"/>
+          </a:bodyPr>
+          <a:lstStyle/>
+          <a:p>
+            <a:pPr marL="0" indent="0">
+              <a:buNone/>
+            </a:pPr>
+            <a:r>
+              <a:rPr lang="en-GB" dirty="0"/>
+              <a:t>Include new dimensions</a:t>
+            </a:r>
+          </a:p>
+          <a:p>
+            <a:pPr lvl="1"/>
+            <a:r>
+              <a:rPr lang="en-GB" sz="2800" dirty="0"/>
+              <a:t>Personality traits, mood, emotions</a:t>
+            </a:r>
+          </a:p>
+          <a:p>
+            <a:pPr lvl="1"/>
+            <a:r>
+              <a:rPr lang="en-GB" sz="2800" dirty="0"/>
+              <a:t>Facial expressions</a:t>
+            </a:r>
+          </a:p>
+          <a:p>
+            <a:pPr lvl="1"/>
+            <a:r>
+              <a:rPr lang="en-GB" sz="2800" dirty="0"/>
+              <a:t>Contextual information</a:t>
+            </a:r>
+          </a:p>
+          <a:p>
+            <a:pPr lvl="1"/>
+            <a:r>
+              <a:rPr lang="en-GB" sz="2800" dirty="0"/>
+              <a:t>Acoustic information</a:t>
+            </a:r>
+          </a:p>
+          <a:p>
+            <a:pPr marL="0" indent="0">
+              <a:buNone/>
+            </a:pPr>
+            <a:endParaRPr lang="en-GB" dirty="0"/>
+          </a:p>
+          <a:p>
+            <a:pPr marL="0" indent="0">
+              <a:buNone/>
+            </a:pPr>
+            <a:r>
+              <a:rPr lang="en-GB" dirty="0"/>
+              <a:t>Use new technologies</a:t>
+            </a:r>
+          </a:p>
+          <a:p>
+            <a:pPr lvl="1"/>
+            <a:r>
+              <a:rPr lang="en-GB" sz="2800" dirty="0"/>
+              <a:t>Deep Learning, LSTM, ..</a:t>
+            </a:r>
+          </a:p>
+          <a:p>
+            <a:pPr lvl="1"/>
+            <a:endParaRPr lang="en-GB" sz="2800" dirty="0"/>
+          </a:p>
+          <a:p>
+            <a:pPr marL="0" indent="0">
+              <a:buNone/>
+            </a:pPr>
+            <a:r>
+              <a:rPr lang="en-GB" dirty="0"/>
+              <a:t>Combine various fields</a:t>
+            </a:r>
+          </a:p>
+          <a:p>
+            <a:pPr lvl="1"/>
+            <a:r>
+              <a:rPr lang="en-GB" sz="2800" dirty="0"/>
+              <a:t>HCI, Psychology, Sociology, Information Processing,…</a:t>
+            </a:r>
+          </a:p>
+          <a:p>
+            <a:pPr lvl="1"/>
+            <a:endParaRPr lang="en-GB" sz="2800" dirty="0"/>
+          </a:p>
+          <a:p>
+            <a:r>
+              <a:rPr lang="en-GB" dirty="0"/>
+              <a:t>Tackle current limitations </a:t>
+            </a:r>
+          </a:p>
+          <a:p>
+            <a:pPr lvl="1"/>
+            <a:r>
+              <a:rPr lang="en-GB" sz="2800" dirty="0"/>
+              <a:t>Real-world usage</a:t>
+            </a:r>
+          </a:p>
+          <a:p>
+            <a:pPr lvl="1"/>
+            <a:r>
+              <a:rPr lang="en-GB" sz="2800" dirty="0"/>
+              <a:t>No suitable dataset available</a:t>
+            </a:r>
+          </a:p>
+          <a:p>
+            <a:pPr marL="0" indent="0">
+              <a:buNone/>
+            </a:pPr>
+            <a:endParaRPr lang="en-GB" dirty="0"/>
+          </a:p>
+          <a:p>
+            <a:endParaRPr lang="en-GB" dirty="0"/>
+          </a:p>
+        </p:txBody>
+      </p:sp>
+    </p:spTree>
+    <p:extLst>
+      <p:ext uri="{BB962C8B-B14F-4D97-AF65-F5344CB8AC3E}">
+        <p14:creationId xmlns:p14="http://schemas.microsoft.com/office/powerpoint/2010/main" val="3774975634"/>
+      </p:ext>
+    </p:extLst>
+  </p:cSld>
+  <p:clrMapOvr>
+    <a:masterClrMapping/>
+  </p:clrMapOvr>
+</p:sld>
+</file>
+
+<file path=ppt/slides/slide8.xml><?xml version="1.0" encoding="utf-8"?>
+<p:sld xmlns:a="http://schemas.openxmlformats.org/drawingml/2006/main" xmlns:r="http://schemas.openxmlformats.org/officeDocument/2006/relationships" xmlns:p="http://schemas.openxmlformats.org/presentationml/2006/main">
+  <p:cSld>
+    <p:bg>
+      <p:bgPr>
+        <a:solidFill>
+          <a:schemeClr val="bg1"/>
+        </a:solidFill>
+        <a:effectLst/>
+      </p:bgPr>
+    </p:bg>
+    <p:spTree>
+      <p:nvGrpSpPr>
+        <p:cNvPr id="1" name=""/>
+        <p:cNvGrpSpPr/>
+        <p:nvPr/>
+      </p:nvGrpSpPr>
+      <p:grpSpPr>
+        <a:xfrm>
+          <a:off x="0" y="0"/>
+          <a:ext cx="0" cy="0"/>
+          <a:chOff x="0" y="0"/>
+          <a:chExt cx="0" cy="0"/>
+        </a:xfrm>
+      </p:grpSpPr>
+      <p:sp useBgFill="1">
+        <p:nvSpPr>
           <p:cNvPr id="8" name="Rectangle 7">
+            <a:extLst>
+              <a:ext uri="{FF2B5EF4-FFF2-40B4-BE49-F238E27FC236}">
+                <a16:creationId xmlns:a16="http://schemas.microsoft.com/office/drawing/2014/main" id="{1C799903-48D5-4A31-A1A2-541072D9771E}"/>
+              </a:ext>
+              <a:ext uri="{C183D7F6-B498-43B3-948B-1728B52AA6E4}">
+                <adec:decorative xmlns:adec="http://schemas.microsoft.com/office/drawing/2017/decorative" val="1"/>
+              </a:ext>
+            </a:extLst>
+          </p:cNvPr>
+          <p:cNvSpPr>
+            <a:spLocks noGrp="1" noRot="1" noChangeAspect="1" noMove="1" noResize="1" noEditPoints="1" noAdjustHandles="1" noChangeArrowheads="1" noChangeShapeType="1" noTextEdit="1"/>
+          </p:cNvSpPr>
+          <p:nvPr>
+            <p:extLst>
+              <p:ext uri="{386F3935-93C4-4BCD-93E2-E3B085C9AB24}">
+                <p16:designElem xmlns:p16="http://schemas.microsoft.com/office/powerpoint/2015/main" val="1"/>
+              </p:ext>
+            </p:extLst>
+          </p:nvPr>
+        </p:nvSpPr>
+        <p:spPr>
+          <a:xfrm>
+            <a:off x="0" y="0"/>
+            <a:ext cx="12192002" cy="6858000"/>
+          </a:xfrm>
+          <a:prstGeom prst="rect">
+            <a:avLst/>
+          </a:prstGeom>
+          <a:ln>
+            <a:noFill/>
+          </a:ln>
+        </p:spPr>
+        <p:style>
+          <a:lnRef idx="2">
+            <a:schemeClr val="accent1">
+              <a:shade val="50000"/>
+            </a:schemeClr>
+          </a:lnRef>
+          <a:fillRef idx="1">
+            <a:schemeClr val="accent1"/>
+          </a:fillRef>
+          <a:effectRef idx="0">
+            <a:schemeClr val="accent1"/>
+          </a:effectRef>
+          <a:fontRef idx="minor">
+            <a:schemeClr val="lt1"/>
+          </a:fontRef>
+        </p:style>
+        <p:txBody>
+          <a:bodyPr rtlCol="0" anchor="ctr"/>
+          <a:lstStyle/>
+          <a:p>
+            <a:pPr algn="ctr"/>
+            <a:endParaRPr lang="en-US"/>
+          </a:p>
+        </p:txBody>
+      </p:sp>
+      <p:sp useBgFill="1">
+        <p:nvSpPr>
+          <p:cNvPr id="10" name="Freeform: Shape 9">
+            <a:extLst>
+              <a:ext uri="{FF2B5EF4-FFF2-40B4-BE49-F238E27FC236}">
+                <a16:creationId xmlns:a16="http://schemas.microsoft.com/office/drawing/2014/main" id="{8EFFF109-FC58-4FD3-BE05-9775A1310F55}"/>
+              </a:ext>
+              <a:ext uri="{C183D7F6-B498-43B3-948B-1728B52AA6E4}">
+                <adec:decorative xmlns:adec="http://schemas.microsoft.com/office/drawing/2017/decorative" val="1"/>
+              </a:ext>
+            </a:extLst>
+          </p:cNvPr>
+          <p:cNvSpPr>
+            <a:spLocks noGrp="1" noRot="1" noChangeAspect="1" noMove="1" noResize="1" noEditPoints="1" noAdjustHandles="1" noChangeArrowheads="1" noChangeShapeType="1" noTextEdit="1"/>
+          </p:cNvSpPr>
+          <p:nvPr>
+            <p:extLst>
+              <p:ext uri="{386F3935-93C4-4BCD-93E2-E3B085C9AB24}">
+                <p16:designElem xmlns:p16="http://schemas.microsoft.com/office/powerpoint/2015/main" val="1"/>
+              </p:ext>
+            </p:extLst>
+          </p:nvPr>
+        </p:nvSpPr>
+        <p:spPr>
+          <a:xfrm>
+            <a:off x="-1" y="0"/>
+            <a:ext cx="4818889" cy="6858000"/>
+          </a:xfrm>
+          <a:custGeom>
+            <a:avLst/>
+            <a:gdLst>
+              <a:gd name="connsiteX0" fmla="*/ 0 w 4818889"/>
+              <a:gd name="connsiteY0" fmla="*/ 0 h 6858000"/>
+              <a:gd name="connsiteX1" fmla="*/ 3605911 w 4818889"/>
+              <a:gd name="connsiteY1" fmla="*/ 0 h 6858000"/>
+              <a:gd name="connsiteX2" fmla="*/ 3668894 w 4818889"/>
+              <a:gd name="connsiteY2" fmla="*/ 69271 h 6858000"/>
+              <a:gd name="connsiteX3" fmla="*/ 4818889 w 4818889"/>
+              <a:gd name="connsiteY3" fmla="*/ 3429000 h 6858000"/>
+              <a:gd name="connsiteX4" fmla="*/ 3668894 w 4818889"/>
+              <a:gd name="connsiteY4" fmla="*/ 6788730 h 6858000"/>
+              <a:gd name="connsiteX5" fmla="*/ 3605911 w 4818889"/>
+              <a:gd name="connsiteY5" fmla="*/ 6858000 h 6858000"/>
+              <a:gd name="connsiteX6" fmla="*/ 0 w 4818889"/>
+              <a:gd name="connsiteY6" fmla="*/ 6858000 h 6858000"/>
+            </a:gdLst>
+            <a:ahLst/>
+            <a:cxnLst>
+              <a:cxn ang="0">
+                <a:pos x="connsiteX0" y="connsiteY0"/>
+              </a:cxn>
+              <a:cxn ang="0">
+                <a:pos x="connsiteX1" y="connsiteY1"/>
+              </a:cxn>
+              <a:cxn ang="0">
+                <a:pos x="connsiteX2" y="connsiteY2"/>
+              </a:cxn>
+              <a:cxn ang="0">
+                <a:pos x="connsiteX3" y="connsiteY3"/>
+              </a:cxn>
+              <a:cxn ang="0">
+                <a:pos x="connsiteX4" y="connsiteY4"/>
+              </a:cxn>
+              <a:cxn ang="0">
+                <a:pos x="connsiteX5" y="connsiteY5"/>
+              </a:cxn>
+              <a:cxn ang="0">
+                <a:pos x="connsiteX6" y="connsiteY6"/>
+              </a:cxn>
+            </a:cxnLst>
+            <a:rect l="l" t="t" r="r" b="b"/>
+            <a:pathLst>
+              <a:path w="4818889" h="6858000">
+                <a:moveTo>
+                  <a:pt x="0" y="0"/>
+                </a:moveTo>
+                <a:lnTo>
+                  <a:pt x="3605911" y="0"/>
+                </a:lnTo>
+                <a:lnTo>
+                  <a:pt x="3668894" y="69271"/>
+                </a:lnTo>
+                <a:cubicBezTo>
+                  <a:pt x="4379420" y="929100"/>
+                  <a:pt x="4818889" y="2116944"/>
+                  <a:pt x="4818889" y="3429000"/>
+                </a:cubicBezTo>
+                <a:cubicBezTo>
+                  <a:pt x="4818889" y="4741056"/>
+                  <a:pt x="4379420" y="5928900"/>
+                  <a:pt x="3668894" y="6788730"/>
+                </a:cubicBezTo>
+                <a:lnTo>
+                  <a:pt x="3605911" y="6858000"/>
+                </a:lnTo>
+                <a:lnTo>
+                  <a:pt x="0" y="6858000"/>
+                </a:lnTo>
+                <a:close/>
+              </a:path>
+            </a:pathLst>
+          </a:custGeom>
+          <a:ln w="9525">
+            <a:solidFill>
+              <a:srgbClr val="E6E6E6"/>
+            </a:solidFill>
+          </a:ln>
+          <a:effectLst>
+            <a:outerShdw blurRad="50800" dist="38100" algn="l" rotWithShape="0">
+              <a:schemeClr val="bg1">
+                <a:lumMod val="85000"/>
+                <a:alpha val="50000"/>
+              </a:schemeClr>
+            </a:outerShdw>
+          </a:effectLst>
+        </p:spPr>
+        <p:style>
+          <a:lnRef idx="2">
+            <a:schemeClr val="accent1">
+              <a:shade val="50000"/>
+            </a:schemeClr>
+          </a:lnRef>
+          <a:fillRef idx="1">
+            <a:schemeClr val="accent1"/>
+          </a:fillRef>
+          <a:effectRef idx="0">
+            <a:schemeClr val="accent1"/>
+          </a:effectRef>
+          <a:fontRef idx="minor">
+            <a:schemeClr val="lt1"/>
+          </a:fontRef>
+        </p:style>
+        <p:txBody>
+          <a:bodyPr wrap="square" rtlCol="0" anchor="ctr">
+            <a:noAutofit/>
+          </a:bodyPr>
+          <a:lstStyle/>
+          <a:p>
+            <a:pPr marL="0" marR="0" lvl="0" indent="0" algn="ctr" defTabSz="914400" rtl="0" eaLnBrk="1" fontAlgn="auto" latinLnBrk="0" hangingPunct="1">
+              <a:lnSpc>
+                <a:spcPct val="100000"/>
+              </a:lnSpc>
+              <a:spcBef>
+                <a:spcPts val="0"/>
+              </a:spcBef>
+              <a:spcAft>
+                <a:spcPts val="0"/>
+              </a:spcAft>
+              <a:buClrTx/>
+              <a:buSzTx/>
+              <a:buFontTx/>
+              <a:buNone/>
+              <a:tabLst/>
+              <a:defRPr/>
+            </a:pPr>
+            <a:endParaRPr kumimoji="0" lang="en-US" sz="1800" b="0" i="0" u="none" strike="noStrike" kern="1200" cap="none" spc="0" normalizeH="0" baseline="0" noProof="0">
+              <a:ln>
+                <a:noFill/>
+              </a:ln>
+              <a:solidFill>
+                <a:prstClr val="white"/>
+              </a:solidFill>
+              <a:effectLst/>
+              <a:uLnTx/>
+              <a:uFillTx/>
+              <a:latin typeface="Calibri" panose="020F0502020204030204"/>
+              <a:ea typeface="+mn-ea"/>
+              <a:cs typeface="+mn-cs"/>
+            </a:endParaRPr>
+          </a:p>
+        </p:txBody>
+      </p:sp>
+      <p:sp useBgFill="1">
+        <p:nvSpPr>
+          <p:cNvPr id="12" name="Freeform: Shape 11">
+            <a:extLst>
+              <a:ext uri="{FF2B5EF4-FFF2-40B4-BE49-F238E27FC236}">
+                <a16:creationId xmlns:a16="http://schemas.microsoft.com/office/drawing/2014/main" id="{E1B96AD6-92A9-4273-A62B-96A1C3E0BA95}"/>
+              </a:ext>
+              <a:ext uri="{C183D7F6-B498-43B3-948B-1728B52AA6E4}">
+                <adec:decorative xmlns:adec="http://schemas.microsoft.com/office/drawing/2017/decorative" val="1"/>
+              </a:ext>
+            </a:extLst>
+          </p:cNvPr>
+          <p:cNvSpPr>
+            <a:spLocks noGrp="1" noRot="1" noChangeAspect="1" noMove="1" noResize="1" noEditPoints="1" noAdjustHandles="1" noChangeArrowheads="1" noChangeShapeType="1" noTextEdit="1"/>
+          </p:cNvSpPr>
+          <p:nvPr>
+            <p:extLst>
+              <p:ext uri="{386F3935-93C4-4BCD-93E2-E3B085C9AB24}">
+                <p16:designElem xmlns:p16="http://schemas.microsoft.com/office/powerpoint/2015/main" val="1"/>
+              </p:ext>
+            </p:extLst>
+          </p:nvPr>
+        </p:nvSpPr>
+        <p:spPr>
+          <a:xfrm>
+            <a:off x="1" y="0"/>
+            <a:ext cx="4811477" cy="6858000"/>
+          </a:xfrm>
+          <a:custGeom>
+            <a:avLst/>
+            <a:gdLst>
+              <a:gd name="connsiteX0" fmla="*/ 0 w 4811477"/>
+              <a:gd name="connsiteY0" fmla="*/ 0 h 6858000"/>
+              <a:gd name="connsiteX1" fmla="*/ 3598499 w 4811477"/>
+              <a:gd name="connsiteY1" fmla="*/ 0 h 6858000"/>
+              <a:gd name="connsiteX2" fmla="*/ 3661482 w 4811477"/>
+              <a:gd name="connsiteY2" fmla="*/ 69271 h 6858000"/>
+              <a:gd name="connsiteX3" fmla="*/ 4811477 w 4811477"/>
+              <a:gd name="connsiteY3" fmla="*/ 3429000 h 6858000"/>
+              <a:gd name="connsiteX4" fmla="*/ 3661482 w 4811477"/>
+              <a:gd name="connsiteY4" fmla="*/ 6788730 h 6858000"/>
+              <a:gd name="connsiteX5" fmla="*/ 3598499 w 4811477"/>
+              <a:gd name="connsiteY5" fmla="*/ 6858000 h 6858000"/>
+              <a:gd name="connsiteX6" fmla="*/ 0 w 4811477"/>
+              <a:gd name="connsiteY6" fmla="*/ 6858000 h 6858000"/>
+            </a:gdLst>
+            <a:ahLst/>
+            <a:cxnLst>
+              <a:cxn ang="0">
+                <a:pos x="connsiteX0" y="connsiteY0"/>
+              </a:cxn>
+              <a:cxn ang="0">
+                <a:pos x="connsiteX1" y="connsiteY1"/>
+              </a:cxn>
+              <a:cxn ang="0">
+                <a:pos x="connsiteX2" y="connsiteY2"/>
+              </a:cxn>
+              <a:cxn ang="0">
+                <a:pos x="connsiteX3" y="connsiteY3"/>
+              </a:cxn>
+              <a:cxn ang="0">
+                <a:pos x="connsiteX4" y="connsiteY4"/>
+              </a:cxn>
+              <a:cxn ang="0">
+                <a:pos x="connsiteX5" y="connsiteY5"/>
+              </a:cxn>
+              <a:cxn ang="0">
+                <a:pos x="connsiteX6" y="connsiteY6"/>
+              </a:cxn>
+            </a:cxnLst>
+            <a:rect l="l" t="t" r="r" b="b"/>
+            <a:pathLst>
+              <a:path w="4811477" h="6858000">
+                <a:moveTo>
+                  <a:pt x="0" y="0"/>
+                </a:moveTo>
+                <a:lnTo>
+                  <a:pt x="3598499" y="0"/>
+                </a:lnTo>
+                <a:lnTo>
+                  <a:pt x="3661482" y="69271"/>
+                </a:lnTo>
+                <a:cubicBezTo>
+                  <a:pt x="4372008" y="929100"/>
+                  <a:pt x="4811477" y="2116944"/>
+                  <a:pt x="4811477" y="3429000"/>
+                </a:cubicBezTo>
+                <a:cubicBezTo>
+                  <a:pt x="4811477" y="4741056"/>
+                  <a:pt x="4372008" y="5928900"/>
+                  <a:pt x="3661482" y="6788730"/>
+                </a:cubicBezTo>
+                <a:lnTo>
+                  <a:pt x="3598499" y="6858000"/>
+                </a:lnTo>
+                <a:lnTo>
+                  <a:pt x="0" y="6858000"/>
+                </a:lnTo>
+                <a:close/>
+              </a:path>
+            </a:pathLst>
+          </a:custGeom>
+          <a:ln w="9525">
+            <a:noFill/>
+          </a:ln>
+          <a:effectLst/>
+        </p:spPr>
+        <p:style>
+          <a:lnRef idx="2">
+            <a:schemeClr val="accent1">
+              <a:shade val="50000"/>
+            </a:schemeClr>
+          </a:lnRef>
+          <a:fillRef idx="1">
+            <a:schemeClr val="accent1"/>
+          </a:fillRef>
+          <a:effectRef idx="0">
+            <a:schemeClr val="accent1"/>
+          </a:effectRef>
+          <a:fontRef idx="minor">
+            <a:schemeClr val="lt1"/>
+          </a:fontRef>
+        </p:style>
+        <p:txBody>
+          <a:bodyPr wrap="square" rtlCol="0" anchor="ctr">
+            <a:noAutofit/>
+          </a:bodyPr>
+          <a:lstStyle/>
+          <a:p>
+            <a:pPr marL="0" marR="0" lvl="0" indent="0" algn="ctr" defTabSz="914400" rtl="0" eaLnBrk="1" fontAlgn="auto" latinLnBrk="0" hangingPunct="1">
+              <a:lnSpc>
+                <a:spcPct val="100000"/>
+              </a:lnSpc>
+              <a:spcBef>
+                <a:spcPts val="0"/>
+              </a:spcBef>
+              <a:spcAft>
+                <a:spcPts val="0"/>
+              </a:spcAft>
+              <a:buClrTx/>
+              <a:buSzTx/>
+              <a:buFontTx/>
+              <a:buNone/>
+              <a:tabLst/>
+              <a:defRPr/>
+            </a:pPr>
+            <a:endParaRPr kumimoji="0" lang="en-US" sz="1800" b="0" i="0" u="none" strike="noStrike" kern="1200" cap="none" spc="0" normalizeH="0" baseline="0" noProof="0">
+              <a:ln>
+                <a:noFill/>
+              </a:ln>
+              <a:solidFill>
+                <a:prstClr val="white"/>
+              </a:solidFill>
+              <a:effectLst/>
+              <a:uLnTx/>
+              <a:uFillTx/>
+              <a:latin typeface="Calibri" panose="020F0502020204030204"/>
+              <a:ea typeface="+mn-ea"/>
+              <a:cs typeface="+mn-cs"/>
+            </a:endParaRPr>
+          </a:p>
+        </p:txBody>
+      </p:sp>
+      <p:sp>
+        <p:nvSpPr>
+          <p:cNvPr id="2" name="Titel 1">
+            <a:extLst>
+              <a:ext uri="{FF2B5EF4-FFF2-40B4-BE49-F238E27FC236}">
+                <a16:creationId xmlns:a16="http://schemas.microsoft.com/office/drawing/2014/main" id="{C32056F4-DCB2-60E4-B99E-5A0B1DEBB0AC}"/>
+              </a:ext>
+            </a:extLst>
+          </p:cNvPr>
+          <p:cNvSpPr>
+            <a:spLocks noGrp="1"/>
+          </p:cNvSpPr>
+          <p:nvPr>
+            <p:ph type="title"/>
+          </p:nvPr>
+        </p:nvSpPr>
+        <p:spPr>
+          <a:xfrm>
+            <a:off x="621792" y="1161288"/>
+            <a:ext cx="3602736" cy="4526280"/>
+          </a:xfrm>
+        </p:spPr>
+        <p:txBody>
+          <a:bodyPr>
+            <a:normAutofit/>
+          </a:bodyPr>
+          <a:lstStyle/>
+          <a:p>
+            <a:r>
+              <a:rPr lang="de-DE" sz="3700"/>
+              <a:t>Ethics in (Music) Recommendation</a:t>
+            </a:r>
+          </a:p>
+        </p:txBody>
+      </p:sp>
+      <p:sp>
+        <p:nvSpPr>
+          <p:cNvPr id="14" name="Rectangle 13">
+            <a:extLst>
+              <a:ext uri="{FF2B5EF4-FFF2-40B4-BE49-F238E27FC236}">
+                <a16:creationId xmlns:a16="http://schemas.microsoft.com/office/drawing/2014/main" id="{463EEC44-1BA3-44ED-81FC-A644B04B2A44}"/>
+              </a:ext>
+              <a:ext uri="{C183D7F6-B498-43B3-948B-1728B52AA6E4}">
+                <adec:decorative xmlns:adec="http://schemas.microsoft.com/office/drawing/2017/decorative" val="1"/>
+              </a:ext>
+            </a:extLst>
+          </p:cNvPr>
+          <p:cNvSpPr>
+            <a:spLocks noGrp="1" noRot="1" noChangeAspect="1" noMove="1" noResize="1" noEditPoints="1" noAdjustHandles="1" noChangeArrowheads="1" noChangeShapeType="1" noTextEdit="1"/>
+          </p:cNvSpPr>
+          <p:nvPr>
+            <p:extLst>
+              <p:ext uri="{386F3935-93C4-4BCD-93E2-E3B085C9AB24}">
+                <p16:designElem xmlns:p16="http://schemas.microsoft.com/office/powerpoint/2015/main" val="1"/>
+              </p:ext>
+            </p:extLst>
+          </p:nvPr>
+        </p:nvSpPr>
+        <p:spPr>
+          <a:xfrm>
+            <a:off x="0" y="3102049"/>
+            <a:ext cx="128016" cy="653903"/>
+          </a:xfrm>
+          <a:prstGeom prst="rect">
+            <a:avLst/>
+          </a:prstGeom>
+          <a:solidFill>
+            <a:schemeClr val="accent2"/>
+          </a:solidFill>
+          <a:ln>
+            <a:noFill/>
+          </a:ln>
+        </p:spPr>
+        <p:style>
+          <a:lnRef idx="2">
+            <a:schemeClr val="accent1">
+              <a:shade val="50000"/>
+            </a:schemeClr>
+          </a:lnRef>
+          <a:fillRef idx="1">
+            <a:schemeClr val="accent1"/>
+          </a:fillRef>
+          <a:effectRef idx="0">
+            <a:schemeClr val="accent1"/>
+          </a:effectRef>
+          <a:fontRef idx="minor">
+            <a:schemeClr val="lt1"/>
+          </a:fontRef>
+        </p:style>
+        <p:txBody>
+          <a:bodyPr rtlCol="0" anchor="ctr"/>
+          <a:lstStyle/>
+          <a:p>
+            <a:pPr algn="ctr"/>
+            <a:endParaRPr lang="en-US">
+              <a:solidFill>
+                <a:prstClr val="white"/>
+              </a:solidFill>
+              <a:latin typeface="Calibri" panose="020F0502020204030204"/>
+            </a:endParaRPr>
+          </a:p>
+        </p:txBody>
+      </p:sp>
+      <p:sp>
+        <p:nvSpPr>
+          <p:cNvPr id="3" name="Inhaltsplatzhalter 2">
+            <a:extLst>
+              <a:ext uri="{FF2B5EF4-FFF2-40B4-BE49-F238E27FC236}">
+                <a16:creationId xmlns:a16="http://schemas.microsoft.com/office/drawing/2014/main" id="{6ECD5AA8-F47E-93D4-A66B-169BC5CC86B7}"/>
+              </a:ext>
+            </a:extLst>
+          </p:cNvPr>
+          <p:cNvSpPr>
+            <a:spLocks noGrp="1"/>
+          </p:cNvSpPr>
+          <p:nvPr>
+            <p:ph idx="1"/>
+          </p:nvPr>
+        </p:nvSpPr>
+        <p:spPr>
+          <a:xfrm>
+            <a:off x="5434149" y="932688"/>
+            <a:ext cx="5916603" cy="4992624"/>
+          </a:xfrm>
+        </p:spPr>
+        <p:txBody>
+          <a:bodyPr anchor="ctr">
+            <a:normAutofit/>
+          </a:bodyPr>
+          <a:lstStyle/>
+          <a:p>
+            <a:r>
+              <a:rPr lang="en-CA" sz="3200" dirty="0"/>
+              <a:t>Data collection</a:t>
+            </a:r>
+          </a:p>
+          <a:p>
+            <a:r>
+              <a:rPr lang="en-CA" sz="3200" dirty="0"/>
+              <a:t>User profiling</a:t>
+            </a:r>
+          </a:p>
+          <a:p>
+            <a:r>
+              <a:rPr lang="en-CA" sz="3200" dirty="0"/>
+              <a:t>Data publishing</a:t>
+            </a:r>
+          </a:p>
+          <a:p>
+            <a:r>
+              <a:rPr lang="en-CA" sz="3200" dirty="0"/>
+              <a:t>Data filtering</a:t>
+            </a:r>
+          </a:p>
+          <a:p>
+            <a:r>
+              <a:rPr lang="en-CA" sz="3200" dirty="0"/>
+              <a:t>Algorithmic opacity</a:t>
+            </a:r>
+          </a:p>
+          <a:p>
+            <a:r>
+              <a:rPr lang="en-CA" sz="3200" dirty="0"/>
+              <a:t>Bias</a:t>
+            </a:r>
+          </a:p>
+          <a:p>
+            <a:r>
+              <a:rPr lang="en-CA" sz="3200" dirty="0"/>
+              <a:t>Behaviour manipulation</a:t>
+            </a:r>
+          </a:p>
+          <a:p>
+            <a:r>
+              <a:rPr lang="en-CA" sz="3200" dirty="0"/>
+              <a:t>A/B Tests</a:t>
+            </a:r>
+          </a:p>
+        </p:txBody>
+      </p:sp>
+    </p:spTree>
+    <p:extLst>
+      <p:ext uri="{BB962C8B-B14F-4D97-AF65-F5344CB8AC3E}">
+        <p14:creationId xmlns:p14="http://schemas.microsoft.com/office/powerpoint/2010/main" val="1660190217"/>
+      </p:ext>
+    </p:extLst>
+  </p:cSld>
+  <p:clrMapOvr>
+    <a:masterClrMapping/>
+  </p:clrMapOvr>
+</p:sld>
+</file>
+
+<file path=ppt/slides/slide9.xml><?xml version="1.0" encoding="utf-8"?>
+<p:sld xmlns:a="http://schemas.openxmlformats.org/drawingml/2006/main" xmlns:r="http://schemas.openxmlformats.org/officeDocument/2006/relationships" xmlns:p="http://schemas.openxmlformats.org/presentationml/2006/main">
+  <p:cSld>
+    <p:bg>
+      <p:bgPr>
+        <a:solidFill>
+          <a:schemeClr val="bg1"/>
+        </a:solidFill>
+        <a:effectLst/>
+      </p:bgPr>
+    </p:bg>
+    <p:spTree>
+      <p:nvGrpSpPr>
+        <p:cNvPr id="1" name=""/>
+        <p:cNvGrpSpPr/>
+        <p:nvPr/>
+      </p:nvGrpSpPr>
+      <p:grpSpPr>
+        <a:xfrm>
+          <a:off x="0" y="0"/>
+          <a:ext cx="0" cy="0"/>
+          <a:chOff x="0" y="0"/>
+          <a:chExt cx="0" cy="0"/>
+        </a:xfrm>
+      </p:grpSpPr>
+      <p:sp useBgFill="1">
+        <p:nvSpPr>
+          <p:cNvPr id="36" name="Rectangle 35">
             <a:extLst>
               <a:ext uri="{FF2B5EF4-FFF2-40B4-BE49-F238E27FC236}">
                 <a16:creationId xmlns:a16="http://schemas.microsoft.com/office/drawing/2014/main" id="{CBB2B1F0-0DD6-4744-9A46-7A344FB48E40}"/>
@@ -11375,7 +12563,7 @@
           <p:cNvPr id="2" name="Titel 1">
             <a:extLst>
               <a:ext uri="{FF2B5EF4-FFF2-40B4-BE49-F238E27FC236}">
-                <a16:creationId xmlns:a16="http://schemas.microsoft.com/office/drawing/2014/main" id="{BB5B22AD-644B-88D8-9D2B-9CFC8D106DB4}"/>
+                <a16:creationId xmlns:a16="http://schemas.microsoft.com/office/drawing/2014/main" id="{C01F638B-5FA5-401B-B579-514657733BC0}"/>
               </a:ext>
             </a:extLst>
           </p:cNvPr>
@@ -11399,15 +12587,29 @@
           <a:lstStyle/>
           <a:p>
             <a:r>
-              <a:rPr lang="de-DE" sz="6000"/>
-              <a:t>Novel methods</a:t>
+              <a:rPr lang="de-AT" sz="4200"/>
+              <a:t>Open Problems</a:t>
+            </a:r>
+            <a:br>
+              <a:rPr lang="de-AT" sz="4200"/>
+            </a:br>
+            <a:r>
+              <a:rPr lang="de-AT" sz="4200"/>
+              <a:t>And</a:t>
+            </a:r>
+            <a:br>
+              <a:rPr lang="de-AT" sz="4200"/>
+            </a:br>
+            <a:r>
+              <a:rPr lang="de-AT" sz="4200"/>
+              <a:t>Challenges</a:t>
             </a:r>
           </a:p>
         </p:txBody>
       </p:sp>
       <p:sp>
         <p:nvSpPr>
-          <p:cNvPr id="10" name="Rectangle 9">
+          <p:cNvPr id="38" name="Rectangle 37">
             <a:extLst>
               <a:ext uri="{FF2B5EF4-FFF2-40B4-BE49-F238E27FC236}">
                 <a16:creationId xmlns:a16="http://schemas.microsoft.com/office/drawing/2014/main" id="{52D502E5-F6B4-4D58-B4AE-FC466FF15EE8}"/>
@@ -11476,7 +12678,7 @@
       </p:sp>
       <p:sp>
         <p:nvSpPr>
-          <p:cNvPr id="12" name="Rectangle 11">
+          <p:cNvPr id="40" name="Rectangle 39">
             <a:extLst>
               <a:ext uri="{FF2B5EF4-FFF2-40B4-BE49-F238E27FC236}">
                 <a16:creationId xmlns:a16="http://schemas.microsoft.com/office/drawing/2014/main" id="{9DECDBF4-02B6-4BB4-B65B-B8107AD6A9E8}"/>
@@ -11547,7 +12749,7 @@
           <p:cNvPr id="3" name="Inhaltsplatzhalter 2">
             <a:extLst>
               <a:ext uri="{FF2B5EF4-FFF2-40B4-BE49-F238E27FC236}">
-                <a16:creationId xmlns:a16="http://schemas.microsoft.com/office/drawing/2014/main" id="{1BAEA109-D071-8C0D-B4D0-53AEDDC38F25}"/>
+                <a16:creationId xmlns:a16="http://schemas.microsoft.com/office/drawing/2014/main" id="{8FF0E0A1-E8BF-46CD-BD68-63DB967E5D5D}"/>
               </a:ext>
             </a:extLst>
           </p:cNvPr>
@@ -11560,567 +12762,80 @@
         </p:nvSpPr>
         <p:spPr>
           <a:xfrm>
-            <a:off x="841248" y="3337269"/>
-            <a:ext cx="10509504" cy="2905686"/>
+            <a:off x="808041" y="3131862"/>
+            <a:ext cx="10509504" cy="3502442"/>
           </a:xfrm>
         </p:spPr>
         <p:txBody>
           <a:bodyPr>
-            <a:normAutofit/>
+            <a:normAutofit fontScale="85000" lnSpcReduction="20000"/>
           </a:bodyPr>
           <a:lstStyle/>
           <a:p>
             <a:r>
-              <a:rPr lang="de-AT" sz="2200" dirty="0"/>
-              <a:t>Personality, </a:t>
+              <a:rPr lang="en-GB" sz="2400" dirty="0"/>
+              <a:t>Model relationships and all relevant aspects</a:t>
             </a:r>
-            <a:r>
-              <a:rPr lang="de-AT" sz="2200" dirty="0" err="1"/>
-              <a:t>mood</a:t>
-            </a:r>
-            <a:endParaRPr lang="de-AT" sz="2200" dirty="0"/>
-          </a:p>
-          <a:p>
-            <a:r>
-              <a:rPr lang="de-AT" sz="2200" dirty="0" err="1"/>
-              <a:t>Facial</a:t>
-            </a:r>
-            <a:r>
-              <a:rPr lang="de-AT" sz="2200" dirty="0"/>
-              <a:t> </a:t>
-            </a:r>
-            <a:r>
-              <a:rPr lang="de-AT" sz="2200" dirty="0" err="1"/>
-              <a:t>expressions</a:t>
-            </a:r>
-            <a:endParaRPr lang="de-AT" sz="2200" dirty="0"/>
-          </a:p>
-          <a:p>
-            <a:endParaRPr lang="de-AT" sz="2200" dirty="0"/>
-          </a:p>
-          <a:p>
-            <a:endParaRPr lang="de-AT" sz="2200" dirty="0"/>
-          </a:p>
-          <a:p>
-            <a:r>
-              <a:rPr lang="de-AT" sz="2200" dirty="0"/>
-              <a:t>Tackle </a:t>
-            </a:r>
-            <a:r>
-              <a:rPr lang="de-AT" sz="2200" dirty="0" err="1"/>
-              <a:t>current</a:t>
-            </a:r>
-            <a:r>
-              <a:rPr lang="de-AT" sz="2200" dirty="0"/>
-              <a:t> </a:t>
-            </a:r>
-            <a:r>
-              <a:rPr lang="de-AT" sz="2200" dirty="0" err="1"/>
-              <a:t>limitations</a:t>
-            </a:r>
-            <a:r>
-              <a:rPr lang="de-AT" sz="2200" dirty="0"/>
-              <a:t> </a:t>
-            </a:r>
-          </a:p>
-          <a:p>
-            <a:pPr marL="0" indent="0">
-              <a:buNone/>
-            </a:pPr>
-            <a:endParaRPr lang="de-AT" sz="2200" dirty="0"/>
-          </a:p>
-          <a:p>
-            <a:endParaRPr lang="de-DE" sz="2200" dirty="0"/>
-          </a:p>
-        </p:txBody>
-      </p:sp>
-    </p:spTree>
-    <p:extLst>
-      <p:ext uri="{BB962C8B-B14F-4D97-AF65-F5344CB8AC3E}">
-        <p14:creationId xmlns:p14="http://schemas.microsoft.com/office/powerpoint/2010/main" val="3774975634"/>
-      </p:ext>
-    </p:extLst>
-  </p:cSld>
-  <p:clrMapOvr>
-    <a:masterClrMapping/>
-  </p:clrMapOvr>
-</p:sld>
-</file>
-
-<file path=ppt/slides/slide8.xml><?xml version="1.0" encoding="utf-8"?>
-<p:sld xmlns:a="http://schemas.openxmlformats.org/drawingml/2006/main" xmlns:r="http://schemas.openxmlformats.org/officeDocument/2006/relationships" xmlns:p="http://schemas.openxmlformats.org/presentationml/2006/main">
-  <p:cSld>
-    <p:bg>
-      <p:bgPr>
-        <a:solidFill>
-          <a:schemeClr val="bg1"/>
-        </a:solidFill>
-        <a:effectLst/>
-      </p:bgPr>
-    </p:bg>
-    <p:spTree>
-      <p:nvGrpSpPr>
-        <p:cNvPr id="1" name=""/>
-        <p:cNvGrpSpPr/>
-        <p:nvPr/>
-      </p:nvGrpSpPr>
-      <p:grpSpPr>
-        <a:xfrm>
-          <a:off x="0" y="0"/>
-          <a:ext cx="0" cy="0"/>
-          <a:chOff x="0" y="0"/>
-          <a:chExt cx="0" cy="0"/>
-        </a:xfrm>
-      </p:grpSpPr>
-      <p:sp useBgFill="1">
-        <p:nvSpPr>
-          <p:cNvPr id="36" name="Rectangle 35">
-            <a:extLst>
-              <a:ext uri="{FF2B5EF4-FFF2-40B4-BE49-F238E27FC236}">
-                <a16:creationId xmlns:a16="http://schemas.microsoft.com/office/drawing/2014/main" id="{CBB2B1F0-0DD6-4744-9A46-7A344FB48E40}"/>
-              </a:ext>
-              <a:ext uri="{C183D7F6-B498-43B3-948B-1728B52AA6E4}">
-                <adec:decorative xmlns:adec="http://schemas.microsoft.com/office/drawing/2017/decorative" val="1"/>
-              </a:ext>
-            </a:extLst>
-          </p:cNvPr>
-          <p:cNvSpPr>
-            <a:spLocks noGrp="1" noRot="1" noChangeAspect="1" noMove="1" noResize="1" noEditPoints="1" noAdjustHandles="1" noChangeArrowheads="1" noChangeShapeType="1" noTextEdit="1"/>
-          </p:cNvSpPr>
-          <p:nvPr>
-            <p:extLst>
-              <p:ext uri="{386F3935-93C4-4BCD-93E2-E3B085C9AB24}">
-                <p16:designElem xmlns:p16="http://schemas.microsoft.com/office/powerpoint/2015/main" val="1"/>
-              </p:ext>
-            </p:extLst>
-          </p:nvPr>
-        </p:nvSpPr>
-        <p:spPr>
-          <a:xfrm>
-            <a:off x="0" y="0"/>
-            <a:ext cx="12192000" cy="6858000"/>
-          </a:xfrm>
-          <a:prstGeom prst="rect">
-            <a:avLst/>
-          </a:prstGeom>
-          <a:ln>
-            <a:noFill/>
-          </a:ln>
-        </p:spPr>
-        <p:style>
-          <a:lnRef idx="2">
-            <a:schemeClr val="accent1">
-              <a:shade val="50000"/>
-            </a:schemeClr>
-          </a:lnRef>
-          <a:fillRef idx="1">
-            <a:schemeClr val="accent1"/>
-          </a:fillRef>
-          <a:effectRef idx="0">
-            <a:schemeClr val="accent1"/>
-          </a:effectRef>
-          <a:fontRef idx="minor">
-            <a:schemeClr val="lt1"/>
-          </a:fontRef>
-        </p:style>
-        <p:txBody>
-          <a:bodyPr rtlCol="0" anchor="ctr"/>
-          <a:lstStyle/>
-          <a:p>
-            <a:pPr algn="ctr"/>
-            <a:endParaRPr lang="en-US"/>
-          </a:p>
-        </p:txBody>
-      </p:sp>
-      <p:sp>
-        <p:nvSpPr>
-          <p:cNvPr id="2" name="Titel 1">
-            <a:extLst>
-              <a:ext uri="{FF2B5EF4-FFF2-40B4-BE49-F238E27FC236}">
-                <a16:creationId xmlns:a16="http://schemas.microsoft.com/office/drawing/2014/main" id="{C01F638B-5FA5-401B-B579-514657733BC0}"/>
-              </a:ext>
-            </a:extLst>
-          </p:cNvPr>
-          <p:cNvSpPr>
-            <a:spLocks noGrp="1"/>
-          </p:cNvSpPr>
-          <p:nvPr>
-            <p:ph type="title"/>
-          </p:nvPr>
-        </p:nvSpPr>
-        <p:spPr>
-          <a:xfrm>
-            <a:off x="841248" y="426720"/>
-            <a:ext cx="10506456" cy="1919141"/>
-          </a:xfrm>
-        </p:spPr>
-        <p:txBody>
-          <a:bodyPr anchor="b">
-            <a:normAutofit/>
-          </a:bodyPr>
-          <a:lstStyle/>
-          <a:p>
-            <a:r>
-              <a:rPr lang="de-AT" sz="4200"/>
-              <a:t>Open Problems</a:t>
-            </a:r>
-            <a:br>
-              <a:rPr lang="de-AT" sz="4200"/>
-            </a:br>
-            <a:r>
-              <a:rPr lang="de-AT" sz="4200"/>
-              <a:t>And</a:t>
-            </a:r>
-            <a:br>
-              <a:rPr lang="de-AT" sz="4200"/>
-            </a:br>
-            <a:r>
-              <a:rPr lang="de-AT" sz="4200"/>
-              <a:t>Challenges</a:t>
-            </a:r>
-          </a:p>
-        </p:txBody>
-      </p:sp>
-      <p:sp>
-        <p:nvSpPr>
-          <p:cNvPr id="38" name="Rectangle 37">
-            <a:extLst>
-              <a:ext uri="{FF2B5EF4-FFF2-40B4-BE49-F238E27FC236}">
-                <a16:creationId xmlns:a16="http://schemas.microsoft.com/office/drawing/2014/main" id="{52D502E5-F6B4-4D58-B4AE-FC466FF15EE8}"/>
-              </a:ext>
-              <a:ext uri="{C183D7F6-B498-43B3-948B-1728B52AA6E4}">
-                <adec:decorative xmlns:adec="http://schemas.microsoft.com/office/drawing/2017/decorative" val="1"/>
-              </a:ext>
-            </a:extLst>
-          </p:cNvPr>
-          <p:cNvSpPr>
-            <a:spLocks noGrp="1" noRot="1" noChangeAspect="1" noMove="1" noResize="1" noEditPoints="1" noAdjustHandles="1" noChangeArrowheads="1" noChangeShapeType="1" noTextEdit="1"/>
-          </p:cNvSpPr>
-          <p:nvPr>
-            <p:extLst>
-              <p:ext uri="{386F3935-93C4-4BCD-93E2-E3B085C9AB24}">
-                <p16:designElem xmlns:p16="http://schemas.microsoft.com/office/powerpoint/2015/main" val="1"/>
-              </p:ext>
-            </p:extLst>
-          </p:nvPr>
-        </p:nvSpPr>
-        <p:spPr>
-          <a:xfrm>
-            <a:off x="865953" y="2899927"/>
-            <a:ext cx="10451592" cy="18288"/>
-          </a:xfrm>
-          <a:prstGeom prst="rect">
-            <a:avLst/>
-          </a:prstGeom>
-          <a:solidFill>
-            <a:srgbClr val="D5D5D5"/>
-          </a:solidFill>
-          <a:ln w="3175">
-            <a:noFill/>
-          </a:ln>
-          <a:effectLst/>
-        </p:spPr>
-        <p:style>
-          <a:lnRef idx="2">
-            <a:schemeClr val="accent1">
-              <a:shade val="50000"/>
-            </a:schemeClr>
-          </a:lnRef>
-          <a:fillRef idx="1">
-            <a:schemeClr val="accent1"/>
-          </a:fillRef>
-          <a:effectRef idx="0">
-            <a:schemeClr val="accent1"/>
-          </a:effectRef>
-          <a:fontRef idx="minor">
-            <a:schemeClr val="lt1"/>
-          </a:fontRef>
-        </p:style>
-        <p:txBody>
-          <a:bodyPr rtlCol="0" anchor="ctr"/>
-          <a:lstStyle/>
-          <a:p>
-            <a:pPr algn="ctr"/>
-            <a:endParaRPr lang="en-US">
-              <a:solidFill>
-                <a:prstClr val="white"/>
-              </a:solidFill>
-              <a:latin typeface="Calibri" panose="020F0502020204030204"/>
-            </a:endParaRPr>
-          </a:p>
-        </p:txBody>
-      </p:sp>
-      <p:sp>
-        <p:nvSpPr>
-          <p:cNvPr id="40" name="Rectangle 39">
-            <a:extLst>
-              <a:ext uri="{FF2B5EF4-FFF2-40B4-BE49-F238E27FC236}">
-                <a16:creationId xmlns:a16="http://schemas.microsoft.com/office/drawing/2014/main" id="{9DECDBF4-02B6-4BB4-B65B-B8107AD6A9E8}"/>
-              </a:ext>
-              <a:ext uri="{C183D7F6-B498-43B3-948B-1728B52AA6E4}">
-                <adec:decorative xmlns:adec="http://schemas.microsoft.com/office/drawing/2017/decorative" val="1"/>
-              </a:ext>
-            </a:extLst>
-          </p:cNvPr>
-          <p:cNvSpPr>
-            <a:spLocks noGrp="1" noRot="1" noChangeAspect="1" noMove="1" noResize="1" noEditPoints="1" noAdjustHandles="1" noChangeArrowheads="1" noChangeShapeType="1" noTextEdit="1"/>
-          </p:cNvSpPr>
-          <p:nvPr>
-            <p:extLst>
-              <p:ext uri="{386F3935-93C4-4BCD-93E2-E3B085C9AB24}">
-                <p16:designElem xmlns:p16="http://schemas.microsoft.com/office/powerpoint/2015/main" val="1"/>
-              </p:ext>
-            </p:extLst>
-          </p:nvPr>
-        </p:nvSpPr>
-        <p:spPr>
-          <a:xfrm flipV="1">
-            <a:off x="841248" y="2776031"/>
-            <a:ext cx="1873457" cy="137160"/>
-          </a:xfrm>
-          <a:prstGeom prst="rect">
-            <a:avLst/>
-          </a:prstGeom>
-          <a:solidFill>
-            <a:schemeClr val="accent2"/>
-          </a:solidFill>
-          <a:ln>
-            <a:noFill/>
-          </a:ln>
-        </p:spPr>
-        <p:style>
-          <a:lnRef idx="2">
-            <a:schemeClr val="accent1">
-              <a:shade val="50000"/>
-            </a:schemeClr>
-          </a:lnRef>
-          <a:fillRef idx="1">
-            <a:schemeClr val="accent1"/>
-          </a:fillRef>
-          <a:effectRef idx="0">
-            <a:schemeClr val="accent1"/>
-          </a:effectRef>
-          <a:fontRef idx="minor">
-            <a:schemeClr val="lt1"/>
-          </a:fontRef>
-        </p:style>
-        <p:txBody>
-          <a:bodyPr rtlCol="0" anchor="ctr"/>
-          <a:lstStyle/>
-          <a:p>
-            <a:pPr algn="ctr"/>
-            <a:endParaRPr lang="en-US">
-              <a:solidFill>
-                <a:prstClr val="white"/>
-              </a:solidFill>
-              <a:latin typeface="Calibri" panose="020F0502020204030204"/>
-            </a:endParaRPr>
-          </a:p>
-        </p:txBody>
-      </p:sp>
-      <p:sp>
-        <p:nvSpPr>
-          <p:cNvPr id="3" name="Inhaltsplatzhalter 2">
-            <a:extLst>
-              <a:ext uri="{FF2B5EF4-FFF2-40B4-BE49-F238E27FC236}">
-                <a16:creationId xmlns:a16="http://schemas.microsoft.com/office/drawing/2014/main" id="{8FF0E0A1-E8BF-46CD-BD68-63DB967E5D5D}"/>
-              </a:ext>
-            </a:extLst>
-          </p:cNvPr>
-          <p:cNvSpPr>
-            <a:spLocks noGrp="1"/>
-          </p:cNvSpPr>
-          <p:nvPr>
-            <p:ph idx="1"/>
-          </p:nvPr>
-        </p:nvSpPr>
-        <p:spPr>
-          <a:xfrm>
-            <a:off x="841248" y="3337269"/>
-            <a:ext cx="10509504" cy="2905686"/>
-          </a:xfrm>
-        </p:spPr>
-        <p:txBody>
-          <a:bodyPr>
-            <a:normAutofit fontScale="92500" lnSpcReduction="20000"/>
-          </a:bodyPr>
-          <a:lstStyle/>
-          <a:p>
-            <a:r>
-              <a:rPr lang="de-AT" sz="2400" dirty="0"/>
-              <a:t>Model </a:t>
-            </a:r>
-            <a:r>
-              <a:rPr lang="de-AT" sz="2400" dirty="0" err="1"/>
-              <a:t>relationships</a:t>
-            </a:r>
-            <a:r>
-              <a:rPr lang="de-AT" sz="2400" dirty="0"/>
-              <a:t> and all relevant </a:t>
-            </a:r>
-            <a:r>
-              <a:rPr lang="de-AT" sz="2400" dirty="0" err="1"/>
-              <a:t>aspects</a:t>
-            </a:r>
-            <a:endParaRPr lang="de-AT" sz="2400" dirty="0"/>
           </a:p>
           <a:p>
             <a:pPr lvl="1"/>
             <a:r>
-              <a:rPr lang="de-AT" dirty="0" err="1"/>
-              <a:t>What</a:t>
+              <a:rPr lang="en-GB" dirty="0"/>
+              <a:t>What is relevant? What is redundant information?</a:t>
             </a:r>
+          </a:p>
+          <a:p>
             <a:r>
-              <a:rPr lang="de-AT" dirty="0"/>
-              <a:t> </a:t>
+              <a:rPr lang="en-GB" sz="2400" dirty="0"/>
+              <a:t>User‘s satisfaction</a:t>
             </a:r>
-            <a:r>
-              <a:rPr lang="de-AT" dirty="0" err="1"/>
-              <a:t>is</a:t>
-            </a:r>
-            <a:r>
-              <a:rPr lang="de-AT" dirty="0"/>
-              <a:t> relevant? </a:t>
-            </a:r>
-            <a:r>
-              <a:rPr lang="de-AT" dirty="0" err="1"/>
-              <a:t>What</a:t>
-            </a:r>
-            <a:r>
-              <a:rPr lang="de-AT" dirty="0"/>
-              <a:t> </a:t>
-            </a:r>
-            <a:r>
-              <a:rPr lang="de-AT" dirty="0" err="1"/>
-              <a:t>is</a:t>
-            </a:r>
-            <a:r>
-              <a:rPr lang="de-AT" dirty="0"/>
-              <a:t> redundant </a:t>
-            </a:r>
-            <a:r>
-              <a:rPr lang="de-AT" dirty="0" err="1"/>
-              <a:t>information</a:t>
-            </a:r>
-            <a:r>
-              <a:rPr lang="de-AT" dirty="0"/>
-              <a:t>?</a:t>
-            </a:r>
-          </a:p>
-          <a:p>
-            <a:r>
-              <a:rPr lang="de-AT" sz="2400" dirty="0" err="1"/>
-              <a:t>User‘s</a:t>
-            </a:r>
-            <a:r>
-              <a:rPr lang="de-AT" sz="2400" dirty="0"/>
-              <a:t> </a:t>
-            </a:r>
-            <a:r>
-              <a:rPr lang="de-AT" sz="2400" dirty="0" err="1"/>
-              <a:t>satisfaction</a:t>
-            </a:r>
-            <a:endParaRPr lang="de-AT" sz="2400" dirty="0"/>
           </a:p>
           <a:p>
             <a:pPr lvl="1"/>
             <a:r>
-              <a:rPr lang="de-AT" dirty="0"/>
-              <a:t>Much </a:t>
+              <a:rPr lang="en-GB" dirty="0"/>
+              <a:t>Much research just does quantitative analysis </a:t>
             </a:r>
+          </a:p>
+          <a:p>
             <a:r>
-              <a:rPr lang="de-AT" dirty="0" err="1"/>
-              <a:t>research</a:t>
+              <a:rPr lang="en-GB" sz="2400" dirty="0"/>
+              <a:t>Handle big data </a:t>
             </a:r>
+          </a:p>
+          <a:p>
             <a:r>
-              <a:rPr lang="de-AT" dirty="0"/>
-              <a:t> just </a:t>
+              <a:rPr lang="en-GB" sz="2400" dirty="0"/>
+              <a:t>Inference times</a:t>
             </a:r>
+          </a:p>
+          <a:p>
             <a:r>
-              <a:rPr lang="de-AT" dirty="0" err="1"/>
-              <a:t>does</a:t>
+              <a:rPr lang="en-GB" sz="2400" dirty="0"/>
+              <a:t>Fast paced field </a:t>
             </a:r>
+          </a:p>
+          <a:p>
             <a:r>
-              <a:rPr lang="de-AT" dirty="0"/>
-              <a:t> quantitative </a:t>
-            </a:r>
-            <a:r>
-              <a:rPr lang="de-AT" dirty="0" err="1"/>
-              <a:t>analysis</a:t>
-            </a:r>
-            <a:r>
-              <a:rPr lang="de-AT" dirty="0"/>
-              <a:t> </a:t>
-            </a:r>
-          </a:p>
-          <a:p>
-            <a:r>
-              <a:rPr lang="de-AT" sz="2400" dirty="0"/>
-              <a:t>Handle </a:t>
-            </a:r>
-            <a:r>
-              <a:rPr lang="de-AT" sz="2400" dirty="0" err="1"/>
-              <a:t>big</a:t>
-            </a:r>
-            <a:r>
-              <a:rPr lang="de-AT" sz="2400" dirty="0"/>
-              <a:t> </a:t>
-            </a:r>
-            <a:r>
-              <a:rPr lang="de-AT" sz="2400" dirty="0" err="1"/>
-              <a:t>data</a:t>
-            </a:r>
-            <a:r>
-              <a:rPr lang="de-AT" sz="2400" dirty="0"/>
-              <a:t> </a:t>
-            </a:r>
-          </a:p>
-          <a:p>
-            <a:r>
-              <a:rPr lang="de-AT" sz="2400" dirty="0" err="1"/>
-              <a:t>Inference</a:t>
-            </a:r>
-            <a:r>
-              <a:rPr lang="de-AT" sz="2400" dirty="0"/>
-              <a:t> </a:t>
-            </a:r>
-            <a:r>
-              <a:rPr lang="de-AT" sz="2400" dirty="0" err="1"/>
-              <a:t>times</a:t>
-            </a:r>
-            <a:endParaRPr lang="de-AT" sz="2400" dirty="0"/>
-          </a:p>
-          <a:p>
-            <a:r>
-              <a:rPr lang="de-AT" sz="2400" dirty="0"/>
-              <a:t>Fast </a:t>
-            </a:r>
-            <a:r>
-              <a:rPr lang="de-AT" sz="2400" dirty="0" err="1"/>
-              <a:t>paced</a:t>
-            </a:r>
-            <a:r>
-              <a:rPr lang="de-AT" sz="2400" dirty="0"/>
-              <a:t> </a:t>
-            </a:r>
-            <a:r>
-              <a:rPr lang="de-AT" sz="2400" dirty="0" err="1"/>
-              <a:t>field</a:t>
-            </a:r>
-            <a:r>
-              <a:rPr lang="de-AT" sz="2400" dirty="0"/>
-              <a:t> </a:t>
-            </a:r>
-          </a:p>
-          <a:p>
-            <a:r>
-              <a:rPr lang="de-AT" sz="2400" dirty="0"/>
+              <a:rPr lang="en-GB" sz="2400" dirty="0"/>
               <a:t>NGA</a:t>
             </a:r>
           </a:p>
           <a:p>
+            <a:r>
+              <a:rPr lang="en-GB" sz="2400" dirty="0"/>
+              <a:t>“phantom” novel findings</a:t>
+            </a:r>
+          </a:p>
+          <a:p>
+            <a:r>
+              <a:rPr lang="en-GB" sz="2400" dirty="0"/>
+              <a:t>Reproducibility</a:t>
+            </a:r>
+          </a:p>
+          <a:p>
             <a:pPr lvl="1"/>
-            <a:endParaRPr lang="de-AT" dirty="0"/>
+            <a:endParaRPr lang="en-GB" dirty="0"/>
           </a:p>
         </p:txBody>
       </p:sp>

--- a/State-Of-The-Art Music Recommendation.pptx
+++ b/State-Of-The-Art Music Recommendation.pptx
@@ -4,16 +4,19 @@
   <p:sldMasterIdLst>
     <p:sldMasterId id="2147483648" r:id="rId1"/>
   </p:sldMasterIdLst>
+  <p:notesMasterIdLst>
+    <p:notesMasterId r:id="rId11"/>
+  </p:notesMasterIdLst>
   <p:sldIdLst>
     <p:sldId id="256" r:id="rId2"/>
     <p:sldId id="257" r:id="rId3"/>
     <p:sldId id="264" r:id="rId4"/>
-    <p:sldId id="261" r:id="rId5"/>
-    <p:sldId id="262" r:id="rId6"/>
-    <p:sldId id="259" r:id="rId7"/>
-    <p:sldId id="263" r:id="rId8"/>
-    <p:sldId id="265" r:id="rId9"/>
-    <p:sldId id="260" r:id="rId10"/>
+    <p:sldId id="262" r:id="rId5"/>
+    <p:sldId id="259" r:id="rId6"/>
+    <p:sldId id="263" r:id="rId7"/>
+    <p:sldId id="265" r:id="rId8"/>
+    <p:sldId id="260" r:id="rId9"/>
+    <p:sldId id="266" r:id="rId10"/>
   </p:sldIdLst>
   <p:sldSz cx="12192000" cy="6858000"/>
   <p:notesSz cx="6858000" cy="9144000"/>
@@ -1878,7 +1881,7 @@
   <dgm:whole/>
   <dgm:extLst>
     <a:ext uri="http://schemas.microsoft.com/office/drawing/2008/diagram">
-      <dsp:dataModelExt xmlns:dsp="http://schemas.microsoft.com/office/drawing/2008/diagram" relId="rId8" minVer="http://schemas.openxmlformats.org/drawingml/2006/diagram"/>
+      <dsp:dataModelExt xmlns:dsp="http://schemas.microsoft.com/office/drawing/2008/diagram" relId="rId9" minVer="http://schemas.openxmlformats.org/drawingml/2006/diagram"/>
     </a:ext>
   </dgm:extLst>
 </dgm:dataModel>
@@ -2054,7 +2057,7 @@
   <dgm:whole/>
   <dgm:extLst>
     <a:ext uri="http://schemas.microsoft.com/office/drawing/2008/diagram">
-      <dsp:dataModelExt xmlns:dsp="http://schemas.microsoft.com/office/drawing/2008/diagram" relId="rId6" minVer="http://schemas.openxmlformats.org/drawingml/2006/diagram"/>
+      <dsp:dataModelExt xmlns:dsp="http://schemas.microsoft.com/office/drawing/2008/diagram" relId="rId7" minVer="http://schemas.openxmlformats.org/drawingml/2006/diagram"/>
     </a:ext>
   </dgm:extLst>
 </dgm:dataModel>
@@ -5588,6 +5591,2582 @@
 </dgm:styleDef>
 </file>
 
+<file path=ppt/notesMasters/notesMaster1.xml><?xml version="1.0" encoding="utf-8"?>
+<p:notesMaster xmlns:a="http://schemas.openxmlformats.org/drawingml/2006/main" xmlns:r="http://schemas.openxmlformats.org/officeDocument/2006/relationships" xmlns:p="http://schemas.openxmlformats.org/presentationml/2006/main">
+  <p:cSld>
+    <p:bg>
+      <p:bgRef idx="1001">
+        <a:schemeClr val="bg1"/>
+      </p:bgRef>
+    </p:bg>
+    <p:spTree>
+      <p:nvGrpSpPr>
+        <p:cNvPr id="1" name=""/>
+        <p:cNvGrpSpPr/>
+        <p:nvPr/>
+      </p:nvGrpSpPr>
+      <p:grpSpPr>
+        <a:xfrm>
+          <a:off x="0" y="0"/>
+          <a:ext cx="0" cy="0"/>
+          <a:chOff x="0" y="0"/>
+          <a:chExt cx="0" cy="0"/>
+        </a:xfrm>
+      </p:grpSpPr>
+      <p:sp>
+        <p:nvSpPr>
+          <p:cNvPr id="2" name="Kopfzeilenplatzhalter 1"/>
+          <p:cNvSpPr>
+            <a:spLocks noGrp="1"/>
+          </p:cNvSpPr>
+          <p:nvPr>
+            <p:ph type="hdr" sz="quarter"/>
+          </p:nvPr>
+        </p:nvSpPr>
+        <p:spPr>
+          <a:xfrm>
+            <a:off x="0" y="0"/>
+            <a:ext cx="2971800" cy="458788"/>
+          </a:xfrm>
+          <a:prstGeom prst="rect">
+            <a:avLst/>
+          </a:prstGeom>
+        </p:spPr>
+        <p:txBody>
+          <a:bodyPr vert="horz" lIns="91440" tIns="45720" rIns="91440" bIns="45720" rtlCol="0"/>
+          <a:lstStyle>
+            <a:lvl1pPr algn="l">
+              <a:defRPr sz="1200"/>
+            </a:lvl1pPr>
+          </a:lstStyle>
+          <a:p>
+            <a:endParaRPr lang="de-DE"/>
+          </a:p>
+        </p:txBody>
+      </p:sp>
+      <p:sp>
+        <p:nvSpPr>
+          <p:cNvPr id="3" name="Datumsplatzhalter 2"/>
+          <p:cNvSpPr>
+            <a:spLocks noGrp="1"/>
+          </p:cNvSpPr>
+          <p:nvPr>
+            <p:ph type="dt" idx="1"/>
+          </p:nvPr>
+        </p:nvSpPr>
+        <p:spPr>
+          <a:xfrm>
+            <a:off x="3884613" y="0"/>
+            <a:ext cx="2971800" cy="458788"/>
+          </a:xfrm>
+          <a:prstGeom prst="rect">
+            <a:avLst/>
+          </a:prstGeom>
+        </p:spPr>
+        <p:txBody>
+          <a:bodyPr vert="horz" lIns="91440" tIns="45720" rIns="91440" bIns="45720" rtlCol="0"/>
+          <a:lstStyle>
+            <a:lvl1pPr algn="r">
+              <a:defRPr sz="1200"/>
+            </a:lvl1pPr>
+          </a:lstStyle>
+          <a:p>
+            <a:fld id="{8F488CBA-49A5-2641-8151-481E3DC69570}" type="datetimeFigureOut">
+              <a:rPr lang="de-DE" smtClean="0"/>
+              <a:t>06.06.24</a:t>
+            </a:fld>
+            <a:endParaRPr lang="de-DE"/>
+          </a:p>
+        </p:txBody>
+      </p:sp>
+      <p:sp>
+        <p:nvSpPr>
+          <p:cNvPr id="4" name="Folienbildplatzhalter 3"/>
+          <p:cNvSpPr>
+            <a:spLocks noGrp="1" noRot="1" noChangeAspect="1"/>
+          </p:cNvSpPr>
+          <p:nvPr>
+            <p:ph type="sldImg" idx="2"/>
+          </p:nvPr>
+        </p:nvSpPr>
+        <p:spPr>
+          <a:xfrm>
+            <a:off x="685800" y="1143000"/>
+            <a:ext cx="5486400" cy="3086100"/>
+          </a:xfrm>
+          <a:prstGeom prst="rect">
+            <a:avLst/>
+          </a:prstGeom>
+          <a:noFill/>
+          <a:ln w="12700">
+            <a:solidFill>
+              <a:prstClr val="black"/>
+            </a:solidFill>
+          </a:ln>
+        </p:spPr>
+        <p:txBody>
+          <a:bodyPr vert="horz" lIns="91440" tIns="45720" rIns="91440" bIns="45720" rtlCol="0" anchor="ctr"/>
+          <a:lstStyle/>
+          <a:p>
+            <a:endParaRPr lang="de-DE"/>
+          </a:p>
+        </p:txBody>
+      </p:sp>
+      <p:sp>
+        <p:nvSpPr>
+          <p:cNvPr id="5" name="Notizenplatzhalter 4"/>
+          <p:cNvSpPr>
+            <a:spLocks noGrp="1"/>
+          </p:cNvSpPr>
+          <p:nvPr>
+            <p:ph type="body" sz="quarter" idx="3"/>
+          </p:nvPr>
+        </p:nvSpPr>
+        <p:spPr>
+          <a:xfrm>
+            <a:off x="685800" y="4400550"/>
+            <a:ext cx="5486400" cy="3600450"/>
+          </a:xfrm>
+          <a:prstGeom prst="rect">
+            <a:avLst/>
+          </a:prstGeom>
+        </p:spPr>
+        <p:txBody>
+          <a:bodyPr vert="horz" lIns="91440" tIns="45720" rIns="91440" bIns="45720" rtlCol="0"/>
+          <a:lstStyle/>
+          <a:p>
+            <a:pPr lvl="0"/>
+            <a:r>
+              <a:rPr lang="de-DE"/>
+              <a:t>Mastertextformat bearbeiten</a:t>
+            </a:r>
+          </a:p>
+          <a:p>
+            <a:pPr lvl="1"/>
+            <a:r>
+              <a:rPr lang="de-DE"/>
+              <a:t>Zweite Ebene</a:t>
+            </a:r>
+          </a:p>
+          <a:p>
+            <a:pPr lvl="2"/>
+            <a:r>
+              <a:rPr lang="de-DE"/>
+              <a:t>Dritte Ebene</a:t>
+            </a:r>
+          </a:p>
+          <a:p>
+            <a:pPr lvl="3"/>
+            <a:r>
+              <a:rPr lang="de-DE"/>
+              <a:t>Vierte Ebene</a:t>
+            </a:r>
+          </a:p>
+          <a:p>
+            <a:pPr lvl="4"/>
+            <a:r>
+              <a:rPr lang="de-DE"/>
+              <a:t>Fünfte Ebene</a:t>
+            </a:r>
+          </a:p>
+        </p:txBody>
+      </p:sp>
+      <p:sp>
+        <p:nvSpPr>
+          <p:cNvPr id="6" name="Fußzeilenplatzhalter 5"/>
+          <p:cNvSpPr>
+            <a:spLocks noGrp="1"/>
+          </p:cNvSpPr>
+          <p:nvPr>
+            <p:ph type="ftr" sz="quarter" idx="4"/>
+          </p:nvPr>
+        </p:nvSpPr>
+        <p:spPr>
+          <a:xfrm>
+            <a:off x="0" y="8685213"/>
+            <a:ext cx="2971800" cy="458787"/>
+          </a:xfrm>
+          <a:prstGeom prst="rect">
+            <a:avLst/>
+          </a:prstGeom>
+        </p:spPr>
+        <p:txBody>
+          <a:bodyPr vert="horz" lIns="91440" tIns="45720" rIns="91440" bIns="45720" rtlCol="0" anchor="b"/>
+          <a:lstStyle>
+            <a:lvl1pPr algn="l">
+              <a:defRPr sz="1200"/>
+            </a:lvl1pPr>
+          </a:lstStyle>
+          <a:p>
+            <a:endParaRPr lang="de-DE"/>
+          </a:p>
+        </p:txBody>
+      </p:sp>
+      <p:sp>
+        <p:nvSpPr>
+          <p:cNvPr id="7" name="Foliennummernplatzhalter 6"/>
+          <p:cNvSpPr>
+            <a:spLocks noGrp="1"/>
+          </p:cNvSpPr>
+          <p:nvPr>
+            <p:ph type="sldNum" sz="quarter" idx="5"/>
+          </p:nvPr>
+        </p:nvSpPr>
+        <p:spPr>
+          <a:xfrm>
+            <a:off x="3884613" y="8685213"/>
+            <a:ext cx="2971800" cy="458787"/>
+          </a:xfrm>
+          <a:prstGeom prst="rect">
+            <a:avLst/>
+          </a:prstGeom>
+        </p:spPr>
+        <p:txBody>
+          <a:bodyPr vert="horz" lIns="91440" tIns="45720" rIns="91440" bIns="45720" rtlCol="0" anchor="b"/>
+          <a:lstStyle>
+            <a:lvl1pPr algn="r">
+              <a:defRPr sz="1200"/>
+            </a:lvl1pPr>
+          </a:lstStyle>
+          <a:p>
+            <a:fld id="{5415BA9B-40CB-A048-87AF-ECB318E75661}" type="slidenum">
+              <a:rPr lang="de-DE" smtClean="0"/>
+              <a:t>‹Nr.›</a:t>
+            </a:fld>
+            <a:endParaRPr lang="de-DE"/>
+          </a:p>
+        </p:txBody>
+      </p:sp>
+    </p:spTree>
+    <p:extLst>
+      <p:ext uri="{BB962C8B-B14F-4D97-AF65-F5344CB8AC3E}">
+        <p14:creationId xmlns:p14="http://schemas.microsoft.com/office/powerpoint/2010/main" val="1751016517"/>
+      </p:ext>
+    </p:extLst>
+  </p:cSld>
+  <p:clrMap bg1="lt1" tx1="dk1" bg2="lt2" tx2="dk2" accent1="accent1" accent2="accent2" accent3="accent3" accent4="accent4" accent5="accent5" accent6="accent6" hlink="hlink" folHlink="folHlink"/>
+  <p:notesStyle>
+    <a:lvl1pPr marL="0" algn="l" defTabSz="914400" rtl="0" eaLnBrk="1" latinLnBrk="0" hangingPunct="1">
+      <a:defRPr sz="1200" kern="1200">
+        <a:solidFill>
+          <a:schemeClr val="tx1"/>
+        </a:solidFill>
+        <a:latin typeface="+mn-lt"/>
+        <a:ea typeface="+mn-ea"/>
+        <a:cs typeface="+mn-cs"/>
+      </a:defRPr>
+    </a:lvl1pPr>
+    <a:lvl2pPr marL="457200" algn="l" defTabSz="914400" rtl="0" eaLnBrk="1" latinLnBrk="0" hangingPunct="1">
+      <a:defRPr sz="1200" kern="1200">
+        <a:solidFill>
+          <a:schemeClr val="tx1"/>
+        </a:solidFill>
+        <a:latin typeface="+mn-lt"/>
+        <a:ea typeface="+mn-ea"/>
+        <a:cs typeface="+mn-cs"/>
+      </a:defRPr>
+    </a:lvl2pPr>
+    <a:lvl3pPr marL="914400" algn="l" defTabSz="914400" rtl="0" eaLnBrk="1" latinLnBrk="0" hangingPunct="1">
+      <a:defRPr sz="1200" kern="1200">
+        <a:solidFill>
+          <a:schemeClr val="tx1"/>
+        </a:solidFill>
+        <a:latin typeface="+mn-lt"/>
+        <a:ea typeface="+mn-ea"/>
+        <a:cs typeface="+mn-cs"/>
+      </a:defRPr>
+    </a:lvl3pPr>
+    <a:lvl4pPr marL="1371600" algn="l" defTabSz="914400" rtl="0" eaLnBrk="1" latinLnBrk="0" hangingPunct="1">
+      <a:defRPr sz="1200" kern="1200">
+        <a:solidFill>
+          <a:schemeClr val="tx1"/>
+        </a:solidFill>
+        <a:latin typeface="+mn-lt"/>
+        <a:ea typeface="+mn-ea"/>
+        <a:cs typeface="+mn-cs"/>
+      </a:defRPr>
+    </a:lvl4pPr>
+    <a:lvl5pPr marL="1828800" algn="l" defTabSz="914400" rtl="0" eaLnBrk="1" latinLnBrk="0" hangingPunct="1">
+      <a:defRPr sz="1200" kern="1200">
+        <a:solidFill>
+          <a:schemeClr val="tx1"/>
+        </a:solidFill>
+        <a:latin typeface="+mn-lt"/>
+        <a:ea typeface="+mn-ea"/>
+        <a:cs typeface="+mn-cs"/>
+      </a:defRPr>
+    </a:lvl5pPr>
+    <a:lvl6pPr marL="2286000" algn="l" defTabSz="914400" rtl="0" eaLnBrk="1" latinLnBrk="0" hangingPunct="1">
+      <a:defRPr sz="1200" kern="1200">
+        <a:solidFill>
+          <a:schemeClr val="tx1"/>
+        </a:solidFill>
+        <a:latin typeface="+mn-lt"/>
+        <a:ea typeface="+mn-ea"/>
+        <a:cs typeface="+mn-cs"/>
+      </a:defRPr>
+    </a:lvl6pPr>
+    <a:lvl7pPr marL="2743200" algn="l" defTabSz="914400" rtl="0" eaLnBrk="1" latinLnBrk="0" hangingPunct="1">
+      <a:defRPr sz="1200" kern="1200">
+        <a:solidFill>
+          <a:schemeClr val="tx1"/>
+        </a:solidFill>
+        <a:latin typeface="+mn-lt"/>
+        <a:ea typeface="+mn-ea"/>
+        <a:cs typeface="+mn-cs"/>
+      </a:defRPr>
+    </a:lvl7pPr>
+    <a:lvl8pPr marL="3200400" algn="l" defTabSz="914400" rtl="0" eaLnBrk="1" latinLnBrk="0" hangingPunct="1">
+      <a:defRPr sz="1200" kern="1200">
+        <a:solidFill>
+          <a:schemeClr val="tx1"/>
+        </a:solidFill>
+        <a:latin typeface="+mn-lt"/>
+        <a:ea typeface="+mn-ea"/>
+        <a:cs typeface="+mn-cs"/>
+      </a:defRPr>
+    </a:lvl8pPr>
+    <a:lvl9pPr marL="3657600" algn="l" defTabSz="914400" rtl="0" eaLnBrk="1" latinLnBrk="0" hangingPunct="1">
+      <a:defRPr sz="1200" kern="1200">
+        <a:solidFill>
+          <a:schemeClr val="tx1"/>
+        </a:solidFill>
+        <a:latin typeface="+mn-lt"/>
+        <a:ea typeface="+mn-ea"/>
+        <a:cs typeface="+mn-cs"/>
+      </a:defRPr>
+    </a:lvl9pPr>
+  </p:notesStyle>
+</p:notesMaster>
+</file>
+
+<file path=ppt/notesSlides/notesSlide1.xml><?xml version="1.0" encoding="utf-8"?>
+<p:notes xmlns:a="http://schemas.openxmlformats.org/drawingml/2006/main" xmlns:r="http://schemas.openxmlformats.org/officeDocument/2006/relationships" xmlns:p="http://schemas.openxmlformats.org/presentationml/2006/main">
+  <p:cSld>
+    <p:spTree>
+      <p:nvGrpSpPr>
+        <p:cNvPr id="1" name=""/>
+        <p:cNvGrpSpPr/>
+        <p:nvPr/>
+      </p:nvGrpSpPr>
+      <p:grpSpPr>
+        <a:xfrm>
+          <a:off x="0" y="0"/>
+          <a:ext cx="0" cy="0"/>
+          <a:chOff x="0" y="0"/>
+          <a:chExt cx="0" cy="0"/>
+        </a:xfrm>
+      </p:grpSpPr>
+      <p:sp>
+        <p:nvSpPr>
+          <p:cNvPr id="2" name="Folienbildplatzhalter 1"/>
+          <p:cNvSpPr>
+            <a:spLocks noGrp="1" noRot="1" noChangeAspect="1"/>
+          </p:cNvSpPr>
+          <p:nvPr>
+            <p:ph type="sldImg"/>
+          </p:nvPr>
+        </p:nvSpPr>
+        <p:spPr/>
+      </p:sp>
+      <p:sp>
+        <p:nvSpPr>
+          <p:cNvPr id="3" name="Notizenplatzhalter 2"/>
+          <p:cNvSpPr>
+            <a:spLocks noGrp="1"/>
+          </p:cNvSpPr>
+          <p:nvPr>
+            <p:ph type="body" idx="1"/>
+          </p:nvPr>
+        </p:nvSpPr>
+        <p:spPr/>
+        <p:txBody>
+          <a:bodyPr/>
+          <a:lstStyle/>
+          <a:p>
+            <a:r>
+              <a:rPr lang="de-DE" dirty="0"/>
+              <a:t>Focus: </a:t>
+            </a:r>
+          </a:p>
+          <a:p>
+            <a:endParaRPr lang="de-DE" dirty="0"/>
+          </a:p>
+          <a:p>
+            <a:r>
+              <a:rPr lang="de-DE" dirty="0"/>
+              <a:t>- not </a:t>
+            </a:r>
+            <a:r>
+              <a:rPr lang="de-DE" dirty="0" err="1"/>
+              <a:t>only</a:t>
+            </a:r>
+            <a:r>
+              <a:rPr lang="de-DE" dirty="0"/>
+              <a:t> </a:t>
+            </a:r>
+            <a:r>
+              <a:rPr lang="de-DE" dirty="0" err="1"/>
+              <a:t>good</a:t>
+            </a:r>
+            <a:r>
+              <a:rPr lang="de-DE" dirty="0"/>
+              <a:t> due </a:t>
+            </a:r>
+            <a:r>
+              <a:rPr lang="de-DE" dirty="0" err="1"/>
+              <a:t>to</a:t>
+            </a:r>
+            <a:r>
+              <a:rPr lang="de-DE" dirty="0"/>
+              <a:t> </a:t>
+            </a:r>
+            <a:r>
+              <a:rPr lang="de-DE" dirty="0" err="1"/>
+              <a:t>metrics</a:t>
+            </a:r>
+            <a:r>
+              <a:rPr lang="de-DE" dirty="0"/>
+              <a:t> but also in real </a:t>
+            </a:r>
+            <a:r>
+              <a:rPr lang="de-DE" dirty="0" err="1"/>
+              <a:t>world</a:t>
+            </a:r>
+            <a:r>
+              <a:rPr lang="de-DE" dirty="0"/>
+              <a:t> </a:t>
+            </a:r>
+            <a:r>
+              <a:rPr lang="de-DE" dirty="0" err="1"/>
+              <a:t>usage</a:t>
+            </a:r>
+            <a:r>
+              <a:rPr lang="de-DE" dirty="0"/>
+              <a:t> </a:t>
+            </a:r>
+          </a:p>
+          <a:p>
+            <a:r>
+              <a:rPr lang="de-DE" dirty="0"/>
+              <a:t>- </a:t>
+            </a:r>
+          </a:p>
+        </p:txBody>
+      </p:sp>
+      <p:sp>
+        <p:nvSpPr>
+          <p:cNvPr id="4" name="Foliennummernplatzhalter 3"/>
+          <p:cNvSpPr>
+            <a:spLocks noGrp="1"/>
+          </p:cNvSpPr>
+          <p:nvPr>
+            <p:ph type="sldNum" sz="quarter" idx="5"/>
+          </p:nvPr>
+        </p:nvSpPr>
+        <p:spPr/>
+        <p:txBody>
+          <a:bodyPr/>
+          <a:lstStyle/>
+          <a:p>
+            <a:fld id="{5415BA9B-40CB-A048-87AF-ECB318E75661}" type="slidenum">
+              <a:rPr lang="de-DE" smtClean="0"/>
+              <a:t>3</a:t>
+            </a:fld>
+            <a:endParaRPr lang="de-DE"/>
+          </a:p>
+        </p:txBody>
+      </p:sp>
+    </p:spTree>
+    <p:extLst>
+      <p:ext uri="{BB962C8B-B14F-4D97-AF65-F5344CB8AC3E}">
+        <p14:creationId xmlns:p14="http://schemas.microsoft.com/office/powerpoint/2010/main" val="3410438352"/>
+      </p:ext>
+    </p:extLst>
+  </p:cSld>
+  <p:clrMapOvr>
+    <a:masterClrMapping/>
+  </p:clrMapOvr>
+</p:notes>
+</file>
+
+<file path=ppt/notesSlides/notesSlide2.xml><?xml version="1.0" encoding="utf-8"?>
+<p:notes xmlns:a="http://schemas.openxmlformats.org/drawingml/2006/main" xmlns:r="http://schemas.openxmlformats.org/officeDocument/2006/relationships" xmlns:p="http://schemas.openxmlformats.org/presentationml/2006/main">
+  <p:cSld>
+    <p:spTree>
+      <p:nvGrpSpPr>
+        <p:cNvPr id="1" name=""/>
+        <p:cNvGrpSpPr/>
+        <p:nvPr/>
+      </p:nvGrpSpPr>
+      <p:grpSpPr>
+        <a:xfrm>
+          <a:off x="0" y="0"/>
+          <a:ext cx="0" cy="0"/>
+          <a:chOff x="0" y="0"/>
+          <a:chExt cx="0" cy="0"/>
+        </a:xfrm>
+      </p:grpSpPr>
+      <p:sp>
+        <p:nvSpPr>
+          <p:cNvPr id="2" name="Folienbildplatzhalter 1"/>
+          <p:cNvSpPr>
+            <a:spLocks noGrp="1" noRot="1" noChangeAspect="1"/>
+          </p:cNvSpPr>
+          <p:nvPr>
+            <p:ph type="sldImg"/>
+          </p:nvPr>
+        </p:nvSpPr>
+        <p:spPr/>
+      </p:sp>
+      <p:sp>
+        <p:nvSpPr>
+          <p:cNvPr id="3" name="Notizenplatzhalter 2"/>
+          <p:cNvSpPr>
+            <a:spLocks noGrp="1"/>
+          </p:cNvSpPr>
+          <p:nvPr>
+            <p:ph type="body" idx="1"/>
+          </p:nvPr>
+        </p:nvSpPr>
+        <p:spPr/>
+        <p:txBody>
+          <a:bodyPr/>
+          <a:lstStyle/>
+          <a:p>
+            <a:r>
+              <a:rPr lang="de-DE" dirty="0" err="1"/>
+              <a:t>Onion</a:t>
+            </a:r>
+            <a:r>
+              <a:rPr lang="de-DE" dirty="0"/>
+              <a:t>:</a:t>
+            </a:r>
+          </a:p>
+          <a:p>
+            <a:r>
+              <a:rPr lang="de-DE" dirty="0"/>
+              <a:t>Large </a:t>
+            </a:r>
+            <a:r>
+              <a:rPr lang="de-DE" dirty="0" err="1"/>
+              <a:t>scale</a:t>
+            </a:r>
+            <a:r>
+              <a:rPr lang="de-DE" dirty="0"/>
+              <a:t> = 110k </a:t>
+            </a:r>
+            <a:r>
+              <a:rPr lang="de-DE" dirty="0" err="1"/>
+              <a:t>songs</a:t>
+            </a:r>
+            <a:r>
+              <a:rPr lang="de-DE" dirty="0"/>
+              <a:t> </a:t>
+            </a:r>
+            <a:r>
+              <a:rPr lang="de-DE" dirty="0" err="1"/>
+              <a:t>with</a:t>
+            </a:r>
+            <a:r>
+              <a:rPr lang="de-DE" dirty="0"/>
+              <a:t> 26 </a:t>
+            </a:r>
+            <a:r>
+              <a:rPr lang="de-DE" dirty="0" err="1"/>
+              <a:t>features</a:t>
+            </a:r>
+            <a:r>
+              <a:rPr lang="de-DE" dirty="0"/>
+              <a:t> </a:t>
+            </a:r>
+            <a:r>
+              <a:rPr lang="de-DE" dirty="0" err="1"/>
+              <a:t>each</a:t>
+            </a:r>
+            <a:r>
+              <a:rPr lang="de-DE" dirty="0"/>
+              <a:t> </a:t>
+            </a:r>
+          </a:p>
+          <a:p>
+            <a:r>
+              <a:rPr lang="de-DE" dirty="0" err="1"/>
+              <a:t>Layers</a:t>
+            </a:r>
+            <a:r>
+              <a:rPr lang="de-DE" dirty="0"/>
+              <a:t> = </a:t>
+            </a:r>
+            <a:r>
+              <a:rPr lang="de-DE" dirty="0" err="1"/>
+              <a:t>Inner</a:t>
+            </a:r>
+            <a:r>
+              <a:rPr lang="de-DE" dirty="0"/>
+              <a:t> </a:t>
+            </a:r>
+            <a:r>
+              <a:rPr lang="de-DE" dirty="0" err="1"/>
+              <a:t>layer</a:t>
+            </a:r>
+            <a:r>
+              <a:rPr lang="de-DE" dirty="0"/>
+              <a:t> = </a:t>
+            </a:r>
+            <a:r>
+              <a:rPr lang="de-DE" dirty="0" err="1"/>
+              <a:t>less</a:t>
+            </a:r>
+            <a:r>
+              <a:rPr lang="de-DE" dirty="0"/>
+              <a:t> </a:t>
+            </a:r>
+            <a:r>
+              <a:rPr lang="de-DE" dirty="0" err="1"/>
+              <a:t>semantic</a:t>
+            </a:r>
+            <a:r>
+              <a:rPr lang="de-DE" dirty="0"/>
+              <a:t> </a:t>
+            </a:r>
+            <a:r>
+              <a:rPr lang="de-DE" dirty="0" err="1"/>
+              <a:t>meaning</a:t>
+            </a:r>
+            <a:r>
+              <a:rPr lang="de-DE" dirty="0"/>
+              <a:t> </a:t>
+            </a:r>
+          </a:p>
+          <a:p>
+            <a:endParaRPr lang="de-DE" dirty="0"/>
+          </a:p>
+          <a:p>
+            <a:r>
+              <a:rPr lang="de-DE" dirty="0" err="1"/>
+              <a:t>Acoustic</a:t>
+            </a:r>
+            <a:r>
+              <a:rPr lang="de-DE" dirty="0"/>
+              <a:t> </a:t>
+            </a:r>
+            <a:r>
+              <a:rPr lang="de-DE" dirty="0" err="1"/>
+              <a:t>features</a:t>
+            </a:r>
+            <a:r>
+              <a:rPr lang="de-DE" dirty="0"/>
+              <a:t> -&gt; </a:t>
+            </a:r>
+            <a:r>
+              <a:rPr lang="de-DE" dirty="0" err="1"/>
+              <a:t>Lyrcis</a:t>
+            </a:r>
+            <a:r>
+              <a:rPr lang="de-DE" dirty="0"/>
+              <a:t> -&gt; Genres -&gt; Tags -&gt; Video </a:t>
+            </a:r>
+            <a:r>
+              <a:rPr lang="de-DE" dirty="0" err="1"/>
+              <a:t>features</a:t>
+            </a:r>
+            <a:r>
+              <a:rPr lang="de-DE" dirty="0"/>
+              <a:t> </a:t>
+            </a:r>
+          </a:p>
+          <a:p>
+            <a:endParaRPr lang="de-DE" dirty="0"/>
+          </a:p>
+          <a:p>
+            <a:r>
+              <a:rPr lang="de-DE" dirty="0" err="1"/>
+              <a:t>SiTunes</a:t>
+            </a:r>
+            <a:r>
+              <a:rPr lang="de-DE" dirty="0"/>
+              <a:t>: smart </a:t>
+            </a:r>
+            <a:r>
+              <a:rPr lang="de-DE" dirty="0" err="1"/>
+              <a:t>wristbands</a:t>
+            </a:r>
+            <a:r>
+              <a:rPr lang="de-DE" dirty="0"/>
+              <a:t> </a:t>
+            </a:r>
+          </a:p>
+          <a:p>
+            <a:r>
+              <a:rPr lang="de-DE" dirty="0" err="1"/>
+              <a:t>Incorporate</a:t>
+            </a:r>
+            <a:r>
+              <a:rPr lang="de-DE" dirty="0"/>
+              <a:t> </a:t>
+            </a:r>
+            <a:r>
+              <a:rPr lang="de-DE" dirty="0" err="1"/>
+              <a:t>new</a:t>
+            </a:r>
+            <a:r>
+              <a:rPr lang="de-DE" dirty="0"/>
+              <a:t> relevant </a:t>
+            </a:r>
+            <a:r>
+              <a:rPr lang="de-DE" dirty="0" err="1"/>
+              <a:t>situations</a:t>
+            </a:r>
+            <a:r>
+              <a:rPr lang="de-DE" dirty="0"/>
+              <a:t> </a:t>
+            </a:r>
+            <a:r>
+              <a:rPr lang="de-DE" dirty="0" err="1"/>
+              <a:t>into</a:t>
+            </a:r>
+            <a:r>
+              <a:rPr lang="de-DE" dirty="0"/>
+              <a:t> </a:t>
+            </a:r>
+            <a:r>
+              <a:rPr lang="de-DE" dirty="0" err="1"/>
+              <a:t>dataset</a:t>
+            </a:r>
+            <a:r>
+              <a:rPr lang="de-DE" dirty="0"/>
+              <a:t> -&gt; </a:t>
+            </a:r>
+            <a:r>
+              <a:rPr lang="de-DE" dirty="0" err="1"/>
+              <a:t>physiological</a:t>
+            </a:r>
+            <a:r>
+              <a:rPr lang="de-DE" dirty="0"/>
+              <a:t> and </a:t>
+            </a:r>
+            <a:r>
+              <a:rPr lang="de-DE" dirty="0" err="1"/>
+              <a:t>psychological</a:t>
+            </a:r>
+            <a:r>
+              <a:rPr lang="de-DE" dirty="0"/>
+              <a:t> </a:t>
+            </a:r>
+            <a:r>
+              <a:rPr lang="de-DE" dirty="0" err="1"/>
+              <a:t>features</a:t>
+            </a:r>
+            <a:r>
+              <a:rPr lang="de-DE" dirty="0"/>
+              <a:t>, situational</a:t>
+            </a:r>
+          </a:p>
+          <a:p>
+            <a:pPr marL="171450" indent="-171450">
+              <a:buFont typeface="Wingdings" pitchFamily="2" charset="2"/>
+              <a:buChar char="è"/>
+            </a:pPr>
+            <a:r>
+              <a:rPr lang="de-DE" dirty="0"/>
+              <a:t>Heart rate, time </a:t>
+            </a:r>
+            <a:r>
+              <a:rPr lang="de-DE" dirty="0" err="1"/>
+              <a:t>of</a:t>
+            </a:r>
+            <a:r>
+              <a:rPr lang="de-DE" dirty="0"/>
+              <a:t> </a:t>
+            </a:r>
+            <a:r>
+              <a:rPr lang="de-DE" dirty="0" err="1"/>
+              <a:t>the</a:t>
+            </a:r>
+            <a:r>
+              <a:rPr lang="de-DE" dirty="0"/>
+              <a:t> </a:t>
+            </a:r>
+            <a:r>
+              <a:rPr lang="de-DE" dirty="0" err="1"/>
+              <a:t>day</a:t>
+            </a:r>
+            <a:r>
+              <a:rPr lang="de-DE" dirty="0"/>
+              <a:t>, …</a:t>
+            </a:r>
+          </a:p>
+          <a:p>
+            <a:pPr marL="171450" indent="-171450">
+              <a:buFont typeface="Wingdings" pitchFamily="2" charset="2"/>
+              <a:buChar char="è"/>
+            </a:pPr>
+            <a:endParaRPr lang="de-DE" dirty="0"/>
+          </a:p>
+          <a:p>
+            <a:pPr marL="0" marR="0" lvl="0" indent="0" algn="l" defTabSz="914400" rtl="0" eaLnBrk="1" fontAlgn="auto" latinLnBrk="0" hangingPunct="1">
+              <a:lnSpc>
+                <a:spcPct val="100000"/>
+              </a:lnSpc>
+              <a:spcBef>
+                <a:spcPts val="0"/>
+              </a:spcBef>
+              <a:spcAft>
+                <a:spcPts val="0"/>
+              </a:spcAft>
+              <a:buClrTx/>
+              <a:buSzTx/>
+              <a:buFont typeface="Wingdings" pitchFamily="2" charset="2"/>
+              <a:buNone/>
+              <a:tabLst/>
+              <a:defRPr/>
+            </a:pPr>
+            <a:r>
+              <a:rPr lang="de-DE" dirty="0"/>
+              <a:t>LFM-2b:</a:t>
+            </a:r>
+          </a:p>
+          <a:p>
+            <a:pPr marL="0" marR="0" lvl="0" indent="0" algn="l" defTabSz="914400" rtl="0" eaLnBrk="1" fontAlgn="auto" latinLnBrk="0" hangingPunct="1">
+              <a:lnSpc>
+                <a:spcPct val="100000"/>
+              </a:lnSpc>
+              <a:spcBef>
+                <a:spcPts val="0"/>
+              </a:spcBef>
+              <a:spcAft>
+                <a:spcPts val="0"/>
+              </a:spcAft>
+              <a:buClrTx/>
+              <a:buSzTx/>
+              <a:buFont typeface="Wingdings" pitchFamily="2" charset="2"/>
+              <a:buNone/>
+              <a:tabLst/>
+              <a:defRPr/>
+            </a:pPr>
+            <a:r>
+              <a:rPr lang="de-DE" dirty="0"/>
+              <a:t>Large </a:t>
+            </a:r>
+            <a:r>
+              <a:rPr lang="de-DE" dirty="0" err="1"/>
+              <a:t>scale</a:t>
+            </a:r>
+            <a:r>
+              <a:rPr lang="de-DE" dirty="0"/>
+              <a:t> -&gt; 2billion </a:t>
+            </a:r>
+            <a:r>
+              <a:rPr lang="de-DE" dirty="0" err="1"/>
+              <a:t>listening</a:t>
+            </a:r>
+            <a:r>
+              <a:rPr lang="de-DE" dirty="0"/>
+              <a:t> </a:t>
+            </a:r>
+            <a:r>
+              <a:rPr lang="de-DE" dirty="0" err="1"/>
+              <a:t>events</a:t>
+            </a:r>
+            <a:r>
+              <a:rPr lang="de-DE" dirty="0"/>
+              <a:t> </a:t>
+            </a:r>
+            <a:r>
+              <a:rPr lang="de-DE" dirty="0" err="1"/>
+              <a:t>of</a:t>
+            </a:r>
+            <a:r>
+              <a:rPr lang="de-DE" dirty="0"/>
+              <a:t> 120k </a:t>
+            </a:r>
+            <a:r>
+              <a:rPr lang="de-DE" dirty="0" err="1"/>
+              <a:t>users</a:t>
+            </a:r>
+            <a:endParaRPr lang="de-DE" dirty="0"/>
+          </a:p>
+          <a:p>
+            <a:pPr marL="0" marR="0" lvl="0" indent="0" algn="l" defTabSz="914400" rtl="0" eaLnBrk="1" fontAlgn="auto" latinLnBrk="0" hangingPunct="1">
+              <a:lnSpc>
+                <a:spcPct val="100000"/>
+              </a:lnSpc>
+              <a:spcBef>
+                <a:spcPts val="0"/>
+              </a:spcBef>
+              <a:spcAft>
+                <a:spcPts val="0"/>
+              </a:spcAft>
+              <a:buClrTx/>
+              <a:buSzTx/>
+              <a:buFont typeface="Wingdings" pitchFamily="2" charset="2"/>
+              <a:buNone/>
+              <a:tabLst/>
+              <a:defRPr/>
+            </a:pPr>
+            <a:r>
+              <a:rPr lang="de-DE" dirty="0" err="1"/>
+              <a:t>Last.fm</a:t>
+            </a:r>
+            <a:r>
+              <a:rPr lang="de-DE" dirty="0"/>
+              <a:t> </a:t>
+            </a:r>
+            <a:r>
+              <a:rPr lang="de-DE" dirty="0" err="1"/>
+              <a:t>data</a:t>
+            </a:r>
+            <a:r>
+              <a:rPr lang="de-DE" dirty="0"/>
+              <a:t> + </a:t>
+            </a:r>
+            <a:r>
+              <a:rPr lang="de-DE" dirty="0" err="1"/>
+              <a:t>spotify</a:t>
+            </a:r>
+            <a:r>
+              <a:rPr lang="de-DE" dirty="0"/>
+              <a:t> </a:t>
+            </a:r>
+            <a:r>
+              <a:rPr lang="de-DE" dirty="0" err="1"/>
+              <a:t>URI‘s</a:t>
+            </a:r>
+            <a:r>
+              <a:rPr lang="de-DE" dirty="0"/>
+              <a:t> </a:t>
+            </a:r>
+            <a:r>
+              <a:rPr lang="de-DE" dirty="0" err="1"/>
+              <a:t>to</a:t>
+            </a:r>
+            <a:r>
+              <a:rPr lang="de-DE" dirty="0"/>
+              <a:t> </a:t>
+            </a:r>
+            <a:r>
+              <a:rPr lang="de-DE" dirty="0" err="1"/>
+              <a:t>incorporate</a:t>
+            </a:r>
+            <a:r>
+              <a:rPr lang="de-DE" dirty="0"/>
+              <a:t> </a:t>
+            </a:r>
+            <a:r>
+              <a:rPr lang="de-DE" dirty="0" err="1"/>
+              <a:t>acutual</a:t>
+            </a:r>
+            <a:r>
+              <a:rPr lang="de-DE" dirty="0"/>
+              <a:t> </a:t>
+            </a:r>
+            <a:r>
+              <a:rPr lang="de-DE" dirty="0" err="1"/>
+              <a:t>songs</a:t>
+            </a:r>
+            <a:r>
+              <a:rPr lang="de-DE" dirty="0"/>
+              <a:t> </a:t>
+            </a:r>
+          </a:p>
+          <a:p>
+            <a:pPr marL="0" marR="0" lvl="0" indent="0" algn="l" defTabSz="914400" rtl="0" eaLnBrk="1" fontAlgn="auto" latinLnBrk="0" hangingPunct="1">
+              <a:lnSpc>
+                <a:spcPct val="100000"/>
+              </a:lnSpc>
+              <a:spcBef>
+                <a:spcPts val="0"/>
+              </a:spcBef>
+              <a:spcAft>
+                <a:spcPts val="0"/>
+              </a:spcAft>
+              <a:buClrTx/>
+              <a:buSzTx/>
+              <a:buFont typeface="Wingdings" pitchFamily="2" charset="2"/>
+              <a:buNone/>
+              <a:tabLst/>
+              <a:defRPr/>
+            </a:pPr>
+            <a:endParaRPr lang="de-DE" dirty="0"/>
+          </a:p>
+          <a:p>
+            <a:pPr marL="0" marR="0" lvl="0" indent="0" algn="l" defTabSz="914400" rtl="0" eaLnBrk="1" fontAlgn="auto" latinLnBrk="0" hangingPunct="1">
+              <a:lnSpc>
+                <a:spcPct val="100000"/>
+              </a:lnSpc>
+              <a:spcBef>
+                <a:spcPts val="0"/>
+              </a:spcBef>
+              <a:spcAft>
+                <a:spcPts val="0"/>
+              </a:spcAft>
+              <a:buClrTx/>
+              <a:buSzTx/>
+              <a:buFont typeface="Wingdings" pitchFamily="2" charset="2"/>
+              <a:buNone/>
+              <a:tabLst/>
+              <a:defRPr/>
+            </a:pPr>
+            <a:r>
+              <a:rPr lang="de-DE" dirty="0" err="1"/>
+              <a:t>Context</a:t>
+            </a:r>
+            <a:r>
+              <a:rPr lang="de-DE" dirty="0"/>
+              <a:t>, </a:t>
+            </a:r>
+            <a:r>
+              <a:rPr lang="de-DE" dirty="0" err="1"/>
+              <a:t>content</a:t>
+            </a:r>
+            <a:r>
+              <a:rPr lang="de-DE" dirty="0"/>
+              <a:t> and </a:t>
+            </a:r>
+            <a:r>
+              <a:rPr lang="de-DE" dirty="0" err="1"/>
+              <a:t>demographic</a:t>
+            </a:r>
+            <a:r>
+              <a:rPr lang="de-DE" dirty="0"/>
+              <a:t> </a:t>
+            </a:r>
+            <a:r>
+              <a:rPr lang="de-DE" dirty="0" err="1"/>
+              <a:t>features</a:t>
+            </a:r>
+            <a:r>
+              <a:rPr lang="de-DE" dirty="0"/>
+              <a:t> </a:t>
+            </a:r>
+          </a:p>
+          <a:p>
+            <a:pPr marL="0" marR="0" lvl="0" indent="0" algn="l" defTabSz="914400" rtl="0" eaLnBrk="1" fontAlgn="auto" latinLnBrk="0" hangingPunct="1">
+              <a:lnSpc>
+                <a:spcPct val="100000"/>
+              </a:lnSpc>
+              <a:spcBef>
+                <a:spcPts val="0"/>
+              </a:spcBef>
+              <a:spcAft>
+                <a:spcPts val="0"/>
+              </a:spcAft>
+              <a:buClrTx/>
+              <a:buSzTx/>
+              <a:buFont typeface="Wingdings" pitchFamily="2" charset="2"/>
+              <a:buNone/>
+              <a:tabLst/>
+              <a:defRPr/>
+            </a:pPr>
+            <a:r>
+              <a:rPr lang="de-DE" dirty="0"/>
+              <a:t>Can also </a:t>
+            </a:r>
+            <a:r>
+              <a:rPr lang="de-DE" dirty="0" err="1"/>
+              <a:t>be</a:t>
+            </a:r>
+            <a:r>
+              <a:rPr lang="de-DE" dirty="0"/>
+              <a:t> </a:t>
+            </a:r>
+            <a:r>
+              <a:rPr lang="de-DE" dirty="0" err="1"/>
+              <a:t>used</a:t>
+            </a:r>
+            <a:r>
+              <a:rPr lang="de-DE" dirty="0"/>
+              <a:t> </a:t>
+            </a:r>
+            <a:r>
+              <a:rPr lang="de-DE" dirty="0" err="1"/>
+              <a:t>to</a:t>
+            </a:r>
+            <a:r>
+              <a:rPr lang="de-DE" dirty="0"/>
+              <a:t> find </a:t>
+            </a:r>
+            <a:r>
+              <a:rPr lang="de-DE" dirty="0" err="1"/>
+              <a:t>biases</a:t>
+            </a:r>
+            <a:r>
+              <a:rPr lang="de-DE" dirty="0"/>
+              <a:t>, not </a:t>
+            </a:r>
+            <a:r>
+              <a:rPr lang="de-DE" dirty="0" err="1"/>
+              <a:t>only</a:t>
+            </a:r>
+            <a:r>
+              <a:rPr lang="de-DE" dirty="0"/>
+              <a:t> </a:t>
+            </a:r>
+            <a:r>
+              <a:rPr lang="de-DE" dirty="0" err="1"/>
+              <a:t>for</a:t>
+            </a:r>
+            <a:r>
+              <a:rPr lang="de-DE" dirty="0"/>
+              <a:t> </a:t>
+            </a:r>
+            <a:r>
+              <a:rPr lang="de-DE" dirty="0" err="1"/>
+              <a:t>recommendation</a:t>
+            </a:r>
+            <a:endParaRPr lang="de-DE" dirty="0"/>
+          </a:p>
+          <a:p>
+            <a:pPr marL="0" marR="0" lvl="0" indent="0" algn="l" defTabSz="914400" rtl="0" eaLnBrk="1" fontAlgn="auto" latinLnBrk="0" hangingPunct="1">
+              <a:lnSpc>
+                <a:spcPct val="100000"/>
+              </a:lnSpc>
+              <a:spcBef>
+                <a:spcPts val="0"/>
+              </a:spcBef>
+              <a:spcAft>
+                <a:spcPts val="0"/>
+              </a:spcAft>
+              <a:buClrTx/>
+              <a:buSzTx/>
+              <a:buFont typeface="Wingdings" pitchFamily="2" charset="2"/>
+              <a:buNone/>
+              <a:tabLst/>
+              <a:defRPr/>
+            </a:pPr>
+            <a:r>
+              <a:rPr lang="de-DE" dirty="0" err="1"/>
+              <a:t>Timeframe</a:t>
+            </a:r>
+            <a:r>
+              <a:rPr lang="de-DE" dirty="0"/>
+              <a:t> </a:t>
+            </a:r>
+            <a:r>
+              <a:rPr lang="de-DE" dirty="0" err="1"/>
+              <a:t>of</a:t>
+            </a:r>
+            <a:r>
+              <a:rPr lang="de-DE" dirty="0"/>
+              <a:t> </a:t>
+            </a:r>
+            <a:r>
+              <a:rPr lang="de-DE" dirty="0" err="1"/>
+              <a:t>entries</a:t>
+            </a:r>
+            <a:r>
+              <a:rPr lang="de-DE" dirty="0"/>
+              <a:t>: 2005 – 2020 </a:t>
+            </a:r>
+          </a:p>
+          <a:p>
+            <a:pPr marL="171450" indent="-171450">
+              <a:buFont typeface="Wingdings" pitchFamily="2" charset="2"/>
+              <a:buChar char="è"/>
+            </a:pPr>
+            <a:endParaRPr lang="de-DE" dirty="0"/>
+          </a:p>
+        </p:txBody>
+      </p:sp>
+      <p:sp>
+        <p:nvSpPr>
+          <p:cNvPr id="4" name="Foliennummernplatzhalter 3"/>
+          <p:cNvSpPr>
+            <a:spLocks noGrp="1"/>
+          </p:cNvSpPr>
+          <p:nvPr>
+            <p:ph type="sldNum" sz="quarter" idx="5"/>
+          </p:nvPr>
+        </p:nvSpPr>
+        <p:spPr/>
+        <p:txBody>
+          <a:bodyPr/>
+          <a:lstStyle/>
+          <a:p>
+            <a:fld id="{5415BA9B-40CB-A048-87AF-ECB318E75661}" type="slidenum">
+              <a:rPr lang="de-DE" smtClean="0"/>
+              <a:t>4</a:t>
+            </a:fld>
+            <a:endParaRPr lang="de-DE"/>
+          </a:p>
+        </p:txBody>
+      </p:sp>
+    </p:spTree>
+    <p:extLst>
+      <p:ext uri="{BB962C8B-B14F-4D97-AF65-F5344CB8AC3E}">
+        <p14:creationId xmlns:p14="http://schemas.microsoft.com/office/powerpoint/2010/main" val="1950825488"/>
+      </p:ext>
+    </p:extLst>
+  </p:cSld>
+  <p:clrMapOvr>
+    <a:masterClrMapping/>
+  </p:clrMapOvr>
+</p:notes>
+</file>
+
+<file path=ppt/notesSlides/notesSlide3.xml><?xml version="1.0" encoding="utf-8"?>
+<p:notes xmlns:a="http://schemas.openxmlformats.org/drawingml/2006/main" xmlns:r="http://schemas.openxmlformats.org/officeDocument/2006/relationships" xmlns:p="http://schemas.openxmlformats.org/presentationml/2006/main">
+  <p:cSld>
+    <p:spTree>
+      <p:nvGrpSpPr>
+        <p:cNvPr id="1" name=""/>
+        <p:cNvGrpSpPr/>
+        <p:nvPr/>
+      </p:nvGrpSpPr>
+      <p:grpSpPr>
+        <a:xfrm>
+          <a:off x="0" y="0"/>
+          <a:ext cx="0" cy="0"/>
+          <a:chOff x="0" y="0"/>
+          <a:chExt cx="0" cy="0"/>
+        </a:xfrm>
+      </p:grpSpPr>
+      <p:sp>
+        <p:nvSpPr>
+          <p:cNvPr id="2" name="Folienbildplatzhalter 1"/>
+          <p:cNvSpPr>
+            <a:spLocks noGrp="1" noRot="1" noChangeAspect="1"/>
+          </p:cNvSpPr>
+          <p:nvPr>
+            <p:ph type="sldImg"/>
+          </p:nvPr>
+        </p:nvSpPr>
+        <p:spPr/>
+      </p:sp>
+      <p:sp>
+        <p:nvSpPr>
+          <p:cNvPr id="3" name="Notizenplatzhalter 2"/>
+          <p:cNvSpPr>
+            <a:spLocks noGrp="1"/>
+          </p:cNvSpPr>
+          <p:nvPr>
+            <p:ph type="body" idx="1"/>
+          </p:nvPr>
+        </p:nvSpPr>
+        <p:spPr/>
+        <p:txBody>
+          <a:bodyPr/>
+          <a:lstStyle/>
+          <a:p>
+            <a:r>
+              <a:rPr lang="de-DE" dirty="0"/>
+              <a:t>Lots </a:t>
+            </a:r>
+            <a:r>
+              <a:rPr lang="de-DE" dirty="0" err="1"/>
+              <a:t>of</a:t>
+            </a:r>
+            <a:r>
+              <a:rPr lang="de-DE" dirty="0"/>
+              <a:t> </a:t>
+            </a:r>
+            <a:r>
+              <a:rPr lang="de-DE" dirty="0" err="1"/>
+              <a:t>work</a:t>
+            </a:r>
+            <a:r>
+              <a:rPr lang="de-DE" dirty="0"/>
+              <a:t> </a:t>
+            </a:r>
+            <a:r>
+              <a:rPr lang="de-DE" dirty="0" err="1"/>
+              <a:t>showing</a:t>
+            </a:r>
+            <a:r>
+              <a:rPr lang="de-DE" dirty="0"/>
+              <a:t> </a:t>
+            </a:r>
+            <a:r>
+              <a:rPr lang="de-DE" dirty="0" err="1"/>
+              <a:t>biases</a:t>
+            </a:r>
+            <a:r>
+              <a:rPr lang="de-DE" dirty="0"/>
+              <a:t> in all </a:t>
+            </a:r>
+            <a:r>
+              <a:rPr lang="de-DE" dirty="0" err="1"/>
+              <a:t>kinds</a:t>
+            </a:r>
+            <a:r>
+              <a:rPr lang="de-DE" dirty="0"/>
+              <a:t> </a:t>
+            </a:r>
+            <a:r>
+              <a:rPr lang="de-DE" dirty="0" err="1"/>
+              <a:t>of</a:t>
+            </a:r>
+            <a:r>
+              <a:rPr lang="de-DE" dirty="0"/>
+              <a:t> </a:t>
+            </a:r>
+            <a:r>
+              <a:rPr lang="de-DE" dirty="0" err="1"/>
+              <a:t>multimedia</a:t>
+            </a:r>
+            <a:r>
+              <a:rPr lang="de-DE" dirty="0"/>
+              <a:t> </a:t>
+            </a:r>
+            <a:r>
+              <a:rPr lang="de-DE" dirty="0" err="1"/>
+              <a:t>recommendations</a:t>
+            </a:r>
+            <a:endParaRPr lang="de-DE" dirty="0"/>
+          </a:p>
+          <a:p>
+            <a:endParaRPr lang="de-DE" dirty="0"/>
+          </a:p>
+          <a:p>
+            <a:r>
+              <a:rPr lang="de-DE" dirty="0" err="1"/>
+              <a:t>There</a:t>
+            </a:r>
+            <a:r>
+              <a:rPr lang="de-DE" dirty="0"/>
+              <a:t> </a:t>
+            </a:r>
+            <a:r>
+              <a:rPr lang="de-DE" dirty="0" err="1"/>
+              <a:t>is</a:t>
+            </a:r>
+            <a:r>
+              <a:rPr lang="de-DE" dirty="0"/>
+              <a:t> a </a:t>
+            </a:r>
+            <a:r>
+              <a:rPr lang="de-DE" dirty="0" err="1"/>
+              <a:t>correlation</a:t>
+            </a:r>
+            <a:r>
+              <a:rPr lang="de-DE" dirty="0"/>
+              <a:t> </a:t>
+            </a:r>
+            <a:r>
+              <a:rPr lang="de-DE" dirty="0" err="1"/>
+              <a:t>between</a:t>
+            </a:r>
+            <a:r>
+              <a:rPr lang="de-DE" dirty="0"/>
+              <a:t> </a:t>
+            </a:r>
+            <a:r>
+              <a:rPr lang="de-DE" dirty="0" err="1"/>
+              <a:t>music</a:t>
+            </a:r>
+            <a:r>
+              <a:rPr lang="de-DE" dirty="0"/>
+              <a:t> </a:t>
+            </a:r>
+            <a:r>
+              <a:rPr lang="de-DE" dirty="0" err="1"/>
+              <a:t>preferences</a:t>
+            </a:r>
+            <a:r>
+              <a:rPr lang="de-DE" dirty="0"/>
+              <a:t> and </a:t>
+            </a:r>
+            <a:r>
+              <a:rPr lang="de-DE" dirty="0" err="1"/>
+              <a:t>personality</a:t>
+            </a:r>
+            <a:r>
+              <a:rPr lang="de-DE" dirty="0"/>
+              <a:t> </a:t>
+            </a:r>
+            <a:r>
+              <a:rPr lang="de-DE" dirty="0" err="1"/>
+              <a:t>traits</a:t>
+            </a:r>
+            <a:endParaRPr lang="de-DE" dirty="0"/>
+          </a:p>
+          <a:p>
+            <a:endParaRPr lang="de-DE" dirty="0"/>
+          </a:p>
+          <a:p>
+            <a:r>
+              <a:rPr lang="de-DE" dirty="0"/>
+              <a:t>Incorporated </a:t>
+            </a:r>
+            <a:r>
+              <a:rPr lang="de-DE" dirty="0" err="1"/>
+              <a:t>personlity</a:t>
+            </a:r>
+            <a:r>
+              <a:rPr lang="de-DE" dirty="0"/>
+              <a:t> </a:t>
+            </a:r>
+            <a:r>
+              <a:rPr lang="de-DE" dirty="0" err="1"/>
+              <a:t>information</a:t>
+            </a:r>
+            <a:r>
+              <a:rPr lang="de-DE" dirty="0"/>
+              <a:t> </a:t>
+            </a:r>
+            <a:r>
+              <a:rPr lang="de-DE" dirty="0" err="1"/>
+              <a:t>into</a:t>
+            </a:r>
+            <a:r>
+              <a:rPr lang="de-DE" dirty="0"/>
+              <a:t> a </a:t>
+            </a:r>
+            <a:r>
+              <a:rPr lang="de-DE" dirty="0" err="1"/>
+              <a:t>datayet</a:t>
+            </a:r>
+            <a:endParaRPr lang="de-DE" dirty="0"/>
+          </a:p>
+          <a:p>
+            <a:r>
+              <a:rPr lang="de-DE" dirty="0"/>
+              <a:t>Different </a:t>
+            </a:r>
+            <a:r>
+              <a:rPr lang="de-DE" dirty="0" err="1"/>
+              <a:t>groups</a:t>
+            </a:r>
+            <a:r>
+              <a:rPr lang="de-DE" dirty="0"/>
+              <a:t> </a:t>
+            </a:r>
+            <a:r>
+              <a:rPr lang="de-DE" dirty="0" err="1"/>
+              <a:t>of</a:t>
+            </a:r>
+            <a:r>
+              <a:rPr lang="de-DE" dirty="0"/>
+              <a:t> </a:t>
+            </a:r>
+            <a:r>
+              <a:rPr lang="de-DE" dirty="0" err="1"/>
+              <a:t>personalities</a:t>
+            </a:r>
+            <a:r>
+              <a:rPr lang="de-DE" dirty="0"/>
+              <a:t> </a:t>
+            </a:r>
+            <a:r>
+              <a:rPr lang="de-DE" dirty="0" err="1"/>
+              <a:t>receive</a:t>
+            </a:r>
+            <a:r>
+              <a:rPr lang="de-DE" dirty="0"/>
+              <a:t> </a:t>
+            </a:r>
+            <a:r>
+              <a:rPr lang="de-DE" dirty="0" err="1"/>
+              <a:t>significantly</a:t>
+            </a:r>
+            <a:r>
+              <a:rPr lang="de-DE" dirty="0"/>
+              <a:t> different </a:t>
+            </a:r>
+            <a:r>
+              <a:rPr lang="de-DE" dirty="0" err="1"/>
+              <a:t>scores</a:t>
+            </a:r>
+            <a:r>
+              <a:rPr lang="de-DE" dirty="0"/>
+              <a:t> in </a:t>
+            </a:r>
+            <a:r>
+              <a:rPr lang="de-DE" dirty="0" err="1"/>
+              <a:t>terms</a:t>
+            </a:r>
+            <a:r>
+              <a:rPr lang="de-DE" dirty="0"/>
+              <a:t> </a:t>
+            </a:r>
+            <a:r>
+              <a:rPr lang="de-DE" dirty="0" err="1"/>
+              <a:t>of</a:t>
+            </a:r>
+            <a:r>
+              <a:rPr lang="de-DE" dirty="0"/>
+              <a:t> </a:t>
+            </a:r>
+            <a:r>
+              <a:rPr lang="de-DE" dirty="0" err="1"/>
+              <a:t>metrics</a:t>
+            </a:r>
+            <a:r>
+              <a:rPr lang="de-DE" dirty="0"/>
+              <a:t> </a:t>
+            </a:r>
+          </a:p>
+          <a:p>
+            <a:endParaRPr lang="de-DE" dirty="0"/>
+          </a:p>
+          <a:p>
+            <a:r>
+              <a:rPr lang="de-DE" dirty="0"/>
+              <a:t>__</a:t>
+            </a:r>
+          </a:p>
+          <a:p>
+            <a:r>
+              <a:rPr lang="de-DE" dirty="0"/>
+              <a:t>Incorporated </a:t>
+            </a:r>
+            <a:r>
+              <a:rPr lang="de-DE" dirty="0" err="1"/>
+              <a:t>gender</a:t>
+            </a:r>
+            <a:r>
+              <a:rPr lang="de-DE" dirty="0"/>
+              <a:t> </a:t>
+            </a:r>
+            <a:r>
+              <a:rPr lang="de-DE" dirty="0" err="1"/>
+              <a:t>information</a:t>
+            </a:r>
+            <a:r>
+              <a:rPr lang="de-DE" dirty="0"/>
+              <a:t> </a:t>
+            </a:r>
+            <a:r>
+              <a:rPr lang="de-DE" dirty="0" err="1"/>
+              <a:t>into</a:t>
+            </a:r>
+            <a:r>
+              <a:rPr lang="de-DE" dirty="0"/>
+              <a:t> a </a:t>
+            </a:r>
+            <a:r>
+              <a:rPr lang="de-DE" dirty="0" err="1"/>
+              <a:t>dataset</a:t>
+            </a:r>
+            <a:endParaRPr lang="de-DE" dirty="0"/>
+          </a:p>
+          <a:p>
+            <a:r>
+              <a:rPr lang="de-DE" dirty="0"/>
+              <a:t>Bias in </a:t>
+            </a:r>
+            <a:r>
+              <a:rPr lang="de-DE" dirty="0" err="1"/>
+              <a:t>ranking</a:t>
+            </a:r>
+            <a:r>
+              <a:rPr lang="de-DE" dirty="0"/>
+              <a:t> </a:t>
+            </a:r>
+            <a:r>
+              <a:rPr lang="de-DE" dirty="0" err="1"/>
+              <a:t>of</a:t>
+            </a:r>
+            <a:r>
+              <a:rPr lang="de-DE" dirty="0"/>
+              <a:t> </a:t>
+            </a:r>
+            <a:r>
+              <a:rPr lang="de-DE" dirty="0" err="1"/>
+              <a:t>recommendations</a:t>
+            </a:r>
+            <a:r>
+              <a:rPr lang="de-DE" dirty="0"/>
+              <a:t> -&gt; </a:t>
+            </a:r>
+            <a:r>
+              <a:rPr lang="de-DE" dirty="0" err="1"/>
+              <a:t>tendency</a:t>
+            </a:r>
+            <a:r>
+              <a:rPr lang="de-DE" dirty="0"/>
+              <a:t> </a:t>
+            </a:r>
+            <a:r>
+              <a:rPr lang="de-DE" dirty="0" err="1"/>
+              <a:t>to</a:t>
+            </a:r>
+            <a:r>
+              <a:rPr lang="de-DE" dirty="0"/>
+              <a:t> </a:t>
+            </a:r>
+            <a:r>
+              <a:rPr lang="de-DE" dirty="0" err="1"/>
+              <a:t>first</a:t>
+            </a:r>
+            <a:r>
+              <a:rPr lang="de-DE" dirty="0"/>
+              <a:t> </a:t>
+            </a:r>
+            <a:r>
+              <a:rPr lang="de-DE" dirty="0" err="1"/>
+              <a:t>show</a:t>
+            </a:r>
+            <a:r>
+              <a:rPr lang="de-DE" dirty="0"/>
+              <a:t> </a:t>
+            </a:r>
+            <a:r>
+              <a:rPr lang="de-DE" dirty="0" err="1"/>
+              <a:t>music</a:t>
+            </a:r>
+            <a:r>
+              <a:rPr lang="de-DE" dirty="0"/>
+              <a:t> </a:t>
+            </a:r>
+            <a:r>
+              <a:rPr lang="de-DE" dirty="0" err="1"/>
+              <a:t>of</a:t>
+            </a:r>
+            <a:r>
+              <a:rPr lang="de-DE" dirty="0"/>
+              <a:t> male </a:t>
+            </a:r>
+            <a:r>
+              <a:rPr lang="de-DE" dirty="0" err="1"/>
+              <a:t>artists</a:t>
+            </a:r>
+            <a:r>
+              <a:rPr lang="de-DE" dirty="0"/>
+              <a:t> </a:t>
+            </a:r>
+          </a:p>
+          <a:p>
+            <a:endParaRPr lang="de-DE" dirty="0"/>
+          </a:p>
+          <a:p>
+            <a:r>
+              <a:rPr lang="de-DE" dirty="0" err="1"/>
+              <a:t>Proposed</a:t>
+            </a:r>
+            <a:r>
+              <a:rPr lang="de-DE" dirty="0"/>
+              <a:t> a </a:t>
+            </a:r>
+            <a:r>
+              <a:rPr lang="de-DE" dirty="0" err="1"/>
+              <a:t>re</a:t>
+            </a:r>
+            <a:r>
+              <a:rPr lang="de-DE" dirty="0"/>
+              <a:t>-ranking </a:t>
+            </a:r>
+            <a:r>
+              <a:rPr lang="de-DE" dirty="0" err="1"/>
+              <a:t>method</a:t>
+            </a:r>
+            <a:r>
+              <a:rPr lang="de-DE" dirty="0"/>
+              <a:t> </a:t>
+            </a:r>
+            <a:r>
+              <a:rPr lang="de-DE" dirty="0" err="1"/>
+              <a:t>to</a:t>
+            </a:r>
+            <a:r>
+              <a:rPr lang="de-DE" dirty="0"/>
+              <a:t> </a:t>
+            </a:r>
+            <a:r>
+              <a:rPr lang="de-DE" dirty="0" err="1"/>
+              <a:t>remove</a:t>
+            </a:r>
+            <a:r>
+              <a:rPr lang="de-DE" dirty="0"/>
+              <a:t> </a:t>
+            </a:r>
+            <a:r>
+              <a:rPr lang="de-DE" dirty="0" err="1"/>
+              <a:t>this</a:t>
+            </a:r>
+            <a:r>
+              <a:rPr lang="de-DE" dirty="0"/>
+              <a:t> </a:t>
+            </a:r>
+            <a:r>
+              <a:rPr lang="de-DE" dirty="0" err="1"/>
+              <a:t>bias</a:t>
+            </a:r>
+            <a:r>
+              <a:rPr lang="de-DE" dirty="0"/>
+              <a:t> </a:t>
+            </a:r>
+          </a:p>
+        </p:txBody>
+      </p:sp>
+      <p:sp>
+        <p:nvSpPr>
+          <p:cNvPr id="4" name="Foliennummernplatzhalter 3"/>
+          <p:cNvSpPr>
+            <a:spLocks noGrp="1"/>
+          </p:cNvSpPr>
+          <p:nvPr>
+            <p:ph type="sldNum" sz="quarter" idx="5"/>
+          </p:nvPr>
+        </p:nvSpPr>
+        <p:spPr/>
+        <p:txBody>
+          <a:bodyPr/>
+          <a:lstStyle/>
+          <a:p>
+            <a:fld id="{5415BA9B-40CB-A048-87AF-ECB318E75661}" type="slidenum">
+              <a:rPr lang="de-DE" smtClean="0"/>
+              <a:t>5</a:t>
+            </a:fld>
+            <a:endParaRPr lang="de-DE"/>
+          </a:p>
+        </p:txBody>
+      </p:sp>
+    </p:spTree>
+    <p:extLst>
+      <p:ext uri="{BB962C8B-B14F-4D97-AF65-F5344CB8AC3E}">
+        <p14:creationId xmlns:p14="http://schemas.microsoft.com/office/powerpoint/2010/main" val="132979252"/>
+      </p:ext>
+    </p:extLst>
+  </p:cSld>
+  <p:clrMapOvr>
+    <a:masterClrMapping/>
+  </p:clrMapOvr>
+</p:notes>
+</file>
+
+<file path=ppt/notesSlides/notesSlide4.xml><?xml version="1.0" encoding="utf-8"?>
+<p:notes xmlns:a="http://schemas.openxmlformats.org/drawingml/2006/main" xmlns:r="http://schemas.openxmlformats.org/officeDocument/2006/relationships" xmlns:p="http://schemas.openxmlformats.org/presentationml/2006/main">
+  <p:cSld>
+    <p:spTree>
+      <p:nvGrpSpPr>
+        <p:cNvPr id="1" name=""/>
+        <p:cNvGrpSpPr/>
+        <p:nvPr/>
+      </p:nvGrpSpPr>
+      <p:grpSpPr>
+        <a:xfrm>
+          <a:off x="0" y="0"/>
+          <a:ext cx="0" cy="0"/>
+          <a:chOff x="0" y="0"/>
+          <a:chExt cx="0" cy="0"/>
+        </a:xfrm>
+      </p:grpSpPr>
+      <p:sp>
+        <p:nvSpPr>
+          <p:cNvPr id="2" name="Folienbildplatzhalter 1"/>
+          <p:cNvSpPr>
+            <a:spLocks noGrp="1" noRot="1" noChangeAspect="1"/>
+          </p:cNvSpPr>
+          <p:nvPr>
+            <p:ph type="sldImg"/>
+          </p:nvPr>
+        </p:nvSpPr>
+        <p:spPr/>
+      </p:sp>
+      <p:sp>
+        <p:nvSpPr>
+          <p:cNvPr id="3" name="Notizenplatzhalter 2"/>
+          <p:cNvSpPr>
+            <a:spLocks noGrp="1"/>
+          </p:cNvSpPr>
+          <p:nvPr>
+            <p:ph type="body" idx="1"/>
+          </p:nvPr>
+        </p:nvSpPr>
+        <p:spPr/>
+        <p:txBody>
+          <a:bodyPr/>
+          <a:lstStyle/>
+          <a:p>
+            <a:r>
+              <a:rPr lang="de-DE" dirty="0"/>
+              <a:t>Problem:</a:t>
+            </a:r>
+          </a:p>
+          <a:p>
+            <a:r>
+              <a:rPr lang="de-DE" dirty="0" err="1"/>
+              <a:t>Cremonesi</a:t>
+            </a:r>
+            <a:r>
+              <a:rPr lang="de-DE" dirty="0"/>
+              <a:t> and </a:t>
+            </a:r>
+            <a:r>
+              <a:rPr lang="de-DE" dirty="0" err="1"/>
+              <a:t>Jannach</a:t>
+            </a:r>
+            <a:r>
+              <a:rPr lang="de-DE" dirty="0"/>
+              <a:t> </a:t>
+            </a:r>
+            <a:r>
+              <a:rPr lang="de-DE" dirty="0" err="1"/>
+              <a:t>highlighted</a:t>
+            </a:r>
+            <a:r>
+              <a:rPr lang="de-DE" dirty="0"/>
+              <a:t> in </a:t>
+            </a:r>
+            <a:r>
+              <a:rPr lang="de-DE" dirty="0" err="1"/>
+              <a:t>work</a:t>
+            </a:r>
+            <a:endParaRPr lang="de-DE" dirty="0"/>
+          </a:p>
+          <a:p>
+            <a:endParaRPr lang="de-DE" dirty="0"/>
+          </a:p>
+          <a:p>
+            <a:r>
+              <a:rPr lang="de-DE" dirty="0" err="1"/>
+              <a:t>Evaluated</a:t>
+            </a:r>
+            <a:r>
+              <a:rPr lang="de-DE" dirty="0"/>
+              <a:t> </a:t>
+            </a:r>
+            <a:r>
+              <a:rPr lang="de-DE" dirty="0" err="1"/>
+              <a:t>recent</a:t>
+            </a:r>
+            <a:r>
+              <a:rPr lang="de-DE" dirty="0"/>
+              <a:t> </a:t>
+            </a:r>
+            <a:r>
+              <a:rPr lang="de-DE" dirty="0" err="1"/>
+              <a:t>work</a:t>
+            </a:r>
+            <a:r>
+              <a:rPr lang="de-DE" dirty="0"/>
+              <a:t> in </a:t>
+            </a:r>
+            <a:r>
+              <a:rPr lang="de-DE" dirty="0" err="1"/>
+              <a:t>recommender</a:t>
+            </a:r>
+            <a:r>
+              <a:rPr lang="de-DE" dirty="0"/>
+              <a:t> </a:t>
+            </a:r>
+            <a:r>
+              <a:rPr lang="de-DE" dirty="0" err="1"/>
+              <a:t>systems</a:t>
+            </a:r>
+            <a:r>
+              <a:rPr lang="de-DE" dirty="0"/>
+              <a:t> </a:t>
+            </a:r>
+            <a:r>
+              <a:rPr lang="de-DE" dirty="0" err="1"/>
+              <a:t>for</a:t>
+            </a:r>
+            <a:r>
+              <a:rPr lang="de-DE" dirty="0"/>
+              <a:t> </a:t>
+            </a:r>
+          </a:p>
+          <a:p>
+            <a:r>
+              <a:rPr lang="de-DE" dirty="0"/>
+              <a:t>- </a:t>
+            </a:r>
+            <a:r>
+              <a:rPr lang="de-DE" dirty="0" err="1"/>
+              <a:t>reproducability</a:t>
+            </a:r>
+            <a:r>
+              <a:rPr lang="de-DE" dirty="0"/>
+              <a:t>, </a:t>
+            </a:r>
+            <a:r>
+              <a:rPr lang="de-DE" dirty="0" err="1"/>
+              <a:t>evaluation</a:t>
+            </a:r>
+            <a:r>
+              <a:rPr lang="de-DE" dirty="0"/>
+              <a:t> </a:t>
+            </a:r>
+            <a:r>
+              <a:rPr lang="de-DE" dirty="0" err="1"/>
+              <a:t>methodologies</a:t>
+            </a:r>
+            <a:r>
+              <a:rPr lang="de-DE" dirty="0"/>
+              <a:t>, </a:t>
+            </a:r>
+            <a:r>
+              <a:rPr lang="de-DE" dirty="0" err="1"/>
+              <a:t>baselines</a:t>
+            </a:r>
+            <a:r>
+              <a:rPr lang="de-DE" dirty="0"/>
+              <a:t> and RQ</a:t>
+            </a:r>
+          </a:p>
+          <a:p>
+            <a:endParaRPr lang="de-DE" dirty="0"/>
+          </a:p>
+          <a:p>
+            <a:r>
+              <a:rPr lang="de-DE" dirty="0" err="1"/>
+              <a:t>Found</a:t>
+            </a:r>
+            <a:r>
+              <a:rPr lang="de-DE" dirty="0"/>
+              <a:t> „</a:t>
+            </a:r>
+            <a:r>
+              <a:rPr lang="de-DE" dirty="0" err="1"/>
+              <a:t>phantom</a:t>
+            </a:r>
+            <a:r>
+              <a:rPr lang="de-DE" dirty="0"/>
+              <a:t> </a:t>
+            </a:r>
+            <a:r>
+              <a:rPr lang="de-DE" dirty="0" err="1"/>
+              <a:t>progress</a:t>
+            </a:r>
+            <a:r>
+              <a:rPr lang="de-DE" dirty="0"/>
+              <a:t>“ -&gt; </a:t>
+            </a:r>
+            <a:r>
+              <a:rPr lang="de-DE" dirty="0" err="1"/>
+              <a:t>doesnt</a:t>
+            </a:r>
+            <a:r>
+              <a:rPr lang="de-DE" dirty="0"/>
+              <a:t> </a:t>
+            </a:r>
+            <a:r>
+              <a:rPr lang="de-DE" dirty="0" err="1"/>
+              <a:t>improve</a:t>
+            </a:r>
+            <a:r>
+              <a:rPr lang="de-DE" dirty="0"/>
+              <a:t> </a:t>
+            </a:r>
+            <a:r>
+              <a:rPr lang="de-DE" dirty="0" err="1"/>
+              <a:t>state</a:t>
+            </a:r>
+            <a:r>
+              <a:rPr lang="de-DE" dirty="0"/>
+              <a:t> </a:t>
+            </a:r>
+            <a:r>
+              <a:rPr lang="de-DE" dirty="0" err="1"/>
+              <a:t>of</a:t>
+            </a:r>
+            <a:r>
+              <a:rPr lang="de-DE" dirty="0"/>
+              <a:t> </a:t>
+            </a:r>
+            <a:r>
+              <a:rPr lang="de-DE" dirty="0" err="1"/>
+              <a:t>the</a:t>
+            </a:r>
+            <a:r>
+              <a:rPr lang="de-DE" dirty="0"/>
+              <a:t> </a:t>
+            </a:r>
+            <a:r>
+              <a:rPr lang="de-DE" dirty="0" err="1"/>
+              <a:t>art</a:t>
+            </a:r>
+            <a:r>
+              <a:rPr lang="de-DE" dirty="0"/>
+              <a:t> </a:t>
+            </a:r>
+          </a:p>
+          <a:p>
+            <a:r>
+              <a:rPr lang="de-DE" dirty="0" err="1"/>
+              <a:t>Suggestions</a:t>
+            </a:r>
+            <a:r>
+              <a:rPr lang="de-DE" dirty="0"/>
+              <a:t> </a:t>
+            </a:r>
+            <a:r>
+              <a:rPr lang="de-DE" dirty="0" err="1"/>
+              <a:t>to</a:t>
+            </a:r>
+            <a:r>
+              <a:rPr lang="de-DE" dirty="0"/>
+              <a:t> </a:t>
+            </a:r>
+            <a:r>
+              <a:rPr lang="de-DE" dirty="0" err="1"/>
+              <a:t>researches</a:t>
+            </a:r>
+            <a:r>
+              <a:rPr lang="de-DE" dirty="0"/>
+              <a:t>, </a:t>
+            </a:r>
+            <a:r>
+              <a:rPr lang="de-DE" dirty="0" err="1"/>
+              <a:t>chairs</a:t>
+            </a:r>
+            <a:r>
+              <a:rPr lang="de-DE" dirty="0"/>
+              <a:t>, </a:t>
+            </a:r>
+            <a:r>
+              <a:rPr lang="de-DE" dirty="0" err="1"/>
+              <a:t>reviewers</a:t>
+            </a:r>
+            <a:endParaRPr lang="de-DE" dirty="0"/>
+          </a:p>
+          <a:p>
+            <a:endParaRPr lang="de-DE" dirty="0"/>
+          </a:p>
+          <a:p>
+            <a:r>
+              <a:rPr lang="de-DE" dirty="0"/>
+              <a:t>-&gt; </a:t>
+            </a:r>
+            <a:r>
+              <a:rPr lang="de-DE" dirty="0" err="1"/>
+              <a:t>One</a:t>
+            </a:r>
+            <a:r>
+              <a:rPr lang="de-DE" dirty="0"/>
+              <a:t> </a:t>
+            </a:r>
+            <a:r>
+              <a:rPr lang="de-DE" dirty="0" err="1"/>
+              <a:t>should</a:t>
+            </a:r>
+            <a:r>
+              <a:rPr lang="de-DE" dirty="0"/>
+              <a:t> </a:t>
+            </a:r>
+            <a:r>
+              <a:rPr lang="de-DE" dirty="0" err="1"/>
+              <a:t>move</a:t>
+            </a:r>
+            <a:r>
+              <a:rPr lang="de-DE" dirty="0"/>
+              <a:t> </a:t>
+            </a:r>
+            <a:r>
+              <a:rPr lang="de-DE" dirty="0" err="1"/>
+              <a:t>from</a:t>
+            </a:r>
+            <a:r>
+              <a:rPr lang="de-DE" dirty="0"/>
+              <a:t> strong </a:t>
+            </a:r>
+            <a:r>
+              <a:rPr lang="de-DE" dirty="0" err="1"/>
+              <a:t>reliance</a:t>
+            </a:r>
+            <a:r>
+              <a:rPr lang="de-DE" dirty="0"/>
+              <a:t> </a:t>
+            </a:r>
+            <a:r>
+              <a:rPr lang="de-DE" dirty="0" err="1"/>
+              <a:t>solely</a:t>
+            </a:r>
+            <a:r>
+              <a:rPr lang="de-DE" dirty="0"/>
+              <a:t> on </a:t>
+            </a:r>
+            <a:r>
+              <a:rPr lang="de-DE" dirty="0" err="1"/>
+              <a:t>metrics</a:t>
+            </a:r>
+            <a:r>
+              <a:rPr lang="de-DE" dirty="0"/>
+              <a:t> such </a:t>
+            </a:r>
+            <a:r>
+              <a:rPr lang="de-DE" dirty="0" err="1"/>
+              <a:t>as</a:t>
+            </a:r>
+            <a:r>
+              <a:rPr lang="de-DE" dirty="0"/>
+              <a:t> </a:t>
+            </a:r>
+            <a:r>
+              <a:rPr lang="de-DE" dirty="0" err="1"/>
+              <a:t>accurary</a:t>
+            </a:r>
+            <a:r>
+              <a:rPr lang="de-DE" dirty="0"/>
+              <a:t> and well-</a:t>
+            </a:r>
+            <a:r>
+              <a:rPr lang="de-DE" dirty="0" err="1"/>
+              <a:t>explored</a:t>
+            </a:r>
+            <a:r>
+              <a:rPr lang="de-DE" dirty="0"/>
+              <a:t> </a:t>
+            </a:r>
+            <a:r>
+              <a:rPr lang="de-DE" dirty="0" err="1"/>
+              <a:t>problems</a:t>
+            </a:r>
+            <a:r>
+              <a:rPr lang="de-DE" dirty="0"/>
+              <a:t> </a:t>
+            </a:r>
+            <a:r>
+              <a:rPr lang="de-DE" dirty="0" err="1"/>
+              <a:t>to</a:t>
+            </a:r>
+            <a:r>
+              <a:rPr lang="de-DE" dirty="0"/>
+              <a:t> </a:t>
+            </a:r>
+            <a:r>
+              <a:rPr lang="de-DE" dirty="0" err="1"/>
+              <a:t>more</a:t>
+            </a:r>
+            <a:r>
+              <a:rPr lang="de-DE" dirty="0"/>
+              <a:t> </a:t>
+            </a:r>
+            <a:r>
+              <a:rPr lang="de-DE" dirty="0" err="1"/>
+              <a:t>practiacally</a:t>
+            </a:r>
+            <a:r>
+              <a:rPr lang="de-DE" dirty="0"/>
+              <a:t> </a:t>
+            </a:r>
+            <a:r>
+              <a:rPr lang="de-DE" dirty="0" err="1"/>
+              <a:t>related</a:t>
+            </a:r>
+            <a:r>
+              <a:rPr lang="de-DE" dirty="0"/>
+              <a:t> </a:t>
+            </a:r>
+            <a:r>
+              <a:rPr lang="de-DE" dirty="0" err="1"/>
+              <a:t>work</a:t>
+            </a:r>
+            <a:endParaRPr lang="de-DE" dirty="0"/>
+          </a:p>
+          <a:p>
+            <a:endParaRPr lang="de-DE" dirty="0"/>
+          </a:p>
+        </p:txBody>
+      </p:sp>
+      <p:sp>
+        <p:nvSpPr>
+          <p:cNvPr id="4" name="Foliennummernplatzhalter 3"/>
+          <p:cNvSpPr>
+            <a:spLocks noGrp="1"/>
+          </p:cNvSpPr>
+          <p:nvPr>
+            <p:ph type="sldNum" sz="quarter" idx="5"/>
+          </p:nvPr>
+        </p:nvSpPr>
+        <p:spPr/>
+        <p:txBody>
+          <a:bodyPr/>
+          <a:lstStyle/>
+          <a:p>
+            <a:fld id="{5415BA9B-40CB-A048-87AF-ECB318E75661}" type="slidenum">
+              <a:rPr lang="de-DE" smtClean="0"/>
+              <a:t>6</a:t>
+            </a:fld>
+            <a:endParaRPr lang="de-DE"/>
+          </a:p>
+        </p:txBody>
+      </p:sp>
+    </p:spTree>
+    <p:extLst>
+      <p:ext uri="{BB962C8B-B14F-4D97-AF65-F5344CB8AC3E}">
+        <p14:creationId xmlns:p14="http://schemas.microsoft.com/office/powerpoint/2010/main" val="374156809"/>
+      </p:ext>
+    </p:extLst>
+  </p:cSld>
+  <p:clrMapOvr>
+    <a:masterClrMapping/>
+  </p:clrMapOvr>
+</p:notes>
+</file>
+
+<file path=ppt/notesSlides/notesSlide5.xml><?xml version="1.0" encoding="utf-8"?>
+<p:notes xmlns:a="http://schemas.openxmlformats.org/drawingml/2006/main" xmlns:r="http://schemas.openxmlformats.org/officeDocument/2006/relationships" xmlns:p="http://schemas.openxmlformats.org/presentationml/2006/main">
+  <p:cSld>
+    <p:spTree>
+      <p:nvGrpSpPr>
+        <p:cNvPr id="1" name=""/>
+        <p:cNvGrpSpPr/>
+        <p:nvPr/>
+      </p:nvGrpSpPr>
+      <p:grpSpPr>
+        <a:xfrm>
+          <a:off x="0" y="0"/>
+          <a:ext cx="0" cy="0"/>
+          <a:chOff x="0" y="0"/>
+          <a:chExt cx="0" cy="0"/>
+        </a:xfrm>
+      </p:grpSpPr>
+      <p:sp>
+        <p:nvSpPr>
+          <p:cNvPr id="2" name="Folienbildplatzhalter 1"/>
+          <p:cNvSpPr>
+            <a:spLocks noGrp="1" noRot="1" noChangeAspect="1"/>
+          </p:cNvSpPr>
+          <p:nvPr>
+            <p:ph type="sldImg"/>
+          </p:nvPr>
+        </p:nvSpPr>
+        <p:spPr/>
+      </p:sp>
+      <p:sp>
+        <p:nvSpPr>
+          <p:cNvPr id="3" name="Notizenplatzhalter 2"/>
+          <p:cNvSpPr>
+            <a:spLocks noGrp="1"/>
+          </p:cNvSpPr>
+          <p:nvPr>
+            <p:ph type="body" idx="1"/>
+          </p:nvPr>
+        </p:nvSpPr>
+        <p:spPr/>
+        <p:txBody>
+          <a:bodyPr/>
+          <a:lstStyle/>
+          <a:p>
+            <a:r>
+              <a:rPr lang="de-DE" dirty="0" err="1"/>
+              <a:t>Came</a:t>
+            </a:r>
+            <a:r>
+              <a:rPr lang="de-DE" dirty="0"/>
+              <a:t> </a:t>
+            </a:r>
+            <a:r>
+              <a:rPr lang="de-DE" dirty="0" err="1"/>
+              <a:t>up</a:t>
+            </a:r>
+            <a:r>
+              <a:rPr lang="de-DE" dirty="0"/>
+              <a:t> </a:t>
+            </a:r>
+            <a:r>
+              <a:rPr lang="de-DE" dirty="0" err="1"/>
+              <a:t>with</a:t>
+            </a:r>
+            <a:r>
+              <a:rPr lang="de-DE" dirty="0"/>
+              <a:t> </a:t>
+            </a:r>
+            <a:r>
+              <a:rPr lang="de-DE" dirty="0" err="1"/>
+              <a:t>concerns</a:t>
+            </a:r>
+            <a:r>
+              <a:rPr lang="de-DE" dirty="0"/>
+              <a:t> relevant </a:t>
+            </a:r>
+            <a:r>
+              <a:rPr lang="de-DE" dirty="0" err="1"/>
+              <a:t>for</a:t>
+            </a:r>
+            <a:r>
+              <a:rPr lang="de-DE" dirty="0"/>
+              <a:t> </a:t>
+            </a:r>
+            <a:r>
+              <a:rPr lang="de-DE" dirty="0" err="1"/>
+              <a:t>recommender</a:t>
+            </a:r>
+            <a:r>
+              <a:rPr lang="de-DE" dirty="0"/>
+              <a:t> </a:t>
+            </a:r>
+            <a:r>
+              <a:rPr lang="de-DE" dirty="0" err="1"/>
+              <a:t>systems</a:t>
+            </a:r>
+            <a:r>
+              <a:rPr lang="de-DE" dirty="0"/>
+              <a:t> </a:t>
+            </a:r>
+          </a:p>
+          <a:p>
+            <a:endParaRPr lang="de-DE" dirty="0"/>
+          </a:p>
+          <a:p>
+            <a:endParaRPr lang="de-DE" dirty="0"/>
+          </a:p>
+          <a:p>
+            <a:r>
+              <a:rPr lang="de-DE" dirty="0" err="1"/>
+              <a:t>Filtering</a:t>
+            </a:r>
+            <a:r>
+              <a:rPr lang="de-DE" dirty="0"/>
+              <a:t>: </a:t>
+            </a:r>
+            <a:r>
+              <a:rPr lang="de-DE" dirty="0" err="1"/>
+              <a:t>appropriate</a:t>
+            </a:r>
+            <a:r>
+              <a:rPr lang="de-DE" dirty="0"/>
+              <a:t> </a:t>
+            </a:r>
+            <a:r>
+              <a:rPr lang="de-DE" dirty="0" err="1"/>
+              <a:t>recommendations</a:t>
+            </a:r>
+            <a:r>
+              <a:rPr lang="de-DE" dirty="0"/>
+              <a:t>? </a:t>
+            </a:r>
+          </a:p>
+          <a:p>
+            <a:r>
+              <a:rPr lang="de-DE" dirty="0" err="1"/>
+              <a:t>Opacity</a:t>
+            </a:r>
+            <a:r>
+              <a:rPr lang="de-DE" dirty="0"/>
+              <a:t>: </a:t>
+            </a:r>
+            <a:r>
+              <a:rPr lang="de-DE" dirty="0" err="1"/>
+              <a:t>blackbox</a:t>
+            </a:r>
+            <a:r>
+              <a:rPr lang="de-DE" dirty="0"/>
+              <a:t> (</a:t>
+            </a:r>
+            <a:r>
+              <a:rPr lang="de-DE" dirty="0" err="1"/>
+              <a:t>user</a:t>
+            </a:r>
+            <a:r>
+              <a:rPr lang="de-DE" dirty="0"/>
+              <a:t> </a:t>
+            </a:r>
+            <a:r>
+              <a:rPr lang="de-DE" dirty="0" err="1"/>
+              <a:t>doesnt</a:t>
+            </a:r>
+            <a:r>
+              <a:rPr lang="de-DE" dirty="0"/>
+              <a:t> </a:t>
+            </a:r>
+            <a:r>
+              <a:rPr lang="de-DE" dirty="0" err="1"/>
+              <a:t>know</a:t>
+            </a:r>
+            <a:r>
+              <a:rPr lang="de-DE" dirty="0"/>
+              <a:t> </a:t>
+            </a:r>
+            <a:r>
+              <a:rPr lang="de-DE" dirty="0" err="1"/>
+              <a:t>why</a:t>
+            </a:r>
+            <a:r>
+              <a:rPr lang="de-DE" dirty="0"/>
+              <a:t> </a:t>
+            </a:r>
+            <a:r>
+              <a:rPr lang="de-DE" dirty="0" err="1"/>
+              <a:t>recommendations</a:t>
+            </a:r>
+            <a:r>
+              <a:rPr lang="de-DE" dirty="0"/>
+              <a:t> </a:t>
+            </a:r>
+            <a:r>
+              <a:rPr lang="de-DE" dirty="0" err="1"/>
+              <a:t>occur</a:t>
+            </a:r>
+            <a:r>
+              <a:rPr lang="de-DE" dirty="0"/>
+              <a:t>)</a:t>
+            </a:r>
+          </a:p>
+          <a:p>
+            <a:endParaRPr lang="de-DE" dirty="0"/>
+          </a:p>
+          <a:p>
+            <a:r>
+              <a:rPr lang="de-DE" dirty="0" err="1"/>
+              <a:t>Manipulate</a:t>
+            </a:r>
+            <a:r>
+              <a:rPr lang="de-DE" dirty="0"/>
+              <a:t> </a:t>
+            </a:r>
+            <a:r>
+              <a:rPr lang="de-DE" dirty="0" err="1"/>
+              <a:t>buying</a:t>
+            </a:r>
+            <a:r>
+              <a:rPr lang="de-DE" dirty="0"/>
+              <a:t> </a:t>
+            </a:r>
+            <a:r>
+              <a:rPr lang="de-DE" dirty="0" err="1"/>
+              <a:t>behaviour</a:t>
+            </a:r>
+            <a:r>
+              <a:rPr lang="de-DE" dirty="0"/>
+              <a:t> -&gt; </a:t>
+            </a:r>
+            <a:r>
+              <a:rPr lang="de-DE" dirty="0" err="1"/>
+              <a:t>morally</a:t>
+            </a:r>
+            <a:r>
+              <a:rPr lang="de-DE" dirty="0"/>
+              <a:t> </a:t>
+            </a:r>
+            <a:r>
+              <a:rPr lang="de-DE" dirty="0" err="1"/>
+              <a:t>acceptable</a:t>
+            </a:r>
+            <a:r>
+              <a:rPr lang="de-DE" dirty="0"/>
+              <a:t>? </a:t>
+            </a:r>
+          </a:p>
+          <a:p>
+            <a:endParaRPr lang="de-DE" dirty="0"/>
+          </a:p>
+          <a:p>
+            <a:r>
+              <a:rPr lang="de-DE" dirty="0"/>
+              <a:t>A/b </a:t>
+            </a:r>
+            <a:r>
+              <a:rPr lang="de-DE" dirty="0" err="1"/>
+              <a:t>tests</a:t>
+            </a:r>
+            <a:r>
+              <a:rPr lang="de-DE" dirty="0"/>
+              <a:t> -&gt; </a:t>
+            </a:r>
+            <a:r>
+              <a:rPr lang="de-DE" dirty="0" err="1"/>
+              <a:t>one</a:t>
+            </a:r>
+            <a:r>
+              <a:rPr lang="de-DE" dirty="0"/>
+              <a:t> </a:t>
+            </a:r>
+            <a:r>
+              <a:rPr lang="de-DE" dirty="0" err="1"/>
+              <a:t>sees</a:t>
+            </a:r>
+            <a:r>
+              <a:rPr lang="de-DE" dirty="0"/>
+              <a:t> „</a:t>
+            </a:r>
+            <a:r>
+              <a:rPr lang="de-DE" dirty="0" err="1"/>
+              <a:t>buggy</a:t>
+            </a:r>
+            <a:r>
+              <a:rPr lang="de-DE" dirty="0"/>
+              <a:t>“ </a:t>
+            </a:r>
+            <a:r>
+              <a:rPr lang="de-DE" dirty="0" err="1"/>
+              <a:t>version</a:t>
+            </a:r>
+            <a:r>
+              <a:rPr lang="de-DE" dirty="0"/>
+              <a:t> </a:t>
+            </a:r>
+            <a:r>
+              <a:rPr lang="de-DE" dirty="0" err="1"/>
+              <a:t>without</a:t>
+            </a:r>
+            <a:r>
+              <a:rPr lang="de-DE" dirty="0"/>
+              <a:t> </a:t>
+            </a:r>
+            <a:r>
+              <a:rPr lang="de-DE" dirty="0" err="1"/>
+              <a:t>knowing</a:t>
+            </a:r>
+            <a:r>
+              <a:rPr lang="de-DE" dirty="0"/>
+              <a:t> -&gt; </a:t>
+            </a:r>
+            <a:r>
+              <a:rPr lang="de-DE" dirty="0" err="1"/>
+              <a:t>again</a:t>
+            </a:r>
+            <a:r>
+              <a:rPr lang="de-DE" dirty="0"/>
+              <a:t> </a:t>
+            </a:r>
+            <a:r>
+              <a:rPr lang="de-DE" dirty="0" err="1"/>
+              <a:t>affects</a:t>
+            </a:r>
+            <a:r>
+              <a:rPr lang="de-DE" dirty="0"/>
+              <a:t> e.g. </a:t>
+            </a:r>
+            <a:r>
+              <a:rPr lang="de-DE" dirty="0" err="1"/>
+              <a:t>buying</a:t>
+            </a:r>
+            <a:r>
+              <a:rPr lang="de-DE" dirty="0"/>
+              <a:t> </a:t>
+            </a:r>
+            <a:r>
+              <a:rPr lang="de-DE" dirty="0" err="1"/>
+              <a:t>behaviour</a:t>
+            </a:r>
+            <a:r>
+              <a:rPr lang="de-DE" dirty="0"/>
+              <a:t> </a:t>
+            </a:r>
+          </a:p>
+        </p:txBody>
+      </p:sp>
+      <p:sp>
+        <p:nvSpPr>
+          <p:cNvPr id="4" name="Foliennummernplatzhalter 3"/>
+          <p:cNvSpPr>
+            <a:spLocks noGrp="1"/>
+          </p:cNvSpPr>
+          <p:nvPr>
+            <p:ph type="sldNum" sz="quarter" idx="5"/>
+          </p:nvPr>
+        </p:nvSpPr>
+        <p:spPr/>
+        <p:txBody>
+          <a:bodyPr/>
+          <a:lstStyle/>
+          <a:p>
+            <a:fld id="{5415BA9B-40CB-A048-87AF-ECB318E75661}" type="slidenum">
+              <a:rPr lang="de-DE" smtClean="0"/>
+              <a:t>7</a:t>
+            </a:fld>
+            <a:endParaRPr lang="de-DE"/>
+          </a:p>
+        </p:txBody>
+      </p:sp>
+    </p:spTree>
+    <p:extLst>
+      <p:ext uri="{BB962C8B-B14F-4D97-AF65-F5344CB8AC3E}">
+        <p14:creationId xmlns:p14="http://schemas.microsoft.com/office/powerpoint/2010/main" val="784449117"/>
+      </p:ext>
+    </p:extLst>
+  </p:cSld>
+  <p:clrMapOvr>
+    <a:masterClrMapping/>
+  </p:clrMapOvr>
+</p:notes>
+</file>
+
 <file path=ppt/slideLayouts/slideLayout1.xml><?xml version="1.0" encoding="utf-8"?>
 <p:sldLayout xmlns:a="http://schemas.openxmlformats.org/drawingml/2006/main" xmlns:r="http://schemas.openxmlformats.org/officeDocument/2006/relationships" xmlns:p="http://schemas.openxmlformats.org/presentationml/2006/main" type="title" preserve="1">
   <p:cSld name="Titelfolie">
@@ -5737,7 +8316,7 @@
           <a:p>
             <a:fld id="{199604B4-0E87-47C9-87F9-9EAF64B51BB5}" type="datetimeFigureOut">
               <a:rPr lang="de-AT" smtClean="0"/>
-              <a:t>04.06.24</a:t>
+              <a:t>06.06.24</a:t>
             </a:fld>
             <a:endParaRPr lang="de-AT"/>
           </a:p>
@@ -5937,7 +8516,7 @@
           <a:p>
             <a:fld id="{199604B4-0E87-47C9-87F9-9EAF64B51BB5}" type="datetimeFigureOut">
               <a:rPr lang="de-AT" smtClean="0"/>
-              <a:t>04.06.24</a:t>
+              <a:t>06.06.24</a:t>
             </a:fld>
             <a:endParaRPr lang="de-AT"/>
           </a:p>
@@ -6147,7 +8726,7 @@
           <a:p>
             <a:fld id="{199604B4-0E87-47C9-87F9-9EAF64B51BB5}" type="datetimeFigureOut">
               <a:rPr lang="de-AT" smtClean="0"/>
-              <a:t>04.06.24</a:t>
+              <a:t>06.06.24</a:t>
             </a:fld>
             <a:endParaRPr lang="de-AT"/>
           </a:p>
@@ -6347,7 +8926,7 @@
           <a:p>
             <a:fld id="{199604B4-0E87-47C9-87F9-9EAF64B51BB5}" type="datetimeFigureOut">
               <a:rPr lang="de-AT" smtClean="0"/>
-              <a:t>04.06.24</a:t>
+              <a:t>06.06.24</a:t>
             </a:fld>
             <a:endParaRPr lang="de-AT"/>
           </a:p>
@@ -6623,7 +9202,7 @@
           <a:p>
             <a:fld id="{199604B4-0E87-47C9-87F9-9EAF64B51BB5}" type="datetimeFigureOut">
               <a:rPr lang="de-AT" smtClean="0"/>
-              <a:t>04.06.24</a:t>
+              <a:t>06.06.24</a:t>
             </a:fld>
             <a:endParaRPr lang="de-AT"/>
           </a:p>
@@ -6891,7 +9470,7 @@
           <a:p>
             <a:fld id="{199604B4-0E87-47C9-87F9-9EAF64B51BB5}" type="datetimeFigureOut">
               <a:rPr lang="de-AT" smtClean="0"/>
-              <a:t>04.06.24</a:t>
+              <a:t>06.06.24</a:t>
             </a:fld>
             <a:endParaRPr lang="de-AT"/>
           </a:p>
@@ -7306,7 +9885,7 @@
           <a:p>
             <a:fld id="{199604B4-0E87-47C9-87F9-9EAF64B51BB5}" type="datetimeFigureOut">
               <a:rPr lang="de-AT" smtClean="0"/>
-              <a:t>04.06.24</a:t>
+              <a:t>06.06.24</a:t>
             </a:fld>
             <a:endParaRPr lang="de-AT"/>
           </a:p>
@@ -7448,7 +10027,7 @@
           <a:p>
             <a:fld id="{199604B4-0E87-47C9-87F9-9EAF64B51BB5}" type="datetimeFigureOut">
               <a:rPr lang="de-AT" smtClean="0"/>
-              <a:t>04.06.24</a:t>
+              <a:t>06.06.24</a:t>
             </a:fld>
             <a:endParaRPr lang="de-AT"/>
           </a:p>
@@ -7561,7 +10140,7 @@
           <a:p>
             <a:fld id="{199604B4-0E87-47C9-87F9-9EAF64B51BB5}" type="datetimeFigureOut">
               <a:rPr lang="de-AT" smtClean="0"/>
-              <a:t>04.06.24</a:t>
+              <a:t>06.06.24</a:t>
             </a:fld>
             <a:endParaRPr lang="de-AT"/>
           </a:p>
@@ -7874,7 +10453,7 @@
           <a:p>
             <a:fld id="{199604B4-0E87-47C9-87F9-9EAF64B51BB5}" type="datetimeFigureOut">
               <a:rPr lang="de-AT" smtClean="0"/>
-              <a:t>04.06.24</a:t>
+              <a:t>06.06.24</a:t>
             </a:fld>
             <a:endParaRPr lang="de-AT"/>
           </a:p>
@@ -8163,7 +10742,7 @@
           <a:p>
             <a:fld id="{199604B4-0E87-47C9-87F9-9EAF64B51BB5}" type="datetimeFigureOut">
               <a:rPr lang="de-AT" smtClean="0"/>
-              <a:t>04.06.24</a:t>
+              <a:t>06.06.24</a:t>
             </a:fld>
             <a:endParaRPr lang="de-AT"/>
           </a:p>
@@ -8406,7 +10985,7 @@
           <a:p>
             <a:fld id="{199604B4-0E87-47C9-87F9-9EAF64B51BB5}" type="datetimeFigureOut">
               <a:rPr lang="de-AT" smtClean="0"/>
-              <a:t>04.06.24</a:t>
+              <a:t>06.06.24</a:t>
             </a:fld>
             <a:endParaRPr lang="de-AT"/>
           </a:p>
@@ -9881,7 +12460,13 @@
           <a:p>
             <a:r>
               <a:rPr lang="en-GB" sz="3200" dirty="0"/>
-              <a:t>Fast paced industry</a:t>
+              <a:t>Fast paced</a:t>
+            </a:r>
+          </a:p>
+          <a:p>
+            <a:r>
+              <a:rPr lang="en-GB" sz="3200" dirty="0"/>
+              <a:t>Information overload</a:t>
             </a:r>
           </a:p>
           <a:p>
@@ -9929,7 +12514,7 @@
         </p:blipFill>
         <p:spPr>
           <a:xfrm>
-            <a:off x="9876691" y="4530415"/>
+            <a:off x="9752000" y="4530415"/>
             <a:ext cx="2109685" cy="2109685"/>
           </a:xfrm>
           <a:prstGeom prst="rect">
@@ -10253,7 +12838,7 @@
           <a:lstStyle/>
           <a:p>
             <a:r>
-              <a:rPr lang="de-DE" sz="4000"/>
+              <a:rPr lang="de-DE" sz="4000" dirty="0"/>
               <a:t>Hypothesis</a:t>
             </a:r>
           </a:p>
@@ -10394,155 +12979,6 @@
 </file>
 
 <file path=ppt/slides/slide4.xml><?xml version="1.0" encoding="utf-8"?>
-<p:sld xmlns:a="http://schemas.openxmlformats.org/drawingml/2006/main" xmlns:r="http://schemas.openxmlformats.org/officeDocument/2006/relationships" xmlns:p="http://schemas.openxmlformats.org/presentationml/2006/main" show="0">
-  <p:cSld>
-    <p:bg>
-      <p:bgPr>
-        <a:solidFill>
-          <a:schemeClr val="bg1"/>
-        </a:solidFill>
-        <a:effectLst/>
-      </p:bgPr>
-    </p:bg>
-    <p:spTree>
-      <p:nvGrpSpPr>
-        <p:cNvPr id="1" name=""/>
-        <p:cNvGrpSpPr/>
-        <p:nvPr/>
-      </p:nvGrpSpPr>
-      <p:grpSpPr>
-        <a:xfrm>
-          <a:off x="0" y="0"/>
-          <a:ext cx="0" cy="0"/>
-          <a:chOff x="0" y="0"/>
-          <a:chExt cx="0" cy="0"/>
-        </a:xfrm>
-      </p:grpSpPr>
-      <p:sp>
-        <p:nvSpPr>
-          <p:cNvPr id="2" name="Titel 1">
-            <a:extLst>
-              <a:ext uri="{FF2B5EF4-FFF2-40B4-BE49-F238E27FC236}">
-                <a16:creationId xmlns:a16="http://schemas.microsoft.com/office/drawing/2014/main" id="{3E398CFA-6A8C-24AE-89F8-1CE1DDEC4D01}"/>
-              </a:ext>
-            </a:extLst>
-          </p:cNvPr>
-          <p:cNvSpPr>
-            <a:spLocks noGrp="1"/>
-          </p:cNvSpPr>
-          <p:nvPr>
-            <p:ph type="title"/>
-          </p:nvPr>
-        </p:nvSpPr>
-        <p:spPr/>
-        <p:txBody>
-          <a:bodyPr/>
-          <a:lstStyle/>
-          <a:p>
-            <a:r>
-              <a:rPr lang="de-DE" dirty="0" err="1"/>
-              <a:t>Categories</a:t>
-            </a:r>
-            <a:endParaRPr lang="de-DE" dirty="0"/>
-          </a:p>
-        </p:txBody>
-      </p:sp>
-      <p:sp>
-        <p:nvSpPr>
-          <p:cNvPr id="3" name="Inhaltsplatzhalter 2">
-            <a:extLst>
-              <a:ext uri="{FF2B5EF4-FFF2-40B4-BE49-F238E27FC236}">
-                <a16:creationId xmlns:a16="http://schemas.microsoft.com/office/drawing/2014/main" id="{55CFE2A8-23CB-6540-B9A3-8F7A55C52C1F}"/>
-              </a:ext>
-            </a:extLst>
-          </p:cNvPr>
-          <p:cNvSpPr>
-            <a:spLocks noGrp="1"/>
-          </p:cNvSpPr>
-          <p:nvPr>
-            <p:ph idx="1"/>
-          </p:nvPr>
-        </p:nvSpPr>
-        <p:spPr/>
-        <p:txBody>
-          <a:bodyPr/>
-          <a:lstStyle/>
-          <a:p>
-            <a:r>
-              <a:rPr lang="de-DE" dirty="0"/>
-              <a:t>Collaborative </a:t>
-            </a:r>
-            <a:r>
-              <a:rPr lang="de-DE" dirty="0" err="1"/>
-              <a:t>filtering</a:t>
-            </a:r>
-            <a:endParaRPr lang="de-DE" dirty="0"/>
-          </a:p>
-          <a:p>
-            <a:r>
-              <a:rPr lang="de-DE" dirty="0"/>
-              <a:t>Content-</a:t>
-            </a:r>
-            <a:r>
-              <a:rPr lang="de-DE" dirty="0" err="1"/>
-              <a:t>based</a:t>
-            </a:r>
-            <a:r>
-              <a:rPr lang="de-DE" dirty="0"/>
-              <a:t> </a:t>
-            </a:r>
-            <a:r>
-              <a:rPr lang="de-DE" dirty="0" err="1"/>
-              <a:t>filtering</a:t>
-            </a:r>
-            <a:endParaRPr lang="de-DE" dirty="0"/>
-          </a:p>
-          <a:p>
-            <a:r>
-              <a:rPr lang="de-DE" dirty="0"/>
-              <a:t>Knowledge-</a:t>
-            </a:r>
-            <a:r>
-              <a:rPr lang="de-DE" dirty="0" err="1"/>
-              <a:t>based</a:t>
-            </a:r>
-            <a:r>
-              <a:rPr lang="de-DE" dirty="0"/>
-              <a:t> </a:t>
-            </a:r>
-            <a:r>
-              <a:rPr lang="de-DE" dirty="0" err="1"/>
-              <a:t>recommendations</a:t>
-            </a:r>
-            <a:endParaRPr lang="de-DE" dirty="0"/>
-          </a:p>
-          <a:p>
-            <a:r>
-              <a:rPr lang="de-DE" dirty="0"/>
-              <a:t>Hybrid </a:t>
-            </a:r>
-            <a:r>
-              <a:rPr lang="de-DE" dirty="0" err="1"/>
-              <a:t>recommendations</a:t>
-            </a:r>
-            <a:endParaRPr lang="de-DE" dirty="0"/>
-          </a:p>
-        </p:txBody>
-      </p:sp>
-    </p:spTree>
-    <p:extLst>
-      <p:ext uri="{BB962C8B-B14F-4D97-AF65-F5344CB8AC3E}">
-        <p14:creationId xmlns:p14="http://schemas.microsoft.com/office/powerpoint/2010/main" val="948448861"/>
-      </p:ext>
-    </p:extLst>
-  </p:cSld>
-  <p:clrMapOvr>
-    <a:overrideClrMapping bg1="lt1" tx1="dk1" bg2="lt2" tx2="dk2" accent1="accent1" accent2="accent2" accent3="accent3" accent4="accent4" accent5="accent5" accent6="accent6" hlink="hlink" folHlink="folHlink"/>
-  </p:clrMapOvr>
-</p:sld>
-</file>
-
-<file path=ppt/slides/slide5.xml><?xml version="1.0" encoding="utf-8"?>
 <p:sld xmlns:a="http://schemas.openxmlformats.org/drawingml/2006/main" xmlns:r="http://schemas.openxmlformats.org/officeDocument/2006/relationships" xmlns:p="http://schemas.openxmlformats.org/presentationml/2006/main">
   <p:cSld>
     <p:bg>
@@ -10814,13 +13250,13 @@
           <p:nvPr/>
         </p:nvPicPr>
         <p:blipFill>
-          <a:blip r:embed="rId2">
+          <a:blip r:embed="rId3">
             <a:extLst>
               <a:ext uri="{28A0092B-C50C-407E-A947-70E740481C1C}">
                 <a14:useLocalDpi xmlns:a14="http://schemas.microsoft.com/office/drawing/2010/main" val="0"/>
               </a:ext>
               <a:ext uri="{96DAC541-7B7A-43D3-8B79-37D633B846F1}">
-                <asvg:svgBlip xmlns:asvg="http://schemas.microsoft.com/office/drawing/2016/SVG/main" r:embed="rId3"/>
+                <asvg:svgBlip xmlns:asvg="http://schemas.microsoft.com/office/drawing/2016/SVG/main" r:embed="rId4"/>
               </a:ext>
             </a:extLst>
           </a:blip>
@@ -10865,7 +13301,7 @@
         </p:xfrm>
         <a:graphic>
           <a:graphicData uri="http://schemas.openxmlformats.org/drawingml/2006/diagram">
-            <dgm:relIds xmlns:dgm="http://schemas.openxmlformats.org/drawingml/2006/diagram" xmlns:r="http://schemas.openxmlformats.org/officeDocument/2006/relationships" r:dm="rId4" r:lo="rId5" r:qs="rId6" r:cs="rId7"/>
+            <dgm:relIds xmlns:dgm="http://schemas.openxmlformats.org/drawingml/2006/diagram" xmlns:r="http://schemas.openxmlformats.org/officeDocument/2006/relationships" r:dm="rId5" r:lo="rId6" r:qs="rId7" r:cs="rId8"/>
           </a:graphicData>
         </a:graphic>
       </p:graphicFrame>
@@ -10882,7 +13318,7 @@
 </p:sld>
 </file>
 
-<file path=ppt/slides/slide6.xml><?xml version="1.0" encoding="utf-8"?>
+<file path=ppt/slides/slide5.xml><?xml version="1.0" encoding="utf-8"?>
 <p:sld xmlns:a="http://schemas.openxmlformats.org/drawingml/2006/main" xmlns:r="http://schemas.openxmlformats.org/officeDocument/2006/relationships" xmlns:p="http://schemas.openxmlformats.org/presentationml/2006/main">
   <p:cSld>
     <p:bg>
@@ -11166,7 +13602,7 @@
         </p:xfrm>
         <a:graphic>
           <a:graphicData uri="http://schemas.openxmlformats.org/drawingml/2006/diagram">
-            <dgm:relIds xmlns:dgm="http://schemas.openxmlformats.org/drawingml/2006/diagram" xmlns:r="http://schemas.openxmlformats.org/officeDocument/2006/relationships" r:dm="rId2" r:lo="rId3" r:qs="rId4" r:cs="rId5"/>
+            <dgm:relIds xmlns:dgm="http://schemas.openxmlformats.org/drawingml/2006/diagram" xmlns:r="http://schemas.openxmlformats.org/officeDocument/2006/relationships" r:dm="rId3" r:lo="rId4" r:qs="rId5" r:cs="rId6"/>
           </a:graphicData>
         </a:graphic>
       </p:graphicFrame>
@@ -11183,7 +13619,7 @@
 </p:sld>
 </file>
 
-<file path=ppt/slides/slide7.xml><?xml version="1.0" encoding="utf-8"?>
+<file path=ppt/slides/slide6.xml><?xml version="1.0" encoding="utf-8"?>
 <p:sld xmlns:a="http://schemas.openxmlformats.org/drawingml/2006/main" xmlns:r="http://schemas.openxmlformats.org/officeDocument/2006/relationships" xmlns:p="http://schemas.openxmlformats.org/presentationml/2006/main">
   <p:cSld>
     <p:bg>
@@ -11860,7 +14296,7 @@
 </p:sld>
 </file>
 
-<file path=ppt/slides/slide8.xml><?xml version="1.0" encoding="utf-8"?>
+<file path=ppt/slides/slide7.xml><?xml version="1.0" encoding="utf-8"?>
 <p:sld xmlns:a="http://schemas.openxmlformats.org/drawingml/2006/main" xmlns:r="http://schemas.openxmlformats.org/officeDocument/2006/relationships" xmlns:p="http://schemas.openxmlformats.org/presentationml/2006/main">
   <p:cSld>
     <p:bg>
@@ -12473,7 +14909,7 @@
 </p:sld>
 </file>
 
-<file path=ppt/slides/slide9.xml><?xml version="1.0" encoding="utf-8"?>
+<file path=ppt/slides/slide8.xml><?xml version="1.0" encoding="utf-8"?>
 <p:sld xmlns:a="http://schemas.openxmlformats.org/drawingml/2006/main" xmlns:r="http://schemas.openxmlformats.org/officeDocument/2006/relationships" xmlns:p="http://schemas.openxmlformats.org/presentationml/2006/main">
   <p:cSld>
     <p:bg>
@@ -12824,7 +15260,7 @@
           <a:p>
             <a:r>
               <a:rPr lang="en-GB" sz="2400" dirty="0"/>
-              <a:t>“phantom” novel findings</a:t>
+              <a:t>“Phantom” novel findings</a:t>
             </a:r>
           </a:p>
           <a:p>
@@ -12843,6 +15279,388 @@
     <p:extLst>
       <p:ext uri="{BB962C8B-B14F-4D97-AF65-F5344CB8AC3E}">
         <p14:creationId xmlns:p14="http://schemas.microsoft.com/office/powerpoint/2010/main" val="2697106623"/>
+      </p:ext>
+    </p:extLst>
+  </p:cSld>
+  <p:clrMapOvr>
+    <a:masterClrMapping/>
+  </p:clrMapOvr>
+</p:sld>
+</file>
+
+<file path=ppt/slides/slide9.xml><?xml version="1.0" encoding="utf-8"?>
+<p:sld xmlns:a="http://schemas.openxmlformats.org/drawingml/2006/main" xmlns:r="http://schemas.openxmlformats.org/officeDocument/2006/relationships" xmlns:p="http://schemas.openxmlformats.org/presentationml/2006/main">
+  <p:cSld>
+    <p:bg>
+      <p:bgPr>
+        <a:solidFill>
+          <a:schemeClr val="bg1"/>
+        </a:solidFill>
+        <a:effectLst/>
+      </p:bgPr>
+    </p:bg>
+    <p:spTree>
+      <p:nvGrpSpPr>
+        <p:cNvPr id="1" name=""/>
+        <p:cNvGrpSpPr/>
+        <p:nvPr/>
+      </p:nvGrpSpPr>
+      <p:grpSpPr>
+        <a:xfrm>
+          <a:off x="0" y="0"/>
+          <a:ext cx="0" cy="0"/>
+          <a:chOff x="0" y="0"/>
+          <a:chExt cx="0" cy="0"/>
+        </a:xfrm>
+      </p:grpSpPr>
+      <p:sp useBgFill="1">
+        <p:nvSpPr>
+          <p:cNvPr id="8" name="Rectangle 7">
+            <a:extLst>
+              <a:ext uri="{FF2B5EF4-FFF2-40B4-BE49-F238E27FC236}">
+                <a16:creationId xmlns:a16="http://schemas.microsoft.com/office/drawing/2014/main" id="{BAD76F3E-3A97-486B-B402-44400A8B9173}"/>
+              </a:ext>
+              <a:ext uri="{C183D7F6-B498-43B3-948B-1728B52AA6E4}">
+                <adec:decorative xmlns:adec="http://schemas.microsoft.com/office/drawing/2017/decorative" val="1"/>
+              </a:ext>
+            </a:extLst>
+          </p:cNvPr>
+          <p:cNvSpPr>
+            <a:spLocks noGrp="1" noRot="1" noChangeAspect="1" noMove="1" noResize="1" noEditPoints="1" noAdjustHandles="1" noChangeArrowheads="1" noChangeShapeType="1" noTextEdit="1"/>
+          </p:cNvSpPr>
+          <p:nvPr>
+            <p:extLst>
+              <p:ext uri="{386F3935-93C4-4BCD-93E2-E3B085C9AB24}">
+                <p16:designElem xmlns:p16="http://schemas.microsoft.com/office/powerpoint/2015/main" val="1"/>
+              </p:ext>
+            </p:extLst>
+          </p:nvPr>
+        </p:nvSpPr>
+        <p:spPr>
+          <a:xfrm>
+            <a:off x="0" y="0"/>
+            <a:ext cx="12192000" cy="6858000"/>
+          </a:xfrm>
+          <a:prstGeom prst="rect">
+            <a:avLst/>
+          </a:prstGeom>
+          <a:ln>
+            <a:noFill/>
+          </a:ln>
+        </p:spPr>
+        <p:style>
+          <a:lnRef idx="2">
+            <a:schemeClr val="accent1">
+              <a:shade val="50000"/>
+            </a:schemeClr>
+          </a:lnRef>
+          <a:fillRef idx="1">
+            <a:schemeClr val="accent1"/>
+          </a:fillRef>
+          <a:effectRef idx="0">
+            <a:schemeClr val="accent1"/>
+          </a:effectRef>
+          <a:fontRef idx="minor">
+            <a:schemeClr val="lt1"/>
+          </a:fontRef>
+        </p:style>
+        <p:txBody>
+          <a:bodyPr rtlCol="0" anchor="ctr"/>
+          <a:lstStyle/>
+          <a:p>
+            <a:pPr algn="ctr"/>
+            <a:endParaRPr lang="en-US"/>
+          </a:p>
+        </p:txBody>
+      </p:sp>
+      <p:sp>
+        <p:nvSpPr>
+          <p:cNvPr id="2" name="Titel 1">
+            <a:extLst>
+              <a:ext uri="{FF2B5EF4-FFF2-40B4-BE49-F238E27FC236}">
+                <a16:creationId xmlns:a16="http://schemas.microsoft.com/office/drawing/2014/main" id="{8BB35D60-5424-4FB5-8CB4-73C3621D1929}"/>
+              </a:ext>
+            </a:extLst>
+          </p:cNvPr>
+          <p:cNvSpPr>
+            <a:spLocks noGrp="1"/>
+          </p:cNvSpPr>
+          <p:nvPr>
+            <p:ph type="title"/>
+          </p:nvPr>
+        </p:nvSpPr>
+        <p:spPr>
+          <a:xfrm>
+            <a:off x="838199" y="1093788"/>
+            <a:ext cx="10506455" cy="2967208"/>
+          </a:xfrm>
+        </p:spPr>
+        <p:txBody>
+          <a:bodyPr vert="horz" lIns="91440" tIns="45720" rIns="91440" bIns="45720" rtlCol="0" anchor="b">
+            <a:normAutofit/>
+          </a:bodyPr>
+          <a:lstStyle/>
+          <a:p>
+            <a:r>
+              <a:rPr lang="en-US" sz="8000" kern="1200" dirty="0">
+                <a:solidFill>
+                  <a:schemeClr val="tx1"/>
+                </a:solidFill>
+                <a:latin typeface="+mj-lt"/>
+                <a:ea typeface="+mj-ea"/>
+                <a:cs typeface="+mj-cs"/>
+              </a:rPr>
+              <a:t>Thanks for your attention!</a:t>
+            </a:r>
+          </a:p>
+        </p:txBody>
+      </p:sp>
+      <p:sp>
+        <p:nvSpPr>
+          <p:cNvPr id="3" name="Textplatzhalter 2">
+            <a:extLst>
+              <a:ext uri="{FF2B5EF4-FFF2-40B4-BE49-F238E27FC236}">
+                <a16:creationId xmlns:a16="http://schemas.microsoft.com/office/drawing/2014/main" id="{36D80B6B-9BED-23B9-CA9E-46E8A0415AB0}"/>
+              </a:ext>
+            </a:extLst>
+          </p:cNvPr>
+          <p:cNvSpPr>
+            <a:spLocks noGrp="1"/>
+          </p:cNvSpPr>
+          <p:nvPr>
+            <p:ph type="body" idx="1"/>
+          </p:nvPr>
+        </p:nvSpPr>
+        <p:spPr>
+          <a:xfrm>
+            <a:off x="7400924" y="4619624"/>
+            <a:ext cx="3946779" cy="1038225"/>
+          </a:xfrm>
+        </p:spPr>
+        <p:txBody>
+          <a:bodyPr vert="horz" lIns="91440" tIns="45720" rIns="91440" bIns="45720" rtlCol="0">
+            <a:normAutofit/>
+          </a:bodyPr>
+          <a:lstStyle/>
+          <a:p>
+            <a:pPr algn="r"/>
+            <a:r>
+              <a:rPr lang="en-US" sz="2400" kern="1200" dirty="0">
+                <a:solidFill>
+                  <a:schemeClr val="tx1"/>
+                </a:solidFill>
+                <a:latin typeface="+mn-lt"/>
+                <a:ea typeface="+mn-ea"/>
+                <a:cs typeface="+mn-cs"/>
+              </a:rPr>
+              <a:t>Katharina </a:t>
+            </a:r>
+            <a:r>
+              <a:rPr lang="en-US" sz="2400" kern="1200" dirty="0" err="1">
+                <a:solidFill>
+                  <a:schemeClr val="tx1"/>
+                </a:solidFill>
+                <a:latin typeface="+mn-lt"/>
+                <a:ea typeface="+mn-ea"/>
+                <a:cs typeface="+mn-cs"/>
+              </a:rPr>
+              <a:t>Stengg</a:t>
+            </a:r>
+            <a:endParaRPr lang="en-US" sz="2400" kern="1200" dirty="0">
+              <a:solidFill>
+                <a:schemeClr val="tx1"/>
+              </a:solidFill>
+              <a:latin typeface="+mn-lt"/>
+              <a:ea typeface="+mn-ea"/>
+              <a:cs typeface="+mn-cs"/>
+            </a:endParaRPr>
+          </a:p>
+          <a:p>
+            <a:pPr algn="r"/>
+            <a:r>
+              <a:rPr lang="en-US" dirty="0">
+                <a:solidFill>
+                  <a:schemeClr val="tx1"/>
+                </a:solidFill>
+              </a:rPr>
+              <a:t>Seminar Paper Presentation</a:t>
+            </a:r>
+            <a:endParaRPr lang="en-US" sz="2400" kern="1200" dirty="0">
+              <a:solidFill>
+                <a:schemeClr val="tx1"/>
+              </a:solidFill>
+              <a:latin typeface="+mn-lt"/>
+              <a:ea typeface="+mn-ea"/>
+              <a:cs typeface="+mn-cs"/>
+            </a:endParaRPr>
+          </a:p>
+        </p:txBody>
+      </p:sp>
+      <p:sp>
+        <p:nvSpPr>
+          <p:cNvPr id="10" name="Rectangle 9">
+            <a:extLst>
+              <a:ext uri="{FF2B5EF4-FFF2-40B4-BE49-F238E27FC236}">
+                <a16:creationId xmlns:a16="http://schemas.microsoft.com/office/drawing/2014/main" id="{391F6B52-91F4-4AEB-B6DB-29FEBCF28C8B}"/>
+              </a:ext>
+              <a:ext uri="{C183D7F6-B498-43B3-948B-1728B52AA6E4}">
+                <adec:decorative xmlns:adec="http://schemas.microsoft.com/office/drawing/2017/decorative" val="1"/>
+              </a:ext>
+            </a:extLst>
+          </p:cNvPr>
+          <p:cNvSpPr>
+            <a:spLocks noGrp="1" noRot="1" noChangeAspect="1" noMove="1" noResize="1" noEditPoints="1" noAdjustHandles="1" noChangeArrowheads="1" noChangeShapeType="1" noTextEdit="1"/>
+          </p:cNvSpPr>
+          <p:nvPr>
+            <p:extLst>
+              <p:ext uri="{386F3935-93C4-4BCD-93E2-E3B085C9AB24}">
+                <p16:designElem xmlns:p16="http://schemas.microsoft.com/office/powerpoint/2015/main" val="1"/>
+              </p:ext>
+            </p:extLst>
+          </p:nvPr>
+        </p:nvSpPr>
+        <p:spPr>
+          <a:xfrm>
+            <a:off x="841248" y="4331166"/>
+            <a:ext cx="10506456" cy="18288"/>
+          </a:xfrm>
+          <a:prstGeom prst="rect">
+            <a:avLst/>
+          </a:prstGeom>
+          <a:solidFill>
+            <a:srgbClr val="D5D5D5"/>
+          </a:solidFill>
+          <a:ln w="3175">
+            <a:noFill/>
+          </a:ln>
+          <a:effectLst/>
+        </p:spPr>
+        <p:style>
+          <a:lnRef idx="2">
+            <a:schemeClr val="accent1">
+              <a:shade val="50000"/>
+            </a:schemeClr>
+          </a:lnRef>
+          <a:fillRef idx="1">
+            <a:schemeClr val="accent1"/>
+          </a:fillRef>
+          <a:effectRef idx="0">
+            <a:schemeClr val="accent1"/>
+          </a:effectRef>
+          <a:fontRef idx="minor">
+            <a:schemeClr val="lt1"/>
+          </a:fontRef>
+        </p:style>
+        <p:txBody>
+          <a:bodyPr rtlCol="0" anchor="ctr"/>
+          <a:lstStyle/>
+          <a:p>
+            <a:pPr algn="ctr"/>
+            <a:endParaRPr lang="en-US">
+              <a:solidFill>
+                <a:prstClr val="white"/>
+              </a:solidFill>
+              <a:latin typeface="Calibri" panose="020F0502020204030204"/>
+            </a:endParaRPr>
+          </a:p>
+        </p:txBody>
+      </p:sp>
+      <p:sp>
+        <p:nvSpPr>
+          <p:cNvPr id="12" name="Rectangle 11">
+            <a:extLst>
+              <a:ext uri="{FF2B5EF4-FFF2-40B4-BE49-F238E27FC236}">
+                <a16:creationId xmlns:a16="http://schemas.microsoft.com/office/drawing/2014/main" id="{2CD6F061-7C53-44F4-9794-953DB70A451B}"/>
+              </a:ext>
+              <a:ext uri="{C183D7F6-B498-43B3-948B-1728B52AA6E4}">
+                <adec:decorative xmlns:adec="http://schemas.microsoft.com/office/drawing/2017/decorative" val="1"/>
+              </a:ext>
+            </a:extLst>
+          </p:cNvPr>
+          <p:cNvSpPr>
+            <a:spLocks noGrp="1" noRot="1" noChangeAspect="1" noMove="1" noResize="1" noEditPoints="1" noAdjustHandles="1" noChangeArrowheads="1" noChangeShapeType="1" noTextEdit="1"/>
+          </p:cNvSpPr>
+          <p:nvPr>
+            <p:extLst>
+              <p:ext uri="{386F3935-93C4-4BCD-93E2-E3B085C9AB24}">
+                <p16:designElem xmlns:p16="http://schemas.microsoft.com/office/powerpoint/2015/main" val="1"/>
+              </p:ext>
+            </p:extLst>
+          </p:nvPr>
+        </p:nvSpPr>
+        <p:spPr>
+          <a:xfrm rot="5400000">
+            <a:off x="9346882" y="2348839"/>
+            <a:ext cx="54864" cy="3946779"/>
+          </a:xfrm>
+          <a:prstGeom prst="rect">
+            <a:avLst/>
+          </a:prstGeom>
+          <a:solidFill>
+            <a:schemeClr val="accent2"/>
+          </a:solidFill>
+          <a:ln>
+            <a:noFill/>
+          </a:ln>
+        </p:spPr>
+        <p:style>
+          <a:lnRef idx="2">
+            <a:schemeClr val="accent1">
+              <a:shade val="50000"/>
+            </a:schemeClr>
+          </a:lnRef>
+          <a:fillRef idx="1">
+            <a:schemeClr val="accent1"/>
+          </a:fillRef>
+          <a:effectRef idx="0">
+            <a:schemeClr val="accent1"/>
+          </a:effectRef>
+          <a:fontRef idx="minor">
+            <a:schemeClr val="lt1"/>
+          </a:fontRef>
+        </p:style>
+        <p:txBody>
+          <a:bodyPr rtlCol="0" anchor="ctr"/>
+          <a:lstStyle/>
+          <a:p>
+            <a:pPr marL="0" marR="0" lvl="0" indent="0" algn="ctr" defTabSz="914400" rtl="0" eaLnBrk="1" fontAlgn="auto" latinLnBrk="0" hangingPunct="1">
+              <a:lnSpc>
+                <a:spcPct val="100000"/>
+              </a:lnSpc>
+              <a:spcBef>
+                <a:spcPts val="0"/>
+              </a:spcBef>
+              <a:spcAft>
+                <a:spcPts val="0"/>
+              </a:spcAft>
+              <a:buClrTx/>
+              <a:buSzTx/>
+              <a:buFontTx/>
+              <a:buNone/>
+              <a:tabLst/>
+              <a:defRPr/>
+            </a:pPr>
+            <a:endParaRPr kumimoji="0" lang="en-US" sz="1800" b="0" i="0" u="none" strike="noStrike" kern="1200" cap="none" spc="0" normalizeH="0" baseline="0" noProof="0">
+              <a:ln>
+                <a:noFill/>
+              </a:ln>
+              <a:solidFill>
+                <a:prstClr val="white"/>
+              </a:solidFill>
+              <a:effectLst/>
+              <a:uLnTx/>
+              <a:uFillTx/>
+              <a:latin typeface="Calibri" panose="020F0502020204030204"/>
+              <a:ea typeface="+mn-ea"/>
+              <a:cs typeface="+mn-cs"/>
+            </a:endParaRPr>
+          </a:p>
+        </p:txBody>
+      </p:sp>
+    </p:spTree>
+    <p:extLst>
+      <p:ext uri="{BB962C8B-B14F-4D97-AF65-F5344CB8AC3E}">
+        <p14:creationId xmlns:p14="http://schemas.microsoft.com/office/powerpoint/2010/main" val="4069034818"/>
       </p:ext>
     </p:extLst>
   </p:cSld>
@@ -13147,45 +15965,297 @@
 </a:theme>
 </file>
 
-<file path=ppt/theme/themeOverride1.xml><?xml version="1.0" encoding="utf-8"?>
-<a:themeOverride xmlns:a="http://schemas.openxmlformats.org/drawingml/2006/main">
-  <a:clrScheme name="Office">
-    <a:dk1>
-      <a:sysClr val="windowText" lastClr="000000"/>
-    </a:dk1>
-    <a:lt1>
-      <a:sysClr val="window" lastClr="FFFFFF"/>
-    </a:lt1>
-    <a:dk2>
-      <a:srgbClr val="44546A"/>
-    </a:dk2>
-    <a:lt2>
-      <a:srgbClr val="E7E6E6"/>
-    </a:lt2>
-    <a:accent1>
-      <a:srgbClr val="4472C4"/>
-    </a:accent1>
-    <a:accent2>
-      <a:srgbClr val="ED7D31"/>
-    </a:accent2>
-    <a:accent3>
-      <a:srgbClr val="A5A5A5"/>
-    </a:accent3>
-    <a:accent4>
-      <a:srgbClr val="FFC000"/>
-    </a:accent4>
-    <a:accent5>
-      <a:srgbClr val="5B9BD5"/>
-    </a:accent5>
-    <a:accent6>
-      <a:srgbClr val="70AD47"/>
-    </a:accent6>
-    <a:hlink>
-      <a:srgbClr val="0563C1"/>
-    </a:hlink>
-    <a:folHlink>
-      <a:srgbClr val="954F72"/>
-    </a:folHlink>
-  </a:clrScheme>
-</a:themeOverride>
+<file path=ppt/theme/theme2.xml><?xml version="1.0" encoding="utf-8"?>
+<a:theme xmlns:a="http://schemas.openxmlformats.org/drawingml/2006/main" name="Office">
+  <a:themeElements>
+    <a:clrScheme name="Office">
+      <a:dk1>
+        <a:sysClr val="windowText" lastClr="000000"/>
+      </a:dk1>
+      <a:lt1>
+        <a:sysClr val="window" lastClr="FFFFFF"/>
+      </a:lt1>
+      <a:dk2>
+        <a:srgbClr val="44546A"/>
+      </a:dk2>
+      <a:lt2>
+        <a:srgbClr val="E7E6E6"/>
+      </a:lt2>
+      <a:accent1>
+        <a:srgbClr val="4472C4"/>
+      </a:accent1>
+      <a:accent2>
+        <a:srgbClr val="ED7D31"/>
+      </a:accent2>
+      <a:accent3>
+        <a:srgbClr val="A5A5A5"/>
+      </a:accent3>
+      <a:accent4>
+        <a:srgbClr val="FFC000"/>
+      </a:accent4>
+      <a:accent5>
+        <a:srgbClr val="5B9BD5"/>
+      </a:accent5>
+      <a:accent6>
+        <a:srgbClr val="70AD47"/>
+      </a:accent6>
+      <a:hlink>
+        <a:srgbClr val="0563C1"/>
+      </a:hlink>
+      <a:folHlink>
+        <a:srgbClr val="954F72"/>
+      </a:folHlink>
+    </a:clrScheme>
+    <a:fontScheme name="Office">
+      <a:majorFont>
+        <a:latin typeface="Calibri Light" panose="020F0302020204030204"/>
+        <a:ea typeface=""/>
+        <a:cs typeface=""/>
+        <a:font script="Jpan" typeface="游ゴシック Light"/>
+        <a:font script="Hang" typeface="맑은 고딕"/>
+        <a:font script="Hans" typeface="等线 Light"/>
+        <a:font script="Hant" typeface="新細明體"/>
+        <a:font script="Arab" typeface="Times New Roman"/>
+        <a:font script="Hebr" typeface="Times New Roman"/>
+        <a:font script="Thai" typeface="Angsana New"/>
+        <a:font script="Ethi" typeface="Nyala"/>
+        <a:font script="Beng" typeface="Vrinda"/>
+        <a:font script="Gujr" typeface="Shruti"/>
+        <a:font script="Khmr" typeface="MoolBoran"/>
+        <a:font script="Knda" typeface="Tunga"/>
+        <a:font script="Guru" typeface="Raavi"/>
+        <a:font script="Cans" typeface="Euphemia"/>
+        <a:font script="Cher" typeface="Plantagenet Cherokee"/>
+        <a:font script="Yiii" typeface="Microsoft Yi Baiti"/>
+        <a:font script="Tibt" typeface="Microsoft Himalaya"/>
+        <a:font script="Thaa" typeface="MV Boli"/>
+        <a:font script="Deva" typeface="Mangal"/>
+        <a:font script="Telu" typeface="Gautami"/>
+        <a:font script="Taml" typeface="Latha"/>
+        <a:font script="Syrc" typeface="Estrangelo Edessa"/>
+        <a:font script="Orya" typeface="Kalinga"/>
+        <a:font script="Mlym" typeface="Kartika"/>
+        <a:font script="Laoo" typeface="DokChampa"/>
+        <a:font script="Sinh" typeface="Iskoola Pota"/>
+        <a:font script="Mong" typeface="Mongolian Baiti"/>
+        <a:font script="Viet" typeface="Times New Roman"/>
+        <a:font script="Uigh" typeface="Microsoft Uighur"/>
+        <a:font script="Geor" typeface="Sylfaen"/>
+        <a:font script="Armn" typeface="Arial"/>
+        <a:font script="Bugi" typeface="Leelawadee UI"/>
+        <a:font script="Bopo" typeface="Microsoft JhengHei"/>
+        <a:font script="Java" typeface="Javanese Text"/>
+        <a:font script="Lisu" typeface="Segoe UI"/>
+        <a:font script="Mymr" typeface="Myanmar Text"/>
+        <a:font script="Nkoo" typeface="Ebrima"/>
+        <a:font script="Olck" typeface="Nirmala UI"/>
+        <a:font script="Osma" typeface="Ebrima"/>
+        <a:font script="Phag" typeface="Phagspa"/>
+        <a:font script="Syrn" typeface="Estrangelo Edessa"/>
+        <a:font script="Syrj" typeface="Estrangelo Edessa"/>
+        <a:font script="Syre" typeface="Estrangelo Edessa"/>
+        <a:font script="Sora" typeface="Nirmala UI"/>
+        <a:font script="Tale" typeface="Microsoft Tai Le"/>
+        <a:font script="Talu" typeface="Microsoft New Tai Lue"/>
+        <a:font script="Tfng" typeface="Ebrima"/>
+      </a:majorFont>
+      <a:minorFont>
+        <a:latin typeface="Calibri" panose="020F0502020204030204"/>
+        <a:ea typeface=""/>
+        <a:cs typeface=""/>
+        <a:font script="Jpan" typeface="游ゴシック"/>
+        <a:font script="Hang" typeface="맑은 고딕"/>
+        <a:font script="Hans" typeface="等线"/>
+        <a:font script="Hant" typeface="新細明體"/>
+        <a:font script="Arab" typeface="Arial"/>
+        <a:font script="Hebr" typeface="Arial"/>
+        <a:font script="Thai" typeface="Cordia New"/>
+        <a:font script="Ethi" typeface="Nyala"/>
+        <a:font script="Beng" typeface="Vrinda"/>
+        <a:font script="Gujr" typeface="Shruti"/>
+        <a:font script="Khmr" typeface="DaunPenh"/>
+        <a:font script="Knda" typeface="Tunga"/>
+        <a:font script="Guru" typeface="Raavi"/>
+        <a:font script="Cans" typeface="Euphemia"/>
+        <a:font script="Cher" typeface="Plantagenet Cherokee"/>
+        <a:font script="Yiii" typeface="Microsoft Yi Baiti"/>
+        <a:font script="Tibt" typeface="Microsoft Himalaya"/>
+        <a:font script="Thaa" typeface="MV Boli"/>
+        <a:font script="Deva" typeface="Mangal"/>
+        <a:font script="Telu" typeface="Gautami"/>
+        <a:font script="Taml" typeface="Latha"/>
+        <a:font script="Syrc" typeface="Estrangelo Edessa"/>
+        <a:font script="Orya" typeface="Kalinga"/>
+        <a:font script="Mlym" typeface="Kartika"/>
+        <a:font script="Laoo" typeface="DokChampa"/>
+        <a:font script="Sinh" typeface="Iskoola Pota"/>
+        <a:font script="Mong" typeface="Mongolian Baiti"/>
+        <a:font script="Viet" typeface="Arial"/>
+        <a:font script="Uigh" typeface="Microsoft Uighur"/>
+        <a:font script="Geor" typeface="Sylfaen"/>
+        <a:font script="Armn" typeface="Arial"/>
+        <a:font script="Bugi" typeface="Leelawadee UI"/>
+        <a:font script="Bopo" typeface="Microsoft JhengHei"/>
+        <a:font script="Java" typeface="Javanese Text"/>
+        <a:font script="Lisu" typeface="Segoe UI"/>
+        <a:font script="Mymr" typeface="Myanmar Text"/>
+        <a:font script="Nkoo" typeface="Ebrima"/>
+        <a:font script="Olck" typeface="Nirmala UI"/>
+        <a:font script="Osma" typeface="Ebrima"/>
+        <a:font script="Phag" typeface="Phagspa"/>
+        <a:font script="Syrn" typeface="Estrangelo Edessa"/>
+        <a:font script="Syrj" typeface="Estrangelo Edessa"/>
+        <a:font script="Syre" typeface="Estrangelo Edessa"/>
+        <a:font script="Sora" typeface="Nirmala UI"/>
+        <a:font script="Tale" typeface="Microsoft Tai Le"/>
+        <a:font script="Talu" typeface="Microsoft New Tai Lue"/>
+        <a:font script="Tfng" typeface="Ebrima"/>
+      </a:minorFont>
+    </a:fontScheme>
+    <a:fmtScheme name="Office">
+      <a:fillStyleLst>
+        <a:solidFill>
+          <a:schemeClr val="phClr"/>
+        </a:solidFill>
+        <a:gradFill rotWithShape="1">
+          <a:gsLst>
+            <a:gs pos="0">
+              <a:schemeClr val="phClr">
+                <a:lumMod val="110000"/>
+                <a:satMod val="105000"/>
+                <a:tint val="67000"/>
+              </a:schemeClr>
+            </a:gs>
+            <a:gs pos="50000">
+              <a:schemeClr val="phClr">
+                <a:lumMod val="105000"/>
+                <a:satMod val="103000"/>
+                <a:tint val="73000"/>
+              </a:schemeClr>
+            </a:gs>
+            <a:gs pos="100000">
+              <a:schemeClr val="phClr">
+                <a:lumMod val="105000"/>
+                <a:satMod val="109000"/>
+                <a:tint val="81000"/>
+              </a:schemeClr>
+            </a:gs>
+          </a:gsLst>
+          <a:lin ang="5400000" scaled="0"/>
+        </a:gradFill>
+        <a:gradFill rotWithShape="1">
+          <a:gsLst>
+            <a:gs pos="0">
+              <a:schemeClr val="phClr">
+                <a:satMod val="103000"/>
+                <a:lumMod val="102000"/>
+                <a:tint val="94000"/>
+              </a:schemeClr>
+            </a:gs>
+            <a:gs pos="50000">
+              <a:schemeClr val="phClr">
+                <a:satMod val="110000"/>
+                <a:lumMod val="100000"/>
+                <a:shade val="100000"/>
+              </a:schemeClr>
+            </a:gs>
+            <a:gs pos="100000">
+              <a:schemeClr val="phClr">
+                <a:lumMod val="99000"/>
+                <a:satMod val="120000"/>
+                <a:shade val="78000"/>
+              </a:schemeClr>
+            </a:gs>
+          </a:gsLst>
+          <a:lin ang="5400000" scaled="0"/>
+        </a:gradFill>
+      </a:fillStyleLst>
+      <a:lnStyleLst>
+        <a:ln w="6350" cap="flat" cmpd="sng" algn="ctr">
+          <a:solidFill>
+            <a:schemeClr val="phClr"/>
+          </a:solidFill>
+          <a:prstDash val="solid"/>
+          <a:miter lim="800000"/>
+        </a:ln>
+        <a:ln w="12700" cap="flat" cmpd="sng" algn="ctr">
+          <a:solidFill>
+            <a:schemeClr val="phClr"/>
+          </a:solidFill>
+          <a:prstDash val="solid"/>
+          <a:miter lim="800000"/>
+        </a:ln>
+        <a:ln w="19050" cap="flat" cmpd="sng" algn="ctr">
+          <a:solidFill>
+            <a:schemeClr val="phClr"/>
+          </a:solidFill>
+          <a:prstDash val="solid"/>
+          <a:miter lim="800000"/>
+        </a:ln>
+      </a:lnStyleLst>
+      <a:effectStyleLst>
+        <a:effectStyle>
+          <a:effectLst/>
+        </a:effectStyle>
+        <a:effectStyle>
+          <a:effectLst/>
+        </a:effectStyle>
+        <a:effectStyle>
+          <a:effectLst>
+            <a:outerShdw blurRad="57150" dist="19050" dir="5400000" algn="ctr" rotWithShape="0">
+              <a:srgbClr val="000000">
+                <a:alpha val="63000"/>
+              </a:srgbClr>
+            </a:outerShdw>
+          </a:effectLst>
+        </a:effectStyle>
+      </a:effectStyleLst>
+      <a:bgFillStyleLst>
+        <a:solidFill>
+          <a:schemeClr val="phClr"/>
+        </a:solidFill>
+        <a:solidFill>
+          <a:schemeClr val="phClr">
+            <a:tint val="95000"/>
+            <a:satMod val="170000"/>
+          </a:schemeClr>
+        </a:solidFill>
+        <a:gradFill rotWithShape="1">
+          <a:gsLst>
+            <a:gs pos="0">
+              <a:schemeClr val="phClr">
+                <a:tint val="93000"/>
+                <a:satMod val="150000"/>
+                <a:shade val="98000"/>
+                <a:lumMod val="102000"/>
+              </a:schemeClr>
+            </a:gs>
+            <a:gs pos="50000">
+              <a:schemeClr val="phClr">
+                <a:tint val="98000"/>
+                <a:satMod val="130000"/>
+                <a:shade val="90000"/>
+                <a:lumMod val="103000"/>
+              </a:schemeClr>
+            </a:gs>
+            <a:gs pos="100000">
+              <a:schemeClr val="phClr">
+                <a:shade val="63000"/>
+                <a:satMod val="120000"/>
+              </a:schemeClr>
+            </a:gs>
+          </a:gsLst>
+          <a:lin ang="5400000" scaled="0"/>
+        </a:gradFill>
+      </a:bgFillStyleLst>
+    </a:fmtScheme>
+  </a:themeElements>
+  <a:objectDefaults/>
+  <a:extraClrSchemeLst/>
+  <a:extLst>
+    <a:ext uri="{05A4C25C-085E-4340-85A3-A5531E510DB2}">
+      <thm15:themeFamily xmlns:thm15="http://schemas.microsoft.com/office/thememl/2012/main" name="Office Theme" id="{62F939B6-93AF-4DB8-9C6B-D6C7DFDC589F}" vid="{4A3C46E8-61CC-4603-A589-7422A47A8E4A}"/>
+    </a:ext>
+  </a:extLst>
+</a:theme>
 </file>